--- a/Semana 2/Presentación.pptx
+++ b/Semana 2/Presentación.pptx
@@ -114,6 +114,11 @@
       </a:defRPr>
     </a:lvl9pPr>
   </p:defaultTextStyle>
+  <p:extLst>
+    <p:ext uri="{EFAFB233-063F-42B5-8137-9DF3F51BA10A}">
+      <p15:sldGuideLst xmlns:p15="http://schemas.microsoft.com/office/powerpoint/2012/main"/>
+    </p:ext>
+  </p:extLst>
 </p:presentation>
 </file>
 
@@ -343,7 +348,7 @@
           <a:p>
             <a:fld id="{AAE5428F-4F43-4132-90EE-793D4105280B}" type="datetimeFigureOut">
               <a:rPr lang="es-CO" smtClean="0"/>
-              <a:t>27/01/2019</a:t>
+              <a:t>28/01/2019</a:t>
             </a:fld>
             <a:endParaRPr lang="es-CO"/>
           </a:p>
@@ -551,7 +556,7 @@
           <a:p>
             <a:fld id="{AAE5428F-4F43-4132-90EE-793D4105280B}" type="datetimeFigureOut">
               <a:rPr lang="es-CO" smtClean="0"/>
-              <a:t>27/01/2019</a:t>
+              <a:t>28/01/2019</a:t>
             </a:fld>
             <a:endParaRPr lang="es-CO"/>
           </a:p>
@@ -807,7 +812,7 @@
           <a:p>
             <a:fld id="{AAE5428F-4F43-4132-90EE-793D4105280B}" type="datetimeFigureOut">
               <a:rPr lang="es-CO" smtClean="0"/>
-              <a:t>27/01/2019</a:t>
+              <a:t>28/01/2019</a:t>
             </a:fld>
             <a:endParaRPr lang="es-CO"/>
           </a:p>
@@ -977,7 +982,7 @@
           <a:p>
             <a:fld id="{AAE5428F-4F43-4132-90EE-793D4105280B}" type="datetimeFigureOut">
               <a:rPr lang="es-CO" smtClean="0"/>
-              <a:t>27/01/2019</a:t>
+              <a:t>28/01/2019</a:t>
             </a:fld>
             <a:endParaRPr lang="es-CO"/>
           </a:p>
@@ -1320,7 +1325,7 @@
           <a:p>
             <a:fld id="{AAE5428F-4F43-4132-90EE-793D4105280B}" type="datetimeFigureOut">
               <a:rPr lang="es-CO" smtClean="0"/>
-              <a:t>27/01/2019</a:t>
+              <a:t>28/01/2019</a:t>
             </a:fld>
             <a:endParaRPr lang="es-CO"/>
           </a:p>
@@ -1595,7 +1600,7 @@
           <a:p>
             <a:fld id="{AAE5428F-4F43-4132-90EE-793D4105280B}" type="datetimeFigureOut">
               <a:rPr lang="es-CO" smtClean="0"/>
-              <a:t>27/01/2019</a:t>
+              <a:t>28/01/2019</a:t>
             </a:fld>
             <a:endParaRPr lang="es-CO"/>
           </a:p>
@@ -1974,7 +1979,7 @@
           <a:p>
             <a:fld id="{AAE5428F-4F43-4132-90EE-793D4105280B}" type="datetimeFigureOut">
               <a:rPr lang="es-CO" smtClean="0"/>
-              <a:t>27/01/2019</a:t>
+              <a:t>28/01/2019</a:t>
             </a:fld>
             <a:endParaRPr lang="es-CO"/>
           </a:p>
@@ -2092,7 +2097,7 @@
           <a:p>
             <a:fld id="{AAE5428F-4F43-4132-90EE-793D4105280B}" type="datetimeFigureOut">
               <a:rPr lang="es-CO" smtClean="0"/>
-              <a:t>27/01/2019</a:t>
+              <a:t>28/01/2019</a:t>
             </a:fld>
             <a:endParaRPr lang="es-CO"/>
           </a:p>
@@ -2263,7 +2268,7 @@
           <a:p>
             <a:fld id="{AAE5428F-4F43-4132-90EE-793D4105280B}" type="datetimeFigureOut">
               <a:rPr lang="es-CO" smtClean="0"/>
-              <a:t>27/01/2019</a:t>
+              <a:t>28/01/2019</a:t>
             </a:fld>
             <a:endParaRPr lang="es-CO"/>
           </a:p>
@@ -2617,7 +2622,7 @@
           <a:p>
             <a:fld id="{AAE5428F-4F43-4132-90EE-793D4105280B}" type="datetimeFigureOut">
               <a:rPr lang="es-CO" smtClean="0"/>
-              <a:t>27/01/2019</a:t>
+              <a:t>28/01/2019</a:t>
             </a:fld>
             <a:endParaRPr lang="es-CO"/>
           </a:p>
@@ -2994,7 +2999,7 @@
           <a:p>
             <a:fld id="{AAE5428F-4F43-4132-90EE-793D4105280B}" type="datetimeFigureOut">
               <a:rPr lang="es-CO" smtClean="0"/>
-              <a:t>27/01/2019</a:t>
+              <a:t>28/01/2019</a:t>
             </a:fld>
             <a:endParaRPr lang="es-CO"/>
           </a:p>
@@ -3281,7 +3286,7 @@
           <a:p>
             <a:fld id="{AAE5428F-4F43-4132-90EE-793D4105280B}" type="datetimeFigureOut">
               <a:rPr lang="es-CO" smtClean="0"/>
-              <a:t>27/01/2019</a:t>
+              <a:t>28/01/2019</a:t>
             </a:fld>
             <a:endParaRPr lang="es-CO"/>
           </a:p>
@@ -3840,12 +3845,30 @@
         </p:nvSpPr>
         <p:spPr/>
         <p:txBody>
-          <a:bodyPr/>
+          <a:bodyPr>
+            <a:normAutofit fontScale="85000" lnSpcReduction="20000"/>
+          </a:bodyPr>
           <a:lstStyle/>
           <a:p>
             <a:r>
               <a:rPr lang="es-ES" dirty="0" smtClean="0"/>
-              <a:t>Introducción a la redes</a:t>
+              <a:t>Introducción a la </a:t>
+            </a:r>
+            <a:r>
+              <a:rPr lang="es-ES" dirty="0" smtClean="0"/>
+              <a:t>redes</a:t>
+            </a:r>
+          </a:p>
+          <a:p>
+            <a:r>
+              <a:rPr lang="es-ES" dirty="0" smtClean="0"/>
+              <a:t>PROGRAMACIÓN EN RED</a:t>
+            </a:r>
+          </a:p>
+          <a:p>
+            <a:r>
+              <a:rPr lang="es-ES" smtClean="0"/>
+              <a:t>INGENIERÍA TELEMÁTICA</a:t>
             </a:r>
             <a:endParaRPr lang="es-CO" dirty="0"/>
           </a:p>

--- a/Semana 2/Presentación.pptx
+++ b/Semana 2/Presentación.pptx
@@ -3852,11 +3852,7 @@
           <a:p>
             <a:r>
               <a:rPr lang="es-ES" dirty="0" smtClean="0"/>
-              <a:t>Introducción a la </a:t>
-            </a:r>
-            <a:r>
-              <a:rPr lang="es-ES" dirty="0" smtClean="0"/>
-              <a:t>redes</a:t>
+              <a:t>Introducción a la redes</a:t>
             </a:r>
           </a:p>
           <a:p>
@@ -4300,7 +4296,7 @@
         </p:nvSpPr>
         <p:spPr>
           <a:xfrm>
-            <a:off x="1113497" y="5731742"/>
+            <a:off x="1113494" y="5587807"/>
             <a:ext cx="1708356" cy="594852"/>
           </a:xfrm>
           <a:prstGeom prst="rect">
@@ -4311,6 +4307,9 @@
               <a:lumMod val="50000"/>
             </a:schemeClr>
           </a:solidFill>
+          <a:ln>
+            <a:noFill/>
+          </a:ln>
         </p:spPr>
         <p:style>
           <a:lnRef idx="2">
@@ -4349,7 +4348,7 @@
         </p:nvSpPr>
         <p:spPr>
           <a:xfrm>
-            <a:off x="1113494" y="5058233"/>
+            <a:off x="1113494" y="4977798"/>
             <a:ext cx="1708356" cy="594852"/>
           </a:xfrm>
           <a:prstGeom prst="rect">
@@ -4360,6 +4359,9 @@
               <a:lumMod val="50000"/>
             </a:schemeClr>
           </a:solidFill>
+          <a:ln>
+            <a:noFill/>
+          </a:ln>
         </p:spPr>
         <p:style>
           <a:lnRef idx="2">
@@ -4398,17 +4400,20 @@
         </p:nvSpPr>
         <p:spPr>
           <a:xfrm>
-            <a:off x="1113494" y="4384724"/>
+            <a:off x="1113494" y="4367789"/>
             <a:ext cx="1708356" cy="594852"/>
           </a:xfrm>
           <a:prstGeom prst="rect">
             <a:avLst/>
           </a:prstGeom>
           <a:solidFill>
-            <a:schemeClr val="accent1">
+            <a:schemeClr val="accent2">
               <a:lumMod val="50000"/>
             </a:schemeClr>
           </a:solidFill>
+          <a:ln>
+            <a:noFill/>
+          </a:ln>
         </p:spPr>
         <p:style>
           <a:lnRef idx="2">
@@ -4447,7 +4452,7 @@
         </p:nvSpPr>
         <p:spPr>
           <a:xfrm>
-            <a:off x="1113494" y="3711215"/>
+            <a:off x="1113494" y="3757780"/>
             <a:ext cx="1708356" cy="594852"/>
           </a:xfrm>
           <a:prstGeom prst="rect">
@@ -4456,6 +4461,9 @@
           <a:solidFill>
             <a:srgbClr val="7030A0"/>
           </a:solidFill>
+          <a:ln>
+            <a:noFill/>
+          </a:ln>
         </p:spPr>
         <p:style>
           <a:lnRef idx="2">
@@ -4494,7 +4502,7 @@
         </p:nvSpPr>
         <p:spPr>
           <a:xfrm>
-            <a:off x="1113494" y="3037706"/>
+            <a:off x="1113494" y="3147771"/>
             <a:ext cx="1708356" cy="594852"/>
           </a:xfrm>
           <a:prstGeom prst="rect">
@@ -4503,6 +4511,9 @@
           <a:solidFill>
             <a:srgbClr val="7030A0"/>
           </a:solidFill>
+          <a:ln>
+            <a:noFill/>
+          </a:ln>
         </p:spPr>
         <p:style>
           <a:lnRef idx="2">
@@ -4541,7 +4552,7 @@
         </p:nvSpPr>
         <p:spPr>
           <a:xfrm>
-            <a:off x="1113494" y="2364197"/>
+            <a:off x="1113494" y="2537762"/>
             <a:ext cx="1708356" cy="594852"/>
           </a:xfrm>
           <a:prstGeom prst="rect">
@@ -4550,6 +4561,9 @@
           <a:solidFill>
             <a:srgbClr val="7030A0"/>
           </a:solidFill>
+          <a:ln>
+            <a:noFill/>
+          </a:ln>
         </p:spPr>
         <p:style>
           <a:lnRef idx="2">
@@ -4588,7 +4602,7 @@
         </p:nvSpPr>
         <p:spPr>
           <a:xfrm>
-            <a:off x="1113494" y="1690688"/>
+            <a:off x="1113494" y="1927753"/>
             <a:ext cx="1708356" cy="594852"/>
           </a:xfrm>
           <a:prstGeom prst="rect">
@@ -4597,6 +4611,9 @@
           <a:solidFill>
             <a:srgbClr val="7030A0"/>
           </a:solidFill>
+          <a:ln>
+            <a:noFill/>
+          </a:ln>
         </p:spPr>
         <p:style>
           <a:lnRef idx="2">
@@ -4655,6 +4672,9 @@
             <a:endParaRPr lang="en-US" dirty="0"/>
           </a:p>
           <a:p>
+            <a:endParaRPr lang="en-US" dirty="0" smtClean="0"/>
+          </a:p>
+          <a:p>
             <a:endParaRPr lang="en-US" dirty="0"/>
           </a:p>
           <a:p>
@@ -4764,9 +4784,6 @@
           </a:p>
           <a:p>
             <a:endParaRPr lang="en-US" dirty="0" smtClean="0"/>
-          </a:p>
-          <a:p>
-            <a:endParaRPr lang="en-US" dirty="0"/>
           </a:p>
           <a:p>
             <a:r>
@@ -4869,8 +4886,8 @@
         </p:nvCxnSpPr>
         <p:spPr>
           <a:xfrm>
-            <a:off x="3195484" y="1690688"/>
-            <a:ext cx="0" cy="2615379"/>
+            <a:off x="3026151" y="1927753"/>
+            <a:ext cx="0" cy="2364847"/>
           </a:xfrm>
           <a:prstGeom prst="line">
             <a:avLst/>
@@ -4904,7 +4921,7 @@
         </p:nvCxnSpPr>
         <p:spPr>
           <a:xfrm>
-            <a:off x="3195484" y="2959049"/>
+            <a:off x="3026151" y="3255383"/>
             <a:ext cx="865239" cy="0"/>
           </a:xfrm>
           <a:prstGeom prst="straightConnector1">
@@ -4940,7 +4957,7 @@
         </p:nvCxnSpPr>
         <p:spPr>
           <a:xfrm>
-            <a:off x="3249561" y="4682150"/>
+            <a:off x="3026150" y="4648363"/>
             <a:ext cx="865239" cy="0"/>
           </a:xfrm>
           <a:prstGeom prst="straightConnector1">
@@ -5095,13 +5112,13 @@
       </p:sp>
       <p:sp>
         <p:nvSpPr>
-          <p:cNvPr id="4" name="Rectángulo 3"/>
+          <p:cNvPr id="11" name="Rectángulo 10"/>
           <p:cNvSpPr/>
           <p:nvPr/>
         </p:nvSpPr>
         <p:spPr>
           <a:xfrm>
-            <a:off x="9264448" y="5731742"/>
+            <a:off x="9447324" y="5582111"/>
             <a:ext cx="1708356" cy="594852"/>
           </a:xfrm>
           <a:prstGeom prst="rect">
@@ -5147,13 +5164,13 @@
       </p:sp>
       <p:sp>
         <p:nvSpPr>
-          <p:cNvPr id="5" name="Rectángulo 4"/>
+          <p:cNvPr id="12" name="Rectángulo 11"/>
           <p:cNvSpPr/>
           <p:nvPr/>
         </p:nvSpPr>
         <p:spPr>
           <a:xfrm>
-            <a:off x="9264445" y="5058233"/>
+            <a:off x="9447324" y="4972102"/>
             <a:ext cx="1708356" cy="594852"/>
           </a:xfrm>
           <a:prstGeom prst="rect">
@@ -5199,13 +5216,13 @@
       </p:sp>
       <p:sp>
         <p:nvSpPr>
-          <p:cNvPr id="6" name="Rectángulo 5"/>
+          <p:cNvPr id="13" name="Rectángulo 12"/>
           <p:cNvSpPr/>
           <p:nvPr/>
         </p:nvSpPr>
         <p:spPr>
           <a:xfrm>
-            <a:off x="9264445" y="4384724"/>
+            <a:off x="9447324" y="4362093"/>
             <a:ext cx="1708356" cy="594852"/>
           </a:xfrm>
           <a:prstGeom prst="rect">
@@ -5214,6 +5231,9 @@
           <a:solidFill>
             <a:srgbClr val="7030A0"/>
           </a:solidFill>
+          <a:ln>
+            <a:noFill/>
+          </a:ln>
         </p:spPr>
         <p:style>
           <a:lnRef idx="2">
@@ -5246,13 +5266,13 @@
       </p:sp>
       <p:sp>
         <p:nvSpPr>
-          <p:cNvPr id="7" name="Rectángulo 6"/>
+          <p:cNvPr id="14" name="Rectángulo 13"/>
           <p:cNvSpPr/>
           <p:nvPr/>
         </p:nvSpPr>
         <p:spPr>
           <a:xfrm>
-            <a:off x="9264445" y="3711215"/>
+            <a:off x="9447324" y="3752084"/>
             <a:ext cx="1708356" cy="594852"/>
           </a:xfrm>
           <a:prstGeom prst="rect">
@@ -5298,13 +5318,13 @@
       </p:sp>
       <p:sp>
         <p:nvSpPr>
-          <p:cNvPr id="8" name="Rectángulo 7"/>
+          <p:cNvPr id="15" name="Rectángulo 14"/>
           <p:cNvSpPr/>
           <p:nvPr/>
         </p:nvSpPr>
         <p:spPr>
           <a:xfrm>
-            <a:off x="9264445" y="3037706"/>
+            <a:off x="9447324" y="3142075"/>
             <a:ext cx="1708356" cy="594852"/>
           </a:xfrm>
           <a:prstGeom prst="rect">
@@ -5350,13 +5370,13 @@
       </p:sp>
       <p:sp>
         <p:nvSpPr>
-          <p:cNvPr id="9" name="Rectángulo 8"/>
+          <p:cNvPr id="16" name="Rectángulo 15"/>
           <p:cNvSpPr/>
           <p:nvPr/>
         </p:nvSpPr>
         <p:spPr>
           <a:xfrm>
-            <a:off x="9264445" y="2364197"/>
+            <a:off x="9447324" y="2532066"/>
             <a:ext cx="1708356" cy="594852"/>
           </a:xfrm>
           <a:prstGeom prst="rect">
@@ -5402,13 +5422,13 @@
       </p:sp>
       <p:sp>
         <p:nvSpPr>
-          <p:cNvPr id="10" name="Rectángulo 9"/>
+          <p:cNvPr id="17" name="Rectángulo 16"/>
           <p:cNvSpPr/>
           <p:nvPr/>
         </p:nvSpPr>
         <p:spPr>
           <a:xfrm>
-            <a:off x="9264445" y="1690688"/>
+            <a:off x="9447324" y="1922057"/>
             <a:ext cx="1708356" cy="594852"/>
           </a:xfrm>
           <a:prstGeom prst="rect">
@@ -5579,13 +5599,13 @@
       </p:sp>
       <p:sp>
         <p:nvSpPr>
-          <p:cNvPr id="11" name="Rectángulo 10"/>
+          <p:cNvPr id="18" name="Rectángulo 17"/>
           <p:cNvSpPr/>
           <p:nvPr/>
         </p:nvSpPr>
         <p:spPr>
           <a:xfrm>
-            <a:off x="9264448" y="5731742"/>
+            <a:off x="9447324" y="5582111"/>
             <a:ext cx="1708356" cy="594852"/>
           </a:xfrm>
           <a:prstGeom prst="rect">
@@ -5622,8 +5642,12 @@
           <a:p>
             <a:pPr algn="ctr"/>
             <a:r>
+              <a:rPr lang="es-ES" dirty="0"/>
+              <a:t>Cable </a:t>
+            </a:r>
+            <a:r>
               <a:rPr lang="es-ES" dirty="0" smtClean="0"/>
-              <a:t>Cable RJ45</a:t>
+              <a:t>RJ45</a:t>
             </a:r>
             <a:endParaRPr lang="es-CO" dirty="0"/>
           </a:p>
@@ -5631,13 +5655,13 @@
       </p:sp>
       <p:sp>
         <p:nvSpPr>
-          <p:cNvPr id="12" name="Rectángulo 11"/>
+          <p:cNvPr id="19" name="Rectángulo 18"/>
           <p:cNvSpPr/>
           <p:nvPr/>
         </p:nvSpPr>
         <p:spPr>
           <a:xfrm>
-            <a:off x="9264445" y="5058233"/>
+            <a:off x="9447324" y="4972102"/>
             <a:ext cx="1708356" cy="594852"/>
           </a:xfrm>
           <a:prstGeom prst="rect">
@@ -5674,14 +5698,14 @@
           <a:p>
             <a:pPr algn="ctr"/>
             <a:r>
-              <a:rPr lang="es-ES" dirty="0" smtClean="0"/>
+              <a:rPr lang="es-ES" dirty="0"/>
               <a:t>Ethernet</a:t>
             </a:r>
           </a:p>
           <a:p>
             <a:pPr algn="ctr"/>
             <a:r>
-              <a:rPr lang="es-ES" dirty="0" smtClean="0"/>
+              <a:rPr lang="es-ES" dirty="0"/>
               <a:t>(IEEE 802.3)</a:t>
             </a:r>
             <a:endParaRPr lang="es-CO" dirty="0"/>
@@ -5690,13 +5714,13 @@
       </p:sp>
       <p:sp>
         <p:nvSpPr>
-          <p:cNvPr id="13" name="Rectángulo 12"/>
+          <p:cNvPr id="20" name="Rectángulo 19"/>
           <p:cNvSpPr/>
           <p:nvPr/>
         </p:nvSpPr>
         <p:spPr>
           <a:xfrm>
-            <a:off x="9264445" y="4384724"/>
+            <a:off x="9447324" y="4362093"/>
             <a:ext cx="1708356" cy="594852"/>
           </a:xfrm>
           <a:prstGeom prst="rect">
@@ -5705,6 +5729,9 @@
           <a:solidFill>
             <a:srgbClr val="7030A0"/>
           </a:solidFill>
+          <a:ln>
+            <a:noFill/>
+          </a:ln>
         </p:spPr>
         <p:style>
           <a:lnRef idx="2">
@@ -5737,13 +5764,13 @@
       </p:sp>
       <p:sp>
         <p:nvSpPr>
-          <p:cNvPr id="14" name="Rectángulo 13"/>
+          <p:cNvPr id="21" name="Rectángulo 20"/>
           <p:cNvSpPr/>
           <p:nvPr/>
         </p:nvSpPr>
         <p:spPr>
           <a:xfrm>
-            <a:off x="9264445" y="3711215"/>
+            <a:off x="9447324" y="3752084"/>
             <a:ext cx="1708356" cy="594852"/>
           </a:xfrm>
           <a:prstGeom prst="rect">
@@ -5789,13 +5816,13 @@
       </p:sp>
       <p:sp>
         <p:nvSpPr>
-          <p:cNvPr id="15" name="Rectángulo 14"/>
+          <p:cNvPr id="22" name="Rectángulo 21"/>
           <p:cNvSpPr/>
           <p:nvPr/>
         </p:nvSpPr>
         <p:spPr>
           <a:xfrm>
-            <a:off x="9264445" y="3037706"/>
+            <a:off x="9447324" y="3142075"/>
             <a:ext cx="1708356" cy="594852"/>
           </a:xfrm>
           <a:prstGeom prst="rect">
@@ -5841,13 +5868,13 @@
       </p:sp>
       <p:sp>
         <p:nvSpPr>
-          <p:cNvPr id="16" name="Rectángulo 15"/>
+          <p:cNvPr id="23" name="Rectángulo 22"/>
           <p:cNvSpPr/>
           <p:nvPr/>
         </p:nvSpPr>
         <p:spPr>
           <a:xfrm>
-            <a:off x="9264445" y="2364197"/>
+            <a:off x="9447324" y="2532066"/>
             <a:ext cx="1708356" cy="594852"/>
           </a:xfrm>
           <a:prstGeom prst="rect">
@@ -5893,13 +5920,13 @@
       </p:sp>
       <p:sp>
         <p:nvSpPr>
-          <p:cNvPr id="17" name="Rectángulo 16"/>
+          <p:cNvPr id="24" name="Rectángulo 23"/>
           <p:cNvSpPr/>
           <p:nvPr/>
         </p:nvSpPr>
         <p:spPr>
           <a:xfrm>
-            <a:off x="9264445" y="1690688"/>
+            <a:off x="9447324" y="1922057"/>
             <a:ext cx="1708356" cy="594852"/>
           </a:xfrm>
           <a:prstGeom prst="rect">
@@ -6070,13 +6097,13 @@
       </p:sp>
       <p:sp>
         <p:nvSpPr>
-          <p:cNvPr id="4" name="Rectángulo 3"/>
+          <p:cNvPr id="18" name="Rectángulo 17"/>
           <p:cNvSpPr/>
           <p:nvPr/>
         </p:nvSpPr>
         <p:spPr>
           <a:xfrm>
-            <a:off x="9264448" y="5731742"/>
+            <a:off x="9447324" y="5582111"/>
             <a:ext cx="1708356" cy="594852"/>
           </a:xfrm>
           <a:prstGeom prst="rect">
@@ -6113,7 +6140,7 @@
           <a:p>
             <a:pPr algn="ctr"/>
             <a:r>
-              <a:rPr lang="es-ES" dirty="0" smtClean="0"/>
+              <a:rPr lang="es-ES" dirty="0"/>
               <a:t>5GHz Band Radio</a:t>
             </a:r>
             <a:endParaRPr lang="es-CO" dirty="0"/>
@@ -6122,13 +6149,13 @@
       </p:sp>
       <p:sp>
         <p:nvSpPr>
-          <p:cNvPr id="5" name="Rectángulo 4"/>
+          <p:cNvPr id="19" name="Rectángulo 18"/>
           <p:cNvSpPr/>
           <p:nvPr/>
         </p:nvSpPr>
         <p:spPr>
           <a:xfrm>
-            <a:off x="9264445" y="5058233"/>
+            <a:off x="9447324" y="4972102"/>
             <a:ext cx="1708356" cy="594852"/>
           </a:xfrm>
           <a:prstGeom prst="rect">
@@ -6168,13 +6195,17 @@
               <a:rPr lang="es-ES" dirty="0" err="1" smtClean="0"/>
               <a:t>WiFi</a:t>
             </a:r>
-            <a:endParaRPr lang="es-ES" dirty="0" smtClean="0"/>
+            <a:endParaRPr lang="es-ES" dirty="0"/>
           </a:p>
           <a:p>
             <a:pPr algn="ctr"/>
             <a:r>
+              <a:rPr lang="es-ES" dirty="0"/>
+              <a:t>(IEEE </a:t>
+            </a:r>
+            <a:r>
               <a:rPr lang="es-ES" dirty="0" smtClean="0"/>
-              <a:t>(IEEE 802.11)</a:t>
+              <a:t>802.11)</a:t>
             </a:r>
             <a:endParaRPr lang="es-CO" dirty="0"/>
           </a:p>
@@ -6182,13 +6213,13 @@
       </p:sp>
       <p:sp>
         <p:nvSpPr>
-          <p:cNvPr id="6" name="Rectángulo 5"/>
+          <p:cNvPr id="20" name="Rectángulo 19"/>
           <p:cNvSpPr/>
           <p:nvPr/>
         </p:nvSpPr>
         <p:spPr>
           <a:xfrm>
-            <a:off x="9264445" y="4384724"/>
+            <a:off x="9447324" y="4362093"/>
             <a:ext cx="1708356" cy="594852"/>
           </a:xfrm>
           <a:prstGeom prst="rect">
@@ -6197,6 +6228,9 @@
           <a:solidFill>
             <a:srgbClr val="7030A0"/>
           </a:solidFill>
+          <a:ln>
+            <a:noFill/>
+          </a:ln>
         </p:spPr>
         <p:style>
           <a:lnRef idx="2">
@@ -6229,13 +6263,13 @@
       </p:sp>
       <p:sp>
         <p:nvSpPr>
-          <p:cNvPr id="7" name="Rectángulo 6"/>
+          <p:cNvPr id="21" name="Rectángulo 20"/>
           <p:cNvSpPr/>
           <p:nvPr/>
         </p:nvSpPr>
         <p:spPr>
           <a:xfrm>
-            <a:off x="9264445" y="3711215"/>
+            <a:off x="9447324" y="3752084"/>
             <a:ext cx="1708356" cy="594852"/>
           </a:xfrm>
           <a:prstGeom prst="rect">
@@ -6281,13 +6315,13 @@
       </p:sp>
       <p:sp>
         <p:nvSpPr>
-          <p:cNvPr id="8" name="Rectángulo 7"/>
+          <p:cNvPr id="22" name="Rectángulo 21"/>
           <p:cNvSpPr/>
           <p:nvPr/>
         </p:nvSpPr>
         <p:spPr>
           <a:xfrm>
-            <a:off x="9264445" y="3037706"/>
+            <a:off x="9447324" y="3142075"/>
             <a:ext cx="1708356" cy="594852"/>
           </a:xfrm>
           <a:prstGeom prst="rect">
@@ -6333,13 +6367,13 @@
       </p:sp>
       <p:sp>
         <p:nvSpPr>
-          <p:cNvPr id="9" name="Rectángulo 8"/>
+          <p:cNvPr id="23" name="Rectángulo 22"/>
           <p:cNvSpPr/>
           <p:nvPr/>
         </p:nvSpPr>
         <p:spPr>
           <a:xfrm>
-            <a:off x="9264445" y="2364197"/>
+            <a:off x="9447324" y="2532066"/>
             <a:ext cx="1708356" cy="594852"/>
           </a:xfrm>
           <a:prstGeom prst="rect">
@@ -6385,13 +6419,13 @@
       </p:sp>
       <p:sp>
         <p:nvSpPr>
-          <p:cNvPr id="10" name="Rectángulo 9"/>
+          <p:cNvPr id="24" name="Rectángulo 23"/>
           <p:cNvSpPr/>
           <p:nvPr/>
         </p:nvSpPr>
         <p:spPr>
           <a:xfrm>
-            <a:off x="9264445" y="1690688"/>
+            <a:off x="9447324" y="1922057"/>
             <a:ext cx="1708356" cy="594852"/>
           </a:xfrm>
           <a:prstGeom prst="rect">
@@ -6551,13 +6585,13 @@
       </p:sp>
       <p:sp>
         <p:nvSpPr>
-          <p:cNvPr id="25" name="Rectángulo 24"/>
+          <p:cNvPr id="11" name="Rectángulo 10"/>
           <p:cNvSpPr/>
           <p:nvPr/>
         </p:nvSpPr>
         <p:spPr>
           <a:xfrm>
-            <a:off x="9264448" y="5731742"/>
+            <a:off x="9447324" y="5582111"/>
             <a:ext cx="1708356" cy="594852"/>
           </a:xfrm>
           <a:prstGeom prst="rect">
@@ -6595,7 +6629,7 @@
             <a:pPr algn="ctr"/>
             <a:r>
               <a:rPr lang="es-ES" dirty="0" smtClean="0"/>
-              <a:t>Físico</a:t>
+              <a:t>Física</a:t>
             </a:r>
             <a:endParaRPr lang="es-CO" dirty="0"/>
           </a:p>
@@ -6603,13 +6637,13 @@
       </p:sp>
       <p:sp>
         <p:nvSpPr>
-          <p:cNvPr id="26" name="Rectángulo 25"/>
+          <p:cNvPr id="12" name="Rectángulo 11"/>
           <p:cNvSpPr/>
           <p:nvPr/>
         </p:nvSpPr>
         <p:spPr>
           <a:xfrm>
-            <a:off x="9264445" y="5058233"/>
+            <a:off x="9447324" y="4972102"/>
             <a:ext cx="1708356" cy="594852"/>
           </a:xfrm>
           <a:prstGeom prst="rect">
@@ -6655,13 +6689,13 @@
       </p:sp>
       <p:sp>
         <p:nvSpPr>
-          <p:cNvPr id="27" name="Rectángulo 26"/>
+          <p:cNvPr id="13" name="Rectángulo 12"/>
           <p:cNvSpPr/>
           <p:nvPr/>
         </p:nvSpPr>
         <p:spPr>
           <a:xfrm>
-            <a:off x="9264445" y="4384724"/>
+            <a:off x="9447324" y="4362093"/>
             <a:ext cx="1708356" cy="594852"/>
           </a:xfrm>
           <a:prstGeom prst="rect">
@@ -6670,6 +6704,9 @@
           <a:solidFill>
             <a:srgbClr val="7030A0"/>
           </a:solidFill>
+          <a:ln>
+            <a:noFill/>
+          </a:ln>
         </p:spPr>
         <p:style>
           <a:lnRef idx="2">
@@ -6702,13 +6739,13 @@
       </p:sp>
       <p:sp>
         <p:nvSpPr>
-          <p:cNvPr id="28" name="Rectángulo 27"/>
+          <p:cNvPr id="14" name="Rectángulo 13"/>
           <p:cNvSpPr/>
           <p:nvPr/>
         </p:nvSpPr>
         <p:spPr>
           <a:xfrm>
-            <a:off x="9264445" y="3711215"/>
+            <a:off x="9447324" y="3752084"/>
             <a:ext cx="1708356" cy="594852"/>
           </a:xfrm>
           <a:prstGeom prst="rect">
@@ -6754,13 +6791,13 @@
       </p:sp>
       <p:sp>
         <p:nvSpPr>
-          <p:cNvPr id="29" name="Rectángulo 28"/>
+          <p:cNvPr id="15" name="Rectángulo 14"/>
           <p:cNvSpPr/>
           <p:nvPr/>
         </p:nvSpPr>
         <p:spPr>
           <a:xfrm>
-            <a:off x="9264445" y="3037706"/>
+            <a:off x="9447324" y="3142075"/>
             <a:ext cx="1708356" cy="594852"/>
           </a:xfrm>
           <a:prstGeom prst="rect">
@@ -6806,13 +6843,13 @@
       </p:sp>
       <p:sp>
         <p:nvSpPr>
-          <p:cNvPr id="30" name="Rectángulo 29"/>
+          <p:cNvPr id="16" name="Rectángulo 15"/>
           <p:cNvSpPr/>
           <p:nvPr/>
         </p:nvSpPr>
         <p:spPr>
           <a:xfrm>
-            <a:off x="9264445" y="2364197"/>
+            <a:off x="9447324" y="2532066"/>
             <a:ext cx="1708356" cy="594852"/>
           </a:xfrm>
           <a:prstGeom prst="rect">
@@ -6858,13 +6895,13 @@
       </p:sp>
       <p:sp>
         <p:nvSpPr>
-          <p:cNvPr id="31" name="Rectángulo 30"/>
+          <p:cNvPr id="17" name="Rectángulo 16"/>
           <p:cNvSpPr/>
           <p:nvPr/>
         </p:nvSpPr>
         <p:spPr>
           <a:xfrm>
-            <a:off x="9264445" y="1690688"/>
+            <a:off x="9447324" y="1922057"/>
             <a:ext cx="1708356" cy="594852"/>
           </a:xfrm>
           <a:prstGeom prst="rect">

--- a/Semana 2/Presentación.pptx
+++ b/Semana 2/Presentación.pptx
@@ -16,6 +16,19 @@
     <p:sldId id="263" r:id="rId10"/>
     <p:sldId id="268" r:id="rId11"/>
     <p:sldId id="269" r:id="rId12"/>
+    <p:sldId id="271" r:id="rId13"/>
+    <p:sldId id="270" r:id="rId14"/>
+    <p:sldId id="272" r:id="rId15"/>
+    <p:sldId id="273" r:id="rId16"/>
+    <p:sldId id="274" r:id="rId17"/>
+    <p:sldId id="275" r:id="rId18"/>
+    <p:sldId id="276" r:id="rId19"/>
+    <p:sldId id="277" r:id="rId20"/>
+    <p:sldId id="278" r:id="rId21"/>
+    <p:sldId id="279" r:id="rId22"/>
+    <p:sldId id="280" r:id="rId23"/>
+    <p:sldId id="281" r:id="rId24"/>
+    <p:sldId id="282" r:id="rId25"/>
   </p:sldIdLst>
   <p:sldSz cx="12192000" cy="6858000"/>
   <p:notesSz cx="6858000" cy="9144000"/>
@@ -348,7 +361,7 @@
           <a:p>
             <a:fld id="{AAE5428F-4F43-4132-90EE-793D4105280B}" type="datetimeFigureOut">
               <a:rPr lang="es-CO" smtClean="0"/>
-              <a:t>28/01/2019</a:t>
+              <a:t>30/01/2019</a:t>
             </a:fld>
             <a:endParaRPr lang="es-CO"/>
           </a:p>
@@ -556,7 +569,7 @@
           <a:p>
             <a:fld id="{AAE5428F-4F43-4132-90EE-793D4105280B}" type="datetimeFigureOut">
               <a:rPr lang="es-CO" smtClean="0"/>
-              <a:t>28/01/2019</a:t>
+              <a:t>30/01/2019</a:t>
             </a:fld>
             <a:endParaRPr lang="es-CO"/>
           </a:p>
@@ -812,7 +825,7 @@
           <a:p>
             <a:fld id="{AAE5428F-4F43-4132-90EE-793D4105280B}" type="datetimeFigureOut">
               <a:rPr lang="es-CO" smtClean="0"/>
-              <a:t>28/01/2019</a:t>
+              <a:t>30/01/2019</a:t>
             </a:fld>
             <a:endParaRPr lang="es-CO"/>
           </a:p>
@@ -982,7 +995,7 @@
           <a:p>
             <a:fld id="{AAE5428F-4F43-4132-90EE-793D4105280B}" type="datetimeFigureOut">
               <a:rPr lang="es-CO" smtClean="0"/>
-              <a:t>28/01/2019</a:t>
+              <a:t>30/01/2019</a:t>
             </a:fld>
             <a:endParaRPr lang="es-CO"/>
           </a:p>
@@ -1325,7 +1338,7 @@
           <a:p>
             <a:fld id="{AAE5428F-4F43-4132-90EE-793D4105280B}" type="datetimeFigureOut">
               <a:rPr lang="es-CO" smtClean="0"/>
-              <a:t>28/01/2019</a:t>
+              <a:t>30/01/2019</a:t>
             </a:fld>
             <a:endParaRPr lang="es-CO"/>
           </a:p>
@@ -1600,7 +1613,7 @@
           <a:p>
             <a:fld id="{AAE5428F-4F43-4132-90EE-793D4105280B}" type="datetimeFigureOut">
               <a:rPr lang="es-CO" smtClean="0"/>
-              <a:t>28/01/2019</a:t>
+              <a:t>30/01/2019</a:t>
             </a:fld>
             <a:endParaRPr lang="es-CO"/>
           </a:p>
@@ -1979,7 +1992,7 @@
           <a:p>
             <a:fld id="{AAE5428F-4F43-4132-90EE-793D4105280B}" type="datetimeFigureOut">
               <a:rPr lang="es-CO" smtClean="0"/>
-              <a:t>28/01/2019</a:t>
+              <a:t>30/01/2019</a:t>
             </a:fld>
             <a:endParaRPr lang="es-CO"/>
           </a:p>
@@ -2097,7 +2110,7 @@
           <a:p>
             <a:fld id="{AAE5428F-4F43-4132-90EE-793D4105280B}" type="datetimeFigureOut">
               <a:rPr lang="es-CO" smtClean="0"/>
-              <a:t>28/01/2019</a:t>
+              <a:t>30/01/2019</a:t>
             </a:fld>
             <a:endParaRPr lang="es-CO"/>
           </a:p>
@@ -2268,7 +2281,7 @@
           <a:p>
             <a:fld id="{AAE5428F-4F43-4132-90EE-793D4105280B}" type="datetimeFigureOut">
               <a:rPr lang="es-CO" smtClean="0"/>
-              <a:t>28/01/2019</a:t>
+              <a:t>30/01/2019</a:t>
             </a:fld>
             <a:endParaRPr lang="es-CO"/>
           </a:p>
@@ -2622,7 +2635,7 @@
           <a:p>
             <a:fld id="{AAE5428F-4F43-4132-90EE-793D4105280B}" type="datetimeFigureOut">
               <a:rPr lang="es-CO" smtClean="0"/>
-              <a:t>28/01/2019</a:t>
+              <a:t>30/01/2019</a:t>
             </a:fld>
             <a:endParaRPr lang="es-CO"/>
           </a:p>
@@ -2999,7 +3012,7 @@
           <a:p>
             <a:fld id="{AAE5428F-4F43-4132-90EE-793D4105280B}" type="datetimeFigureOut">
               <a:rPr lang="es-CO" smtClean="0"/>
-              <a:t>28/01/2019</a:t>
+              <a:t>30/01/2019</a:t>
             </a:fld>
             <a:endParaRPr lang="es-CO"/>
           </a:p>
@@ -3286,7 +3299,7 @@
           <a:p>
             <a:fld id="{AAE5428F-4F43-4132-90EE-793D4105280B}" type="datetimeFigureOut">
               <a:rPr lang="es-CO" smtClean="0"/>
-              <a:t>28/01/2019</a:t>
+              <a:t>30/01/2019</a:t>
             </a:fld>
             <a:endParaRPr lang="es-CO"/>
           </a:p>
@@ -4248,6 +4261,2873 @@
 </p:sld>
 </file>
 
+<file path=ppt/slides/slide12.xml><?xml version="1.0" encoding="utf-8"?>
+<p:sld xmlns:a="http://schemas.openxmlformats.org/drawingml/2006/main" xmlns:r="http://schemas.openxmlformats.org/officeDocument/2006/relationships" xmlns:p="http://schemas.openxmlformats.org/presentationml/2006/main">
+  <p:cSld>
+    <p:spTree>
+      <p:nvGrpSpPr>
+        <p:cNvPr id="1" name=""/>
+        <p:cNvGrpSpPr/>
+        <p:nvPr/>
+      </p:nvGrpSpPr>
+      <p:grpSpPr>
+        <a:xfrm>
+          <a:off x="0" y="0"/>
+          <a:ext cx="0" cy="0"/>
+          <a:chOff x="0" y="0"/>
+          <a:chExt cx="0" cy="0"/>
+        </a:xfrm>
+      </p:grpSpPr>
+      <p:sp>
+        <p:nvSpPr>
+          <p:cNvPr id="2" name="Título 1"/>
+          <p:cNvSpPr>
+            <a:spLocks noGrp="1"/>
+          </p:cNvSpPr>
+          <p:nvPr>
+            <p:ph type="ctrTitle"/>
+          </p:nvPr>
+        </p:nvSpPr>
+        <p:spPr/>
+        <p:txBody>
+          <a:bodyPr/>
+          <a:lstStyle/>
+          <a:p>
+            <a:r>
+              <a:rPr lang="es-ES" dirty="0" err="1" smtClean="0"/>
+              <a:t>Trivia</a:t>
+            </a:r>
+            <a:endParaRPr lang="es-CO" dirty="0"/>
+          </a:p>
+        </p:txBody>
+      </p:sp>
+      <p:sp>
+        <p:nvSpPr>
+          <p:cNvPr id="3" name="Subtítulo 2"/>
+          <p:cNvSpPr>
+            <a:spLocks noGrp="1"/>
+          </p:cNvSpPr>
+          <p:nvPr>
+            <p:ph type="subTitle" idx="1"/>
+          </p:nvPr>
+        </p:nvSpPr>
+        <p:spPr/>
+        <p:txBody>
+          <a:bodyPr>
+            <a:normAutofit/>
+          </a:bodyPr>
+          <a:lstStyle/>
+          <a:p>
+            <a:endParaRPr lang="es-CO" dirty="0"/>
+          </a:p>
+        </p:txBody>
+      </p:sp>
+    </p:spTree>
+    <p:extLst>
+      <p:ext uri="{BB962C8B-B14F-4D97-AF65-F5344CB8AC3E}">
+        <p14:creationId xmlns:p14="http://schemas.microsoft.com/office/powerpoint/2010/main" val="3641465197"/>
+      </p:ext>
+    </p:extLst>
+  </p:cSld>
+  <p:clrMapOvr>
+    <a:masterClrMapping/>
+  </p:clrMapOvr>
+</p:sld>
+</file>
+
+<file path=ppt/slides/slide13.xml><?xml version="1.0" encoding="utf-8"?>
+<p:sld xmlns:a="http://schemas.openxmlformats.org/drawingml/2006/main" xmlns:r="http://schemas.openxmlformats.org/officeDocument/2006/relationships" xmlns:p="http://schemas.openxmlformats.org/presentationml/2006/main">
+  <p:cSld>
+    <p:spTree>
+      <p:nvGrpSpPr>
+        <p:cNvPr id="1" name=""/>
+        <p:cNvGrpSpPr/>
+        <p:nvPr/>
+      </p:nvGrpSpPr>
+      <p:grpSpPr>
+        <a:xfrm>
+          <a:off x="0" y="0"/>
+          <a:ext cx="0" cy="0"/>
+          <a:chOff x="0" y="0"/>
+          <a:chExt cx="0" cy="0"/>
+        </a:xfrm>
+      </p:grpSpPr>
+      <p:sp>
+        <p:nvSpPr>
+          <p:cNvPr id="2" name="Título 1"/>
+          <p:cNvSpPr>
+            <a:spLocks noGrp="1"/>
+          </p:cNvSpPr>
+          <p:nvPr>
+            <p:ph type="title"/>
+          </p:nvPr>
+        </p:nvSpPr>
+        <p:spPr/>
+        <p:txBody>
+          <a:bodyPr/>
+          <a:lstStyle/>
+          <a:p>
+            <a:r>
+              <a:rPr lang="es-ES" dirty="0" smtClean="0"/>
+              <a:t>¿Cuántas interfaces tiene?</a:t>
+            </a:r>
+            <a:endParaRPr lang="es-CO" dirty="0"/>
+          </a:p>
+        </p:txBody>
+      </p:sp>
+      <p:sp>
+        <p:nvSpPr>
+          <p:cNvPr id="3" name="Marcador de contenido 2"/>
+          <p:cNvSpPr>
+            <a:spLocks noGrp="1"/>
+          </p:cNvSpPr>
+          <p:nvPr>
+            <p:ph idx="1"/>
+          </p:nvPr>
+        </p:nvSpPr>
+        <p:spPr/>
+        <p:txBody>
+          <a:bodyPr/>
+          <a:lstStyle/>
+          <a:p>
+            <a:endParaRPr lang="es-CO"/>
+          </a:p>
+        </p:txBody>
+      </p:sp>
+      <p:pic>
+        <p:nvPicPr>
+          <p:cNvPr id="1026" name="Picture 2" descr="Resultado de imagen para switch capa 3"/>
+          <p:cNvPicPr>
+            <a:picLocks noChangeAspect="1" noChangeArrowheads="1"/>
+          </p:cNvPicPr>
+          <p:nvPr/>
+        </p:nvPicPr>
+        <p:blipFill rotWithShape="1">
+          <a:blip r:embed="rId2">
+            <a:extLst>
+              <a:ext uri="{28A0092B-C50C-407E-A947-70E740481C1C}">
+                <a14:useLocalDpi xmlns:a14="http://schemas.microsoft.com/office/drawing/2010/main" val="0"/>
+              </a:ext>
+            </a:extLst>
+          </a:blip>
+          <a:srcRect t="28181" b="26607"/>
+          <a:stretch/>
+        </p:blipFill>
+        <p:spPr bwMode="auto">
+          <a:xfrm>
+            <a:off x="3646908" y="2780781"/>
+            <a:ext cx="4762500" cy="2153265"/>
+          </a:xfrm>
+          <a:prstGeom prst="rect">
+            <a:avLst/>
+          </a:prstGeom>
+          <a:noFill/>
+          <a:extLst>
+            <a:ext uri="{909E8E84-426E-40DD-AFC4-6F175D3DCCD1}">
+              <a14:hiddenFill xmlns:a14="http://schemas.microsoft.com/office/drawing/2010/main">
+                <a:solidFill>
+                  <a:srgbClr val="FFFFFF"/>
+                </a:solidFill>
+              </a14:hiddenFill>
+            </a:ext>
+          </a:extLst>
+        </p:spPr>
+      </p:pic>
+    </p:spTree>
+    <p:extLst>
+      <p:ext uri="{BB962C8B-B14F-4D97-AF65-F5344CB8AC3E}">
+        <p14:creationId xmlns:p14="http://schemas.microsoft.com/office/powerpoint/2010/main" val="3852117381"/>
+      </p:ext>
+    </p:extLst>
+  </p:cSld>
+  <p:clrMapOvr>
+    <a:masterClrMapping/>
+  </p:clrMapOvr>
+</p:sld>
+</file>
+
+<file path=ppt/slides/slide14.xml><?xml version="1.0" encoding="utf-8"?>
+<p:sld xmlns:a="http://schemas.openxmlformats.org/drawingml/2006/main" xmlns:r="http://schemas.openxmlformats.org/officeDocument/2006/relationships" xmlns:p="http://schemas.openxmlformats.org/presentationml/2006/main">
+  <p:cSld>
+    <p:spTree>
+      <p:nvGrpSpPr>
+        <p:cNvPr id="1" name=""/>
+        <p:cNvGrpSpPr/>
+        <p:nvPr/>
+      </p:nvGrpSpPr>
+      <p:grpSpPr>
+        <a:xfrm>
+          <a:off x="0" y="0"/>
+          <a:ext cx="0" cy="0"/>
+          <a:chOff x="0" y="0"/>
+          <a:chExt cx="0" cy="0"/>
+        </a:xfrm>
+      </p:grpSpPr>
+      <p:sp>
+        <p:nvSpPr>
+          <p:cNvPr id="2" name="Título 1"/>
+          <p:cNvSpPr>
+            <a:spLocks noGrp="1"/>
+          </p:cNvSpPr>
+          <p:nvPr>
+            <p:ph type="title"/>
+          </p:nvPr>
+        </p:nvSpPr>
+        <p:spPr/>
+        <p:txBody>
+          <a:bodyPr/>
+          <a:lstStyle/>
+          <a:p>
+            <a:r>
+              <a:rPr lang="es-ES" dirty="0" smtClean="0"/>
+              <a:t>¿Cuántas interfaces tiene?</a:t>
+            </a:r>
+            <a:endParaRPr lang="es-CO" dirty="0"/>
+          </a:p>
+        </p:txBody>
+      </p:sp>
+      <p:sp>
+        <p:nvSpPr>
+          <p:cNvPr id="3" name="Marcador de contenido 2"/>
+          <p:cNvSpPr>
+            <a:spLocks noGrp="1"/>
+          </p:cNvSpPr>
+          <p:nvPr>
+            <p:ph idx="1"/>
+          </p:nvPr>
+        </p:nvSpPr>
+        <p:spPr/>
+        <p:txBody>
+          <a:bodyPr/>
+          <a:lstStyle/>
+          <a:p>
+            <a:endParaRPr lang="es-CO" dirty="0"/>
+          </a:p>
+        </p:txBody>
+      </p:sp>
+      <p:pic>
+        <p:nvPicPr>
+          <p:cNvPr id="1026" name="Picture 2" descr="Resultado de imagen para switch capa 3"/>
+          <p:cNvPicPr>
+            <a:picLocks noChangeAspect="1" noChangeArrowheads="1"/>
+          </p:cNvPicPr>
+          <p:nvPr/>
+        </p:nvPicPr>
+        <p:blipFill rotWithShape="1">
+          <a:blip r:embed="rId2">
+            <a:extLst>
+              <a:ext uri="{28A0092B-C50C-407E-A947-70E740481C1C}">
+                <a14:useLocalDpi xmlns:a14="http://schemas.microsoft.com/office/drawing/2010/main" val="0"/>
+              </a:ext>
+            </a:extLst>
+          </a:blip>
+          <a:srcRect t="28181" b="26607"/>
+          <a:stretch/>
+        </p:blipFill>
+        <p:spPr bwMode="auto">
+          <a:xfrm>
+            <a:off x="3646908" y="2780781"/>
+            <a:ext cx="4762500" cy="2153265"/>
+          </a:xfrm>
+          <a:prstGeom prst="rect">
+            <a:avLst/>
+          </a:prstGeom>
+          <a:noFill/>
+          <a:extLst>
+            <a:ext uri="{909E8E84-426E-40DD-AFC4-6F175D3DCCD1}">
+              <a14:hiddenFill xmlns:a14="http://schemas.microsoft.com/office/drawing/2010/main">
+                <a:solidFill>
+                  <a:srgbClr val="FFFFFF"/>
+                </a:solidFill>
+              </a14:hiddenFill>
+            </a:ext>
+          </a:extLst>
+        </p:spPr>
+      </p:pic>
+      <p:sp>
+        <p:nvSpPr>
+          <p:cNvPr id="4" name="CuadroTexto 3"/>
+          <p:cNvSpPr txBox="1"/>
+          <p:nvPr/>
+        </p:nvSpPr>
+        <p:spPr>
+          <a:xfrm>
+            <a:off x="7423355" y="5222762"/>
+            <a:ext cx="3834581" cy="646331"/>
+          </a:xfrm>
+          <a:prstGeom prst="rect">
+            <a:avLst/>
+          </a:prstGeom>
+          <a:noFill/>
+        </p:spPr>
+        <p:txBody>
+          <a:bodyPr wrap="square" rtlCol="0">
+            <a:spAutoFit/>
+          </a:bodyPr>
+          <a:lstStyle/>
+          <a:p>
+            <a:r>
+              <a:rPr lang="es-ES" dirty="0" smtClean="0"/>
+              <a:t>Tiene 8 interfaces. Cada una con la posibilidad de tener una dirección IPv4</a:t>
+            </a:r>
+            <a:endParaRPr lang="es-CO" dirty="0"/>
+          </a:p>
+        </p:txBody>
+      </p:sp>
+      <p:cxnSp>
+        <p:nvCxnSpPr>
+          <p:cNvPr id="6" name="Conector recto de flecha 5"/>
+          <p:cNvCxnSpPr/>
+          <p:nvPr/>
+        </p:nvCxnSpPr>
+        <p:spPr>
+          <a:xfrm flipH="1" flipV="1">
+            <a:off x="5751871" y="4552335"/>
+            <a:ext cx="1671484" cy="993592"/>
+          </a:xfrm>
+          <a:prstGeom prst="straightConnector1">
+            <a:avLst/>
+          </a:prstGeom>
+          <a:ln>
+            <a:tailEnd type="triangle"/>
+          </a:ln>
+        </p:spPr>
+        <p:style>
+          <a:lnRef idx="1">
+            <a:schemeClr val="accent1"/>
+          </a:lnRef>
+          <a:fillRef idx="0">
+            <a:schemeClr val="accent1"/>
+          </a:fillRef>
+          <a:effectRef idx="0">
+            <a:schemeClr val="accent1"/>
+          </a:effectRef>
+          <a:fontRef idx="minor">
+            <a:schemeClr val="tx1"/>
+          </a:fontRef>
+        </p:style>
+      </p:cxnSp>
+      <p:cxnSp>
+        <p:nvCxnSpPr>
+          <p:cNvPr id="8" name="Conector recto de flecha 7"/>
+          <p:cNvCxnSpPr/>
+          <p:nvPr/>
+        </p:nvCxnSpPr>
+        <p:spPr>
+          <a:xfrm flipH="1" flipV="1">
+            <a:off x="5948517" y="4528087"/>
+            <a:ext cx="1474838" cy="1008305"/>
+          </a:xfrm>
+          <a:prstGeom prst="straightConnector1">
+            <a:avLst/>
+          </a:prstGeom>
+          <a:ln>
+            <a:tailEnd type="triangle"/>
+          </a:ln>
+        </p:spPr>
+        <p:style>
+          <a:lnRef idx="1">
+            <a:schemeClr val="accent1"/>
+          </a:lnRef>
+          <a:fillRef idx="0">
+            <a:schemeClr val="accent1"/>
+          </a:fillRef>
+          <a:effectRef idx="0">
+            <a:schemeClr val="accent1"/>
+          </a:effectRef>
+          <a:fontRef idx="minor">
+            <a:schemeClr val="tx1"/>
+          </a:fontRef>
+        </p:style>
+      </p:cxnSp>
+      <p:cxnSp>
+        <p:nvCxnSpPr>
+          <p:cNvPr id="11" name="Conector recto de flecha 10"/>
+          <p:cNvCxnSpPr>
+            <a:stCxn id="4" idx="1"/>
+          </p:cNvCxnSpPr>
+          <p:nvPr/>
+        </p:nvCxnSpPr>
+        <p:spPr>
+          <a:xfrm flipH="1" flipV="1">
+            <a:off x="6126480" y="4501326"/>
+            <a:ext cx="1296875" cy="1044602"/>
+          </a:xfrm>
+          <a:prstGeom prst="straightConnector1">
+            <a:avLst/>
+          </a:prstGeom>
+          <a:ln>
+            <a:tailEnd type="triangle"/>
+          </a:ln>
+        </p:spPr>
+        <p:style>
+          <a:lnRef idx="1">
+            <a:schemeClr val="accent1"/>
+          </a:lnRef>
+          <a:fillRef idx="0">
+            <a:schemeClr val="accent1"/>
+          </a:fillRef>
+          <a:effectRef idx="0">
+            <a:schemeClr val="accent1"/>
+          </a:effectRef>
+          <a:fontRef idx="minor">
+            <a:schemeClr val="tx1"/>
+          </a:fontRef>
+        </p:style>
+      </p:cxnSp>
+      <p:cxnSp>
+        <p:nvCxnSpPr>
+          <p:cNvPr id="15" name="Conector recto de flecha 14"/>
+          <p:cNvCxnSpPr/>
+          <p:nvPr/>
+        </p:nvCxnSpPr>
+        <p:spPr>
+          <a:xfrm flipH="1" flipV="1">
+            <a:off x="6320368" y="4449234"/>
+            <a:ext cx="1102987" cy="1096486"/>
+          </a:xfrm>
+          <a:prstGeom prst="straightConnector1">
+            <a:avLst/>
+          </a:prstGeom>
+          <a:ln>
+            <a:tailEnd type="triangle"/>
+          </a:ln>
+        </p:spPr>
+        <p:style>
+          <a:lnRef idx="1">
+            <a:schemeClr val="accent1"/>
+          </a:lnRef>
+          <a:fillRef idx="0">
+            <a:schemeClr val="accent1"/>
+          </a:fillRef>
+          <a:effectRef idx="0">
+            <a:schemeClr val="accent1"/>
+          </a:effectRef>
+          <a:fontRef idx="minor">
+            <a:schemeClr val="tx1"/>
+          </a:fontRef>
+        </p:style>
+      </p:cxnSp>
+      <p:cxnSp>
+        <p:nvCxnSpPr>
+          <p:cNvPr id="18" name="Conector recto de flecha 17"/>
+          <p:cNvCxnSpPr/>
+          <p:nvPr/>
+        </p:nvCxnSpPr>
+        <p:spPr>
+          <a:xfrm flipH="1" flipV="1">
+            <a:off x="6523568" y="4385804"/>
+            <a:ext cx="899787" cy="1150588"/>
+          </a:xfrm>
+          <a:prstGeom prst="straightConnector1">
+            <a:avLst/>
+          </a:prstGeom>
+          <a:ln>
+            <a:tailEnd type="triangle"/>
+          </a:ln>
+        </p:spPr>
+        <p:style>
+          <a:lnRef idx="1">
+            <a:schemeClr val="accent1"/>
+          </a:lnRef>
+          <a:fillRef idx="0">
+            <a:schemeClr val="accent1"/>
+          </a:fillRef>
+          <a:effectRef idx="0">
+            <a:schemeClr val="accent1"/>
+          </a:effectRef>
+          <a:fontRef idx="minor">
+            <a:schemeClr val="tx1"/>
+          </a:fontRef>
+        </p:style>
+      </p:cxnSp>
+      <p:cxnSp>
+        <p:nvCxnSpPr>
+          <p:cNvPr id="21" name="Conector recto de flecha 20"/>
+          <p:cNvCxnSpPr/>
+          <p:nvPr/>
+        </p:nvCxnSpPr>
+        <p:spPr>
+          <a:xfrm flipH="1" flipV="1">
+            <a:off x="6735234" y="4358754"/>
+            <a:ext cx="688121" cy="1177638"/>
+          </a:xfrm>
+          <a:prstGeom prst="straightConnector1">
+            <a:avLst/>
+          </a:prstGeom>
+          <a:ln>
+            <a:tailEnd type="triangle"/>
+          </a:ln>
+        </p:spPr>
+        <p:style>
+          <a:lnRef idx="1">
+            <a:schemeClr val="accent1"/>
+          </a:lnRef>
+          <a:fillRef idx="0">
+            <a:schemeClr val="accent1"/>
+          </a:fillRef>
+          <a:effectRef idx="0">
+            <a:schemeClr val="accent1"/>
+          </a:effectRef>
+          <a:fontRef idx="minor">
+            <a:schemeClr val="tx1"/>
+          </a:fontRef>
+        </p:style>
+      </p:cxnSp>
+      <p:cxnSp>
+        <p:nvCxnSpPr>
+          <p:cNvPr id="24" name="Conector recto de flecha 23"/>
+          <p:cNvCxnSpPr/>
+          <p:nvPr/>
+        </p:nvCxnSpPr>
+        <p:spPr>
+          <a:xfrm flipH="1" flipV="1">
+            <a:off x="6929968" y="4305300"/>
+            <a:ext cx="493387" cy="1240420"/>
+          </a:xfrm>
+          <a:prstGeom prst="straightConnector1">
+            <a:avLst/>
+          </a:prstGeom>
+          <a:ln>
+            <a:tailEnd type="triangle"/>
+          </a:ln>
+        </p:spPr>
+        <p:style>
+          <a:lnRef idx="1">
+            <a:schemeClr val="accent1"/>
+          </a:lnRef>
+          <a:fillRef idx="0">
+            <a:schemeClr val="accent1"/>
+          </a:fillRef>
+          <a:effectRef idx="0">
+            <a:schemeClr val="accent1"/>
+          </a:effectRef>
+          <a:fontRef idx="minor">
+            <a:schemeClr val="tx1"/>
+          </a:fontRef>
+        </p:style>
+      </p:cxnSp>
+      <p:cxnSp>
+        <p:nvCxnSpPr>
+          <p:cNvPr id="27" name="Conector recto de flecha 26"/>
+          <p:cNvCxnSpPr>
+            <a:stCxn id="4" idx="1"/>
+          </p:cNvCxnSpPr>
+          <p:nvPr/>
+        </p:nvCxnSpPr>
+        <p:spPr>
+          <a:xfrm flipH="1" flipV="1">
+            <a:off x="7116234" y="4258734"/>
+            <a:ext cx="307121" cy="1287194"/>
+          </a:xfrm>
+          <a:prstGeom prst="straightConnector1">
+            <a:avLst/>
+          </a:prstGeom>
+          <a:ln>
+            <a:tailEnd type="triangle"/>
+          </a:ln>
+        </p:spPr>
+        <p:style>
+          <a:lnRef idx="1">
+            <a:schemeClr val="accent1"/>
+          </a:lnRef>
+          <a:fillRef idx="0">
+            <a:schemeClr val="accent1"/>
+          </a:fillRef>
+          <a:effectRef idx="0">
+            <a:schemeClr val="accent1"/>
+          </a:effectRef>
+          <a:fontRef idx="minor">
+            <a:schemeClr val="tx1"/>
+          </a:fontRef>
+        </p:style>
+      </p:cxnSp>
+    </p:spTree>
+    <p:extLst>
+      <p:ext uri="{BB962C8B-B14F-4D97-AF65-F5344CB8AC3E}">
+        <p14:creationId xmlns:p14="http://schemas.microsoft.com/office/powerpoint/2010/main" val="949316402"/>
+      </p:ext>
+    </p:extLst>
+  </p:cSld>
+  <p:clrMapOvr>
+    <a:masterClrMapping/>
+  </p:clrMapOvr>
+</p:sld>
+</file>
+
+<file path=ppt/slides/slide15.xml><?xml version="1.0" encoding="utf-8"?>
+<p:sld xmlns:a="http://schemas.openxmlformats.org/drawingml/2006/main" xmlns:r="http://schemas.openxmlformats.org/officeDocument/2006/relationships" xmlns:p="http://schemas.openxmlformats.org/presentationml/2006/main">
+  <p:cSld>
+    <p:spTree>
+      <p:nvGrpSpPr>
+        <p:cNvPr id="1" name=""/>
+        <p:cNvGrpSpPr/>
+        <p:nvPr/>
+      </p:nvGrpSpPr>
+      <p:grpSpPr>
+        <a:xfrm>
+          <a:off x="0" y="0"/>
+          <a:ext cx="0" cy="0"/>
+          <a:chOff x="0" y="0"/>
+          <a:chExt cx="0" cy="0"/>
+        </a:xfrm>
+      </p:grpSpPr>
+      <p:sp>
+        <p:nvSpPr>
+          <p:cNvPr id="2" name="Título 1"/>
+          <p:cNvSpPr>
+            <a:spLocks noGrp="1"/>
+          </p:cNvSpPr>
+          <p:nvPr>
+            <p:ph type="title"/>
+          </p:nvPr>
+        </p:nvSpPr>
+        <p:spPr/>
+        <p:txBody>
+          <a:bodyPr/>
+          <a:lstStyle/>
+          <a:p>
+            <a:r>
+              <a:rPr lang="es-ES" dirty="0" smtClean="0"/>
+              <a:t>¿Cuál es la dirección de subred?</a:t>
+            </a:r>
+            <a:endParaRPr lang="es-CO" dirty="0"/>
+          </a:p>
+        </p:txBody>
+      </p:sp>
+      <p:sp>
+        <p:nvSpPr>
+          <p:cNvPr id="5" name="Rectángulo 4"/>
+          <p:cNvSpPr/>
+          <p:nvPr/>
+        </p:nvSpPr>
+        <p:spPr>
+          <a:xfrm>
+            <a:off x="5313145" y="2685448"/>
+            <a:ext cx="760396" cy="760396"/>
+          </a:xfrm>
+          <a:prstGeom prst="rect">
+            <a:avLst/>
+          </a:prstGeom>
+        </p:spPr>
+        <p:style>
+          <a:lnRef idx="2">
+            <a:schemeClr val="accent1">
+              <a:shade val="50000"/>
+            </a:schemeClr>
+          </a:lnRef>
+          <a:fillRef idx="1">
+            <a:schemeClr val="accent1"/>
+          </a:fillRef>
+          <a:effectRef idx="0">
+            <a:schemeClr val="accent1"/>
+          </a:effectRef>
+          <a:fontRef idx="minor">
+            <a:schemeClr val="lt1"/>
+          </a:fontRef>
+        </p:style>
+        <p:txBody>
+          <a:bodyPr rtlCol="0" anchor="ctr"/>
+          <a:lstStyle/>
+          <a:p>
+            <a:pPr algn="ctr"/>
+            <a:r>
+              <a:rPr lang="es-ES" dirty="0" smtClean="0"/>
+              <a:t>PC1</a:t>
+            </a:r>
+            <a:endParaRPr lang="es-CO" dirty="0"/>
+          </a:p>
+        </p:txBody>
+      </p:sp>
+      <p:sp>
+        <p:nvSpPr>
+          <p:cNvPr id="16" name="Rectángulo 15"/>
+          <p:cNvSpPr/>
+          <p:nvPr/>
+        </p:nvSpPr>
+        <p:spPr>
+          <a:xfrm>
+            <a:off x="5313145" y="3595034"/>
+            <a:ext cx="760396" cy="760396"/>
+          </a:xfrm>
+          <a:prstGeom prst="rect">
+            <a:avLst/>
+          </a:prstGeom>
+        </p:spPr>
+        <p:style>
+          <a:lnRef idx="2">
+            <a:schemeClr val="accent1">
+              <a:shade val="50000"/>
+            </a:schemeClr>
+          </a:lnRef>
+          <a:fillRef idx="1">
+            <a:schemeClr val="accent1"/>
+          </a:fillRef>
+          <a:effectRef idx="0">
+            <a:schemeClr val="accent1"/>
+          </a:effectRef>
+          <a:fontRef idx="minor">
+            <a:schemeClr val="lt1"/>
+          </a:fontRef>
+        </p:style>
+        <p:txBody>
+          <a:bodyPr rtlCol="0" anchor="ctr"/>
+          <a:lstStyle/>
+          <a:p>
+            <a:pPr algn="ctr"/>
+            <a:r>
+              <a:rPr lang="es-ES" dirty="0" smtClean="0"/>
+              <a:t>PC3</a:t>
+            </a:r>
+            <a:endParaRPr lang="es-CO" dirty="0"/>
+          </a:p>
+        </p:txBody>
+      </p:sp>
+      <p:sp>
+        <p:nvSpPr>
+          <p:cNvPr id="17" name="Rectángulo 16"/>
+          <p:cNvSpPr/>
+          <p:nvPr/>
+        </p:nvSpPr>
+        <p:spPr>
+          <a:xfrm>
+            <a:off x="5313145" y="4533495"/>
+            <a:ext cx="760396" cy="760396"/>
+          </a:xfrm>
+          <a:prstGeom prst="rect">
+            <a:avLst/>
+          </a:prstGeom>
+        </p:spPr>
+        <p:style>
+          <a:lnRef idx="2">
+            <a:schemeClr val="accent1">
+              <a:shade val="50000"/>
+            </a:schemeClr>
+          </a:lnRef>
+          <a:fillRef idx="1">
+            <a:schemeClr val="accent1"/>
+          </a:fillRef>
+          <a:effectRef idx="0">
+            <a:schemeClr val="accent1"/>
+          </a:effectRef>
+          <a:fontRef idx="minor">
+            <a:schemeClr val="lt1"/>
+          </a:fontRef>
+        </p:style>
+        <p:txBody>
+          <a:bodyPr rtlCol="0" anchor="ctr"/>
+          <a:lstStyle/>
+          <a:p>
+            <a:pPr algn="ctr"/>
+            <a:r>
+              <a:rPr lang="es-ES" dirty="0" smtClean="0"/>
+              <a:t>PC5</a:t>
+            </a:r>
+            <a:endParaRPr lang="es-CO" dirty="0"/>
+          </a:p>
+        </p:txBody>
+      </p:sp>
+      <p:sp>
+        <p:nvSpPr>
+          <p:cNvPr id="19" name="Rectángulo 18"/>
+          <p:cNvSpPr/>
+          <p:nvPr/>
+        </p:nvSpPr>
+        <p:spPr>
+          <a:xfrm>
+            <a:off x="6293318" y="2685448"/>
+            <a:ext cx="760396" cy="760396"/>
+          </a:xfrm>
+          <a:prstGeom prst="rect">
+            <a:avLst/>
+          </a:prstGeom>
+        </p:spPr>
+        <p:style>
+          <a:lnRef idx="2">
+            <a:schemeClr val="accent1">
+              <a:shade val="50000"/>
+            </a:schemeClr>
+          </a:lnRef>
+          <a:fillRef idx="1">
+            <a:schemeClr val="accent1"/>
+          </a:fillRef>
+          <a:effectRef idx="0">
+            <a:schemeClr val="accent1"/>
+          </a:effectRef>
+          <a:fontRef idx="minor">
+            <a:schemeClr val="lt1"/>
+          </a:fontRef>
+        </p:style>
+        <p:txBody>
+          <a:bodyPr rtlCol="0" anchor="ctr"/>
+          <a:lstStyle/>
+          <a:p>
+            <a:pPr algn="ctr"/>
+            <a:r>
+              <a:rPr lang="es-ES" dirty="0" smtClean="0"/>
+              <a:t>PC2</a:t>
+            </a:r>
+            <a:endParaRPr lang="es-CO" dirty="0"/>
+          </a:p>
+        </p:txBody>
+      </p:sp>
+      <p:sp>
+        <p:nvSpPr>
+          <p:cNvPr id="20" name="Rectángulo 19"/>
+          <p:cNvSpPr/>
+          <p:nvPr/>
+        </p:nvSpPr>
+        <p:spPr>
+          <a:xfrm>
+            <a:off x="6293318" y="3595034"/>
+            <a:ext cx="760396" cy="760396"/>
+          </a:xfrm>
+          <a:prstGeom prst="rect">
+            <a:avLst/>
+          </a:prstGeom>
+        </p:spPr>
+        <p:style>
+          <a:lnRef idx="2">
+            <a:schemeClr val="accent1">
+              <a:shade val="50000"/>
+            </a:schemeClr>
+          </a:lnRef>
+          <a:fillRef idx="1">
+            <a:schemeClr val="accent1"/>
+          </a:fillRef>
+          <a:effectRef idx="0">
+            <a:schemeClr val="accent1"/>
+          </a:effectRef>
+          <a:fontRef idx="minor">
+            <a:schemeClr val="lt1"/>
+          </a:fontRef>
+        </p:style>
+        <p:txBody>
+          <a:bodyPr rtlCol="0" anchor="ctr"/>
+          <a:lstStyle/>
+          <a:p>
+            <a:pPr algn="ctr"/>
+            <a:r>
+              <a:rPr lang="es-ES" dirty="0" smtClean="0"/>
+              <a:t>PC4</a:t>
+            </a:r>
+            <a:endParaRPr lang="es-CO" dirty="0"/>
+          </a:p>
+        </p:txBody>
+      </p:sp>
+      <p:sp>
+        <p:nvSpPr>
+          <p:cNvPr id="22" name="Rectángulo 21"/>
+          <p:cNvSpPr/>
+          <p:nvPr/>
+        </p:nvSpPr>
+        <p:spPr>
+          <a:xfrm>
+            <a:off x="6293318" y="4533495"/>
+            <a:ext cx="760396" cy="760396"/>
+          </a:xfrm>
+          <a:prstGeom prst="rect">
+            <a:avLst/>
+          </a:prstGeom>
+        </p:spPr>
+        <p:style>
+          <a:lnRef idx="2">
+            <a:schemeClr val="accent1">
+              <a:shade val="50000"/>
+            </a:schemeClr>
+          </a:lnRef>
+          <a:fillRef idx="1">
+            <a:schemeClr val="accent1"/>
+          </a:fillRef>
+          <a:effectRef idx="0">
+            <a:schemeClr val="accent1"/>
+          </a:effectRef>
+          <a:fontRef idx="minor">
+            <a:schemeClr val="lt1"/>
+          </a:fontRef>
+        </p:style>
+        <p:txBody>
+          <a:bodyPr rtlCol="0" anchor="ctr"/>
+          <a:lstStyle/>
+          <a:p>
+            <a:pPr algn="ctr"/>
+            <a:r>
+              <a:rPr lang="es-ES" dirty="0" smtClean="0"/>
+              <a:t>PC6</a:t>
+            </a:r>
+            <a:endParaRPr lang="es-CO" dirty="0"/>
+          </a:p>
+        </p:txBody>
+      </p:sp>
+      <p:sp>
+        <p:nvSpPr>
+          <p:cNvPr id="7" name="CuadroTexto 6"/>
+          <p:cNvSpPr txBox="1"/>
+          <p:nvPr/>
+        </p:nvSpPr>
+        <p:spPr>
+          <a:xfrm>
+            <a:off x="7295949" y="2800952"/>
+            <a:ext cx="2213811" cy="375385"/>
+          </a:xfrm>
+          <a:prstGeom prst="rect">
+            <a:avLst/>
+          </a:prstGeom>
+          <a:noFill/>
+        </p:spPr>
+        <p:txBody>
+          <a:bodyPr wrap="square" rtlCol="0">
+            <a:spAutoFit/>
+          </a:bodyPr>
+          <a:lstStyle/>
+          <a:p>
+            <a:r>
+              <a:rPr lang="es-ES" dirty="0" smtClean="0"/>
+              <a:t>192.168.200.56</a:t>
+            </a:r>
+            <a:endParaRPr lang="es-CO" dirty="0"/>
+          </a:p>
+        </p:txBody>
+      </p:sp>
+      <p:sp>
+        <p:nvSpPr>
+          <p:cNvPr id="23" name="CuadroTexto 22"/>
+          <p:cNvSpPr txBox="1"/>
+          <p:nvPr/>
+        </p:nvSpPr>
+        <p:spPr>
+          <a:xfrm>
+            <a:off x="7295949" y="3787539"/>
+            <a:ext cx="2213811" cy="375385"/>
+          </a:xfrm>
+          <a:prstGeom prst="rect">
+            <a:avLst/>
+          </a:prstGeom>
+          <a:noFill/>
+        </p:spPr>
+        <p:txBody>
+          <a:bodyPr wrap="square" rtlCol="0">
+            <a:spAutoFit/>
+          </a:bodyPr>
+          <a:lstStyle/>
+          <a:p>
+            <a:r>
+              <a:rPr lang="es-ES" dirty="0" smtClean="0"/>
+              <a:t>192.168.200.18</a:t>
+            </a:r>
+            <a:endParaRPr lang="es-CO" dirty="0"/>
+          </a:p>
+        </p:txBody>
+      </p:sp>
+      <p:sp>
+        <p:nvSpPr>
+          <p:cNvPr id="25" name="CuadroTexto 24"/>
+          <p:cNvSpPr txBox="1"/>
+          <p:nvPr/>
+        </p:nvSpPr>
+        <p:spPr>
+          <a:xfrm>
+            <a:off x="7295949" y="4726000"/>
+            <a:ext cx="2213811" cy="375385"/>
+          </a:xfrm>
+          <a:prstGeom prst="rect">
+            <a:avLst/>
+          </a:prstGeom>
+          <a:noFill/>
+        </p:spPr>
+        <p:txBody>
+          <a:bodyPr wrap="square" rtlCol="0">
+            <a:spAutoFit/>
+          </a:bodyPr>
+          <a:lstStyle/>
+          <a:p>
+            <a:r>
+              <a:rPr lang="es-ES" dirty="0" smtClean="0"/>
+              <a:t>192.168.200.15</a:t>
+            </a:r>
+            <a:endParaRPr lang="es-CO" dirty="0"/>
+          </a:p>
+        </p:txBody>
+      </p:sp>
+      <p:sp>
+        <p:nvSpPr>
+          <p:cNvPr id="26" name="CuadroTexto 25"/>
+          <p:cNvSpPr txBox="1"/>
+          <p:nvPr/>
+        </p:nvSpPr>
+        <p:spPr>
+          <a:xfrm>
+            <a:off x="2876349" y="2800952"/>
+            <a:ext cx="2213811" cy="375385"/>
+          </a:xfrm>
+          <a:prstGeom prst="rect">
+            <a:avLst/>
+          </a:prstGeom>
+          <a:noFill/>
+        </p:spPr>
+        <p:txBody>
+          <a:bodyPr wrap="square" rtlCol="0">
+            <a:spAutoFit/>
+          </a:bodyPr>
+          <a:lstStyle/>
+          <a:p>
+            <a:pPr algn="r"/>
+            <a:r>
+              <a:rPr lang="es-ES" dirty="0" smtClean="0"/>
+              <a:t>192.168.200.53</a:t>
+            </a:r>
+            <a:endParaRPr lang="es-CO" dirty="0"/>
+          </a:p>
+        </p:txBody>
+      </p:sp>
+      <p:sp>
+        <p:nvSpPr>
+          <p:cNvPr id="28" name="CuadroTexto 27"/>
+          <p:cNvSpPr txBox="1"/>
+          <p:nvPr/>
+        </p:nvSpPr>
+        <p:spPr>
+          <a:xfrm>
+            <a:off x="2876349" y="3787539"/>
+            <a:ext cx="2213811" cy="375385"/>
+          </a:xfrm>
+          <a:prstGeom prst="rect">
+            <a:avLst/>
+          </a:prstGeom>
+          <a:noFill/>
+        </p:spPr>
+        <p:txBody>
+          <a:bodyPr wrap="square" rtlCol="0">
+            <a:spAutoFit/>
+          </a:bodyPr>
+          <a:lstStyle/>
+          <a:p>
+            <a:pPr algn="r"/>
+            <a:r>
+              <a:rPr lang="es-ES" dirty="0" smtClean="0"/>
+              <a:t>192.168.200.25</a:t>
+            </a:r>
+            <a:endParaRPr lang="es-CO" dirty="0"/>
+          </a:p>
+        </p:txBody>
+      </p:sp>
+      <p:sp>
+        <p:nvSpPr>
+          <p:cNvPr id="29" name="CuadroTexto 28"/>
+          <p:cNvSpPr txBox="1"/>
+          <p:nvPr/>
+        </p:nvSpPr>
+        <p:spPr>
+          <a:xfrm>
+            <a:off x="2876349" y="4726000"/>
+            <a:ext cx="2213811" cy="375385"/>
+          </a:xfrm>
+          <a:prstGeom prst="rect">
+            <a:avLst/>
+          </a:prstGeom>
+          <a:noFill/>
+        </p:spPr>
+        <p:txBody>
+          <a:bodyPr wrap="square" rtlCol="0">
+            <a:spAutoFit/>
+          </a:bodyPr>
+          <a:lstStyle/>
+          <a:p>
+            <a:pPr algn="r"/>
+            <a:r>
+              <a:rPr lang="es-ES" dirty="0" smtClean="0"/>
+              <a:t>192.168.200.115</a:t>
+            </a:r>
+            <a:endParaRPr lang="es-CO" dirty="0"/>
+          </a:p>
+        </p:txBody>
+      </p:sp>
+      <p:sp>
+        <p:nvSpPr>
+          <p:cNvPr id="30" name="CuadroTexto 29"/>
+          <p:cNvSpPr txBox="1"/>
+          <p:nvPr/>
+        </p:nvSpPr>
+        <p:spPr>
+          <a:xfrm>
+            <a:off x="5282665" y="1830487"/>
+            <a:ext cx="2213811" cy="646331"/>
+          </a:xfrm>
+          <a:prstGeom prst="rect">
+            <a:avLst/>
+          </a:prstGeom>
+          <a:noFill/>
+        </p:spPr>
+        <p:txBody>
+          <a:bodyPr wrap="square" rtlCol="0">
+            <a:spAutoFit/>
+          </a:bodyPr>
+          <a:lstStyle/>
+          <a:p>
+            <a:r>
+              <a:rPr lang="es-ES" dirty="0" smtClean="0"/>
+              <a:t>Máscara: 255.255.255.0</a:t>
+            </a:r>
+            <a:endParaRPr lang="es-CO" dirty="0"/>
+          </a:p>
+        </p:txBody>
+      </p:sp>
+    </p:spTree>
+    <p:extLst>
+      <p:ext uri="{BB962C8B-B14F-4D97-AF65-F5344CB8AC3E}">
+        <p14:creationId xmlns:p14="http://schemas.microsoft.com/office/powerpoint/2010/main" val="68901941"/>
+      </p:ext>
+    </p:extLst>
+  </p:cSld>
+  <p:clrMapOvr>
+    <a:masterClrMapping/>
+  </p:clrMapOvr>
+</p:sld>
+</file>
+
+<file path=ppt/slides/slide16.xml><?xml version="1.0" encoding="utf-8"?>
+<p:sld xmlns:a="http://schemas.openxmlformats.org/drawingml/2006/main" xmlns:r="http://schemas.openxmlformats.org/officeDocument/2006/relationships" xmlns:p="http://schemas.openxmlformats.org/presentationml/2006/main">
+  <p:cSld>
+    <p:spTree>
+      <p:nvGrpSpPr>
+        <p:cNvPr id="1" name=""/>
+        <p:cNvGrpSpPr/>
+        <p:nvPr/>
+      </p:nvGrpSpPr>
+      <p:grpSpPr>
+        <a:xfrm>
+          <a:off x="0" y="0"/>
+          <a:ext cx="0" cy="0"/>
+          <a:chOff x="0" y="0"/>
+          <a:chExt cx="0" cy="0"/>
+        </a:xfrm>
+      </p:grpSpPr>
+      <p:sp>
+        <p:nvSpPr>
+          <p:cNvPr id="2" name="Título 1"/>
+          <p:cNvSpPr>
+            <a:spLocks noGrp="1"/>
+          </p:cNvSpPr>
+          <p:nvPr>
+            <p:ph type="title"/>
+          </p:nvPr>
+        </p:nvSpPr>
+        <p:spPr/>
+        <p:txBody>
+          <a:bodyPr/>
+          <a:lstStyle/>
+          <a:p>
+            <a:r>
+              <a:rPr lang="es-ES" dirty="0" smtClean="0"/>
+              <a:t>¿Cuál es la dirección de subred?</a:t>
+            </a:r>
+            <a:endParaRPr lang="es-CO" dirty="0"/>
+          </a:p>
+        </p:txBody>
+      </p:sp>
+      <p:sp>
+        <p:nvSpPr>
+          <p:cNvPr id="5" name="Rectángulo 4"/>
+          <p:cNvSpPr/>
+          <p:nvPr/>
+        </p:nvSpPr>
+        <p:spPr>
+          <a:xfrm>
+            <a:off x="5313145" y="2685448"/>
+            <a:ext cx="760396" cy="760396"/>
+          </a:xfrm>
+          <a:prstGeom prst="rect">
+            <a:avLst/>
+          </a:prstGeom>
+        </p:spPr>
+        <p:style>
+          <a:lnRef idx="2">
+            <a:schemeClr val="accent1">
+              <a:shade val="50000"/>
+            </a:schemeClr>
+          </a:lnRef>
+          <a:fillRef idx="1">
+            <a:schemeClr val="accent1"/>
+          </a:fillRef>
+          <a:effectRef idx="0">
+            <a:schemeClr val="accent1"/>
+          </a:effectRef>
+          <a:fontRef idx="minor">
+            <a:schemeClr val="lt1"/>
+          </a:fontRef>
+        </p:style>
+        <p:txBody>
+          <a:bodyPr rtlCol="0" anchor="ctr"/>
+          <a:lstStyle/>
+          <a:p>
+            <a:pPr algn="ctr"/>
+            <a:r>
+              <a:rPr lang="es-ES" dirty="0" smtClean="0"/>
+              <a:t>PC1</a:t>
+            </a:r>
+            <a:endParaRPr lang="es-CO" dirty="0"/>
+          </a:p>
+        </p:txBody>
+      </p:sp>
+      <p:sp>
+        <p:nvSpPr>
+          <p:cNvPr id="16" name="Rectángulo 15"/>
+          <p:cNvSpPr/>
+          <p:nvPr/>
+        </p:nvSpPr>
+        <p:spPr>
+          <a:xfrm>
+            <a:off x="5313145" y="3595034"/>
+            <a:ext cx="760396" cy="760396"/>
+          </a:xfrm>
+          <a:prstGeom prst="rect">
+            <a:avLst/>
+          </a:prstGeom>
+        </p:spPr>
+        <p:style>
+          <a:lnRef idx="2">
+            <a:schemeClr val="accent1">
+              <a:shade val="50000"/>
+            </a:schemeClr>
+          </a:lnRef>
+          <a:fillRef idx="1">
+            <a:schemeClr val="accent1"/>
+          </a:fillRef>
+          <a:effectRef idx="0">
+            <a:schemeClr val="accent1"/>
+          </a:effectRef>
+          <a:fontRef idx="minor">
+            <a:schemeClr val="lt1"/>
+          </a:fontRef>
+        </p:style>
+        <p:txBody>
+          <a:bodyPr rtlCol="0" anchor="ctr"/>
+          <a:lstStyle/>
+          <a:p>
+            <a:pPr algn="ctr"/>
+            <a:r>
+              <a:rPr lang="es-ES" dirty="0" smtClean="0"/>
+              <a:t>PC3</a:t>
+            </a:r>
+            <a:endParaRPr lang="es-CO" dirty="0"/>
+          </a:p>
+        </p:txBody>
+      </p:sp>
+      <p:sp>
+        <p:nvSpPr>
+          <p:cNvPr id="17" name="Rectángulo 16"/>
+          <p:cNvSpPr/>
+          <p:nvPr/>
+        </p:nvSpPr>
+        <p:spPr>
+          <a:xfrm>
+            <a:off x="5313145" y="4533495"/>
+            <a:ext cx="760396" cy="760396"/>
+          </a:xfrm>
+          <a:prstGeom prst="rect">
+            <a:avLst/>
+          </a:prstGeom>
+        </p:spPr>
+        <p:style>
+          <a:lnRef idx="2">
+            <a:schemeClr val="accent1">
+              <a:shade val="50000"/>
+            </a:schemeClr>
+          </a:lnRef>
+          <a:fillRef idx="1">
+            <a:schemeClr val="accent1"/>
+          </a:fillRef>
+          <a:effectRef idx="0">
+            <a:schemeClr val="accent1"/>
+          </a:effectRef>
+          <a:fontRef idx="minor">
+            <a:schemeClr val="lt1"/>
+          </a:fontRef>
+        </p:style>
+        <p:txBody>
+          <a:bodyPr rtlCol="0" anchor="ctr"/>
+          <a:lstStyle/>
+          <a:p>
+            <a:pPr algn="ctr"/>
+            <a:r>
+              <a:rPr lang="es-ES" dirty="0" smtClean="0"/>
+              <a:t>PC5</a:t>
+            </a:r>
+            <a:endParaRPr lang="es-CO" dirty="0"/>
+          </a:p>
+        </p:txBody>
+      </p:sp>
+      <p:sp>
+        <p:nvSpPr>
+          <p:cNvPr id="19" name="Rectángulo 18"/>
+          <p:cNvSpPr/>
+          <p:nvPr/>
+        </p:nvSpPr>
+        <p:spPr>
+          <a:xfrm>
+            <a:off x="6293318" y="2685448"/>
+            <a:ext cx="760396" cy="760396"/>
+          </a:xfrm>
+          <a:prstGeom prst="rect">
+            <a:avLst/>
+          </a:prstGeom>
+        </p:spPr>
+        <p:style>
+          <a:lnRef idx="2">
+            <a:schemeClr val="accent1">
+              <a:shade val="50000"/>
+            </a:schemeClr>
+          </a:lnRef>
+          <a:fillRef idx="1">
+            <a:schemeClr val="accent1"/>
+          </a:fillRef>
+          <a:effectRef idx="0">
+            <a:schemeClr val="accent1"/>
+          </a:effectRef>
+          <a:fontRef idx="minor">
+            <a:schemeClr val="lt1"/>
+          </a:fontRef>
+        </p:style>
+        <p:txBody>
+          <a:bodyPr rtlCol="0" anchor="ctr"/>
+          <a:lstStyle/>
+          <a:p>
+            <a:pPr algn="ctr"/>
+            <a:r>
+              <a:rPr lang="es-ES" dirty="0" smtClean="0"/>
+              <a:t>PC2</a:t>
+            </a:r>
+            <a:endParaRPr lang="es-CO" dirty="0"/>
+          </a:p>
+        </p:txBody>
+      </p:sp>
+      <p:sp>
+        <p:nvSpPr>
+          <p:cNvPr id="20" name="Rectángulo 19"/>
+          <p:cNvSpPr/>
+          <p:nvPr/>
+        </p:nvSpPr>
+        <p:spPr>
+          <a:xfrm>
+            <a:off x="6293318" y="3595034"/>
+            <a:ext cx="760396" cy="760396"/>
+          </a:xfrm>
+          <a:prstGeom prst="rect">
+            <a:avLst/>
+          </a:prstGeom>
+        </p:spPr>
+        <p:style>
+          <a:lnRef idx="2">
+            <a:schemeClr val="accent1">
+              <a:shade val="50000"/>
+            </a:schemeClr>
+          </a:lnRef>
+          <a:fillRef idx="1">
+            <a:schemeClr val="accent1"/>
+          </a:fillRef>
+          <a:effectRef idx="0">
+            <a:schemeClr val="accent1"/>
+          </a:effectRef>
+          <a:fontRef idx="minor">
+            <a:schemeClr val="lt1"/>
+          </a:fontRef>
+        </p:style>
+        <p:txBody>
+          <a:bodyPr rtlCol="0" anchor="ctr"/>
+          <a:lstStyle/>
+          <a:p>
+            <a:pPr algn="ctr"/>
+            <a:r>
+              <a:rPr lang="es-ES" dirty="0" smtClean="0"/>
+              <a:t>PC4</a:t>
+            </a:r>
+            <a:endParaRPr lang="es-CO" dirty="0"/>
+          </a:p>
+        </p:txBody>
+      </p:sp>
+      <p:sp>
+        <p:nvSpPr>
+          <p:cNvPr id="22" name="Rectángulo 21"/>
+          <p:cNvSpPr/>
+          <p:nvPr/>
+        </p:nvSpPr>
+        <p:spPr>
+          <a:xfrm>
+            <a:off x="6293318" y="4533495"/>
+            <a:ext cx="760396" cy="760396"/>
+          </a:xfrm>
+          <a:prstGeom prst="rect">
+            <a:avLst/>
+          </a:prstGeom>
+        </p:spPr>
+        <p:style>
+          <a:lnRef idx="2">
+            <a:schemeClr val="accent1">
+              <a:shade val="50000"/>
+            </a:schemeClr>
+          </a:lnRef>
+          <a:fillRef idx="1">
+            <a:schemeClr val="accent1"/>
+          </a:fillRef>
+          <a:effectRef idx="0">
+            <a:schemeClr val="accent1"/>
+          </a:effectRef>
+          <a:fontRef idx="minor">
+            <a:schemeClr val="lt1"/>
+          </a:fontRef>
+        </p:style>
+        <p:txBody>
+          <a:bodyPr rtlCol="0" anchor="ctr"/>
+          <a:lstStyle/>
+          <a:p>
+            <a:pPr algn="ctr"/>
+            <a:r>
+              <a:rPr lang="es-ES" dirty="0" smtClean="0"/>
+              <a:t>PC6</a:t>
+            </a:r>
+            <a:endParaRPr lang="es-CO" dirty="0"/>
+          </a:p>
+        </p:txBody>
+      </p:sp>
+      <p:sp>
+        <p:nvSpPr>
+          <p:cNvPr id="7" name="CuadroTexto 6"/>
+          <p:cNvSpPr txBox="1"/>
+          <p:nvPr/>
+        </p:nvSpPr>
+        <p:spPr>
+          <a:xfrm>
+            <a:off x="7295949" y="2800952"/>
+            <a:ext cx="2213811" cy="375385"/>
+          </a:xfrm>
+          <a:prstGeom prst="rect">
+            <a:avLst/>
+          </a:prstGeom>
+          <a:noFill/>
+        </p:spPr>
+        <p:txBody>
+          <a:bodyPr wrap="square" rtlCol="0">
+            <a:spAutoFit/>
+          </a:bodyPr>
+          <a:lstStyle/>
+          <a:p>
+            <a:r>
+              <a:rPr lang="es-ES" dirty="0" smtClean="0"/>
+              <a:t>192.168.200.56</a:t>
+            </a:r>
+            <a:endParaRPr lang="es-CO" dirty="0"/>
+          </a:p>
+        </p:txBody>
+      </p:sp>
+      <p:sp>
+        <p:nvSpPr>
+          <p:cNvPr id="23" name="CuadroTexto 22"/>
+          <p:cNvSpPr txBox="1"/>
+          <p:nvPr/>
+        </p:nvSpPr>
+        <p:spPr>
+          <a:xfrm>
+            <a:off x="7295949" y="3787539"/>
+            <a:ext cx="2213811" cy="375385"/>
+          </a:xfrm>
+          <a:prstGeom prst="rect">
+            <a:avLst/>
+          </a:prstGeom>
+          <a:noFill/>
+        </p:spPr>
+        <p:txBody>
+          <a:bodyPr wrap="square" rtlCol="0">
+            <a:spAutoFit/>
+          </a:bodyPr>
+          <a:lstStyle/>
+          <a:p>
+            <a:r>
+              <a:rPr lang="es-ES" dirty="0" smtClean="0"/>
+              <a:t>192.168.200.18</a:t>
+            </a:r>
+            <a:endParaRPr lang="es-CO" dirty="0"/>
+          </a:p>
+        </p:txBody>
+      </p:sp>
+      <p:sp>
+        <p:nvSpPr>
+          <p:cNvPr id="25" name="CuadroTexto 24"/>
+          <p:cNvSpPr txBox="1"/>
+          <p:nvPr/>
+        </p:nvSpPr>
+        <p:spPr>
+          <a:xfrm>
+            <a:off x="7295949" y="4726000"/>
+            <a:ext cx="2213811" cy="375385"/>
+          </a:xfrm>
+          <a:prstGeom prst="rect">
+            <a:avLst/>
+          </a:prstGeom>
+          <a:noFill/>
+        </p:spPr>
+        <p:txBody>
+          <a:bodyPr wrap="square" rtlCol="0">
+            <a:spAutoFit/>
+          </a:bodyPr>
+          <a:lstStyle/>
+          <a:p>
+            <a:r>
+              <a:rPr lang="es-ES" dirty="0" smtClean="0"/>
+              <a:t>192.168.200.15</a:t>
+            </a:r>
+            <a:endParaRPr lang="es-CO" dirty="0"/>
+          </a:p>
+        </p:txBody>
+      </p:sp>
+      <p:sp>
+        <p:nvSpPr>
+          <p:cNvPr id="26" name="CuadroTexto 25"/>
+          <p:cNvSpPr txBox="1"/>
+          <p:nvPr/>
+        </p:nvSpPr>
+        <p:spPr>
+          <a:xfrm>
+            <a:off x="2876349" y="2800952"/>
+            <a:ext cx="2213811" cy="375385"/>
+          </a:xfrm>
+          <a:prstGeom prst="rect">
+            <a:avLst/>
+          </a:prstGeom>
+          <a:noFill/>
+        </p:spPr>
+        <p:txBody>
+          <a:bodyPr wrap="square" rtlCol="0">
+            <a:spAutoFit/>
+          </a:bodyPr>
+          <a:lstStyle/>
+          <a:p>
+            <a:pPr algn="r"/>
+            <a:r>
+              <a:rPr lang="es-ES" dirty="0" smtClean="0"/>
+              <a:t>192.168.200.53</a:t>
+            </a:r>
+            <a:endParaRPr lang="es-CO" dirty="0"/>
+          </a:p>
+        </p:txBody>
+      </p:sp>
+      <p:sp>
+        <p:nvSpPr>
+          <p:cNvPr id="28" name="CuadroTexto 27"/>
+          <p:cNvSpPr txBox="1"/>
+          <p:nvPr/>
+        </p:nvSpPr>
+        <p:spPr>
+          <a:xfrm>
+            <a:off x="2876349" y="3787539"/>
+            <a:ext cx="2213811" cy="375385"/>
+          </a:xfrm>
+          <a:prstGeom prst="rect">
+            <a:avLst/>
+          </a:prstGeom>
+          <a:noFill/>
+        </p:spPr>
+        <p:txBody>
+          <a:bodyPr wrap="square" rtlCol="0">
+            <a:spAutoFit/>
+          </a:bodyPr>
+          <a:lstStyle/>
+          <a:p>
+            <a:pPr algn="r"/>
+            <a:r>
+              <a:rPr lang="es-ES" dirty="0" smtClean="0"/>
+              <a:t>192.168.200.25</a:t>
+            </a:r>
+            <a:endParaRPr lang="es-CO" dirty="0"/>
+          </a:p>
+        </p:txBody>
+      </p:sp>
+      <p:sp>
+        <p:nvSpPr>
+          <p:cNvPr id="29" name="CuadroTexto 28"/>
+          <p:cNvSpPr txBox="1"/>
+          <p:nvPr/>
+        </p:nvSpPr>
+        <p:spPr>
+          <a:xfrm>
+            <a:off x="2876349" y="4726000"/>
+            <a:ext cx="2213811" cy="375385"/>
+          </a:xfrm>
+          <a:prstGeom prst="rect">
+            <a:avLst/>
+          </a:prstGeom>
+          <a:noFill/>
+        </p:spPr>
+        <p:txBody>
+          <a:bodyPr wrap="square" rtlCol="0">
+            <a:spAutoFit/>
+          </a:bodyPr>
+          <a:lstStyle/>
+          <a:p>
+            <a:pPr algn="r"/>
+            <a:r>
+              <a:rPr lang="es-ES" dirty="0" smtClean="0"/>
+              <a:t>192.168.200.115</a:t>
+            </a:r>
+            <a:endParaRPr lang="es-CO" dirty="0"/>
+          </a:p>
+        </p:txBody>
+      </p:sp>
+      <p:sp>
+        <p:nvSpPr>
+          <p:cNvPr id="30" name="CuadroTexto 29"/>
+          <p:cNvSpPr txBox="1"/>
+          <p:nvPr/>
+        </p:nvSpPr>
+        <p:spPr>
+          <a:xfrm>
+            <a:off x="5282665" y="1830487"/>
+            <a:ext cx="2213811" cy="646331"/>
+          </a:xfrm>
+          <a:prstGeom prst="rect">
+            <a:avLst/>
+          </a:prstGeom>
+          <a:noFill/>
+        </p:spPr>
+        <p:txBody>
+          <a:bodyPr wrap="square" rtlCol="0">
+            <a:spAutoFit/>
+          </a:bodyPr>
+          <a:lstStyle/>
+          <a:p>
+            <a:r>
+              <a:rPr lang="es-ES" dirty="0" smtClean="0"/>
+              <a:t>Máscara: 255.255.255.0</a:t>
+            </a:r>
+            <a:endParaRPr lang="es-CO" dirty="0"/>
+          </a:p>
+        </p:txBody>
+      </p:sp>
+      <p:sp>
+        <p:nvSpPr>
+          <p:cNvPr id="21" name="CuadroTexto 20"/>
+          <p:cNvSpPr txBox="1"/>
+          <p:nvPr/>
+        </p:nvSpPr>
+        <p:spPr>
+          <a:xfrm>
+            <a:off x="4940968" y="5533801"/>
+            <a:ext cx="2704700" cy="646331"/>
+          </a:xfrm>
+          <a:prstGeom prst="rect">
+            <a:avLst/>
+          </a:prstGeom>
+          <a:noFill/>
+        </p:spPr>
+        <p:txBody>
+          <a:bodyPr wrap="square" rtlCol="0">
+            <a:spAutoFit/>
+          </a:bodyPr>
+          <a:lstStyle/>
+          <a:p>
+            <a:r>
+              <a:rPr lang="es-ES" dirty="0" smtClean="0"/>
+              <a:t>La dirección de subred es</a:t>
+            </a:r>
+          </a:p>
+          <a:p>
+            <a:r>
+              <a:rPr lang="es-ES" dirty="0" smtClean="0"/>
+              <a:t>192.168.200.0 / 24</a:t>
+            </a:r>
+            <a:endParaRPr lang="es-CO" dirty="0"/>
+          </a:p>
+        </p:txBody>
+      </p:sp>
+    </p:spTree>
+    <p:extLst>
+      <p:ext uri="{BB962C8B-B14F-4D97-AF65-F5344CB8AC3E}">
+        <p14:creationId xmlns:p14="http://schemas.microsoft.com/office/powerpoint/2010/main" val="3155481028"/>
+      </p:ext>
+    </p:extLst>
+  </p:cSld>
+  <p:clrMapOvr>
+    <a:masterClrMapping/>
+  </p:clrMapOvr>
+</p:sld>
+</file>
+
+<file path=ppt/slides/slide17.xml><?xml version="1.0" encoding="utf-8"?>
+<p:sld xmlns:a="http://schemas.openxmlformats.org/drawingml/2006/main" xmlns:r="http://schemas.openxmlformats.org/officeDocument/2006/relationships" xmlns:p="http://schemas.openxmlformats.org/presentationml/2006/main">
+  <p:cSld>
+    <p:spTree>
+      <p:nvGrpSpPr>
+        <p:cNvPr id="1" name=""/>
+        <p:cNvGrpSpPr/>
+        <p:nvPr/>
+      </p:nvGrpSpPr>
+      <p:grpSpPr>
+        <a:xfrm>
+          <a:off x="0" y="0"/>
+          <a:ext cx="0" cy="0"/>
+          <a:chOff x="0" y="0"/>
+          <a:chExt cx="0" cy="0"/>
+        </a:xfrm>
+      </p:grpSpPr>
+      <p:sp>
+        <p:nvSpPr>
+          <p:cNvPr id="2" name="Título 1"/>
+          <p:cNvSpPr>
+            <a:spLocks noGrp="1"/>
+          </p:cNvSpPr>
+          <p:nvPr>
+            <p:ph type="title"/>
+          </p:nvPr>
+        </p:nvSpPr>
+        <p:spPr/>
+        <p:txBody>
+          <a:bodyPr/>
+          <a:lstStyle/>
+          <a:p>
+            <a:r>
+              <a:rPr lang="es-ES" dirty="0" smtClean="0"/>
+              <a:t>¿Cuál es la dirección de subred? (Redimible por una décima)</a:t>
+            </a:r>
+            <a:endParaRPr lang="es-CO" dirty="0"/>
+          </a:p>
+        </p:txBody>
+      </p:sp>
+      <p:sp>
+        <p:nvSpPr>
+          <p:cNvPr id="4" name="Rectángulo 3"/>
+          <p:cNvSpPr/>
+          <p:nvPr/>
+        </p:nvSpPr>
+        <p:spPr>
+          <a:xfrm>
+            <a:off x="5313145" y="2685448"/>
+            <a:ext cx="760396" cy="760396"/>
+          </a:xfrm>
+          <a:prstGeom prst="rect">
+            <a:avLst/>
+          </a:prstGeom>
+        </p:spPr>
+        <p:style>
+          <a:lnRef idx="2">
+            <a:schemeClr val="accent1">
+              <a:shade val="50000"/>
+            </a:schemeClr>
+          </a:lnRef>
+          <a:fillRef idx="1">
+            <a:schemeClr val="accent1"/>
+          </a:fillRef>
+          <a:effectRef idx="0">
+            <a:schemeClr val="accent1"/>
+          </a:effectRef>
+          <a:fontRef idx="minor">
+            <a:schemeClr val="lt1"/>
+          </a:fontRef>
+        </p:style>
+        <p:txBody>
+          <a:bodyPr rtlCol="0" anchor="ctr"/>
+          <a:lstStyle/>
+          <a:p>
+            <a:pPr algn="ctr"/>
+            <a:r>
+              <a:rPr lang="es-ES" dirty="0" smtClean="0"/>
+              <a:t>PC1</a:t>
+            </a:r>
+            <a:endParaRPr lang="es-CO" dirty="0"/>
+          </a:p>
+        </p:txBody>
+      </p:sp>
+      <p:sp>
+        <p:nvSpPr>
+          <p:cNvPr id="5" name="Rectángulo 4"/>
+          <p:cNvSpPr/>
+          <p:nvPr/>
+        </p:nvSpPr>
+        <p:spPr>
+          <a:xfrm>
+            <a:off x="5313145" y="3595034"/>
+            <a:ext cx="760396" cy="760396"/>
+          </a:xfrm>
+          <a:prstGeom prst="rect">
+            <a:avLst/>
+          </a:prstGeom>
+        </p:spPr>
+        <p:style>
+          <a:lnRef idx="2">
+            <a:schemeClr val="accent1">
+              <a:shade val="50000"/>
+            </a:schemeClr>
+          </a:lnRef>
+          <a:fillRef idx="1">
+            <a:schemeClr val="accent1"/>
+          </a:fillRef>
+          <a:effectRef idx="0">
+            <a:schemeClr val="accent1"/>
+          </a:effectRef>
+          <a:fontRef idx="minor">
+            <a:schemeClr val="lt1"/>
+          </a:fontRef>
+        </p:style>
+        <p:txBody>
+          <a:bodyPr rtlCol="0" anchor="ctr"/>
+          <a:lstStyle/>
+          <a:p>
+            <a:pPr algn="ctr"/>
+            <a:r>
+              <a:rPr lang="es-ES" dirty="0" smtClean="0"/>
+              <a:t>PC3</a:t>
+            </a:r>
+            <a:endParaRPr lang="es-CO" dirty="0"/>
+          </a:p>
+        </p:txBody>
+      </p:sp>
+      <p:sp>
+        <p:nvSpPr>
+          <p:cNvPr id="6" name="Rectángulo 5"/>
+          <p:cNvSpPr/>
+          <p:nvPr/>
+        </p:nvSpPr>
+        <p:spPr>
+          <a:xfrm>
+            <a:off x="5313145" y="4533495"/>
+            <a:ext cx="760396" cy="760396"/>
+          </a:xfrm>
+          <a:prstGeom prst="rect">
+            <a:avLst/>
+          </a:prstGeom>
+        </p:spPr>
+        <p:style>
+          <a:lnRef idx="2">
+            <a:schemeClr val="accent1">
+              <a:shade val="50000"/>
+            </a:schemeClr>
+          </a:lnRef>
+          <a:fillRef idx="1">
+            <a:schemeClr val="accent1"/>
+          </a:fillRef>
+          <a:effectRef idx="0">
+            <a:schemeClr val="accent1"/>
+          </a:effectRef>
+          <a:fontRef idx="minor">
+            <a:schemeClr val="lt1"/>
+          </a:fontRef>
+        </p:style>
+        <p:txBody>
+          <a:bodyPr rtlCol="0" anchor="ctr"/>
+          <a:lstStyle/>
+          <a:p>
+            <a:pPr algn="ctr"/>
+            <a:r>
+              <a:rPr lang="es-ES" dirty="0" smtClean="0"/>
+              <a:t>PC5</a:t>
+            </a:r>
+            <a:endParaRPr lang="es-CO" dirty="0"/>
+          </a:p>
+        </p:txBody>
+      </p:sp>
+      <p:sp>
+        <p:nvSpPr>
+          <p:cNvPr id="7" name="Rectángulo 6"/>
+          <p:cNvSpPr/>
+          <p:nvPr/>
+        </p:nvSpPr>
+        <p:spPr>
+          <a:xfrm>
+            <a:off x="6293318" y="2685448"/>
+            <a:ext cx="760396" cy="760396"/>
+          </a:xfrm>
+          <a:prstGeom prst="rect">
+            <a:avLst/>
+          </a:prstGeom>
+        </p:spPr>
+        <p:style>
+          <a:lnRef idx="2">
+            <a:schemeClr val="accent1">
+              <a:shade val="50000"/>
+            </a:schemeClr>
+          </a:lnRef>
+          <a:fillRef idx="1">
+            <a:schemeClr val="accent1"/>
+          </a:fillRef>
+          <a:effectRef idx="0">
+            <a:schemeClr val="accent1"/>
+          </a:effectRef>
+          <a:fontRef idx="minor">
+            <a:schemeClr val="lt1"/>
+          </a:fontRef>
+        </p:style>
+        <p:txBody>
+          <a:bodyPr rtlCol="0" anchor="ctr"/>
+          <a:lstStyle/>
+          <a:p>
+            <a:pPr algn="ctr"/>
+            <a:r>
+              <a:rPr lang="es-ES" dirty="0" smtClean="0"/>
+              <a:t>PC2</a:t>
+            </a:r>
+            <a:endParaRPr lang="es-CO" dirty="0"/>
+          </a:p>
+        </p:txBody>
+      </p:sp>
+      <p:sp>
+        <p:nvSpPr>
+          <p:cNvPr id="8" name="Rectángulo 7"/>
+          <p:cNvSpPr/>
+          <p:nvPr/>
+        </p:nvSpPr>
+        <p:spPr>
+          <a:xfrm>
+            <a:off x="6293318" y="3595034"/>
+            <a:ext cx="760396" cy="760396"/>
+          </a:xfrm>
+          <a:prstGeom prst="rect">
+            <a:avLst/>
+          </a:prstGeom>
+        </p:spPr>
+        <p:style>
+          <a:lnRef idx="2">
+            <a:schemeClr val="accent1">
+              <a:shade val="50000"/>
+            </a:schemeClr>
+          </a:lnRef>
+          <a:fillRef idx="1">
+            <a:schemeClr val="accent1"/>
+          </a:fillRef>
+          <a:effectRef idx="0">
+            <a:schemeClr val="accent1"/>
+          </a:effectRef>
+          <a:fontRef idx="minor">
+            <a:schemeClr val="lt1"/>
+          </a:fontRef>
+        </p:style>
+        <p:txBody>
+          <a:bodyPr rtlCol="0" anchor="ctr"/>
+          <a:lstStyle/>
+          <a:p>
+            <a:pPr algn="ctr"/>
+            <a:r>
+              <a:rPr lang="es-ES" dirty="0" smtClean="0"/>
+              <a:t>PC4</a:t>
+            </a:r>
+            <a:endParaRPr lang="es-CO" dirty="0"/>
+          </a:p>
+        </p:txBody>
+      </p:sp>
+      <p:sp>
+        <p:nvSpPr>
+          <p:cNvPr id="9" name="Rectángulo 8"/>
+          <p:cNvSpPr/>
+          <p:nvPr/>
+        </p:nvSpPr>
+        <p:spPr>
+          <a:xfrm>
+            <a:off x="6293318" y="4533495"/>
+            <a:ext cx="760396" cy="760396"/>
+          </a:xfrm>
+          <a:prstGeom prst="rect">
+            <a:avLst/>
+          </a:prstGeom>
+        </p:spPr>
+        <p:style>
+          <a:lnRef idx="2">
+            <a:schemeClr val="accent1">
+              <a:shade val="50000"/>
+            </a:schemeClr>
+          </a:lnRef>
+          <a:fillRef idx="1">
+            <a:schemeClr val="accent1"/>
+          </a:fillRef>
+          <a:effectRef idx="0">
+            <a:schemeClr val="accent1"/>
+          </a:effectRef>
+          <a:fontRef idx="minor">
+            <a:schemeClr val="lt1"/>
+          </a:fontRef>
+        </p:style>
+        <p:txBody>
+          <a:bodyPr rtlCol="0" anchor="ctr"/>
+          <a:lstStyle/>
+          <a:p>
+            <a:pPr algn="ctr"/>
+            <a:r>
+              <a:rPr lang="es-ES" dirty="0" smtClean="0"/>
+              <a:t>PC6</a:t>
+            </a:r>
+            <a:endParaRPr lang="es-CO" dirty="0"/>
+          </a:p>
+        </p:txBody>
+      </p:sp>
+      <p:sp>
+        <p:nvSpPr>
+          <p:cNvPr id="10" name="CuadroTexto 9"/>
+          <p:cNvSpPr txBox="1"/>
+          <p:nvPr/>
+        </p:nvSpPr>
+        <p:spPr>
+          <a:xfrm>
+            <a:off x="7295949" y="2800952"/>
+            <a:ext cx="2213811" cy="375385"/>
+          </a:xfrm>
+          <a:prstGeom prst="rect">
+            <a:avLst/>
+          </a:prstGeom>
+          <a:noFill/>
+        </p:spPr>
+        <p:txBody>
+          <a:bodyPr wrap="square" rtlCol="0">
+            <a:spAutoFit/>
+          </a:bodyPr>
+          <a:lstStyle/>
+          <a:p>
+            <a:r>
+              <a:rPr lang="es-ES" dirty="0" smtClean="0"/>
+              <a:t>192.168.204.56</a:t>
+            </a:r>
+            <a:endParaRPr lang="es-CO" dirty="0"/>
+          </a:p>
+        </p:txBody>
+      </p:sp>
+      <p:sp>
+        <p:nvSpPr>
+          <p:cNvPr id="11" name="CuadroTexto 10"/>
+          <p:cNvSpPr txBox="1"/>
+          <p:nvPr/>
+        </p:nvSpPr>
+        <p:spPr>
+          <a:xfrm>
+            <a:off x="7295949" y="3787539"/>
+            <a:ext cx="2213811" cy="375385"/>
+          </a:xfrm>
+          <a:prstGeom prst="rect">
+            <a:avLst/>
+          </a:prstGeom>
+          <a:noFill/>
+        </p:spPr>
+        <p:txBody>
+          <a:bodyPr wrap="square" rtlCol="0">
+            <a:spAutoFit/>
+          </a:bodyPr>
+          <a:lstStyle/>
+          <a:p>
+            <a:r>
+              <a:rPr lang="es-ES" dirty="0" smtClean="0"/>
+              <a:t>192.168.207.18</a:t>
+            </a:r>
+            <a:endParaRPr lang="es-CO" dirty="0"/>
+          </a:p>
+        </p:txBody>
+      </p:sp>
+      <p:sp>
+        <p:nvSpPr>
+          <p:cNvPr id="12" name="CuadroTexto 11"/>
+          <p:cNvSpPr txBox="1"/>
+          <p:nvPr/>
+        </p:nvSpPr>
+        <p:spPr>
+          <a:xfrm>
+            <a:off x="7295949" y="4726000"/>
+            <a:ext cx="2213811" cy="375385"/>
+          </a:xfrm>
+          <a:prstGeom prst="rect">
+            <a:avLst/>
+          </a:prstGeom>
+          <a:noFill/>
+        </p:spPr>
+        <p:txBody>
+          <a:bodyPr wrap="square" rtlCol="0">
+            <a:spAutoFit/>
+          </a:bodyPr>
+          <a:lstStyle/>
+          <a:p>
+            <a:r>
+              <a:rPr lang="es-ES" dirty="0" smtClean="0"/>
+              <a:t>192.168.205.15</a:t>
+            </a:r>
+            <a:endParaRPr lang="es-CO" dirty="0"/>
+          </a:p>
+        </p:txBody>
+      </p:sp>
+      <p:sp>
+        <p:nvSpPr>
+          <p:cNvPr id="13" name="CuadroTexto 12"/>
+          <p:cNvSpPr txBox="1"/>
+          <p:nvPr/>
+        </p:nvSpPr>
+        <p:spPr>
+          <a:xfrm>
+            <a:off x="2876349" y="2800952"/>
+            <a:ext cx="2213811" cy="375385"/>
+          </a:xfrm>
+          <a:prstGeom prst="rect">
+            <a:avLst/>
+          </a:prstGeom>
+          <a:noFill/>
+        </p:spPr>
+        <p:txBody>
+          <a:bodyPr wrap="square" rtlCol="0">
+            <a:spAutoFit/>
+          </a:bodyPr>
+          <a:lstStyle/>
+          <a:p>
+            <a:pPr algn="r"/>
+            <a:r>
+              <a:rPr lang="es-ES" dirty="0" smtClean="0"/>
+              <a:t>192.168.223.53</a:t>
+            </a:r>
+            <a:endParaRPr lang="es-CO" dirty="0"/>
+          </a:p>
+        </p:txBody>
+      </p:sp>
+      <p:sp>
+        <p:nvSpPr>
+          <p:cNvPr id="14" name="CuadroTexto 13"/>
+          <p:cNvSpPr txBox="1"/>
+          <p:nvPr/>
+        </p:nvSpPr>
+        <p:spPr>
+          <a:xfrm>
+            <a:off x="2876349" y="3787539"/>
+            <a:ext cx="2213811" cy="375385"/>
+          </a:xfrm>
+          <a:prstGeom prst="rect">
+            <a:avLst/>
+          </a:prstGeom>
+          <a:noFill/>
+        </p:spPr>
+        <p:txBody>
+          <a:bodyPr wrap="square" rtlCol="0">
+            <a:spAutoFit/>
+          </a:bodyPr>
+          <a:lstStyle/>
+          <a:p>
+            <a:pPr algn="r"/>
+            <a:r>
+              <a:rPr lang="es-ES" dirty="0" smtClean="0"/>
+              <a:t>192.168.213.25</a:t>
+            </a:r>
+            <a:endParaRPr lang="es-CO" dirty="0"/>
+          </a:p>
+        </p:txBody>
+      </p:sp>
+      <p:sp>
+        <p:nvSpPr>
+          <p:cNvPr id="15" name="CuadroTexto 14"/>
+          <p:cNvSpPr txBox="1"/>
+          <p:nvPr/>
+        </p:nvSpPr>
+        <p:spPr>
+          <a:xfrm>
+            <a:off x="2876349" y="4726000"/>
+            <a:ext cx="2213811" cy="375385"/>
+          </a:xfrm>
+          <a:prstGeom prst="rect">
+            <a:avLst/>
+          </a:prstGeom>
+          <a:noFill/>
+        </p:spPr>
+        <p:txBody>
+          <a:bodyPr wrap="square" rtlCol="0">
+            <a:spAutoFit/>
+          </a:bodyPr>
+          <a:lstStyle/>
+          <a:p>
+            <a:pPr algn="r"/>
+            <a:r>
+              <a:rPr lang="es-ES" dirty="0" smtClean="0"/>
+              <a:t>192.168.220.115</a:t>
+            </a:r>
+            <a:endParaRPr lang="es-CO" dirty="0"/>
+          </a:p>
+        </p:txBody>
+      </p:sp>
+      <p:sp>
+        <p:nvSpPr>
+          <p:cNvPr id="16" name="CuadroTexto 15"/>
+          <p:cNvSpPr txBox="1"/>
+          <p:nvPr/>
+        </p:nvSpPr>
+        <p:spPr>
+          <a:xfrm>
+            <a:off x="5282665" y="1830487"/>
+            <a:ext cx="2213811" cy="646331"/>
+          </a:xfrm>
+          <a:prstGeom prst="rect">
+            <a:avLst/>
+          </a:prstGeom>
+          <a:noFill/>
+        </p:spPr>
+        <p:txBody>
+          <a:bodyPr wrap="square" rtlCol="0">
+            <a:spAutoFit/>
+          </a:bodyPr>
+          <a:lstStyle/>
+          <a:p>
+            <a:r>
+              <a:rPr lang="es-ES" dirty="0" smtClean="0"/>
+              <a:t>Máscara: 255.255.224.0</a:t>
+            </a:r>
+            <a:endParaRPr lang="es-CO" dirty="0"/>
+          </a:p>
+        </p:txBody>
+      </p:sp>
+    </p:spTree>
+    <p:extLst>
+      <p:ext uri="{BB962C8B-B14F-4D97-AF65-F5344CB8AC3E}">
+        <p14:creationId xmlns:p14="http://schemas.microsoft.com/office/powerpoint/2010/main" val="1274437664"/>
+      </p:ext>
+    </p:extLst>
+  </p:cSld>
+  <p:clrMapOvr>
+    <a:masterClrMapping/>
+  </p:clrMapOvr>
+</p:sld>
+</file>
+
+<file path=ppt/slides/slide18.xml><?xml version="1.0" encoding="utf-8"?>
+<p:sld xmlns:a="http://schemas.openxmlformats.org/drawingml/2006/main" xmlns:r="http://schemas.openxmlformats.org/officeDocument/2006/relationships" xmlns:p="http://schemas.openxmlformats.org/presentationml/2006/main">
+  <p:cSld>
+    <p:spTree>
+      <p:nvGrpSpPr>
+        <p:cNvPr id="1" name=""/>
+        <p:cNvGrpSpPr/>
+        <p:nvPr/>
+      </p:nvGrpSpPr>
+      <p:grpSpPr>
+        <a:xfrm>
+          <a:off x="0" y="0"/>
+          <a:ext cx="0" cy="0"/>
+          <a:chOff x="0" y="0"/>
+          <a:chExt cx="0" cy="0"/>
+        </a:xfrm>
+      </p:grpSpPr>
+      <p:sp>
+        <p:nvSpPr>
+          <p:cNvPr id="2" name="Título 1"/>
+          <p:cNvSpPr>
+            <a:spLocks noGrp="1"/>
+          </p:cNvSpPr>
+          <p:nvPr>
+            <p:ph type="title"/>
+          </p:nvPr>
+        </p:nvSpPr>
+        <p:spPr/>
+        <p:txBody>
+          <a:bodyPr/>
+          <a:lstStyle/>
+          <a:p>
+            <a:r>
+              <a:rPr lang="es-ES" dirty="0" smtClean="0"/>
+              <a:t>¿Cuál es la dirección de subred?</a:t>
+            </a:r>
+            <a:br>
+              <a:rPr lang="es-ES" dirty="0" smtClean="0"/>
+            </a:br>
+            <a:r>
+              <a:rPr lang="es-ES" dirty="0"/>
+              <a:t>(Redimible por una décima)</a:t>
+            </a:r>
+            <a:endParaRPr lang="es-CO" dirty="0"/>
+          </a:p>
+        </p:txBody>
+      </p:sp>
+      <p:sp>
+        <p:nvSpPr>
+          <p:cNvPr id="4" name="Rectángulo 3"/>
+          <p:cNvSpPr/>
+          <p:nvPr/>
+        </p:nvSpPr>
+        <p:spPr>
+          <a:xfrm>
+            <a:off x="5313145" y="2685448"/>
+            <a:ext cx="760396" cy="760396"/>
+          </a:xfrm>
+          <a:prstGeom prst="rect">
+            <a:avLst/>
+          </a:prstGeom>
+        </p:spPr>
+        <p:style>
+          <a:lnRef idx="2">
+            <a:schemeClr val="accent1">
+              <a:shade val="50000"/>
+            </a:schemeClr>
+          </a:lnRef>
+          <a:fillRef idx="1">
+            <a:schemeClr val="accent1"/>
+          </a:fillRef>
+          <a:effectRef idx="0">
+            <a:schemeClr val="accent1"/>
+          </a:effectRef>
+          <a:fontRef idx="minor">
+            <a:schemeClr val="lt1"/>
+          </a:fontRef>
+        </p:style>
+        <p:txBody>
+          <a:bodyPr rtlCol="0" anchor="ctr"/>
+          <a:lstStyle/>
+          <a:p>
+            <a:pPr algn="ctr"/>
+            <a:r>
+              <a:rPr lang="es-ES" dirty="0" smtClean="0"/>
+              <a:t>PC1</a:t>
+            </a:r>
+            <a:endParaRPr lang="es-CO" dirty="0"/>
+          </a:p>
+        </p:txBody>
+      </p:sp>
+      <p:sp>
+        <p:nvSpPr>
+          <p:cNvPr id="5" name="Rectángulo 4"/>
+          <p:cNvSpPr/>
+          <p:nvPr/>
+        </p:nvSpPr>
+        <p:spPr>
+          <a:xfrm>
+            <a:off x="5313145" y="3595034"/>
+            <a:ext cx="760396" cy="760396"/>
+          </a:xfrm>
+          <a:prstGeom prst="rect">
+            <a:avLst/>
+          </a:prstGeom>
+        </p:spPr>
+        <p:style>
+          <a:lnRef idx="2">
+            <a:schemeClr val="accent1">
+              <a:shade val="50000"/>
+            </a:schemeClr>
+          </a:lnRef>
+          <a:fillRef idx="1">
+            <a:schemeClr val="accent1"/>
+          </a:fillRef>
+          <a:effectRef idx="0">
+            <a:schemeClr val="accent1"/>
+          </a:effectRef>
+          <a:fontRef idx="minor">
+            <a:schemeClr val="lt1"/>
+          </a:fontRef>
+        </p:style>
+        <p:txBody>
+          <a:bodyPr rtlCol="0" anchor="ctr"/>
+          <a:lstStyle/>
+          <a:p>
+            <a:pPr algn="ctr"/>
+            <a:r>
+              <a:rPr lang="es-ES" dirty="0" smtClean="0"/>
+              <a:t>PC3</a:t>
+            </a:r>
+            <a:endParaRPr lang="es-CO" dirty="0"/>
+          </a:p>
+        </p:txBody>
+      </p:sp>
+      <p:sp>
+        <p:nvSpPr>
+          <p:cNvPr id="6" name="Rectángulo 5"/>
+          <p:cNvSpPr/>
+          <p:nvPr/>
+        </p:nvSpPr>
+        <p:spPr>
+          <a:xfrm>
+            <a:off x="5313145" y="4533495"/>
+            <a:ext cx="760396" cy="760396"/>
+          </a:xfrm>
+          <a:prstGeom prst="rect">
+            <a:avLst/>
+          </a:prstGeom>
+        </p:spPr>
+        <p:style>
+          <a:lnRef idx="2">
+            <a:schemeClr val="accent1">
+              <a:shade val="50000"/>
+            </a:schemeClr>
+          </a:lnRef>
+          <a:fillRef idx="1">
+            <a:schemeClr val="accent1"/>
+          </a:fillRef>
+          <a:effectRef idx="0">
+            <a:schemeClr val="accent1"/>
+          </a:effectRef>
+          <a:fontRef idx="minor">
+            <a:schemeClr val="lt1"/>
+          </a:fontRef>
+        </p:style>
+        <p:txBody>
+          <a:bodyPr rtlCol="0" anchor="ctr"/>
+          <a:lstStyle/>
+          <a:p>
+            <a:pPr algn="ctr"/>
+            <a:r>
+              <a:rPr lang="es-ES" dirty="0" smtClean="0"/>
+              <a:t>PC5</a:t>
+            </a:r>
+            <a:endParaRPr lang="es-CO" dirty="0"/>
+          </a:p>
+        </p:txBody>
+      </p:sp>
+      <p:sp>
+        <p:nvSpPr>
+          <p:cNvPr id="7" name="Rectángulo 6"/>
+          <p:cNvSpPr/>
+          <p:nvPr/>
+        </p:nvSpPr>
+        <p:spPr>
+          <a:xfrm>
+            <a:off x="6293318" y="2685448"/>
+            <a:ext cx="760396" cy="760396"/>
+          </a:xfrm>
+          <a:prstGeom prst="rect">
+            <a:avLst/>
+          </a:prstGeom>
+        </p:spPr>
+        <p:style>
+          <a:lnRef idx="2">
+            <a:schemeClr val="accent1">
+              <a:shade val="50000"/>
+            </a:schemeClr>
+          </a:lnRef>
+          <a:fillRef idx="1">
+            <a:schemeClr val="accent1"/>
+          </a:fillRef>
+          <a:effectRef idx="0">
+            <a:schemeClr val="accent1"/>
+          </a:effectRef>
+          <a:fontRef idx="minor">
+            <a:schemeClr val="lt1"/>
+          </a:fontRef>
+        </p:style>
+        <p:txBody>
+          <a:bodyPr rtlCol="0" anchor="ctr"/>
+          <a:lstStyle/>
+          <a:p>
+            <a:pPr algn="ctr"/>
+            <a:r>
+              <a:rPr lang="es-ES" dirty="0" smtClean="0"/>
+              <a:t>PC2</a:t>
+            </a:r>
+            <a:endParaRPr lang="es-CO" dirty="0"/>
+          </a:p>
+        </p:txBody>
+      </p:sp>
+      <p:sp>
+        <p:nvSpPr>
+          <p:cNvPr id="8" name="Rectángulo 7"/>
+          <p:cNvSpPr/>
+          <p:nvPr/>
+        </p:nvSpPr>
+        <p:spPr>
+          <a:xfrm>
+            <a:off x="6293318" y="3595034"/>
+            <a:ext cx="760396" cy="760396"/>
+          </a:xfrm>
+          <a:prstGeom prst="rect">
+            <a:avLst/>
+          </a:prstGeom>
+        </p:spPr>
+        <p:style>
+          <a:lnRef idx="2">
+            <a:schemeClr val="accent1">
+              <a:shade val="50000"/>
+            </a:schemeClr>
+          </a:lnRef>
+          <a:fillRef idx="1">
+            <a:schemeClr val="accent1"/>
+          </a:fillRef>
+          <a:effectRef idx="0">
+            <a:schemeClr val="accent1"/>
+          </a:effectRef>
+          <a:fontRef idx="minor">
+            <a:schemeClr val="lt1"/>
+          </a:fontRef>
+        </p:style>
+        <p:txBody>
+          <a:bodyPr rtlCol="0" anchor="ctr"/>
+          <a:lstStyle/>
+          <a:p>
+            <a:pPr algn="ctr"/>
+            <a:r>
+              <a:rPr lang="es-ES" dirty="0" smtClean="0"/>
+              <a:t>PC4</a:t>
+            </a:r>
+            <a:endParaRPr lang="es-CO" dirty="0"/>
+          </a:p>
+        </p:txBody>
+      </p:sp>
+      <p:sp>
+        <p:nvSpPr>
+          <p:cNvPr id="9" name="Rectángulo 8"/>
+          <p:cNvSpPr/>
+          <p:nvPr/>
+        </p:nvSpPr>
+        <p:spPr>
+          <a:xfrm>
+            <a:off x="6293318" y="4533495"/>
+            <a:ext cx="760396" cy="760396"/>
+          </a:xfrm>
+          <a:prstGeom prst="rect">
+            <a:avLst/>
+          </a:prstGeom>
+        </p:spPr>
+        <p:style>
+          <a:lnRef idx="2">
+            <a:schemeClr val="accent1">
+              <a:shade val="50000"/>
+            </a:schemeClr>
+          </a:lnRef>
+          <a:fillRef idx="1">
+            <a:schemeClr val="accent1"/>
+          </a:fillRef>
+          <a:effectRef idx="0">
+            <a:schemeClr val="accent1"/>
+          </a:effectRef>
+          <a:fontRef idx="minor">
+            <a:schemeClr val="lt1"/>
+          </a:fontRef>
+        </p:style>
+        <p:txBody>
+          <a:bodyPr rtlCol="0" anchor="ctr"/>
+          <a:lstStyle/>
+          <a:p>
+            <a:pPr algn="ctr"/>
+            <a:r>
+              <a:rPr lang="es-ES" dirty="0" smtClean="0"/>
+              <a:t>PC6</a:t>
+            </a:r>
+            <a:endParaRPr lang="es-CO" dirty="0"/>
+          </a:p>
+        </p:txBody>
+      </p:sp>
+      <p:sp>
+        <p:nvSpPr>
+          <p:cNvPr id="10" name="CuadroTexto 9"/>
+          <p:cNvSpPr txBox="1"/>
+          <p:nvPr/>
+        </p:nvSpPr>
+        <p:spPr>
+          <a:xfrm>
+            <a:off x="7295949" y="2800952"/>
+            <a:ext cx="2213811" cy="375385"/>
+          </a:xfrm>
+          <a:prstGeom prst="rect">
+            <a:avLst/>
+          </a:prstGeom>
+          <a:noFill/>
+        </p:spPr>
+        <p:txBody>
+          <a:bodyPr wrap="square" rtlCol="0">
+            <a:spAutoFit/>
+          </a:bodyPr>
+          <a:lstStyle/>
+          <a:p>
+            <a:r>
+              <a:rPr lang="es-ES" dirty="0" smtClean="0"/>
+              <a:t>192.168.204.56</a:t>
+            </a:r>
+            <a:endParaRPr lang="es-CO" dirty="0"/>
+          </a:p>
+        </p:txBody>
+      </p:sp>
+      <p:sp>
+        <p:nvSpPr>
+          <p:cNvPr id="11" name="CuadroTexto 10"/>
+          <p:cNvSpPr txBox="1"/>
+          <p:nvPr/>
+        </p:nvSpPr>
+        <p:spPr>
+          <a:xfrm>
+            <a:off x="7295949" y="3787539"/>
+            <a:ext cx="2213811" cy="375385"/>
+          </a:xfrm>
+          <a:prstGeom prst="rect">
+            <a:avLst/>
+          </a:prstGeom>
+          <a:noFill/>
+        </p:spPr>
+        <p:txBody>
+          <a:bodyPr wrap="square" rtlCol="0">
+            <a:spAutoFit/>
+          </a:bodyPr>
+          <a:lstStyle/>
+          <a:p>
+            <a:r>
+              <a:rPr lang="es-ES" dirty="0" smtClean="0"/>
+              <a:t>192.168.207.18</a:t>
+            </a:r>
+            <a:endParaRPr lang="es-CO" dirty="0"/>
+          </a:p>
+        </p:txBody>
+      </p:sp>
+      <p:sp>
+        <p:nvSpPr>
+          <p:cNvPr id="12" name="CuadroTexto 11"/>
+          <p:cNvSpPr txBox="1"/>
+          <p:nvPr/>
+        </p:nvSpPr>
+        <p:spPr>
+          <a:xfrm>
+            <a:off x="7295949" y="4726000"/>
+            <a:ext cx="2213811" cy="375385"/>
+          </a:xfrm>
+          <a:prstGeom prst="rect">
+            <a:avLst/>
+          </a:prstGeom>
+          <a:noFill/>
+        </p:spPr>
+        <p:txBody>
+          <a:bodyPr wrap="square" rtlCol="0">
+            <a:spAutoFit/>
+          </a:bodyPr>
+          <a:lstStyle/>
+          <a:p>
+            <a:r>
+              <a:rPr lang="es-ES" dirty="0" smtClean="0"/>
+              <a:t>192.168.205.15</a:t>
+            </a:r>
+            <a:endParaRPr lang="es-CO" dirty="0"/>
+          </a:p>
+        </p:txBody>
+      </p:sp>
+      <p:sp>
+        <p:nvSpPr>
+          <p:cNvPr id="13" name="CuadroTexto 12"/>
+          <p:cNvSpPr txBox="1"/>
+          <p:nvPr/>
+        </p:nvSpPr>
+        <p:spPr>
+          <a:xfrm>
+            <a:off x="2876349" y="2800952"/>
+            <a:ext cx="2213811" cy="375385"/>
+          </a:xfrm>
+          <a:prstGeom prst="rect">
+            <a:avLst/>
+          </a:prstGeom>
+          <a:noFill/>
+        </p:spPr>
+        <p:txBody>
+          <a:bodyPr wrap="square" rtlCol="0">
+            <a:spAutoFit/>
+          </a:bodyPr>
+          <a:lstStyle/>
+          <a:p>
+            <a:pPr algn="r"/>
+            <a:r>
+              <a:rPr lang="es-ES" dirty="0" smtClean="0"/>
+              <a:t>192.168.223.53</a:t>
+            </a:r>
+            <a:endParaRPr lang="es-CO" dirty="0"/>
+          </a:p>
+        </p:txBody>
+      </p:sp>
+      <p:sp>
+        <p:nvSpPr>
+          <p:cNvPr id="14" name="CuadroTexto 13"/>
+          <p:cNvSpPr txBox="1"/>
+          <p:nvPr/>
+        </p:nvSpPr>
+        <p:spPr>
+          <a:xfrm>
+            <a:off x="2876349" y="3787539"/>
+            <a:ext cx="2213811" cy="375385"/>
+          </a:xfrm>
+          <a:prstGeom prst="rect">
+            <a:avLst/>
+          </a:prstGeom>
+          <a:noFill/>
+        </p:spPr>
+        <p:txBody>
+          <a:bodyPr wrap="square" rtlCol="0">
+            <a:spAutoFit/>
+          </a:bodyPr>
+          <a:lstStyle/>
+          <a:p>
+            <a:pPr algn="r"/>
+            <a:r>
+              <a:rPr lang="es-ES" dirty="0" smtClean="0"/>
+              <a:t>192.168.213.25</a:t>
+            </a:r>
+            <a:endParaRPr lang="es-CO" dirty="0"/>
+          </a:p>
+        </p:txBody>
+      </p:sp>
+      <p:sp>
+        <p:nvSpPr>
+          <p:cNvPr id="15" name="CuadroTexto 14"/>
+          <p:cNvSpPr txBox="1"/>
+          <p:nvPr/>
+        </p:nvSpPr>
+        <p:spPr>
+          <a:xfrm>
+            <a:off x="2876349" y="4726000"/>
+            <a:ext cx="2213811" cy="375385"/>
+          </a:xfrm>
+          <a:prstGeom prst="rect">
+            <a:avLst/>
+          </a:prstGeom>
+          <a:noFill/>
+        </p:spPr>
+        <p:txBody>
+          <a:bodyPr wrap="square" rtlCol="0">
+            <a:spAutoFit/>
+          </a:bodyPr>
+          <a:lstStyle/>
+          <a:p>
+            <a:pPr algn="r"/>
+            <a:r>
+              <a:rPr lang="es-ES" dirty="0" smtClean="0"/>
+              <a:t>192.168.220.115</a:t>
+            </a:r>
+            <a:endParaRPr lang="es-CO" dirty="0"/>
+          </a:p>
+        </p:txBody>
+      </p:sp>
+      <p:sp>
+        <p:nvSpPr>
+          <p:cNvPr id="16" name="CuadroTexto 15"/>
+          <p:cNvSpPr txBox="1"/>
+          <p:nvPr/>
+        </p:nvSpPr>
+        <p:spPr>
+          <a:xfrm>
+            <a:off x="5282665" y="1830487"/>
+            <a:ext cx="2213811" cy="646331"/>
+          </a:xfrm>
+          <a:prstGeom prst="rect">
+            <a:avLst/>
+          </a:prstGeom>
+          <a:noFill/>
+        </p:spPr>
+        <p:txBody>
+          <a:bodyPr wrap="square" rtlCol="0">
+            <a:spAutoFit/>
+          </a:bodyPr>
+          <a:lstStyle/>
+          <a:p>
+            <a:r>
+              <a:rPr lang="es-ES" dirty="0" smtClean="0"/>
+              <a:t>Máscara: 255.255.224.0</a:t>
+            </a:r>
+            <a:endParaRPr lang="es-CO" dirty="0"/>
+          </a:p>
+        </p:txBody>
+      </p:sp>
+      <p:sp>
+        <p:nvSpPr>
+          <p:cNvPr id="17" name="CuadroTexto 16"/>
+          <p:cNvSpPr txBox="1"/>
+          <p:nvPr/>
+        </p:nvSpPr>
+        <p:spPr>
+          <a:xfrm>
+            <a:off x="4940968" y="5533801"/>
+            <a:ext cx="2704700" cy="646331"/>
+          </a:xfrm>
+          <a:prstGeom prst="rect">
+            <a:avLst/>
+          </a:prstGeom>
+          <a:noFill/>
+        </p:spPr>
+        <p:txBody>
+          <a:bodyPr wrap="square" rtlCol="0">
+            <a:spAutoFit/>
+          </a:bodyPr>
+          <a:lstStyle/>
+          <a:p>
+            <a:r>
+              <a:rPr lang="es-ES" dirty="0" smtClean="0"/>
+              <a:t>La dirección de subred es</a:t>
+            </a:r>
+          </a:p>
+          <a:p>
+            <a:r>
+              <a:rPr lang="es-ES" dirty="0" smtClean="0"/>
+              <a:t>192.168.192.0 / 27</a:t>
+            </a:r>
+            <a:endParaRPr lang="es-CO" dirty="0"/>
+          </a:p>
+        </p:txBody>
+      </p:sp>
+    </p:spTree>
+    <p:extLst>
+      <p:ext uri="{BB962C8B-B14F-4D97-AF65-F5344CB8AC3E}">
+        <p14:creationId xmlns:p14="http://schemas.microsoft.com/office/powerpoint/2010/main" val="2751038252"/>
+      </p:ext>
+    </p:extLst>
+  </p:cSld>
+  <p:clrMapOvr>
+    <a:masterClrMapping/>
+  </p:clrMapOvr>
+</p:sld>
+</file>
+
+<file path=ppt/slides/slide19.xml><?xml version="1.0" encoding="utf-8"?>
+<p:sld xmlns:a="http://schemas.openxmlformats.org/drawingml/2006/main" xmlns:r="http://schemas.openxmlformats.org/officeDocument/2006/relationships" xmlns:p="http://schemas.openxmlformats.org/presentationml/2006/main">
+  <p:cSld>
+    <p:spTree>
+      <p:nvGrpSpPr>
+        <p:cNvPr id="1" name=""/>
+        <p:cNvGrpSpPr/>
+        <p:nvPr/>
+      </p:nvGrpSpPr>
+      <p:grpSpPr>
+        <a:xfrm>
+          <a:off x="0" y="0"/>
+          <a:ext cx="0" cy="0"/>
+          <a:chOff x="0" y="0"/>
+          <a:chExt cx="0" cy="0"/>
+        </a:xfrm>
+      </p:grpSpPr>
+      <p:sp>
+        <p:nvSpPr>
+          <p:cNvPr id="2" name="Título 1"/>
+          <p:cNvSpPr>
+            <a:spLocks noGrp="1"/>
+          </p:cNvSpPr>
+          <p:nvPr>
+            <p:ph type="ctrTitle"/>
+          </p:nvPr>
+        </p:nvSpPr>
+        <p:spPr/>
+        <p:txBody>
+          <a:bodyPr/>
+          <a:lstStyle/>
+          <a:p>
+            <a:r>
+              <a:rPr lang="es-ES" dirty="0" smtClean="0"/>
+              <a:t>Ejercicio de clase</a:t>
+            </a:r>
+            <a:endParaRPr lang="es-CO" dirty="0"/>
+          </a:p>
+        </p:txBody>
+      </p:sp>
+      <p:sp>
+        <p:nvSpPr>
+          <p:cNvPr id="3" name="Subtítulo 2"/>
+          <p:cNvSpPr>
+            <a:spLocks noGrp="1"/>
+          </p:cNvSpPr>
+          <p:nvPr>
+            <p:ph type="subTitle" idx="1"/>
+          </p:nvPr>
+        </p:nvSpPr>
+        <p:spPr/>
+        <p:txBody>
+          <a:bodyPr>
+            <a:normAutofit/>
+          </a:bodyPr>
+          <a:lstStyle/>
+          <a:p>
+            <a:endParaRPr lang="es-CO" dirty="0"/>
+          </a:p>
+        </p:txBody>
+      </p:sp>
+    </p:spTree>
+    <p:extLst>
+      <p:ext uri="{BB962C8B-B14F-4D97-AF65-F5344CB8AC3E}">
+        <p14:creationId xmlns:p14="http://schemas.microsoft.com/office/powerpoint/2010/main" val="1415817629"/>
+      </p:ext>
+    </p:extLst>
+  </p:cSld>
+  <p:clrMapOvr>
+    <a:masterClrMapping/>
+  </p:clrMapOvr>
+</p:sld>
+</file>
+
 <file path=ppt/slides/slide2.xml><?xml version="1.0" encoding="utf-8"?>
 <p:sld xmlns:a="http://schemas.openxmlformats.org/drawingml/2006/main" xmlns:r="http://schemas.openxmlformats.org/officeDocument/2006/relationships" xmlns:p="http://schemas.openxmlformats.org/presentationml/2006/main">
   <p:cSld>
@@ -4989,6 +7869,1997 @@
     <p:extLst>
       <p:ext uri="{BB962C8B-B14F-4D97-AF65-F5344CB8AC3E}">
         <p14:creationId xmlns:p14="http://schemas.microsoft.com/office/powerpoint/2010/main" val="1619372759"/>
+      </p:ext>
+    </p:extLst>
+  </p:cSld>
+  <p:clrMapOvr>
+    <a:masterClrMapping/>
+  </p:clrMapOvr>
+</p:sld>
+</file>
+
+<file path=ppt/slides/slide20.xml><?xml version="1.0" encoding="utf-8"?>
+<p:sld xmlns:a="http://schemas.openxmlformats.org/drawingml/2006/main" xmlns:r="http://schemas.openxmlformats.org/officeDocument/2006/relationships" xmlns:p="http://schemas.openxmlformats.org/presentationml/2006/main">
+  <p:cSld>
+    <p:spTree>
+      <p:nvGrpSpPr>
+        <p:cNvPr id="1" name=""/>
+        <p:cNvGrpSpPr/>
+        <p:nvPr/>
+      </p:nvGrpSpPr>
+      <p:grpSpPr>
+        <a:xfrm>
+          <a:off x="0" y="0"/>
+          <a:ext cx="0" cy="0"/>
+          <a:chOff x="0" y="0"/>
+          <a:chExt cx="0" cy="0"/>
+        </a:xfrm>
+      </p:grpSpPr>
+      <p:sp>
+        <p:nvSpPr>
+          <p:cNvPr id="2" name="Título 1"/>
+          <p:cNvSpPr>
+            <a:spLocks noGrp="1"/>
+          </p:cNvSpPr>
+          <p:nvPr>
+            <p:ph type="title"/>
+          </p:nvPr>
+        </p:nvSpPr>
+        <p:spPr/>
+        <p:txBody>
+          <a:bodyPr/>
+          <a:lstStyle/>
+          <a:p>
+            <a:r>
+              <a:rPr lang="es-ES" dirty="0" smtClean="0"/>
+              <a:t>Ejercicio</a:t>
+            </a:r>
+            <a:endParaRPr lang="es-CO" dirty="0"/>
+          </a:p>
+        </p:txBody>
+      </p:sp>
+      <p:sp>
+        <p:nvSpPr>
+          <p:cNvPr id="3" name="Marcador de contenido 2"/>
+          <p:cNvSpPr>
+            <a:spLocks noGrp="1"/>
+          </p:cNvSpPr>
+          <p:nvPr>
+            <p:ph idx="1"/>
+          </p:nvPr>
+        </p:nvSpPr>
+        <p:spPr>
+          <a:xfrm>
+            <a:off x="1097280" y="1845734"/>
+            <a:ext cx="5938787" cy="4023360"/>
+          </a:xfrm>
+        </p:spPr>
+        <p:txBody>
+          <a:bodyPr/>
+          <a:lstStyle/>
+          <a:p>
+            <a:r>
+              <a:rPr lang="es-CO" sz="2400" dirty="0"/>
+              <a:t>Desarrollar un programa en JAVA que permita obtener una lista de las direcciones IP que están siendo utilizadas en la subred </a:t>
+            </a:r>
+            <a:r>
+              <a:rPr lang="es-CO" sz="2400" dirty="0"/>
+              <a:t>a</a:t>
+            </a:r>
+            <a:r>
+              <a:rPr lang="es-CO" sz="2400" dirty="0" smtClean="0"/>
+              <a:t> </a:t>
+            </a:r>
+            <a:r>
+              <a:rPr lang="es-CO" sz="2400" dirty="0"/>
+              <a:t>la que estamos conectados</a:t>
+            </a:r>
+            <a:r>
+              <a:rPr lang="es-CO" sz="2400" dirty="0" smtClean="0"/>
+              <a:t>.</a:t>
+            </a:r>
+          </a:p>
+          <a:p>
+            <a:endParaRPr lang="es-ES" sz="2400" dirty="0"/>
+          </a:p>
+          <a:p>
+            <a:r>
+              <a:rPr lang="es-ES" sz="2400" dirty="0" smtClean="0"/>
+              <a:t>La estructura del programa es debe ser una interfaz de usuario y un hilo buscador. El hilo tiene que reportar a la interfaz cada vez que encuentre un host</a:t>
+            </a:r>
+            <a:endParaRPr lang="es-CO" sz="2400" dirty="0" smtClean="0"/>
+          </a:p>
+          <a:p>
+            <a:endParaRPr lang="es-CO" dirty="0"/>
+          </a:p>
+        </p:txBody>
+      </p:sp>
+      <p:pic>
+        <p:nvPicPr>
+          <p:cNvPr id="4" name="Imagen 3"/>
+          <p:cNvPicPr/>
+          <p:nvPr/>
+        </p:nvPicPr>
+        <p:blipFill rotWithShape="1">
+          <a:blip r:embed="rId2"/>
+          <a:srcRect l="18443" t="26353" r="26454" b="27781"/>
+          <a:stretch/>
+        </p:blipFill>
+        <p:spPr bwMode="auto">
+          <a:xfrm>
+            <a:off x="7036067" y="2618472"/>
+            <a:ext cx="4953918" cy="2319288"/>
+          </a:xfrm>
+          <a:prstGeom prst="rect">
+            <a:avLst/>
+          </a:prstGeom>
+          <a:ln>
+            <a:noFill/>
+          </a:ln>
+          <a:extLst>
+            <a:ext uri="{53640926-AAD7-44D8-BBD7-CCE9431645EC}">
+              <a14:shadowObscured xmlns:a14="http://schemas.microsoft.com/office/drawing/2010/main"/>
+            </a:ext>
+          </a:extLst>
+        </p:spPr>
+      </p:pic>
+    </p:spTree>
+    <p:extLst>
+      <p:ext uri="{BB962C8B-B14F-4D97-AF65-F5344CB8AC3E}">
+        <p14:creationId xmlns:p14="http://schemas.microsoft.com/office/powerpoint/2010/main" val="1952401645"/>
+      </p:ext>
+    </p:extLst>
+  </p:cSld>
+  <p:clrMapOvr>
+    <a:masterClrMapping/>
+  </p:clrMapOvr>
+</p:sld>
+</file>
+
+<file path=ppt/slides/slide21.xml><?xml version="1.0" encoding="utf-8"?>
+<p:sld xmlns:a="http://schemas.openxmlformats.org/drawingml/2006/main" xmlns:r="http://schemas.openxmlformats.org/officeDocument/2006/relationships" xmlns:p="http://schemas.openxmlformats.org/presentationml/2006/main">
+  <p:cSld>
+    <p:spTree>
+      <p:nvGrpSpPr>
+        <p:cNvPr id="1" name=""/>
+        <p:cNvGrpSpPr/>
+        <p:nvPr/>
+      </p:nvGrpSpPr>
+      <p:grpSpPr>
+        <a:xfrm>
+          <a:off x="0" y="0"/>
+          <a:ext cx="0" cy="0"/>
+          <a:chOff x="0" y="0"/>
+          <a:chExt cx="0" cy="0"/>
+        </a:xfrm>
+      </p:grpSpPr>
+      <p:sp>
+        <p:nvSpPr>
+          <p:cNvPr id="2" name="Título 1"/>
+          <p:cNvSpPr>
+            <a:spLocks noGrp="1"/>
+          </p:cNvSpPr>
+          <p:nvPr>
+            <p:ph type="ctrTitle"/>
+          </p:nvPr>
+        </p:nvSpPr>
+        <p:spPr/>
+        <p:txBody>
+          <a:bodyPr/>
+          <a:lstStyle/>
+          <a:p>
+            <a:r>
+              <a:rPr lang="es-ES" dirty="0" smtClean="0"/>
+              <a:t>Patrón </a:t>
+            </a:r>
+            <a:r>
+              <a:rPr lang="es-ES" dirty="0" err="1" smtClean="0"/>
+              <a:t>Observer</a:t>
+            </a:r>
+            <a:endParaRPr lang="es-CO" dirty="0"/>
+          </a:p>
+        </p:txBody>
+      </p:sp>
+      <p:sp>
+        <p:nvSpPr>
+          <p:cNvPr id="3" name="Subtítulo 2"/>
+          <p:cNvSpPr>
+            <a:spLocks noGrp="1"/>
+          </p:cNvSpPr>
+          <p:nvPr>
+            <p:ph type="subTitle" idx="1"/>
+          </p:nvPr>
+        </p:nvSpPr>
+        <p:spPr/>
+        <p:txBody>
+          <a:bodyPr>
+            <a:normAutofit/>
+          </a:bodyPr>
+          <a:lstStyle/>
+          <a:p>
+            <a:endParaRPr lang="es-CO" dirty="0"/>
+          </a:p>
+        </p:txBody>
+      </p:sp>
+    </p:spTree>
+    <p:extLst>
+      <p:ext uri="{BB962C8B-B14F-4D97-AF65-F5344CB8AC3E}">
+        <p14:creationId xmlns:p14="http://schemas.microsoft.com/office/powerpoint/2010/main" val="252745569"/>
+      </p:ext>
+    </p:extLst>
+  </p:cSld>
+  <p:clrMapOvr>
+    <a:masterClrMapping/>
+  </p:clrMapOvr>
+</p:sld>
+</file>
+
+<file path=ppt/slides/slide22.xml><?xml version="1.0" encoding="utf-8"?>
+<p:sld xmlns:a="http://schemas.openxmlformats.org/drawingml/2006/main" xmlns:r="http://schemas.openxmlformats.org/officeDocument/2006/relationships" xmlns:p="http://schemas.openxmlformats.org/presentationml/2006/main">
+  <p:cSld>
+    <p:spTree>
+      <p:nvGrpSpPr>
+        <p:cNvPr id="1" name=""/>
+        <p:cNvGrpSpPr/>
+        <p:nvPr/>
+      </p:nvGrpSpPr>
+      <p:grpSpPr>
+        <a:xfrm>
+          <a:off x="0" y="0"/>
+          <a:ext cx="0" cy="0"/>
+          <a:chOff x="0" y="0"/>
+          <a:chExt cx="0" cy="0"/>
+        </a:xfrm>
+      </p:grpSpPr>
+      <p:sp>
+        <p:nvSpPr>
+          <p:cNvPr id="2" name="Título 1"/>
+          <p:cNvSpPr>
+            <a:spLocks noGrp="1"/>
+          </p:cNvSpPr>
+          <p:nvPr>
+            <p:ph type="title"/>
+          </p:nvPr>
+        </p:nvSpPr>
+        <p:spPr/>
+        <p:txBody>
+          <a:bodyPr/>
+          <a:lstStyle/>
+          <a:p>
+            <a:r>
+              <a:rPr lang="es-ES" dirty="0" smtClean="0"/>
+              <a:t>Patrón </a:t>
+            </a:r>
+            <a:r>
+              <a:rPr lang="es-ES" dirty="0" err="1" smtClean="0"/>
+              <a:t>Observer</a:t>
+            </a:r>
+            <a:endParaRPr lang="es-CO" dirty="0"/>
+          </a:p>
+        </p:txBody>
+      </p:sp>
+      <p:sp>
+        <p:nvSpPr>
+          <p:cNvPr id="4" name="Rectángulo 3"/>
+          <p:cNvSpPr/>
+          <p:nvPr/>
+        </p:nvSpPr>
+        <p:spPr>
+          <a:xfrm>
+            <a:off x="1905802" y="2406316"/>
+            <a:ext cx="2261937" cy="3157087"/>
+          </a:xfrm>
+          <a:prstGeom prst="rect">
+            <a:avLst/>
+          </a:prstGeom>
+          <a:solidFill>
+            <a:schemeClr val="bg1"/>
+          </a:solidFill>
+          <a:ln>
+            <a:solidFill>
+              <a:schemeClr val="tx1"/>
+            </a:solidFill>
+          </a:ln>
+        </p:spPr>
+        <p:style>
+          <a:lnRef idx="2">
+            <a:schemeClr val="accent1">
+              <a:shade val="50000"/>
+            </a:schemeClr>
+          </a:lnRef>
+          <a:fillRef idx="1">
+            <a:schemeClr val="accent1"/>
+          </a:fillRef>
+          <a:effectRef idx="0">
+            <a:schemeClr val="accent1"/>
+          </a:effectRef>
+          <a:fontRef idx="minor">
+            <a:schemeClr val="lt1"/>
+          </a:fontRef>
+        </p:style>
+        <p:txBody>
+          <a:bodyPr rtlCol="0" anchor="ctr"/>
+          <a:lstStyle/>
+          <a:p>
+            <a:pPr algn="ctr"/>
+            <a:endParaRPr lang="es-CO" dirty="0"/>
+          </a:p>
+        </p:txBody>
+      </p:sp>
+      <p:cxnSp>
+        <p:nvCxnSpPr>
+          <p:cNvPr id="6" name="Conector recto 5"/>
+          <p:cNvCxnSpPr>
+            <a:stCxn id="4" idx="1"/>
+            <a:endCxn id="4" idx="3"/>
+          </p:cNvCxnSpPr>
+          <p:nvPr/>
+        </p:nvCxnSpPr>
+        <p:spPr>
+          <a:xfrm>
+            <a:off x="1905802" y="3984860"/>
+            <a:ext cx="2261937" cy="0"/>
+          </a:xfrm>
+          <a:prstGeom prst="line">
+            <a:avLst/>
+          </a:prstGeom>
+          <a:ln>
+            <a:solidFill>
+              <a:schemeClr val="tx1"/>
+            </a:solidFill>
+          </a:ln>
+        </p:spPr>
+        <p:style>
+          <a:lnRef idx="1">
+            <a:schemeClr val="accent1"/>
+          </a:lnRef>
+          <a:fillRef idx="0">
+            <a:schemeClr val="accent1"/>
+          </a:fillRef>
+          <a:effectRef idx="0">
+            <a:schemeClr val="accent1"/>
+          </a:effectRef>
+          <a:fontRef idx="minor">
+            <a:schemeClr val="tx1"/>
+          </a:fontRef>
+        </p:style>
+      </p:cxnSp>
+      <p:cxnSp>
+        <p:nvCxnSpPr>
+          <p:cNvPr id="7" name="Conector recto 6"/>
+          <p:cNvCxnSpPr/>
+          <p:nvPr/>
+        </p:nvCxnSpPr>
+        <p:spPr>
+          <a:xfrm>
+            <a:off x="1905802" y="2934100"/>
+            <a:ext cx="2261937" cy="1"/>
+          </a:xfrm>
+          <a:prstGeom prst="line">
+            <a:avLst/>
+          </a:prstGeom>
+          <a:ln>
+            <a:solidFill>
+              <a:schemeClr val="tx1"/>
+            </a:solidFill>
+          </a:ln>
+        </p:spPr>
+        <p:style>
+          <a:lnRef idx="1">
+            <a:schemeClr val="accent1"/>
+          </a:lnRef>
+          <a:fillRef idx="0">
+            <a:schemeClr val="accent1"/>
+          </a:fillRef>
+          <a:effectRef idx="0">
+            <a:schemeClr val="accent1"/>
+          </a:effectRef>
+          <a:fontRef idx="minor">
+            <a:schemeClr val="tx1"/>
+          </a:fontRef>
+        </p:style>
+      </p:cxnSp>
+      <p:sp>
+        <p:nvSpPr>
+          <p:cNvPr id="10" name="CuadroTexto 9"/>
+          <p:cNvSpPr txBox="1"/>
+          <p:nvPr/>
+        </p:nvSpPr>
+        <p:spPr>
+          <a:xfrm>
+            <a:off x="2021305" y="2512194"/>
+            <a:ext cx="2358190" cy="369332"/>
+          </a:xfrm>
+          <a:prstGeom prst="rect">
+            <a:avLst/>
+          </a:prstGeom>
+          <a:noFill/>
+        </p:spPr>
+        <p:txBody>
+          <a:bodyPr wrap="square" rtlCol="0">
+            <a:spAutoFit/>
+          </a:bodyPr>
+          <a:lstStyle/>
+          <a:p>
+            <a:r>
+              <a:rPr lang="es-ES" dirty="0" err="1" smtClean="0"/>
+              <a:t>Main</a:t>
+            </a:r>
+            <a:r>
+              <a:rPr lang="es-ES" dirty="0" smtClean="0"/>
+              <a:t> </a:t>
+            </a:r>
+            <a:r>
+              <a:rPr lang="es-ES" dirty="0" err="1" smtClean="0"/>
+              <a:t>Process</a:t>
+            </a:r>
+            <a:endParaRPr lang="es-CO" dirty="0"/>
+          </a:p>
+        </p:txBody>
+      </p:sp>
+      <p:sp>
+        <p:nvSpPr>
+          <p:cNvPr id="11" name="Rectángulo 10"/>
+          <p:cNvSpPr/>
+          <p:nvPr/>
+        </p:nvSpPr>
+        <p:spPr>
+          <a:xfrm>
+            <a:off x="7005587" y="2406316"/>
+            <a:ext cx="2261937" cy="3157087"/>
+          </a:xfrm>
+          <a:prstGeom prst="rect">
+            <a:avLst/>
+          </a:prstGeom>
+          <a:solidFill>
+            <a:schemeClr val="bg1"/>
+          </a:solidFill>
+          <a:ln>
+            <a:solidFill>
+              <a:schemeClr val="tx1"/>
+            </a:solidFill>
+          </a:ln>
+        </p:spPr>
+        <p:style>
+          <a:lnRef idx="2">
+            <a:schemeClr val="accent1">
+              <a:shade val="50000"/>
+            </a:schemeClr>
+          </a:lnRef>
+          <a:fillRef idx="1">
+            <a:schemeClr val="accent1"/>
+          </a:fillRef>
+          <a:effectRef idx="0">
+            <a:schemeClr val="accent1"/>
+          </a:effectRef>
+          <a:fontRef idx="minor">
+            <a:schemeClr val="lt1"/>
+          </a:fontRef>
+        </p:style>
+        <p:txBody>
+          <a:bodyPr rtlCol="0" anchor="ctr"/>
+          <a:lstStyle/>
+          <a:p>
+            <a:pPr algn="ctr"/>
+            <a:endParaRPr lang="es-CO" dirty="0"/>
+          </a:p>
+        </p:txBody>
+      </p:sp>
+      <p:cxnSp>
+        <p:nvCxnSpPr>
+          <p:cNvPr id="12" name="Conector recto 11"/>
+          <p:cNvCxnSpPr>
+            <a:stCxn id="11" idx="1"/>
+            <a:endCxn id="11" idx="3"/>
+          </p:cNvCxnSpPr>
+          <p:nvPr/>
+        </p:nvCxnSpPr>
+        <p:spPr>
+          <a:xfrm>
+            <a:off x="7005587" y="3984860"/>
+            <a:ext cx="2261937" cy="0"/>
+          </a:xfrm>
+          <a:prstGeom prst="line">
+            <a:avLst/>
+          </a:prstGeom>
+          <a:ln>
+            <a:solidFill>
+              <a:schemeClr val="tx1"/>
+            </a:solidFill>
+          </a:ln>
+        </p:spPr>
+        <p:style>
+          <a:lnRef idx="1">
+            <a:schemeClr val="accent1"/>
+          </a:lnRef>
+          <a:fillRef idx="0">
+            <a:schemeClr val="accent1"/>
+          </a:fillRef>
+          <a:effectRef idx="0">
+            <a:schemeClr val="accent1"/>
+          </a:effectRef>
+          <a:fontRef idx="minor">
+            <a:schemeClr val="tx1"/>
+          </a:fontRef>
+        </p:style>
+      </p:cxnSp>
+      <p:cxnSp>
+        <p:nvCxnSpPr>
+          <p:cNvPr id="13" name="Conector recto 12"/>
+          <p:cNvCxnSpPr/>
+          <p:nvPr/>
+        </p:nvCxnSpPr>
+        <p:spPr>
+          <a:xfrm>
+            <a:off x="7005587" y="2934100"/>
+            <a:ext cx="2261937" cy="1"/>
+          </a:xfrm>
+          <a:prstGeom prst="line">
+            <a:avLst/>
+          </a:prstGeom>
+          <a:ln>
+            <a:solidFill>
+              <a:schemeClr val="tx1"/>
+            </a:solidFill>
+          </a:ln>
+        </p:spPr>
+        <p:style>
+          <a:lnRef idx="1">
+            <a:schemeClr val="accent1"/>
+          </a:lnRef>
+          <a:fillRef idx="0">
+            <a:schemeClr val="accent1"/>
+          </a:fillRef>
+          <a:effectRef idx="0">
+            <a:schemeClr val="accent1"/>
+          </a:effectRef>
+          <a:fontRef idx="minor">
+            <a:schemeClr val="tx1"/>
+          </a:fontRef>
+        </p:style>
+      </p:cxnSp>
+      <p:sp>
+        <p:nvSpPr>
+          <p:cNvPr id="14" name="CuadroTexto 13"/>
+          <p:cNvSpPr txBox="1"/>
+          <p:nvPr/>
+        </p:nvSpPr>
+        <p:spPr>
+          <a:xfrm>
+            <a:off x="7121090" y="2512194"/>
+            <a:ext cx="2358190" cy="369332"/>
+          </a:xfrm>
+          <a:prstGeom prst="rect">
+            <a:avLst/>
+          </a:prstGeom>
+          <a:noFill/>
+        </p:spPr>
+        <p:txBody>
+          <a:bodyPr wrap="square" rtlCol="0">
+            <a:spAutoFit/>
+          </a:bodyPr>
+          <a:lstStyle/>
+          <a:p>
+            <a:r>
+              <a:rPr lang="es-ES" dirty="0" err="1" smtClean="0"/>
+              <a:t>Worker</a:t>
+            </a:r>
+            <a:r>
+              <a:rPr lang="es-ES" dirty="0" smtClean="0"/>
+              <a:t> </a:t>
+            </a:r>
+            <a:r>
+              <a:rPr lang="es-ES" dirty="0" err="1" smtClean="0"/>
+              <a:t>Process</a:t>
+            </a:r>
+            <a:endParaRPr lang="es-CO" dirty="0"/>
+          </a:p>
+        </p:txBody>
+      </p:sp>
+      <p:cxnSp>
+        <p:nvCxnSpPr>
+          <p:cNvPr id="16" name="Conector recto de flecha 15"/>
+          <p:cNvCxnSpPr/>
+          <p:nvPr/>
+        </p:nvCxnSpPr>
+        <p:spPr>
+          <a:xfrm>
+            <a:off x="4167739" y="3060834"/>
+            <a:ext cx="2837848" cy="0"/>
+          </a:xfrm>
+          <a:prstGeom prst="straightConnector1">
+            <a:avLst/>
+          </a:prstGeom>
+          <a:ln>
+            <a:solidFill>
+              <a:schemeClr val="tx1"/>
+            </a:solidFill>
+            <a:tailEnd type="triangle"/>
+          </a:ln>
+        </p:spPr>
+        <p:style>
+          <a:lnRef idx="1">
+            <a:schemeClr val="accent1"/>
+          </a:lnRef>
+          <a:fillRef idx="0">
+            <a:schemeClr val="accent1"/>
+          </a:fillRef>
+          <a:effectRef idx="0">
+            <a:schemeClr val="accent1"/>
+          </a:effectRef>
+          <a:fontRef idx="minor">
+            <a:schemeClr val="tx1"/>
+          </a:fontRef>
+        </p:style>
+      </p:cxnSp>
+      <p:sp>
+        <p:nvSpPr>
+          <p:cNvPr id="17" name="CuadroTexto 16"/>
+          <p:cNvSpPr txBox="1"/>
+          <p:nvPr/>
+        </p:nvSpPr>
+        <p:spPr>
+          <a:xfrm>
+            <a:off x="5240153" y="3153515"/>
+            <a:ext cx="693019" cy="369332"/>
+          </a:xfrm>
+          <a:prstGeom prst="rect">
+            <a:avLst/>
+          </a:prstGeom>
+          <a:noFill/>
+        </p:spPr>
+        <p:txBody>
+          <a:bodyPr wrap="square" rtlCol="0">
+            <a:spAutoFit/>
+          </a:bodyPr>
+          <a:lstStyle/>
+          <a:p>
+            <a:pPr algn="ctr"/>
+            <a:r>
+              <a:rPr lang="es-ES" dirty="0" smtClean="0"/>
+              <a:t>Use</a:t>
+            </a:r>
+            <a:endParaRPr lang="es-CO" dirty="0"/>
+          </a:p>
+        </p:txBody>
+      </p:sp>
+    </p:spTree>
+    <p:extLst>
+      <p:ext uri="{BB962C8B-B14F-4D97-AF65-F5344CB8AC3E}">
+        <p14:creationId xmlns:p14="http://schemas.microsoft.com/office/powerpoint/2010/main" val="2158081201"/>
+      </p:ext>
+    </p:extLst>
+  </p:cSld>
+  <p:clrMapOvr>
+    <a:masterClrMapping/>
+  </p:clrMapOvr>
+</p:sld>
+</file>
+
+<file path=ppt/slides/slide23.xml><?xml version="1.0" encoding="utf-8"?>
+<p:sld xmlns:a="http://schemas.openxmlformats.org/drawingml/2006/main" xmlns:r="http://schemas.openxmlformats.org/officeDocument/2006/relationships" xmlns:p="http://schemas.openxmlformats.org/presentationml/2006/main">
+  <p:cSld>
+    <p:spTree>
+      <p:nvGrpSpPr>
+        <p:cNvPr id="1" name=""/>
+        <p:cNvGrpSpPr/>
+        <p:nvPr/>
+      </p:nvGrpSpPr>
+      <p:grpSpPr>
+        <a:xfrm>
+          <a:off x="0" y="0"/>
+          <a:ext cx="0" cy="0"/>
+          <a:chOff x="0" y="0"/>
+          <a:chExt cx="0" cy="0"/>
+        </a:xfrm>
+      </p:grpSpPr>
+      <p:sp>
+        <p:nvSpPr>
+          <p:cNvPr id="2" name="Título 1"/>
+          <p:cNvSpPr>
+            <a:spLocks noGrp="1"/>
+          </p:cNvSpPr>
+          <p:nvPr>
+            <p:ph type="title"/>
+          </p:nvPr>
+        </p:nvSpPr>
+        <p:spPr/>
+        <p:txBody>
+          <a:bodyPr/>
+          <a:lstStyle/>
+          <a:p>
+            <a:r>
+              <a:rPr lang="es-ES" dirty="0" smtClean="0"/>
+              <a:t>Patrón </a:t>
+            </a:r>
+            <a:r>
+              <a:rPr lang="es-ES" dirty="0" err="1" smtClean="0"/>
+              <a:t>Observer</a:t>
+            </a:r>
+            <a:endParaRPr lang="es-CO" dirty="0"/>
+          </a:p>
+        </p:txBody>
+      </p:sp>
+      <p:sp>
+        <p:nvSpPr>
+          <p:cNvPr id="4" name="Rectángulo 3"/>
+          <p:cNvSpPr/>
+          <p:nvPr/>
+        </p:nvSpPr>
+        <p:spPr>
+          <a:xfrm>
+            <a:off x="1905802" y="2406316"/>
+            <a:ext cx="2261937" cy="3157087"/>
+          </a:xfrm>
+          <a:prstGeom prst="rect">
+            <a:avLst/>
+          </a:prstGeom>
+          <a:solidFill>
+            <a:schemeClr val="bg1"/>
+          </a:solidFill>
+          <a:ln>
+            <a:solidFill>
+              <a:schemeClr val="tx1"/>
+            </a:solidFill>
+          </a:ln>
+        </p:spPr>
+        <p:style>
+          <a:lnRef idx="2">
+            <a:schemeClr val="accent1">
+              <a:shade val="50000"/>
+            </a:schemeClr>
+          </a:lnRef>
+          <a:fillRef idx="1">
+            <a:schemeClr val="accent1"/>
+          </a:fillRef>
+          <a:effectRef idx="0">
+            <a:schemeClr val="accent1"/>
+          </a:effectRef>
+          <a:fontRef idx="minor">
+            <a:schemeClr val="lt1"/>
+          </a:fontRef>
+        </p:style>
+        <p:txBody>
+          <a:bodyPr rtlCol="0" anchor="ctr"/>
+          <a:lstStyle/>
+          <a:p>
+            <a:pPr algn="ctr"/>
+            <a:endParaRPr lang="es-CO" dirty="0"/>
+          </a:p>
+        </p:txBody>
+      </p:sp>
+      <p:cxnSp>
+        <p:nvCxnSpPr>
+          <p:cNvPr id="6" name="Conector recto 5"/>
+          <p:cNvCxnSpPr>
+            <a:stCxn id="4" idx="1"/>
+            <a:endCxn id="4" idx="3"/>
+          </p:cNvCxnSpPr>
+          <p:nvPr/>
+        </p:nvCxnSpPr>
+        <p:spPr>
+          <a:xfrm>
+            <a:off x="1905802" y="3984860"/>
+            <a:ext cx="2261937" cy="0"/>
+          </a:xfrm>
+          <a:prstGeom prst="line">
+            <a:avLst/>
+          </a:prstGeom>
+          <a:ln>
+            <a:solidFill>
+              <a:schemeClr val="tx1"/>
+            </a:solidFill>
+          </a:ln>
+        </p:spPr>
+        <p:style>
+          <a:lnRef idx="1">
+            <a:schemeClr val="accent1"/>
+          </a:lnRef>
+          <a:fillRef idx="0">
+            <a:schemeClr val="accent1"/>
+          </a:fillRef>
+          <a:effectRef idx="0">
+            <a:schemeClr val="accent1"/>
+          </a:effectRef>
+          <a:fontRef idx="minor">
+            <a:schemeClr val="tx1"/>
+          </a:fontRef>
+        </p:style>
+      </p:cxnSp>
+      <p:cxnSp>
+        <p:nvCxnSpPr>
+          <p:cNvPr id="7" name="Conector recto 6"/>
+          <p:cNvCxnSpPr/>
+          <p:nvPr/>
+        </p:nvCxnSpPr>
+        <p:spPr>
+          <a:xfrm>
+            <a:off x="1905802" y="2934100"/>
+            <a:ext cx="2261937" cy="1"/>
+          </a:xfrm>
+          <a:prstGeom prst="line">
+            <a:avLst/>
+          </a:prstGeom>
+          <a:ln>
+            <a:solidFill>
+              <a:schemeClr val="tx1"/>
+            </a:solidFill>
+          </a:ln>
+        </p:spPr>
+        <p:style>
+          <a:lnRef idx="1">
+            <a:schemeClr val="accent1"/>
+          </a:lnRef>
+          <a:fillRef idx="0">
+            <a:schemeClr val="accent1"/>
+          </a:fillRef>
+          <a:effectRef idx="0">
+            <a:schemeClr val="accent1"/>
+          </a:effectRef>
+          <a:fontRef idx="minor">
+            <a:schemeClr val="tx1"/>
+          </a:fontRef>
+        </p:style>
+      </p:cxnSp>
+      <p:sp>
+        <p:nvSpPr>
+          <p:cNvPr id="10" name="CuadroTexto 9"/>
+          <p:cNvSpPr txBox="1"/>
+          <p:nvPr/>
+        </p:nvSpPr>
+        <p:spPr>
+          <a:xfrm>
+            <a:off x="2021305" y="2512194"/>
+            <a:ext cx="2358190" cy="369332"/>
+          </a:xfrm>
+          <a:prstGeom prst="rect">
+            <a:avLst/>
+          </a:prstGeom>
+          <a:noFill/>
+        </p:spPr>
+        <p:txBody>
+          <a:bodyPr wrap="square" rtlCol="0">
+            <a:spAutoFit/>
+          </a:bodyPr>
+          <a:lstStyle/>
+          <a:p>
+            <a:r>
+              <a:rPr lang="es-ES" dirty="0" err="1" smtClean="0"/>
+              <a:t>Main</a:t>
+            </a:r>
+            <a:r>
+              <a:rPr lang="es-ES" dirty="0" smtClean="0"/>
+              <a:t> </a:t>
+            </a:r>
+            <a:r>
+              <a:rPr lang="es-ES" dirty="0" err="1" smtClean="0"/>
+              <a:t>Process</a:t>
+            </a:r>
+            <a:endParaRPr lang="es-CO" dirty="0"/>
+          </a:p>
+        </p:txBody>
+      </p:sp>
+      <p:sp>
+        <p:nvSpPr>
+          <p:cNvPr id="11" name="Rectángulo 10"/>
+          <p:cNvSpPr/>
+          <p:nvPr/>
+        </p:nvSpPr>
+        <p:spPr>
+          <a:xfrm>
+            <a:off x="7005587" y="2406316"/>
+            <a:ext cx="2261937" cy="3157087"/>
+          </a:xfrm>
+          <a:prstGeom prst="rect">
+            <a:avLst/>
+          </a:prstGeom>
+          <a:solidFill>
+            <a:schemeClr val="bg1"/>
+          </a:solidFill>
+          <a:ln>
+            <a:solidFill>
+              <a:schemeClr val="tx1"/>
+            </a:solidFill>
+          </a:ln>
+        </p:spPr>
+        <p:style>
+          <a:lnRef idx="2">
+            <a:schemeClr val="accent1">
+              <a:shade val="50000"/>
+            </a:schemeClr>
+          </a:lnRef>
+          <a:fillRef idx="1">
+            <a:schemeClr val="accent1"/>
+          </a:fillRef>
+          <a:effectRef idx="0">
+            <a:schemeClr val="accent1"/>
+          </a:effectRef>
+          <a:fontRef idx="minor">
+            <a:schemeClr val="lt1"/>
+          </a:fontRef>
+        </p:style>
+        <p:txBody>
+          <a:bodyPr rtlCol="0" anchor="ctr"/>
+          <a:lstStyle/>
+          <a:p>
+            <a:pPr algn="ctr"/>
+            <a:endParaRPr lang="es-CO" dirty="0"/>
+          </a:p>
+        </p:txBody>
+      </p:sp>
+      <p:cxnSp>
+        <p:nvCxnSpPr>
+          <p:cNvPr id="12" name="Conector recto 11"/>
+          <p:cNvCxnSpPr>
+            <a:stCxn id="11" idx="1"/>
+            <a:endCxn id="11" idx="3"/>
+          </p:cNvCxnSpPr>
+          <p:nvPr/>
+        </p:nvCxnSpPr>
+        <p:spPr>
+          <a:xfrm>
+            <a:off x="7005587" y="3984860"/>
+            <a:ext cx="2261937" cy="0"/>
+          </a:xfrm>
+          <a:prstGeom prst="line">
+            <a:avLst/>
+          </a:prstGeom>
+          <a:ln>
+            <a:solidFill>
+              <a:schemeClr val="tx1"/>
+            </a:solidFill>
+          </a:ln>
+        </p:spPr>
+        <p:style>
+          <a:lnRef idx="1">
+            <a:schemeClr val="accent1"/>
+          </a:lnRef>
+          <a:fillRef idx="0">
+            <a:schemeClr val="accent1"/>
+          </a:fillRef>
+          <a:effectRef idx="0">
+            <a:schemeClr val="accent1"/>
+          </a:effectRef>
+          <a:fontRef idx="minor">
+            <a:schemeClr val="tx1"/>
+          </a:fontRef>
+        </p:style>
+      </p:cxnSp>
+      <p:cxnSp>
+        <p:nvCxnSpPr>
+          <p:cNvPr id="13" name="Conector recto 12"/>
+          <p:cNvCxnSpPr/>
+          <p:nvPr/>
+        </p:nvCxnSpPr>
+        <p:spPr>
+          <a:xfrm>
+            <a:off x="7005587" y="2934100"/>
+            <a:ext cx="2261937" cy="1"/>
+          </a:xfrm>
+          <a:prstGeom prst="line">
+            <a:avLst/>
+          </a:prstGeom>
+          <a:ln>
+            <a:solidFill>
+              <a:schemeClr val="tx1"/>
+            </a:solidFill>
+          </a:ln>
+        </p:spPr>
+        <p:style>
+          <a:lnRef idx="1">
+            <a:schemeClr val="accent1"/>
+          </a:lnRef>
+          <a:fillRef idx="0">
+            <a:schemeClr val="accent1"/>
+          </a:fillRef>
+          <a:effectRef idx="0">
+            <a:schemeClr val="accent1"/>
+          </a:effectRef>
+          <a:fontRef idx="minor">
+            <a:schemeClr val="tx1"/>
+          </a:fontRef>
+        </p:style>
+      </p:cxnSp>
+      <p:sp>
+        <p:nvSpPr>
+          <p:cNvPr id="14" name="CuadroTexto 13"/>
+          <p:cNvSpPr txBox="1"/>
+          <p:nvPr/>
+        </p:nvSpPr>
+        <p:spPr>
+          <a:xfrm>
+            <a:off x="7121090" y="2512194"/>
+            <a:ext cx="2358190" cy="369332"/>
+          </a:xfrm>
+          <a:prstGeom prst="rect">
+            <a:avLst/>
+          </a:prstGeom>
+          <a:noFill/>
+        </p:spPr>
+        <p:txBody>
+          <a:bodyPr wrap="square" rtlCol="0">
+            <a:spAutoFit/>
+          </a:bodyPr>
+          <a:lstStyle/>
+          <a:p>
+            <a:r>
+              <a:rPr lang="es-ES" dirty="0" err="1" smtClean="0"/>
+              <a:t>Worker</a:t>
+            </a:r>
+            <a:r>
+              <a:rPr lang="es-ES" dirty="0" smtClean="0"/>
+              <a:t> </a:t>
+            </a:r>
+            <a:r>
+              <a:rPr lang="es-ES" dirty="0" err="1" smtClean="0"/>
+              <a:t>Process</a:t>
+            </a:r>
+            <a:endParaRPr lang="es-CO" dirty="0"/>
+          </a:p>
+        </p:txBody>
+      </p:sp>
+      <p:cxnSp>
+        <p:nvCxnSpPr>
+          <p:cNvPr id="16" name="Conector recto de flecha 15"/>
+          <p:cNvCxnSpPr/>
+          <p:nvPr/>
+        </p:nvCxnSpPr>
+        <p:spPr>
+          <a:xfrm flipH="1">
+            <a:off x="4167739" y="3060834"/>
+            <a:ext cx="2837849" cy="0"/>
+          </a:xfrm>
+          <a:prstGeom prst="straightConnector1">
+            <a:avLst/>
+          </a:prstGeom>
+          <a:ln>
+            <a:solidFill>
+              <a:schemeClr val="tx1"/>
+            </a:solidFill>
+            <a:tailEnd type="triangle"/>
+          </a:ln>
+        </p:spPr>
+        <p:style>
+          <a:lnRef idx="1">
+            <a:schemeClr val="accent1"/>
+          </a:lnRef>
+          <a:fillRef idx="0">
+            <a:schemeClr val="accent1"/>
+          </a:fillRef>
+          <a:effectRef idx="0">
+            <a:schemeClr val="accent1"/>
+          </a:effectRef>
+          <a:fontRef idx="minor">
+            <a:schemeClr val="tx1"/>
+          </a:fontRef>
+        </p:style>
+      </p:cxnSp>
+      <p:sp>
+        <p:nvSpPr>
+          <p:cNvPr id="17" name="CuadroTexto 16"/>
+          <p:cNvSpPr txBox="1"/>
+          <p:nvPr/>
+        </p:nvSpPr>
+        <p:spPr>
+          <a:xfrm>
+            <a:off x="4399949" y="3530685"/>
+            <a:ext cx="2222232" cy="646331"/>
+          </a:xfrm>
+          <a:prstGeom prst="rect">
+            <a:avLst/>
+          </a:prstGeom>
+          <a:noFill/>
+        </p:spPr>
+        <p:txBody>
+          <a:bodyPr wrap="square" rtlCol="0">
+            <a:spAutoFit/>
+          </a:bodyPr>
+          <a:lstStyle/>
+          <a:p>
+            <a:pPr algn="ctr"/>
+            <a:r>
+              <a:rPr lang="es-ES" dirty="0"/>
+              <a:t>¿</a:t>
+            </a:r>
+            <a:r>
+              <a:rPr lang="es-ES" dirty="0" smtClean="0"/>
+              <a:t>Como hago esta inversión de control?</a:t>
+            </a:r>
+            <a:endParaRPr lang="es-CO" dirty="0"/>
+          </a:p>
+        </p:txBody>
+      </p:sp>
+      <p:cxnSp>
+        <p:nvCxnSpPr>
+          <p:cNvPr id="19" name="Conector recto de flecha 18"/>
+          <p:cNvCxnSpPr/>
+          <p:nvPr/>
+        </p:nvCxnSpPr>
+        <p:spPr>
+          <a:xfrm>
+            <a:off x="5240153" y="3060834"/>
+            <a:ext cx="1765434" cy="0"/>
+          </a:xfrm>
+          <a:prstGeom prst="straightConnector1">
+            <a:avLst/>
+          </a:prstGeom>
+          <a:ln>
+            <a:solidFill>
+              <a:schemeClr val="tx1"/>
+            </a:solidFill>
+            <a:tailEnd type="triangle"/>
+          </a:ln>
+        </p:spPr>
+        <p:style>
+          <a:lnRef idx="1">
+            <a:schemeClr val="accent1"/>
+          </a:lnRef>
+          <a:fillRef idx="0">
+            <a:schemeClr val="accent1"/>
+          </a:fillRef>
+          <a:effectRef idx="0">
+            <a:schemeClr val="accent1"/>
+          </a:effectRef>
+          <a:fontRef idx="minor">
+            <a:schemeClr val="tx1"/>
+          </a:fontRef>
+        </p:style>
+      </p:cxnSp>
+    </p:spTree>
+    <p:extLst>
+      <p:ext uri="{BB962C8B-B14F-4D97-AF65-F5344CB8AC3E}">
+        <p14:creationId xmlns:p14="http://schemas.microsoft.com/office/powerpoint/2010/main" val="4161212985"/>
+      </p:ext>
+    </p:extLst>
+  </p:cSld>
+  <p:clrMapOvr>
+    <a:masterClrMapping/>
+  </p:clrMapOvr>
+</p:sld>
+</file>
+
+<file path=ppt/slides/slide24.xml><?xml version="1.0" encoding="utf-8"?>
+<p:sld xmlns:a="http://schemas.openxmlformats.org/drawingml/2006/main" xmlns:r="http://schemas.openxmlformats.org/officeDocument/2006/relationships" xmlns:p="http://schemas.openxmlformats.org/presentationml/2006/main">
+  <p:cSld>
+    <p:spTree>
+      <p:nvGrpSpPr>
+        <p:cNvPr id="1" name=""/>
+        <p:cNvGrpSpPr/>
+        <p:nvPr/>
+      </p:nvGrpSpPr>
+      <p:grpSpPr>
+        <a:xfrm>
+          <a:off x="0" y="0"/>
+          <a:ext cx="0" cy="0"/>
+          <a:chOff x="0" y="0"/>
+          <a:chExt cx="0" cy="0"/>
+        </a:xfrm>
+      </p:grpSpPr>
+      <p:sp>
+        <p:nvSpPr>
+          <p:cNvPr id="2" name="Título 1"/>
+          <p:cNvSpPr>
+            <a:spLocks noGrp="1"/>
+          </p:cNvSpPr>
+          <p:nvPr>
+            <p:ph type="title"/>
+          </p:nvPr>
+        </p:nvSpPr>
+        <p:spPr/>
+        <p:txBody>
+          <a:bodyPr/>
+          <a:lstStyle/>
+          <a:p>
+            <a:r>
+              <a:rPr lang="es-ES" dirty="0" smtClean="0"/>
+              <a:t>Patrón </a:t>
+            </a:r>
+            <a:r>
+              <a:rPr lang="es-ES" dirty="0" err="1" smtClean="0"/>
+              <a:t>Observer</a:t>
+            </a:r>
+            <a:endParaRPr lang="es-CO" dirty="0"/>
+          </a:p>
+        </p:txBody>
+      </p:sp>
+      <p:sp>
+        <p:nvSpPr>
+          <p:cNvPr id="4" name="Rectángulo 3"/>
+          <p:cNvSpPr/>
+          <p:nvPr/>
+        </p:nvSpPr>
+        <p:spPr>
+          <a:xfrm>
+            <a:off x="1953927" y="1925052"/>
+            <a:ext cx="2261937" cy="2030931"/>
+          </a:xfrm>
+          <a:prstGeom prst="rect">
+            <a:avLst/>
+          </a:prstGeom>
+          <a:solidFill>
+            <a:schemeClr val="bg1"/>
+          </a:solidFill>
+          <a:ln>
+            <a:solidFill>
+              <a:schemeClr val="tx1"/>
+            </a:solidFill>
+          </a:ln>
+        </p:spPr>
+        <p:style>
+          <a:lnRef idx="2">
+            <a:schemeClr val="accent1">
+              <a:shade val="50000"/>
+            </a:schemeClr>
+          </a:lnRef>
+          <a:fillRef idx="1">
+            <a:schemeClr val="accent1"/>
+          </a:fillRef>
+          <a:effectRef idx="0">
+            <a:schemeClr val="accent1"/>
+          </a:effectRef>
+          <a:fontRef idx="minor">
+            <a:schemeClr val="lt1"/>
+          </a:fontRef>
+        </p:style>
+        <p:txBody>
+          <a:bodyPr rtlCol="0" anchor="ctr"/>
+          <a:lstStyle/>
+          <a:p>
+            <a:pPr algn="ctr"/>
+            <a:endParaRPr lang="es-CO" dirty="0"/>
+          </a:p>
+        </p:txBody>
+      </p:sp>
+      <p:cxnSp>
+        <p:nvCxnSpPr>
+          <p:cNvPr id="6" name="Conector recto 5"/>
+          <p:cNvCxnSpPr/>
+          <p:nvPr/>
+        </p:nvCxnSpPr>
+        <p:spPr>
+          <a:xfrm>
+            <a:off x="1953927" y="3137837"/>
+            <a:ext cx="2261937" cy="0"/>
+          </a:xfrm>
+          <a:prstGeom prst="line">
+            <a:avLst/>
+          </a:prstGeom>
+          <a:ln>
+            <a:solidFill>
+              <a:schemeClr val="tx1"/>
+            </a:solidFill>
+          </a:ln>
+        </p:spPr>
+        <p:style>
+          <a:lnRef idx="1">
+            <a:schemeClr val="accent1"/>
+          </a:lnRef>
+          <a:fillRef idx="0">
+            <a:schemeClr val="accent1"/>
+          </a:fillRef>
+          <a:effectRef idx="0">
+            <a:schemeClr val="accent1"/>
+          </a:effectRef>
+          <a:fontRef idx="minor">
+            <a:schemeClr val="tx1"/>
+          </a:fontRef>
+        </p:style>
+      </p:cxnSp>
+      <p:cxnSp>
+        <p:nvCxnSpPr>
+          <p:cNvPr id="7" name="Conector recto 6"/>
+          <p:cNvCxnSpPr/>
+          <p:nvPr/>
+        </p:nvCxnSpPr>
+        <p:spPr>
+          <a:xfrm>
+            <a:off x="1953927" y="2452836"/>
+            <a:ext cx="2261937" cy="1"/>
+          </a:xfrm>
+          <a:prstGeom prst="line">
+            <a:avLst/>
+          </a:prstGeom>
+          <a:ln>
+            <a:solidFill>
+              <a:schemeClr val="tx1"/>
+            </a:solidFill>
+          </a:ln>
+        </p:spPr>
+        <p:style>
+          <a:lnRef idx="1">
+            <a:schemeClr val="accent1"/>
+          </a:lnRef>
+          <a:fillRef idx="0">
+            <a:schemeClr val="accent1"/>
+          </a:fillRef>
+          <a:effectRef idx="0">
+            <a:schemeClr val="accent1"/>
+          </a:effectRef>
+          <a:fontRef idx="minor">
+            <a:schemeClr val="tx1"/>
+          </a:fontRef>
+        </p:style>
+      </p:cxnSp>
+      <p:sp>
+        <p:nvSpPr>
+          <p:cNvPr id="10" name="CuadroTexto 9"/>
+          <p:cNvSpPr txBox="1"/>
+          <p:nvPr/>
+        </p:nvSpPr>
+        <p:spPr>
+          <a:xfrm>
+            <a:off x="2069430" y="2030930"/>
+            <a:ext cx="2358190" cy="369332"/>
+          </a:xfrm>
+          <a:prstGeom prst="rect">
+            <a:avLst/>
+          </a:prstGeom>
+          <a:noFill/>
+        </p:spPr>
+        <p:txBody>
+          <a:bodyPr wrap="square" rtlCol="0">
+            <a:spAutoFit/>
+          </a:bodyPr>
+          <a:lstStyle/>
+          <a:p>
+            <a:r>
+              <a:rPr lang="es-ES" dirty="0" err="1" smtClean="0"/>
+              <a:t>Main</a:t>
+            </a:r>
+            <a:r>
+              <a:rPr lang="es-ES" dirty="0" smtClean="0"/>
+              <a:t> </a:t>
+            </a:r>
+            <a:r>
+              <a:rPr lang="es-ES" dirty="0" err="1" smtClean="0"/>
+              <a:t>Process</a:t>
+            </a:r>
+            <a:endParaRPr lang="es-CO" dirty="0"/>
+          </a:p>
+        </p:txBody>
+      </p:sp>
+      <p:sp>
+        <p:nvSpPr>
+          <p:cNvPr id="11" name="Rectángulo 10"/>
+          <p:cNvSpPr/>
+          <p:nvPr/>
+        </p:nvSpPr>
+        <p:spPr>
+          <a:xfrm>
+            <a:off x="7053712" y="1771046"/>
+            <a:ext cx="2261937" cy="2030930"/>
+          </a:xfrm>
+          <a:prstGeom prst="rect">
+            <a:avLst/>
+          </a:prstGeom>
+          <a:solidFill>
+            <a:schemeClr val="bg1"/>
+          </a:solidFill>
+          <a:ln>
+            <a:solidFill>
+              <a:schemeClr val="tx1"/>
+            </a:solidFill>
+          </a:ln>
+        </p:spPr>
+        <p:style>
+          <a:lnRef idx="2">
+            <a:schemeClr val="accent1">
+              <a:shade val="50000"/>
+            </a:schemeClr>
+          </a:lnRef>
+          <a:fillRef idx="1">
+            <a:schemeClr val="accent1"/>
+          </a:fillRef>
+          <a:effectRef idx="0">
+            <a:schemeClr val="accent1"/>
+          </a:effectRef>
+          <a:fontRef idx="minor">
+            <a:schemeClr val="lt1"/>
+          </a:fontRef>
+        </p:style>
+        <p:txBody>
+          <a:bodyPr rtlCol="0" anchor="ctr"/>
+          <a:lstStyle/>
+          <a:p>
+            <a:pPr algn="ctr"/>
+            <a:endParaRPr lang="es-CO" dirty="0"/>
+          </a:p>
+        </p:txBody>
+      </p:sp>
+      <p:cxnSp>
+        <p:nvCxnSpPr>
+          <p:cNvPr id="12" name="Conector recto 11"/>
+          <p:cNvCxnSpPr/>
+          <p:nvPr/>
+        </p:nvCxnSpPr>
+        <p:spPr>
+          <a:xfrm>
+            <a:off x="7053712" y="2954953"/>
+            <a:ext cx="2261937" cy="0"/>
+          </a:xfrm>
+          <a:prstGeom prst="line">
+            <a:avLst/>
+          </a:prstGeom>
+          <a:ln>
+            <a:solidFill>
+              <a:schemeClr val="tx1"/>
+            </a:solidFill>
+          </a:ln>
+        </p:spPr>
+        <p:style>
+          <a:lnRef idx="1">
+            <a:schemeClr val="accent1"/>
+          </a:lnRef>
+          <a:fillRef idx="0">
+            <a:schemeClr val="accent1"/>
+          </a:fillRef>
+          <a:effectRef idx="0">
+            <a:schemeClr val="accent1"/>
+          </a:effectRef>
+          <a:fontRef idx="minor">
+            <a:schemeClr val="tx1"/>
+          </a:fontRef>
+        </p:style>
+      </p:cxnSp>
+      <p:cxnSp>
+        <p:nvCxnSpPr>
+          <p:cNvPr id="13" name="Conector recto 12"/>
+          <p:cNvCxnSpPr/>
+          <p:nvPr/>
+        </p:nvCxnSpPr>
+        <p:spPr>
+          <a:xfrm>
+            <a:off x="7053712" y="2298829"/>
+            <a:ext cx="2261937" cy="1"/>
+          </a:xfrm>
+          <a:prstGeom prst="line">
+            <a:avLst/>
+          </a:prstGeom>
+          <a:ln>
+            <a:solidFill>
+              <a:schemeClr val="tx1"/>
+            </a:solidFill>
+          </a:ln>
+        </p:spPr>
+        <p:style>
+          <a:lnRef idx="1">
+            <a:schemeClr val="accent1"/>
+          </a:lnRef>
+          <a:fillRef idx="0">
+            <a:schemeClr val="accent1"/>
+          </a:fillRef>
+          <a:effectRef idx="0">
+            <a:schemeClr val="accent1"/>
+          </a:effectRef>
+          <a:fontRef idx="minor">
+            <a:schemeClr val="tx1"/>
+          </a:fontRef>
+        </p:style>
+      </p:cxnSp>
+      <p:sp>
+        <p:nvSpPr>
+          <p:cNvPr id="14" name="CuadroTexto 13"/>
+          <p:cNvSpPr txBox="1"/>
+          <p:nvPr/>
+        </p:nvSpPr>
+        <p:spPr>
+          <a:xfrm>
+            <a:off x="7169215" y="1876923"/>
+            <a:ext cx="2358190" cy="369332"/>
+          </a:xfrm>
+          <a:prstGeom prst="rect">
+            <a:avLst/>
+          </a:prstGeom>
+          <a:noFill/>
+        </p:spPr>
+        <p:txBody>
+          <a:bodyPr wrap="square" rtlCol="0">
+            <a:spAutoFit/>
+          </a:bodyPr>
+          <a:lstStyle/>
+          <a:p>
+            <a:r>
+              <a:rPr lang="es-ES" dirty="0" err="1" smtClean="0"/>
+              <a:t>Worker</a:t>
+            </a:r>
+            <a:r>
+              <a:rPr lang="es-ES" dirty="0" smtClean="0"/>
+              <a:t> </a:t>
+            </a:r>
+            <a:r>
+              <a:rPr lang="es-ES" dirty="0" err="1" smtClean="0"/>
+              <a:t>Process</a:t>
+            </a:r>
+            <a:endParaRPr lang="es-CO" dirty="0"/>
+          </a:p>
+        </p:txBody>
+      </p:sp>
+      <p:cxnSp>
+        <p:nvCxnSpPr>
+          <p:cNvPr id="16" name="Conector recto de flecha 15"/>
+          <p:cNvCxnSpPr/>
+          <p:nvPr/>
+        </p:nvCxnSpPr>
+        <p:spPr>
+          <a:xfrm>
+            <a:off x="4215864" y="2627696"/>
+            <a:ext cx="2837848" cy="0"/>
+          </a:xfrm>
+          <a:prstGeom prst="straightConnector1">
+            <a:avLst/>
+          </a:prstGeom>
+          <a:ln>
+            <a:solidFill>
+              <a:schemeClr val="tx1"/>
+            </a:solidFill>
+            <a:tailEnd type="triangle"/>
+          </a:ln>
+        </p:spPr>
+        <p:style>
+          <a:lnRef idx="1">
+            <a:schemeClr val="accent1"/>
+          </a:lnRef>
+          <a:fillRef idx="0">
+            <a:schemeClr val="accent1"/>
+          </a:fillRef>
+          <a:effectRef idx="0">
+            <a:schemeClr val="accent1"/>
+          </a:effectRef>
+          <a:fontRef idx="minor">
+            <a:schemeClr val="tx1"/>
+          </a:fontRef>
+        </p:style>
+      </p:cxnSp>
+      <p:sp>
+        <p:nvSpPr>
+          <p:cNvPr id="18" name="Rectángulo 17"/>
+          <p:cNvSpPr/>
+          <p:nvPr/>
+        </p:nvSpPr>
+        <p:spPr>
+          <a:xfrm>
+            <a:off x="7053712" y="4061860"/>
+            <a:ext cx="2261937" cy="2030930"/>
+          </a:xfrm>
+          <a:prstGeom prst="rect">
+            <a:avLst/>
+          </a:prstGeom>
+          <a:solidFill>
+            <a:schemeClr val="bg1"/>
+          </a:solidFill>
+          <a:ln>
+            <a:solidFill>
+              <a:schemeClr val="tx1"/>
+            </a:solidFill>
+          </a:ln>
+        </p:spPr>
+        <p:style>
+          <a:lnRef idx="2">
+            <a:schemeClr val="accent1">
+              <a:shade val="50000"/>
+            </a:schemeClr>
+          </a:lnRef>
+          <a:fillRef idx="1">
+            <a:schemeClr val="accent1"/>
+          </a:fillRef>
+          <a:effectRef idx="0">
+            <a:schemeClr val="accent1"/>
+          </a:effectRef>
+          <a:fontRef idx="minor">
+            <a:schemeClr val="lt1"/>
+          </a:fontRef>
+        </p:style>
+        <p:txBody>
+          <a:bodyPr rtlCol="0" anchor="ctr"/>
+          <a:lstStyle/>
+          <a:p>
+            <a:pPr algn="ctr"/>
+            <a:endParaRPr lang="es-CO" dirty="0"/>
+          </a:p>
+        </p:txBody>
+      </p:sp>
+      <p:cxnSp>
+        <p:nvCxnSpPr>
+          <p:cNvPr id="20" name="Conector recto 19"/>
+          <p:cNvCxnSpPr/>
+          <p:nvPr/>
+        </p:nvCxnSpPr>
+        <p:spPr>
+          <a:xfrm>
+            <a:off x="7053712" y="5245767"/>
+            <a:ext cx="2261937" cy="0"/>
+          </a:xfrm>
+          <a:prstGeom prst="line">
+            <a:avLst/>
+          </a:prstGeom>
+          <a:ln>
+            <a:solidFill>
+              <a:schemeClr val="tx1"/>
+            </a:solidFill>
+          </a:ln>
+        </p:spPr>
+        <p:style>
+          <a:lnRef idx="1">
+            <a:schemeClr val="accent1"/>
+          </a:lnRef>
+          <a:fillRef idx="0">
+            <a:schemeClr val="accent1"/>
+          </a:fillRef>
+          <a:effectRef idx="0">
+            <a:schemeClr val="accent1"/>
+          </a:effectRef>
+          <a:fontRef idx="minor">
+            <a:schemeClr val="tx1"/>
+          </a:fontRef>
+        </p:style>
+      </p:cxnSp>
+      <p:cxnSp>
+        <p:nvCxnSpPr>
+          <p:cNvPr id="21" name="Conector recto 20"/>
+          <p:cNvCxnSpPr/>
+          <p:nvPr/>
+        </p:nvCxnSpPr>
+        <p:spPr>
+          <a:xfrm>
+            <a:off x="7053712" y="4589643"/>
+            <a:ext cx="2261937" cy="1"/>
+          </a:xfrm>
+          <a:prstGeom prst="line">
+            <a:avLst/>
+          </a:prstGeom>
+          <a:ln>
+            <a:solidFill>
+              <a:schemeClr val="tx1"/>
+            </a:solidFill>
+          </a:ln>
+        </p:spPr>
+        <p:style>
+          <a:lnRef idx="1">
+            <a:schemeClr val="accent1"/>
+          </a:lnRef>
+          <a:fillRef idx="0">
+            <a:schemeClr val="accent1"/>
+          </a:fillRef>
+          <a:effectRef idx="0">
+            <a:schemeClr val="accent1"/>
+          </a:effectRef>
+          <a:fontRef idx="minor">
+            <a:schemeClr val="tx1"/>
+          </a:fontRef>
+        </p:style>
+      </p:cxnSp>
+      <p:sp>
+        <p:nvSpPr>
+          <p:cNvPr id="22" name="CuadroTexto 21"/>
+          <p:cNvSpPr txBox="1"/>
+          <p:nvPr/>
+        </p:nvSpPr>
+        <p:spPr>
+          <a:xfrm>
+            <a:off x="7169215" y="4167737"/>
+            <a:ext cx="2358190" cy="369332"/>
+          </a:xfrm>
+          <a:prstGeom prst="rect">
+            <a:avLst/>
+          </a:prstGeom>
+          <a:noFill/>
+        </p:spPr>
+        <p:txBody>
+          <a:bodyPr wrap="square" rtlCol="0">
+            <a:spAutoFit/>
+          </a:bodyPr>
+          <a:lstStyle/>
+          <a:p>
+            <a:r>
+              <a:rPr lang="es-ES" dirty="0" err="1" smtClean="0"/>
+              <a:t>BridgeInterface</a:t>
+            </a:r>
+            <a:endParaRPr lang="es-CO" dirty="0"/>
+          </a:p>
+        </p:txBody>
+      </p:sp>
+      <p:cxnSp>
+        <p:nvCxnSpPr>
+          <p:cNvPr id="9" name="Conector recto de flecha 8"/>
+          <p:cNvCxnSpPr>
+            <a:stCxn id="4" idx="3"/>
+          </p:cNvCxnSpPr>
+          <p:nvPr/>
+        </p:nvCxnSpPr>
+        <p:spPr>
+          <a:xfrm>
+            <a:off x="4215864" y="2940518"/>
+            <a:ext cx="2837848" cy="1227219"/>
+          </a:xfrm>
+          <a:prstGeom prst="straightConnector1">
+            <a:avLst/>
+          </a:prstGeom>
+          <a:ln>
+            <a:solidFill>
+              <a:schemeClr val="tx1"/>
+            </a:solidFill>
+            <a:prstDash val="lgDash"/>
+            <a:tailEnd type="triangle"/>
+          </a:ln>
+        </p:spPr>
+        <p:style>
+          <a:lnRef idx="1">
+            <a:schemeClr val="accent1"/>
+          </a:lnRef>
+          <a:fillRef idx="0">
+            <a:schemeClr val="accent1"/>
+          </a:fillRef>
+          <a:effectRef idx="0">
+            <a:schemeClr val="accent1"/>
+          </a:effectRef>
+          <a:fontRef idx="minor">
+            <a:schemeClr val="tx1"/>
+          </a:fontRef>
+        </p:style>
+      </p:cxnSp>
+      <p:sp>
+        <p:nvSpPr>
+          <p:cNvPr id="15" name="Triángulo isósceles 14"/>
+          <p:cNvSpPr/>
+          <p:nvPr/>
+        </p:nvSpPr>
+        <p:spPr>
+          <a:xfrm rot="7200000">
+            <a:off x="6740487" y="3933389"/>
+            <a:ext cx="373105" cy="321642"/>
+          </a:xfrm>
+          <a:prstGeom prst="triangle">
+            <a:avLst/>
+          </a:prstGeom>
+          <a:solidFill>
+            <a:schemeClr val="bg1"/>
+          </a:solidFill>
+          <a:ln>
+            <a:solidFill>
+              <a:schemeClr val="tx1"/>
+            </a:solidFill>
+          </a:ln>
+        </p:spPr>
+        <p:style>
+          <a:lnRef idx="2">
+            <a:schemeClr val="accent1">
+              <a:shade val="50000"/>
+            </a:schemeClr>
+          </a:lnRef>
+          <a:fillRef idx="1">
+            <a:schemeClr val="accent1"/>
+          </a:fillRef>
+          <a:effectRef idx="0">
+            <a:schemeClr val="accent1"/>
+          </a:effectRef>
+          <a:fontRef idx="minor">
+            <a:schemeClr val="lt1"/>
+          </a:fontRef>
+        </p:style>
+        <p:txBody>
+          <a:bodyPr rtlCol="0" anchor="ctr"/>
+          <a:lstStyle/>
+          <a:p>
+            <a:pPr algn="ctr"/>
+            <a:endParaRPr lang="es-CO"/>
+          </a:p>
+        </p:txBody>
+      </p:sp>
+      <p:cxnSp>
+        <p:nvCxnSpPr>
+          <p:cNvPr id="26" name="Conector recto de flecha 25"/>
+          <p:cNvCxnSpPr>
+            <a:stCxn id="11" idx="2"/>
+            <a:endCxn id="18" idx="0"/>
+          </p:cNvCxnSpPr>
+          <p:nvPr/>
+        </p:nvCxnSpPr>
+        <p:spPr>
+          <a:xfrm>
+            <a:off x="8184681" y="3801976"/>
+            <a:ext cx="0" cy="259884"/>
+          </a:xfrm>
+          <a:prstGeom prst="straightConnector1">
+            <a:avLst/>
+          </a:prstGeom>
+          <a:ln>
+            <a:solidFill>
+              <a:schemeClr val="tx1"/>
+            </a:solidFill>
+            <a:tailEnd type="triangle"/>
+          </a:ln>
+        </p:spPr>
+        <p:style>
+          <a:lnRef idx="1">
+            <a:schemeClr val="accent1"/>
+          </a:lnRef>
+          <a:fillRef idx="0">
+            <a:schemeClr val="accent1"/>
+          </a:fillRef>
+          <a:effectRef idx="0">
+            <a:schemeClr val="accent1"/>
+          </a:effectRef>
+          <a:fontRef idx="minor">
+            <a:schemeClr val="tx1"/>
+          </a:fontRef>
+        </p:style>
+      </p:cxnSp>
+      <p:sp>
+        <p:nvSpPr>
+          <p:cNvPr id="27" name="CuadroTexto 26"/>
+          <p:cNvSpPr txBox="1"/>
+          <p:nvPr/>
+        </p:nvSpPr>
+        <p:spPr>
+          <a:xfrm>
+            <a:off x="5229724" y="2627696"/>
+            <a:ext cx="693019" cy="369332"/>
+          </a:xfrm>
+          <a:prstGeom prst="rect">
+            <a:avLst/>
+          </a:prstGeom>
+          <a:noFill/>
+        </p:spPr>
+        <p:txBody>
+          <a:bodyPr wrap="square" rtlCol="0">
+            <a:spAutoFit/>
+          </a:bodyPr>
+          <a:lstStyle/>
+          <a:p>
+            <a:pPr algn="ctr"/>
+            <a:r>
+              <a:rPr lang="es-ES" dirty="0" smtClean="0"/>
+              <a:t>Use</a:t>
+            </a:r>
+            <a:endParaRPr lang="es-CO" dirty="0"/>
+          </a:p>
+        </p:txBody>
+      </p:sp>
+      <p:sp>
+        <p:nvSpPr>
+          <p:cNvPr id="28" name="CuadroTexto 27"/>
+          <p:cNvSpPr txBox="1"/>
+          <p:nvPr/>
+        </p:nvSpPr>
+        <p:spPr>
+          <a:xfrm>
+            <a:off x="8184680" y="3723187"/>
+            <a:ext cx="693019" cy="369332"/>
+          </a:xfrm>
+          <a:prstGeom prst="rect">
+            <a:avLst/>
+          </a:prstGeom>
+          <a:noFill/>
+        </p:spPr>
+        <p:txBody>
+          <a:bodyPr wrap="square" rtlCol="0">
+            <a:spAutoFit/>
+          </a:bodyPr>
+          <a:lstStyle/>
+          <a:p>
+            <a:pPr algn="ctr"/>
+            <a:r>
+              <a:rPr lang="es-ES" dirty="0" smtClean="0"/>
+              <a:t>Use</a:t>
+            </a:r>
+            <a:endParaRPr lang="es-CO" dirty="0"/>
+          </a:p>
+        </p:txBody>
+      </p:sp>
+      <p:sp>
+        <p:nvSpPr>
+          <p:cNvPr id="29" name="CuadroTexto 28"/>
+          <p:cNvSpPr txBox="1"/>
+          <p:nvPr/>
+        </p:nvSpPr>
+        <p:spPr>
+          <a:xfrm>
+            <a:off x="6947861" y="5233466"/>
+            <a:ext cx="2473637" cy="307777"/>
+          </a:xfrm>
+          <a:prstGeom prst="rect">
+            <a:avLst/>
+          </a:prstGeom>
+          <a:noFill/>
+        </p:spPr>
+        <p:txBody>
+          <a:bodyPr wrap="square" rtlCol="0">
+            <a:spAutoFit/>
+          </a:bodyPr>
+          <a:lstStyle/>
+          <a:p>
+            <a:pPr algn="ctr"/>
+            <a:r>
+              <a:rPr lang="es-ES" sz="1400" dirty="0" err="1" smtClean="0"/>
+              <a:t>onMessage</a:t>
+            </a:r>
+            <a:r>
+              <a:rPr lang="es-ES" sz="1400" dirty="0" smtClean="0"/>
+              <a:t>(</a:t>
+            </a:r>
+            <a:r>
+              <a:rPr lang="es-ES" sz="1400" dirty="0" err="1" smtClean="0"/>
+              <a:t>String</a:t>
+            </a:r>
+            <a:r>
+              <a:rPr lang="es-ES" sz="1400" dirty="0" smtClean="0"/>
+              <a:t> </a:t>
+            </a:r>
+            <a:r>
+              <a:rPr lang="es-ES" sz="1400" dirty="0" err="1" smtClean="0"/>
+              <a:t>msj</a:t>
+            </a:r>
+            <a:r>
+              <a:rPr lang="es-ES" sz="1400" dirty="0" smtClean="0"/>
+              <a:t>) : </a:t>
+            </a:r>
+            <a:r>
+              <a:rPr lang="es-ES" sz="1400" dirty="0" err="1" smtClean="0"/>
+              <a:t>void</a:t>
+            </a:r>
+            <a:endParaRPr lang="es-CO" sz="1400" dirty="0"/>
+          </a:p>
+        </p:txBody>
+      </p:sp>
+      <p:sp>
+        <p:nvSpPr>
+          <p:cNvPr id="31" name="CuadroTexto 30"/>
+          <p:cNvSpPr txBox="1"/>
+          <p:nvPr/>
+        </p:nvSpPr>
+        <p:spPr>
+          <a:xfrm>
+            <a:off x="1848077" y="3142882"/>
+            <a:ext cx="2473637" cy="307777"/>
+          </a:xfrm>
+          <a:prstGeom prst="rect">
+            <a:avLst/>
+          </a:prstGeom>
+          <a:noFill/>
+        </p:spPr>
+        <p:txBody>
+          <a:bodyPr wrap="square" rtlCol="0">
+            <a:spAutoFit/>
+          </a:bodyPr>
+          <a:lstStyle/>
+          <a:p>
+            <a:pPr algn="ctr"/>
+            <a:r>
+              <a:rPr lang="es-ES" sz="1400" dirty="0" err="1" smtClean="0"/>
+              <a:t>onMessage</a:t>
+            </a:r>
+            <a:r>
+              <a:rPr lang="es-ES" sz="1400" dirty="0" smtClean="0"/>
+              <a:t>(</a:t>
+            </a:r>
+            <a:r>
+              <a:rPr lang="es-ES" sz="1400" dirty="0" err="1" smtClean="0"/>
+              <a:t>String</a:t>
+            </a:r>
+            <a:r>
+              <a:rPr lang="es-ES" sz="1400" dirty="0" smtClean="0"/>
+              <a:t> </a:t>
+            </a:r>
+            <a:r>
+              <a:rPr lang="es-ES" sz="1400" dirty="0" err="1" smtClean="0"/>
+              <a:t>msj</a:t>
+            </a:r>
+            <a:r>
+              <a:rPr lang="es-ES" sz="1400" dirty="0" smtClean="0"/>
+              <a:t>) : </a:t>
+            </a:r>
+            <a:r>
+              <a:rPr lang="es-ES" sz="1400" dirty="0" err="1" smtClean="0"/>
+              <a:t>void</a:t>
+            </a:r>
+            <a:endParaRPr lang="es-CO" sz="1400" dirty="0"/>
+          </a:p>
+        </p:txBody>
+      </p:sp>
+    </p:spTree>
+    <p:extLst>
+      <p:ext uri="{BB962C8B-B14F-4D97-AF65-F5344CB8AC3E}">
+        <p14:creationId xmlns:p14="http://schemas.microsoft.com/office/powerpoint/2010/main" val="1330454192"/>
       </p:ext>
     </p:extLst>
   </p:cSld>

--- a/Semana 2/Presentación.pptx
+++ b/Semana 2/Presentación.pptx
@@ -20,15 +20,20 @@
     <p:sldId id="270" r:id="rId14"/>
     <p:sldId id="272" r:id="rId15"/>
     <p:sldId id="273" r:id="rId16"/>
-    <p:sldId id="274" r:id="rId17"/>
-    <p:sldId id="275" r:id="rId18"/>
-    <p:sldId id="276" r:id="rId19"/>
-    <p:sldId id="277" r:id="rId20"/>
-    <p:sldId id="278" r:id="rId21"/>
-    <p:sldId id="279" r:id="rId22"/>
-    <p:sldId id="280" r:id="rId23"/>
-    <p:sldId id="281" r:id="rId24"/>
-    <p:sldId id="282" r:id="rId25"/>
+    <p:sldId id="287" r:id="rId17"/>
+    <p:sldId id="274" r:id="rId18"/>
+    <p:sldId id="275" r:id="rId19"/>
+    <p:sldId id="276" r:id="rId20"/>
+    <p:sldId id="283" r:id="rId21"/>
+    <p:sldId id="284" r:id="rId22"/>
+    <p:sldId id="285" r:id="rId23"/>
+    <p:sldId id="286" r:id="rId24"/>
+    <p:sldId id="277" r:id="rId25"/>
+    <p:sldId id="278" r:id="rId26"/>
+    <p:sldId id="279" r:id="rId27"/>
+    <p:sldId id="280" r:id="rId28"/>
+    <p:sldId id="281" r:id="rId29"/>
+    <p:sldId id="282" r:id="rId30"/>
   </p:sldIdLst>
   <p:sldSz cx="12192000" cy="6858000"/>
   <p:notesSz cx="6858000" cy="9144000"/>
@@ -361,7 +366,7 @@
           <a:p>
             <a:fld id="{AAE5428F-4F43-4132-90EE-793D4105280B}" type="datetimeFigureOut">
               <a:rPr lang="es-CO" smtClean="0"/>
-              <a:t>30/01/2019</a:t>
+              <a:t>11/03/2019</a:t>
             </a:fld>
             <a:endParaRPr lang="es-CO"/>
           </a:p>
@@ -569,7 +574,7 @@
           <a:p>
             <a:fld id="{AAE5428F-4F43-4132-90EE-793D4105280B}" type="datetimeFigureOut">
               <a:rPr lang="es-CO" smtClean="0"/>
-              <a:t>30/01/2019</a:t>
+              <a:t>11/03/2019</a:t>
             </a:fld>
             <a:endParaRPr lang="es-CO"/>
           </a:p>
@@ -825,7 +830,7 @@
           <a:p>
             <a:fld id="{AAE5428F-4F43-4132-90EE-793D4105280B}" type="datetimeFigureOut">
               <a:rPr lang="es-CO" smtClean="0"/>
-              <a:t>30/01/2019</a:t>
+              <a:t>11/03/2019</a:t>
             </a:fld>
             <a:endParaRPr lang="es-CO"/>
           </a:p>
@@ -995,7 +1000,7 @@
           <a:p>
             <a:fld id="{AAE5428F-4F43-4132-90EE-793D4105280B}" type="datetimeFigureOut">
               <a:rPr lang="es-CO" smtClean="0"/>
-              <a:t>30/01/2019</a:t>
+              <a:t>11/03/2019</a:t>
             </a:fld>
             <a:endParaRPr lang="es-CO"/>
           </a:p>
@@ -1338,7 +1343,7 @@
           <a:p>
             <a:fld id="{AAE5428F-4F43-4132-90EE-793D4105280B}" type="datetimeFigureOut">
               <a:rPr lang="es-CO" smtClean="0"/>
-              <a:t>30/01/2019</a:t>
+              <a:t>11/03/2019</a:t>
             </a:fld>
             <a:endParaRPr lang="es-CO"/>
           </a:p>
@@ -1613,7 +1618,7 @@
           <a:p>
             <a:fld id="{AAE5428F-4F43-4132-90EE-793D4105280B}" type="datetimeFigureOut">
               <a:rPr lang="es-CO" smtClean="0"/>
-              <a:t>30/01/2019</a:t>
+              <a:t>11/03/2019</a:t>
             </a:fld>
             <a:endParaRPr lang="es-CO"/>
           </a:p>
@@ -1992,7 +1997,7 @@
           <a:p>
             <a:fld id="{AAE5428F-4F43-4132-90EE-793D4105280B}" type="datetimeFigureOut">
               <a:rPr lang="es-CO" smtClean="0"/>
-              <a:t>30/01/2019</a:t>
+              <a:t>11/03/2019</a:t>
             </a:fld>
             <a:endParaRPr lang="es-CO"/>
           </a:p>
@@ -2110,7 +2115,7 @@
           <a:p>
             <a:fld id="{AAE5428F-4F43-4132-90EE-793D4105280B}" type="datetimeFigureOut">
               <a:rPr lang="es-CO" smtClean="0"/>
-              <a:t>30/01/2019</a:t>
+              <a:t>11/03/2019</a:t>
             </a:fld>
             <a:endParaRPr lang="es-CO"/>
           </a:p>
@@ -2281,7 +2286,7 @@
           <a:p>
             <a:fld id="{AAE5428F-4F43-4132-90EE-793D4105280B}" type="datetimeFigureOut">
               <a:rPr lang="es-CO" smtClean="0"/>
-              <a:t>30/01/2019</a:t>
+              <a:t>11/03/2019</a:t>
             </a:fld>
             <a:endParaRPr lang="es-CO"/>
           </a:p>
@@ -2635,7 +2640,7 @@
           <a:p>
             <a:fld id="{AAE5428F-4F43-4132-90EE-793D4105280B}" type="datetimeFigureOut">
               <a:rPr lang="es-CO" smtClean="0"/>
-              <a:t>30/01/2019</a:t>
+              <a:t>11/03/2019</a:t>
             </a:fld>
             <a:endParaRPr lang="es-CO"/>
           </a:p>
@@ -3012,7 +3017,7 @@
           <a:p>
             <a:fld id="{AAE5428F-4F43-4132-90EE-793D4105280B}" type="datetimeFigureOut">
               <a:rPr lang="es-CO" smtClean="0"/>
-              <a:t>30/01/2019</a:t>
+              <a:t>11/03/2019</a:t>
             </a:fld>
             <a:endParaRPr lang="es-CO"/>
           </a:p>
@@ -3299,7 +3304,7 @@
           <a:p>
             <a:fld id="{AAE5428F-4F43-4132-90EE-793D4105280B}" type="datetimeFigureOut">
               <a:rPr lang="es-CO" smtClean="0"/>
-              <a:t>30/01/2019</a:t>
+              <a:t>11/03/2019</a:t>
             </a:fld>
             <a:endParaRPr lang="es-CO"/>
           </a:p>
@@ -5904,14 +5909,14 @@
       </p:sp>
       <p:sp>
         <p:nvSpPr>
-          <p:cNvPr id="21" name="CuadroTexto 20"/>
+          <p:cNvPr id="18" name="CuadroTexto 17"/>
           <p:cNvSpPr txBox="1"/>
           <p:nvPr/>
         </p:nvSpPr>
         <p:spPr>
           <a:xfrm>
-            <a:off x="4940968" y="5533801"/>
-            <a:ext cx="2704700" cy="646331"/>
+            <a:off x="268615" y="2476818"/>
+            <a:ext cx="2978664" cy="2585323"/>
           </a:xfrm>
           <a:prstGeom prst="rect">
             <a:avLst/>
@@ -5925,23 +5930,78 @@
           <a:lstStyle/>
           <a:p>
             <a:r>
-              <a:rPr lang="es-ES" dirty="0" smtClean="0"/>
-              <a:t>La dirección de subred es</a:t>
-            </a:r>
-          </a:p>
-          <a:p>
-            <a:r>
-              <a:rPr lang="es-ES" dirty="0" smtClean="0"/>
-              <a:t>192.168.200.0 / 24</a:t>
-            </a:r>
-            <a:endParaRPr lang="es-CO" dirty="0"/>
+              <a:rPr lang="es-ES" dirty="0" smtClean="0">
+                <a:solidFill>
+                  <a:srgbClr val="7030A0"/>
+                </a:solidFill>
+              </a:rPr>
+              <a:t>Si multiplico bit a bit la máscara de subred con una dirección IP de host cualquiera, el resultado es la dirección de subred:</a:t>
+            </a:r>
+          </a:p>
+          <a:p>
+            <a:endParaRPr lang="es-ES" dirty="0" smtClean="0">
+              <a:solidFill>
+                <a:srgbClr val="7030A0"/>
+              </a:solidFill>
+            </a:endParaRPr>
+          </a:p>
+          <a:p>
+            <a:r>
+              <a:rPr lang="es-ES" dirty="0" smtClean="0">
+                <a:solidFill>
+                  <a:srgbClr val="7030A0"/>
+                </a:solidFill>
+              </a:rPr>
+              <a:t>      255.255.255.0</a:t>
+            </a:r>
+          </a:p>
+          <a:p>
+            <a:r>
+              <a:rPr lang="es-ES" dirty="0" smtClean="0">
+                <a:solidFill>
+                  <a:srgbClr val="7030A0"/>
+                </a:solidFill>
+              </a:rPr>
+              <a:t>   * </a:t>
+            </a:r>
+            <a:r>
+              <a:rPr lang="es-ES" u="sng" dirty="0" smtClean="0">
+                <a:solidFill>
+                  <a:srgbClr val="7030A0"/>
+                </a:solidFill>
+              </a:rPr>
+              <a:t>192.168.200.53</a:t>
+            </a:r>
+          </a:p>
+          <a:p>
+            <a:r>
+              <a:rPr lang="es-ES" dirty="0">
+                <a:solidFill>
+                  <a:srgbClr val="7030A0"/>
+                </a:solidFill>
+              </a:rPr>
+              <a:t> </a:t>
+            </a:r>
+            <a:r>
+              <a:rPr lang="es-ES" dirty="0" smtClean="0">
+                <a:solidFill>
+                  <a:srgbClr val="7030A0"/>
+                </a:solidFill>
+              </a:rPr>
+              <a:t>     192.168.200.0</a:t>
+            </a:r>
+            <a:endParaRPr lang="es-CO" dirty="0">
+              <a:solidFill>
+                <a:srgbClr val="7030A0"/>
+              </a:solidFill>
+            </a:endParaRPr>
           </a:p>
         </p:txBody>
       </p:sp>
     </p:spTree>
     <p:extLst>
       <p:ext uri="{BB962C8B-B14F-4D97-AF65-F5344CB8AC3E}">
-        <p14:creationId xmlns:p14="http://schemas.microsoft.com/office/powerpoint/2010/main" val="3155481028"/>
+        <p14:creationId xmlns:p14="http://schemas.microsoft.com/office/powerpoint/2010/main" val="1840723322"/>
       </p:ext>
     </p:extLst>
   </p:cSld>
@@ -5985,15 +6045,15 @@
           <a:p>
             <a:r>
               <a:rPr lang="es-ES" dirty="0" smtClean="0"/>
-              <a:t>¿Cuál es la dirección de subred? (Redimible por una décima)</a:t>
-            </a:r>
-            <a:endParaRPr lang="es-CO" dirty="0"/>
-          </a:p>
-        </p:txBody>
-      </p:sp>
-      <p:sp>
-        <p:nvSpPr>
-          <p:cNvPr id="4" name="Rectángulo 3"/>
+              <a:t>¿Cuál es la dirección de subred?</a:t>
+            </a:r>
+            <a:endParaRPr lang="es-CO" dirty="0"/>
+          </a:p>
+        </p:txBody>
+      </p:sp>
+      <p:sp>
+        <p:nvSpPr>
+          <p:cNvPr id="5" name="Rectángulo 4"/>
           <p:cNvSpPr/>
           <p:nvPr/>
         </p:nvSpPr>
@@ -6037,7 +6097,7 @@
       </p:sp>
       <p:sp>
         <p:nvSpPr>
-          <p:cNvPr id="5" name="Rectángulo 4"/>
+          <p:cNvPr id="16" name="Rectángulo 15"/>
           <p:cNvSpPr/>
           <p:nvPr/>
         </p:nvSpPr>
@@ -6081,7 +6141,7 @@
       </p:sp>
       <p:sp>
         <p:nvSpPr>
-          <p:cNvPr id="6" name="Rectángulo 5"/>
+          <p:cNvPr id="17" name="Rectángulo 16"/>
           <p:cNvSpPr/>
           <p:nvPr/>
         </p:nvSpPr>
@@ -6125,7 +6185,7 @@
       </p:sp>
       <p:sp>
         <p:nvSpPr>
-          <p:cNvPr id="7" name="Rectángulo 6"/>
+          <p:cNvPr id="19" name="Rectángulo 18"/>
           <p:cNvSpPr/>
           <p:nvPr/>
         </p:nvSpPr>
@@ -6169,7 +6229,7 @@
       </p:sp>
       <p:sp>
         <p:nvSpPr>
-          <p:cNvPr id="8" name="Rectángulo 7"/>
+          <p:cNvPr id="20" name="Rectángulo 19"/>
           <p:cNvSpPr/>
           <p:nvPr/>
         </p:nvSpPr>
@@ -6213,7 +6273,7 @@
       </p:sp>
       <p:sp>
         <p:nvSpPr>
-          <p:cNvPr id="9" name="Rectángulo 8"/>
+          <p:cNvPr id="22" name="Rectángulo 21"/>
           <p:cNvSpPr/>
           <p:nvPr/>
         </p:nvSpPr>
@@ -6257,7 +6317,7 @@
       </p:sp>
       <p:sp>
         <p:nvSpPr>
-          <p:cNvPr id="10" name="CuadroTexto 9"/>
+          <p:cNvPr id="7" name="CuadroTexto 6"/>
           <p:cNvSpPr txBox="1"/>
           <p:nvPr/>
         </p:nvSpPr>
@@ -6279,15 +6339,15 @@
           <a:p>
             <a:r>
               <a:rPr lang="es-ES" dirty="0" smtClean="0"/>
-              <a:t>192.168.204.56</a:t>
-            </a:r>
-            <a:endParaRPr lang="es-CO" dirty="0"/>
-          </a:p>
-        </p:txBody>
-      </p:sp>
-      <p:sp>
-        <p:nvSpPr>
-          <p:cNvPr id="11" name="CuadroTexto 10"/>
+              <a:t>192.168.200.56</a:t>
+            </a:r>
+            <a:endParaRPr lang="es-CO" dirty="0"/>
+          </a:p>
+        </p:txBody>
+      </p:sp>
+      <p:sp>
+        <p:nvSpPr>
+          <p:cNvPr id="23" name="CuadroTexto 22"/>
           <p:cNvSpPr txBox="1"/>
           <p:nvPr/>
         </p:nvSpPr>
@@ -6309,15 +6369,15 @@
           <a:p>
             <a:r>
               <a:rPr lang="es-ES" dirty="0" smtClean="0"/>
-              <a:t>192.168.207.18</a:t>
-            </a:r>
-            <a:endParaRPr lang="es-CO" dirty="0"/>
-          </a:p>
-        </p:txBody>
-      </p:sp>
-      <p:sp>
-        <p:nvSpPr>
-          <p:cNvPr id="12" name="CuadroTexto 11"/>
+              <a:t>192.168.200.18</a:t>
+            </a:r>
+            <a:endParaRPr lang="es-CO" dirty="0"/>
+          </a:p>
+        </p:txBody>
+      </p:sp>
+      <p:sp>
+        <p:nvSpPr>
+          <p:cNvPr id="25" name="CuadroTexto 24"/>
           <p:cNvSpPr txBox="1"/>
           <p:nvPr/>
         </p:nvSpPr>
@@ -6339,15 +6399,15 @@
           <a:p>
             <a:r>
               <a:rPr lang="es-ES" dirty="0" smtClean="0"/>
-              <a:t>192.168.205.15</a:t>
-            </a:r>
-            <a:endParaRPr lang="es-CO" dirty="0"/>
-          </a:p>
-        </p:txBody>
-      </p:sp>
-      <p:sp>
-        <p:nvSpPr>
-          <p:cNvPr id="13" name="CuadroTexto 12"/>
+              <a:t>192.168.200.15</a:t>
+            </a:r>
+            <a:endParaRPr lang="es-CO" dirty="0"/>
+          </a:p>
+        </p:txBody>
+      </p:sp>
+      <p:sp>
+        <p:nvSpPr>
+          <p:cNvPr id="26" name="CuadroTexto 25"/>
           <p:cNvSpPr txBox="1"/>
           <p:nvPr/>
         </p:nvSpPr>
@@ -6370,15 +6430,15 @@
             <a:pPr algn="r"/>
             <a:r>
               <a:rPr lang="es-ES" dirty="0" smtClean="0"/>
-              <a:t>192.168.223.53</a:t>
-            </a:r>
-            <a:endParaRPr lang="es-CO" dirty="0"/>
-          </a:p>
-        </p:txBody>
-      </p:sp>
-      <p:sp>
-        <p:nvSpPr>
-          <p:cNvPr id="14" name="CuadroTexto 13"/>
+              <a:t>192.168.200.53</a:t>
+            </a:r>
+            <a:endParaRPr lang="es-CO" dirty="0"/>
+          </a:p>
+        </p:txBody>
+      </p:sp>
+      <p:sp>
+        <p:nvSpPr>
+          <p:cNvPr id="28" name="CuadroTexto 27"/>
           <p:cNvSpPr txBox="1"/>
           <p:nvPr/>
         </p:nvSpPr>
@@ -6401,15 +6461,15 @@
             <a:pPr algn="r"/>
             <a:r>
               <a:rPr lang="es-ES" dirty="0" smtClean="0"/>
-              <a:t>192.168.213.25</a:t>
-            </a:r>
-            <a:endParaRPr lang="es-CO" dirty="0"/>
-          </a:p>
-        </p:txBody>
-      </p:sp>
-      <p:sp>
-        <p:nvSpPr>
-          <p:cNvPr id="15" name="CuadroTexto 14"/>
+              <a:t>192.168.200.25</a:t>
+            </a:r>
+            <a:endParaRPr lang="es-CO" dirty="0"/>
+          </a:p>
+        </p:txBody>
+      </p:sp>
+      <p:sp>
+        <p:nvSpPr>
+          <p:cNvPr id="29" name="CuadroTexto 28"/>
           <p:cNvSpPr txBox="1"/>
           <p:nvPr/>
         </p:nvSpPr>
@@ -6432,15 +6492,15 @@
             <a:pPr algn="r"/>
             <a:r>
               <a:rPr lang="es-ES" dirty="0" smtClean="0"/>
-              <a:t>192.168.220.115</a:t>
-            </a:r>
-            <a:endParaRPr lang="es-CO" dirty="0"/>
-          </a:p>
-        </p:txBody>
-      </p:sp>
-      <p:sp>
-        <p:nvSpPr>
-          <p:cNvPr id="16" name="CuadroTexto 15"/>
+              <a:t>192.168.200.115</a:t>
+            </a:r>
+            <a:endParaRPr lang="es-CO" dirty="0"/>
+          </a:p>
+        </p:txBody>
+      </p:sp>
+      <p:sp>
+        <p:nvSpPr>
+          <p:cNvPr id="30" name="CuadroTexto 29"/>
           <p:cNvSpPr txBox="1"/>
           <p:nvPr/>
         </p:nvSpPr>
@@ -6462,7 +6522,203 @@
           <a:p>
             <a:r>
               <a:rPr lang="es-ES" dirty="0" smtClean="0"/>
-              <a:t>Máscara: 255.255.224.0</a:t>
+              <a:t>Máscara: 255.255.255.0</a:t>
+            </a:r>
+            <a:endParaRPr lang="es-CO" dirty="0"/>
+          </a:p>
+        </p:txBody>
+      </p:sp>
+      <p:sp>
+        <p:nvSpPr>
+          <p:cNvPr id="21" name="CuadroTexto 20"/>
+          <p:cNvSpPr txBox="1"/>
+          <p:nvPr/>
+        </p:nvSpPr>
+        <p:spPr>
+          <a:xfrm>
+            <a:off x="4940968" y="5533801"/>
+            <a:ext cx="2704700" cy="646331"/>
+          </a:xfrm>
+          <a:prstGeom prst="rect">
+            <a:avLst/>
+          </a:prstGeom>
+          <a:noFill/>
+        </p:spPr>
+        <p:txBody>
+          <a:bodyPr wrap="square" rtlCol="0">
+            <a:spAutoFit/>
+          </a:bodyPr>
+          <a:lstStyle/>
+          <a:p>
+            <a:r>
+              <a:rPr lang="es-ES" dirty="0" smtClean="0"/>
+              <a:t>La dirección de subred es</a:t>
+            </a:r>
+          </a:p>
+          <a:p>
+            <a:r>
+              <a:rPr lang="es-ES" dirty="0" smtClean="0"/>
+              <a:t>192.168.200.0 / 24</a:t>
+            </a:r>
+            <a:endParaRPr lang="es-CO" dirty="0"/>
+          </a:p>
+        </p:txBody>
+      </p:sp>
+      <p:sp>
+        <p:nvSpPr>
+          <p:cNvPr id="18" name="CuadroTexto 17"/>
+          <p:cNvSpPr txBox="1"/>
+          <p:nvPr/>
+        </p:nvSpPr>
+        <p:spPr>
+          <a:xfrm>
+            <a:off x="268615" y="2476818"/>
+            <a:ext cx="2978664" cy="2585323"/>
+          </a:xfrm>
+          <a:prstGeom prst="rect">
+            <a:avLst/>
+          </a:prstGeom>
+          <a:noFill/>
+        </p:spPr>
+        <p:txBody>
+          <a:bodyPr wrap="square" rtlCol="0">
+            <a:spAutoFit/>
+          </a:bodyPr>
+          <a:lstStyle/>
+          <a:p>
+            <a:r>
+              <a:rPr lang="es-ES" dirty="0" smtClean="0">
+                <a:solidFill>
+                  <a:srgbClr val="7030A0"/>
+                </a:solidFill>
+              </a:rPr>
+              <a:t>Si multiplico bit a bit la máscara de subred con una dirección IP de host cualquiera, el resultado es la dirección de subred:</a:t>
+            </a:r>
+          </a:p>
+          <a:p>
+            <a:endParaRPr lang="es-ES" dirty="0" smtClean="0">
+              <a:solidFill>
+                <a:srgbClr val="7030A0"/>
+              </a:solidFill>
+            </a:endParaRPr>
+          </a:p>
+          <a:p>
+            <a:r>
+              <a:rPr lang="es-ES" dirty="0" smtClean="0">
+                <a:solidFill>
+                  <a:srgbClr val="7030A0"/>
+                </a:solidFill>
+              </a:rPr>
+              <a:t>      255.255.255.0</a:t>
+            </a:r>
+          </a:p>
+          <a:p>
+            <a:r>
+              <a:rPr lang="es-ES" dirty="0" smtClean="0">
+                <a:solidFill>
+                  <a:srgbClr val="7030A0"/>
+                </a:solidFill>
+              </a:rPr>
+              <a:t>   * </a:t>
+            </a:r>
+            <a:r>
+              <a:rPr lang="es-ES" u="sng" dirty="0" smtClean="0">
+                <a:solidFill>
+                  <a:srgbClr val="7030A0"/>
+                </a:solidFill>
+              </a:rPr>
+              <a:t>192.168.200.53</a:t>
+            </a:r>
+          </a:p>
+          <a:p>
+            <a:r>
+              <a:rPr lang="es-ES" dirty="0">
+                <a:solidFill>
+                  <a:srgbClr val="7030A0"/>
+                </a:solidFill>
+              </a:rPr>
+              <a:t> </a:t>
+            </a:r>
+            <a:r>
+              <a:rPr lang="es-ES" dirty="0" smtClean="0">
+                <a:solidFill>
+                  <a:srgbClr val="7030A0"/>
+                </a:solidFill>
+              </a:rPr>
+              <a:t>     192.168.200.0</a:t>
+            </a:r>
+            <a:endParaRPr lang="es-CO" dirty="0">
+              <a:solidFill>
+                <a:srgbClr val="7030A0"/>
+              </a:solidFill>
+            </a:endParaRPr>
+          </a:p>
+        </p:txBody>
+      </p:sp>
+      <p:cxnSp>
+        <p:nvCxnSpPr>
+          <p:cNvPr id="4" name="Conector angular 3"/>
+          <p:cNvCxnSpPr>
+            <a:stCxn id="18" idx="2"/>
+            <a:endCxn id="21" idx="1"/>
+          </p:cNvCxnSpPr>
+          <p:nvPr/>
+        </p:nvCxnSpPr>
+        <p:spPr>
+          <a:xfrm rot="16200000" flipH="1">
+            <a:off x="2952044" y="3868043"/>
+            <a:ext cx="794826" cy="3183021"/>
+          </a:xfrm>
+          <a:prstGeom prst="bentConnector2">
+            <a:avLst/>
+          </a:prstGeom>
+          <a:ln>
+            <a:solidFill>
+              <a:srgbClr val="7030A0"/>
+            </a:solidFill>
+            <a:tailEnd type="triangle"/>
+          </a:ln>
+        </p:spPr>
+        <p:style>
+          <a:lnRef idx="1">
+            <a:schemeClr val="accent1"/>
+          </a:lnRef>
+          <a:fillRef idx="0">
+            <a:schemeClr val="accent1"/>
+          </a:fillRef>
+          <a:effectRef idx="0">
+            <a:schemeClr val="accent1"/>
+          </a:effectRef>
+          <a:fontRef idx="minor">
+            <a:schemeClr val="tx1"/>
+          </a:fontRef>
+        </p:style>
+      </p:cxnSp>
+      <p:sp>
+        <p:nvSpPr>
+          <p:cNvPr id="24" name="CuadroTexto 23"/>
+          <p:cNvSpPr txBox="1"/>
+          <p:nvPr/>
+        </p:nvSpPr>
+        <p:spPr>
+          <a:xfrm>
+            <a:off x="2577965" y="5856966"/>
+            <a:ext cx="2213811" cy="375385"/>
+          </a:xfrm>
+          <a:prstGeom prst="rect">
+            <a:avLst/>
+          </a:prstGeom>
+          <a:noFill/>
+        </p:spPr>
+        <p:txBody>
+          <a:bodyPr wrap="square" rtlCol="0">
+            <a:spAutoFit/>
+          </a:bodyPr>
+          <a:lstStyle/>
+          <a:p>
+            <a:r>
+              <a:rPr lang="es-ES" dirty="0" smtClean="0"/>
+              <a:t>Por lo tanto</a:t>
             </a:r>
             <a:endParaRPr lang="es-CO" dirty="0"/>
           </a:p>
@@ -6471,7 +6727,7 @@
     </p:spTree>
     <p:extLst>
       <p:ext uri="{BB962C8B-B14F-4D97-AF65-F5344CB8AC3E}">
-        <p14:creationId xmlns:p14="http://schemas.microsoft.com/office/powerpoint/2010/main" val="1274437664"/>
+        <p14:creationId xmlns:p14="http://schemas.microsoft.com/office/powerpoint/2010/main" val="3155481028"/>
       </p:ext>
     </p:extLst>
   </p:cSld>
@@ -6515,14 +6771,7 @@
           <a:p>
             <a:r>
               <a:rPr lang="es-ES" dirty="0" smtClean="0"/>
-              <a:t>¿Cuál es la dirección de subred?</a:t>
-            </a:r>
-            <a:br>
-              <a:rPr lang="es-ES" dirty="0" smtClean="0"/>
-            </a:br>
-            <a:r>
-              <a:rPr lang="es-ES" dirty="0"/>
-              <a:t>(Redimible por una décima)</a:t>
+              <a:t>¿Cuál es la dirección de subred? (Redimible por una décima)</a:t>
             </a:r>
             <a:endParaRPr lang="es-CO" dirty="0"/>
           </a:p>
@@ -7005,46 +7254,10 @@
           </a:p>
         </p:txBody>
       </p:sp>
-      <p:sp>
-        <p:nvSpPr>
-          <p:cNvPr id="17" name="CuadroTexto 16"/>
-          <p:cNvSpPr txBox="1"/>
-          <p:nvPr/>
-        </p:nvSpPr>
-        <p:spPr>
-          <a:xfrm>
-            <a:off x="4940968" y="5533801"/>
-            <a:ext cx="2704700" cy="646331"/>
-          </a:xfrm>
-          <a:prstGeom prst="rect">
-            <a:avLst/>
-          </a:prstGeom>
-          <a:noFill/>
-        </p:spPr>
-        <p:txBody>
-          <a:bodyPr wrap="square" rtlCol="0">
-            <a:spAutoFit/>
-          </a:bodyPr>
-          <a:lstStyle/>
-          <a:p>
-            <a:r>
-              <a:rPr lang="es-ES" dirty="0" smtClean="0"/>
-              <a:t>La dirección de subred es</a:t>
-            </a:r>
-          </a:p>
-          <a:p>
-            <a:r>
-              <a:rPr lang="es-ES" dirty="0" smtClean="0"/>
-              <a:t>192.168.192.0 / 27</a:t>
-            </a:r>
-            <a:endParaRPr lang="es-CO" dirty="0"/>
-          </a:p>
-        </p:txBody>
-      </p:sp>
     </p:spTree>
     <p:extLst>
       <p:ext uri="{BB962C8B-B14F-4D97-AF65-F5344CB8AC3E}">
-        <p14:creationId xmlns:p14="http://schemas.microsoft.com/office/powerpoint/2010/main" val="2751038252"/>
+        <p14:creationId xmlns:p14="http://schemas.microsoft.com/office/powerpoint/2010/main" val="1274437664"/>
       </p:ext>
     </p:extLst>
   </p:cSld>
@@ -7078,7 +7291,7 @@
             <a:spLocks noGrp="1"/>
           </p:cNvSpPr>
           <p:nvPr>
-            <p:ph type="ctrTitle"/>
+            <p:ph type="title"/>
           </p:nvPr>
         </p:nvSpPr>
         <p:spPr/>
@@ -7088,29 +7301,540 @@
           <a:p>
             <a:r>
               <a:rPr lang="es-ES" dirty="0" smtClean="0"/>
-              <a:t>Ejercicio de clase</a:t>
-            </a:r>
-            <a:endParaRPr lang="es-CO" dirty="0"/>
-          </a:p>
-        </p:txBody>
-      </p:sp>
-      <p:sp>
-        <p:nvSpPr>
-          <p:cNvPr id="3" name="Subtítulo 2"/>
-          <p:cNvSpPr>
-            <a:spLocks noGrp="1"/>
-          </p:cNvSpPr>
-          <p:nvPr>
-            <p:ph type="subTitle" idx="1"/>
-          </p:nvPr>
-        </p:nvSpPr>
-        <p:spPr/>
-        <p:txBody>
-          <a:bodyPr>
-            <a:normAutofit/>
+              <a:t>¿Cuál es la dirección de subred?</a:t>
+            </a:r>
+            <a:br>
+              <a:rPr lang="es-ES" dirty="0" smtClean="0"/>
+            </a:br>
+            <a:r>
+              <a:rPr lang="es-ES" dirty="0"/>
+              <a:t>(Redimible por una décima)</a:t>
+            </a:r>
+            <a:endParaRPr lang="es-CO" dirty="0"/>
+          </a:p>
+        </p:txBody>
+      </p:sp>
+      <p:sp>
+        <p:nvSpPr>
+          <p:cNvPr id="4" name="Rectángulo 3"/>
+          <p:cNvSpPr/>
+          <p:nvPr/>
+        </p:nvSpPr>
+        <p:spPr>
+          <a:xfrm>
+            <a:off x="5313145" y="2685448"/>
+            <a:ext cx="760396" cy="760396"/>
+          </a:xfrm>
+          <a:prstGeom prst="rect">
+            <a:avLst/>
+          </a:prstGeom>
+        </p:spPr>
+        <p:style>
+          <a:lnRef idx="2">
+            <a:schemeClr val="accent1">
+              <a:shade val="50000"/>
+            </a:schemeClr>
+          </a:lnRef>
+          <a:fillRef idx="1">
+            <a:schemeClr val="accent1"/>
+          </a:fillRef>
+          <a:effectRef idx="0">
+            <a:schemeClr val="accent1"/>
+          </a:effectRef>
+          <a:fontRef idx="minor">
+            <a:schemeClr val="lt1"/>
+          </a:fontRef>
+        </p:style>
+        <p:txBody>
+          <a:bodyPr rtlCol="0" anchor="ctr"/>
+          <a:lstStyle/>
+          <a:p>
+            <a:pPr algn="ctr"/>
+            <a:r>
+              <a:rPr lang="es-ES" dirty="0" smtClean="0"/>
+              <a:t>PC1</a:t>
+            </a:r>
+            <a:endParaRPr lang="es-CO" dirty="0"/>
+          </a:p>
+        </p:txBody>
+      </p:sp>
+      <p:sp>
+        <p:nvSpPr>
+          <p:cNvPr id="5" name="Rectángulo 4"/>
+          <p:cNvSpPr/>
+          <p:nvPr/>
+        </p:nvSpPr>
+        <p:spPr>
+          <a:xfrm>
+            <a:off x="5313145" y="3595034"/>
+            <a:ext cx="760396" cy="760396"/>
+          </a:xfrm>
+          <a:prstGeom prst="rect">
+            <a:avLst/>
+          </a:prstGeom>
+        </p:spPr>
+        <p:style>
+          <a:lnRef idx="2">
+            <a:schemeClr val="accent1">
+              <a:shade val="50000"/>
+            </a:schemeClr>
+          </a:lnRef>
+          <a:fillRef idx="1">
+            <a:schemeClr val="accent1"/>
+          </a:fillRef>
+          <a:effectRef idx="0">
+            <a:schemeClr val="accent1"/>
+          </a:effectRef>
+          <a:fontRef idx="minor">
+            <a:schemeClr val="lt1"/>
+          </a:fontRef>
+        </p:style>
+        <p:txBody>
+          <a:bodyPr rtlCol="0" anchor="ctr"/>
+          <a:lstStyle/>
+          <a:p>
+            <a:pPr algn="ctr"/>
+            <a:r>
+              <a:rPr lang="es-ES" dirty="0" smtClean="0"/>
+              <a:t>PC3</a:t>
+            </a:r>
+            <a:endParaRPr lang="es-CO" dirty="0"/>
+          </a:p>
+        </p:txBody>
+      </p:sp>
+      <p:sp>
+        <p:nvSpPr>
+          <p:cNvPr id="6" name="Rectángulo 5"/>
+          <p:cNvSpPr/>
+          <p:nvPr/>
+        </p:nvSpPr>
+        <p:spPr>
+          <a:xfrm>
+            <a:off x="5313145" y="4533495"/>
+            <a:ext cx="760396" cy="760396"/>
+          </a:xfrm>
+          <a:prstGeom prst="rect">
+            <a:avLst/>
+          </a:prstGeom>
+        </p:spPr>
+        <p:style>
+          <a:lnRef idx="2">
+            <a:schemeClr val="accent1">
+              <a:shade val="50000"/>
+            </a:schemeClr>
+          </a:lnRef>
+          <a:fillRef idx="1">
+            <a:schemeClr val="accent1"/>
+          </a:fillRef>
+          <a:effectRef idx="0">
+            <a:schemeClr val="accent1"/>
+          </a:effectRef>
+          <a:fontRef idx="minor">
+            <a:schemeClr val="lt1"/>
+          </a:fontRef>
+        </p:style>
+        <p:txBody>
+          <a:bodyPr rtlCol="0" anchor="ctr"/>
+          <a:lstStyle/>
+          <a:p>
+            <a:pPr algn="ctr"/>
+            <a:r>
+              <a:rPr lang="es-ES" dirty="0" smtClean="0"/>
+              <a:t>PC5</a:t>
+            </a:r>
+            <a:endParaRPr lang="es-CO" dirty="0"/>
+          </a:p>
+        </p:txBody>
+      </p:sp>
+      <p:sp>
+        <p:nvSpPr>
+          <p:cNvPr id="7" name="Rectángulo 6"/>
+          <p:cNvSpPr/>
+          <p:nvPr/>
+        </p:nvSpPr>
+        <p:spPr>
+          <a:xfrm>
+            <a:off x="6293318" y="2685448"/>
+            <a:ext cx="760396" cy="760396"/>
+          </a:xfrm>
+          <a:prstGeom prst="rect">
+            <a:avLst/>
+          </a:prstGeom>
+        </p:spPr>
+        <p:style>
+          <a:lnRef idx="2">
+            <a:schemeClr val="accent1">
+              <a:shade val="50000"/>
+            </a:schemeClr>
+          </a:lnRef>
+          <a:fillRef idx="1">
+            <a:schemeClr val="accent1"/>
+          </a:fillRef>
+          <a:effectRef idx="0">
+            <a:schemeClr val="accent1"/>
+          </a:effectRef>
+          <a:fontRef idx="minor">
+            <a:schemeClr val="lt1"/>
+          </a:fontRef>
+        </p:style>
+        <p:txBody>
+          <a:bodyPr rtlCol="0" anchor="ctr"/>
+          <a:lstStyle/>
+          <a:p>
+            <a:pPr algn="ctr"/>
+            <a:r>
+              <a:rPr lang="es-ES" dirty="0" smtClean="0"/>
+              <a:t>PC2</a:t>
+            </a:r>
+            <a:endParaRPr lang="es-CO" dirty="0"/>
+          </a:p>
+        </p:txBody>
+      </p:sp>
+      <p:sp>
+        <p:nvSpPr>
+          <p:cNvPr id="8" name="Rectángulo 7"/>
+          <p:cNvSpPr/>
+          <p:nvPr/>
+        </p:nvSpPr>
+        <p:spPr>
+          <a:xfrm>
+            <a:off x="6293318" y="3595034"/>
+            <a:ext cx="760396" cy="760396"/>
+          </a:xfrm>
+          <a:prstGeom prst="rect">
+            <a:avLst/>
+          </a:prstGeom>
+        </p:spPr>
+        <p:style>
+          <a:lnRef idx="2">
+            <a:schemeClr val="accent1">
+              <a:shade val="50000"/>
+            </a:schemeClr>
+          </a:lnRef>
+          <a:fillRef idx="1">
+            <a:schemeClr val="accent1"/>
+          </a:fillRef>
+          <a:effectRef idx="0">
+            <a:schemeClr val="accent1"/>
+          </a:effectRef>
+          <a:fontRef idx="minor">
+            <a:schemeClr val="lt1"/>
+          </a:fontRef>
+        </p:style>
+        <p:txBody>
+          <a:bodyPr rtlCol="0" anchor="ctr"/>
+          <a:lstStyle/>
+          <a:p>
+            <a:pPr algn="ctr"/>
+            <a:r>
+              <a:rPr lang="es-ES" dirty="0" smtClean="0"/>
+              <a:t>PC4</a:t>
+            </a:r>
+            <a:endParaRPr lang="es-CO" dirty="0"/>
+          </a:p>
+        </p:txBody>
+      </p:sp>
+      <p:sp>
+        <p:nvSpPr>
+          <p:cNvPr id="9" name="Rectángulo 8"/>
+          <p:cNvSpPr/>
+          <p:nvPr/>
+        </p:nvSpPr>
+        <p:spPr>
+          <a:xfrm>
+            <a:off x="6293318" y="4533495"/>
+            <a:ext cx="760396" cy="760396"/>
+          </a:xfrm>
+          <a:prstGeom prst="rect">
+            <a:avLst/>
+          </a:prstGeom>
+        </p:spPr>
+        <p:style>
+          <a:lnRef idx="2">
+            <a:schemeClr val="accent1">
+              <a:shade val="50000"/>
+            </a:schemeClr>
+          </a:lnRef>
+          <a:fillRef idx="1">
+            <a:schemeClr val="accent1"/>
+          </a:fillRef>
+          <a:effectRef idx="0">
+            <a:schemeClr val="accent1"/>
+          </a:effectRef>
+          <a:fontRef idx="minor">
+            <a:schemeClr val="lt1"/>
+          </a:fontRef>
+        </p:style>
+        <p:txBody>
+          <a:bodyPr rtlCol="0" anchor="ctr"/>
+          <a:lstStyle/>
+          <a:p>
+            <a:pPr algn="ctr"/>
+            <a:r>
+              <a:rPr lang="es-ES" dirty="0" smtClean="0"/>
+              <a:t>PC6</a:t>
+            </a:r>
+            <a:endParaRPr lang="es-CO" dirty="0"/>
+          </a:p>
+        </p:txBody>
+      </p:sp>
+      <p:sp>
+        <p:nvSpPr>
+          <p:cNvPr id="10" name="CuadroTexto 9"/>
+          <p:cNvSpPr txBox="1"/>
+          <p:nvPr/>
+        </p:nvSpPr>
+        <p:spPr>
+          <a:xfrm>
+            <a:off x="7295949" y="2800952"/>
+            <a:ext cx="2213811" cy="375385"/>
+          </a:xfrm>
+          <a:prstGeom prst="rect">
+            <a:avLst/>
+          </a:prstGeom>
+          <a:noFill/>
+        </p:spPr>
+        <p:txBody>
+          <a:bodyPr wrap="square" rtlCol="0">
+            <a:spAutoFit/>
           </a:bodyPr>
           <a:lstStyle/>
           <a:p>
+            <a:r>
+              <a:rPr lang="es-ES" dirty="0" smtClean="0"/>
+              <a:t>192.168.204.56</a:t>
+            </a:r>
+            <a:endParaRPr lang="es-CO" dirty="0"/>
+          </a:p>
+        </p:txBody>
+      </p:sp>
+      <p:sp>
+        <p:nvSpPr>
+          <p:cNvPr id="11" name="CuadroTexto 10"/>
+          <p:cNvSpPr txBox="1"/>
+          <p:nvPr/>
+        </p:nvSpPr>
+        <p:spPr>
+          <a:xfrm>
+            <a:off x="7295949" y="3787539"/>
+            <a:ext cx="2213811" cy="375385"/>
+          </a:xfrm>
+          <a:prstGeom prst="rect">
+            <a:avLst/>
+          </a:prstGeom>
+          <a:noFill/>
+        </p:spPr>
+        <p:txBody>
+          <a:bodyPr wrap="square" rtlCol="0">
+            <a:spAutoFit/>
+          </a:bodyPr>
+          <a:lstStyle/>
+          <a:p>
+            <a:r>
+              <a:rPr lang="es-ES" dirty="0" smtClean="0"/>
+              <a:t>192.168.207.18</a:t>
+            </a:r>
+            <a:endParaRPr lang="es-CO" dirty="0"/>
+          </a:p>
+        </p:txBody>
+      </p:sp>
+      <p:sp>
+        <p:nvSpPr>
+          <p:cNvPr id="12" name="CuadroTexto 11"/>
+          <p:cNvSpPr txBox="1"/>
+          <p:nvPr/>
+        </p:nvSpPr>
+        <p:spPr>
+          <a:xfrm>
+            <a:off x="7295949" y="4726000"/>
+            <a:ext cx="2213811" cy="375385"/>
+          </a:xfrm>
+          <a:prstGeom prst="rect">
+            <a:avLst/>
+          </a:prstGeom>
+          <a:noFill/>
+        </p:spPr>
+        <p:txBody>
+          <a:bodyPr wrap="square" rtlCol="0">
+            <a:spAutoFit/>
+          </a:bodyPr>
+          <a:lstStyle/>
+          <a:p>
+            <a:r>
+              <a:rPr lang="es-ES" dirty="0" smtClean="0"/>
+              <a:t>192.168.205.15</a:t>
+            </a:r>
+            <a:endParaRPr lang="es-CO" dirty="0"/>
+          </a:p>
+        </p:txBody>
+      </p:sp>
+      <p:sp>
+        <p:nvSpPr>
+          <p:cNvPr id="13" name="CuadroTexto 12"/>
+          <p:cNvSpPr txBox="1"/>
+          <p:nvPr/>
+        </p:nvSpPr>
+        <p:spPr>
+          <a:xfrm>
+            <a:off x="2876349" y="2800952"/>
+            <a:ext cx="2213811" cy="375385"/>
+          </a:xfrm>
+          <a:prstGeom prst="rect">
+            <a:avLst/>
+          </a:prstGeom>
+          <a:noFill/>
+        </p:spPr>
+        <p:txBody>
+          <a:bodyPr wrap="square" rtlCol="0">
+            <a:spAutoFit/>
+          </a:bodyPr>
+          <a:lstStyle/>
+          <a:p>
+            <a:pPr algn="r"/>
+            <a:r>
+              <a:rPr lang="es-ES" dirty="0" smtClean="0"/>
+              <a:t>192.168.223.53</a:t>
+            </a:r>
+            <a:endParaRPr lang="es-CO" dirty="0"/>
+          </a:p>
+        </p:txBody>
+      </p:sp>
+      <p:sp>
+        <p:nvSpPr>
+          <p:cNvPr id="14" name="CuadroTexto 13"/>
+          <p:cNvSpPr txBox="1"/>
+          <p:nvPr/>
+        </p:nvSpPr>
+        <p:spPr>
+          <a:xfrm>
+            <a:off x="2876349" y="3787539"/>
+            <a:ext cx="2213811" cy="375385"/>
+          </a:xfrm>
+          <a:prstGeom prst="rect">
+            <a:avLst/>
+          </a:prstGeom>
+          <a:noFill/>
+        </p:spPr>
+        <p:txBody>
+          <a:bodyPr wrap="square" rtlCol="0">
+            <a:spAutoFit/>
+          </a:bodyPr>
+          <a:lstStyle/>
+          <a:p>
+            <a:pPr algn="r"/>
+            <a:r>
+              <a:rPr lang="es-ES" dirty="0" smtClean="0"/>
+              <a:t>192.168.213.25</a:t>
+            </a:r>
+            <a:endParaRPr lang="es-CO" dirty="0"/>
+          </a:p>
+        </p:txBody>
+      </p:sp>
+      <p:sp>
+        <p:nvSpPr>
+          <p:cNvPr id="15" name="CuadroTexto 14"/>
+          <p:cNvSpPr txBox="1"/>
+          <p:nvPr/>
+        </p:nvSpPr>
+        <p:spPr>
+          <a:xfrm>
+            <a:off x="2876349" y="4726000"/>
+            <a:ext cx="2213811" cy="375385"/>
+          </a:xfrm>
+          <a:prstGeom prst="rect">
+            <a:avLst/>
+          </a:prstGeom>
+          <a:noFill/>
+        </p:spPr>
+        <p:txBody>
+          <a:bodyPr wrap="square" rtlCol="0">
+            <a:spAutoFit/>
+          </a:bodyPr>
+          <a:lstStyle/>
+          <a:p>
+            <a:pPr algn="r"/>
+            <a:r>
+              <a:rPr lang="es-ES" dirty="0" smtClean="0"/>
+              <a:t>192.168.220.115</a:t>
+            </a:r>
+            <a:endParaRPr lang="es-CO" dirty="0"/>
+          </a:p>
+        </p:txBody>
+      </p:sp>
+      <p:sp>
+        <p:nvSpPr>
+          <p:cNvPr id="16" name="CuadroTexto 15"/>
+          <p:cNvSpPr txBox="1"/>
+          <p:nvPr/>
+        </p:nvSpPr>
+        <p:spPr>
+          <a:xfrm>
+            <a:off x="5282665" y="1830487"/>
+            <a:ext cx="2213811" cy="646331"/>
+          </a:xfrm>
+          <a:prstGeom prst="rect">
+            <a:avLst/>
+          </a:prstGeom>
+          <a:noFill/>
+        </p:spPr>
+        <p:txBody>
+          <a:bodyPr wrap="square" rtlCol="0">
+            <a:spAutoFit/>
+          </a:bodyPr>
+          <a:lstStyle/>
+          <a:p>
+            <a:r>
+              <a:rPr lang="es-ES" dirty="0" smtClean="0"/>
+              <a:t>Máscara: </a:t>
+            </a:r>
+            <a:r>
+              <a:rPr lang="es-ES" dirty="0" smtClean="0"/>
+              <a:t>255.255.224.0</a:t>
+            </a:r>
+            <a:endParaRPr lang="es-CO" dirty="0"/>
+          </a:p>
+        </p:txBody>
+      </p:sp>
+      <p:sp>
+        <p:nvSpPr>
+          <p:cNvPr id="17" name="CuadroTexto 16"/>
+          <p:cNvSpPr txBox="1"/>
+          <p:nvPr/>
+        </p:nvSpPr>
+        <p:spPr>
+          <a:xfrm>
+            <a:off x="4940968" y="5533801"/>
+            <a:ext cx="2704700" cy="646331"/>
+          </a:xfrm>
+          <a:prstGeom prst="rect">
+            <a:avLst/>
+          </a:prstGeom>
+          <a:noFill/>
+        </p:spPr>
+        <p:txBody>
+          <a:bodyPr wrap="square" rtlCol="0">
+            <a:spAutoFit/>
+          </a:bodyPr>
+          <a:lstStyle/>
+          <a:p>
+            <a:r>
+              <a:rPr lang="es-ES" dirty="0" smtClean="0"/>
+              <a:t>La dirección de subred es</a:t>
+            </a:r>
+          </a:p>
+          <a:p>
+            <a:r>
+              <a:rPr lang="es-ES" dirty="0" smtClean="0"/>
+              <a:t>192.168.192.0 </a:t>
+            </a:r>
+            <a:r>
+              <a:rPr lang="es-ES" dirty="0" smtClean="0"/>
+              <a:t>/ </a:t>
+            </a:r>
+            <a:r>
+              <a:rPr lang="es-ES" dirty="0" smtClean="0"/>
+              <a:t>19</a:t>
+            </a:r>
             <a:endParaRPr lang="es-CO" dirty="0"/>
           </a:p>
         </p:txBody>
@@ -7118,7 +7842,7 @@
     </p:spTree>
     <p:extLst>
       <p:ext uri="{BB962C8B-B14F-4D97-AF65-F5344CB8AC3E}">
-        <p14:creationId xmlns:p14="http://schemas.microsoft.com/office/powerpoint/2010/main" val="1415817629"/>
+        <p14:creationId xmlns:p14="http://schemas.microsoft.com/office/powerpoint/2010/main" val="2751038252"/>
       </p:ext>
     </p:extLst>
   </p:cSld>
@@ -7912,101 +8636,868 @@
           <a:p>
             <a:r>
               <a:rPr lang="es-ES" dirty="0" smtClean="0"/>
-              <a:t>Ejercicio</a:t>
-            </a:r>
-            <a:endParaRPr lang="es-CO" dirty="0"/>
-          </a:p>
-        </p:txBody>
-      </p:sp>
-      <p:sp>
-        <p:nvSpPr>
-          <p:cNvPr id="3" name="Marcador de contenido 2"/>
-          <p:cNvSpPr>
-            <a:spLocks noGrp="1"/>
-          </p:cNvSpPr>
-          <p:nvPr>
-            <p:ph idx="1"/>
-          </p:nvPr>
-        </p:nvSpPr>
-        <p:spPr>
-          <a:xfrm>
-            <a:off x="1097280" y="1845734"/>
-            <a:ext cx="5938787" cy="4023360"/>
-          </a:xfrm>
-        </p:spPr>
-        <p:txBody>
-          <a:bodyPr/>
-          <a:lstStyle/>
-          <a:p>
-            <a:r>
-              <a:rPr lang="es-CO" sz="2400" dirty="0"/>
-              <a:t>Desarrollar un programa en JAVA que permita obtener una lista de las direcciones IP que están siendo utilizadas en la subred </a:t>
-            </a:r>
-            <a:r>
-              <a:rPr lang="es-CO" sz="2400" dirty="0"/>
-              <a:t>a</a:t>
-            </a:r>
-            <a:r>
-              <a:rPr lang="es-CO" sz="2400" dirty="0" smtClean="0"/>
-              <a:t> </a:t>
-            </a:r>
-            <a:r>
-              <a:rPr lang="es-CO" sz="2400" dirty="0"/>
-              <a:t>la que estamos conectados</a:t>
-            </a:r>
-            <a:r>
-              <a:rPr lang="es-CO" sz="2400" dirty="0" smtClean="0"/>
-              <a:t>.</a:t>
-            </a:r>
-          </a:p>
-          <a:p>
-            <a:endParaRPr lang="es-ES" sz="2400" dirty="0"/>
-          </a:p>
-          <a:p>
-            <a:r>
-              <a:rPr lang="es-ES" sz="2400" dirty="0" smtClean="0"/>
-              <a:t>La estructura del programa es debe ser una interfaz de usuario y un hilo buscador. El hilo tiene que reportar a la interfaz cada vez que encuentre un host</a:t>
-            </a:r>
-            <a:endParaRPr lang="es-CO" sz="2400" dirty="0" smtClean="0"/>
-          </a:p>
-          <a:p>
-            <a:endParaRPr lang="es-CO" dirty="0"/>
-          </a:p>
-        </p:txBody>
-      </p:sp>
-      <p:pic>
-        <p:nvPicPr>
-          <p:cNvPr id="4" name="Imagen 3"/>
-          <p:cNvPicPr/>
-          <p:nvPr/>
-        </p:nvPicPr>
-        <p:blipFill rotWithShape="1">
-          <a:blip r:embed="rId2"/>
-          <a:srcRect l="18443" t="26353" r="26454" b="27781"/>
-          <a:stretch/>
-        </p:blipFill>
-        <p:spPr bwMode="auto">
-          <a:xfrm>
-            <a:off x="7036067" y="2618472"/>
-            <a:ext cx="4953918" cy="2319288"/>
-          </a:xfrm>
-          <a:prstGeom prst="rect">
-            <a:avLst/>
-          </a:prstGeom>
-          <a:ln>
-            <a:noFill/>
-          </a:ln>
-          <a:extLst>
-            <a:ext uri="{53640926-AAD7-44D8-BBD7-CCE9431645EC}">
-              <a14:shadowObscured xmlns:a14="http://schemas.microsoft.com/office/drawing/2010/main"/>
-            </a:ext>
-          </a:extLst>
-        </p:spPr>
-      </p:pic>
+              <a:t>¿Cuál es la dirección de subred</a:t>
+            </a:r>
+            <a:r>
+              <a:rPr lang="es-ES" dirty="0" smtClean="0"/>
+              <a:t>?</a:t>
+            </a:r>
+            <a:endParaRPr lang="es-CO" dirty="0"/>
+          </a:p>
+        </p:txBody>
+      </p:sp>
+      <p:sp>
+        <p:nvSpPr>
+          <p:cNvPr id="4" name="Rectángulo 3"/>
+          <p:cNvSpPr/>
+          <p:nvPr/>
+        </p:nvSpPr>
+        <p:spPr>
+          <a:xfrm>
+            <a:off x="5313145" y="2685448"/>
+            <a:ext cx="760396" cy="760396"/>
+          </a:xfrm>
+          <a:prstGeom prst="rect">
+            <a:avLst/>
+          </a:prstGeom>
+        </p:spPr>
+        <p:style>
+          <a:lnRef idx="2">
+            <a:schemeClr val="accent1">
+              <a:shade val="50000"/>
+            </a:schemeClr>
+          </a:lnRef>
+          <a:fillRef idx="1">
+            <a:schemeClr val="accent1"/>
+          </a:fillRef>
+          <a:effectRef idx="0">
+            <a:schemeClr val="accent1"/>
+          </a:effectRef>
+          <a:fontRef idx="minor">
+            <a:schemeClr val="lt1"/>
+          </a:fontRef>
+        </p:style>
+        <p:txBody>
+          <a:bodyPr rtlCol="0" anchor="ctr"/>
+          <a:lstStyle/>
+          <a:p>
+            <a:pPr algn="ctr"/>
+            <a:r>
+              <a:rPr lang="es-ES" dirty="0" smtClean="0"/>
+              <a:t>PC1</a:t>
+            </a:r>
+            <a:endParaRPr lang="es-CO" dirty="0"/>
+          </a:p>
+        </p:txBody>
+      </p:sp>
+      <p:sp>
+        <p:nvSpPr>
+          <p:cNvPr id="5" name="Rectángulo 4"/>
+          <p:cNvSpPr/>
+          <p:nvPr/>
+        </p:nvSpPr>
+        <p:spPr>
+          <a:xfrm>
+            <a:off x="5313145" y="3595034"/>
+            <a:ext cx="760396" cy="760396"/>
+          </a:xfrm>
+          <a:prstGeom prst="rect">
+            <a:avLst/>
+          </a:prstGeom>
+        </p:spPr>
+        <p:style>
+          <a:lnRef idx="2">
+            <a:schemeClr val="accent1">
+              <a:shade val="50000"/>
+            </a:schemeClr>
+          </a:lnRef>
+          <a:fillRef idx="1">
+            <a:schemeClr val="accent1"/>
+          </a:fillRef>
+          <a:effectRef idx="0">
+            <a:schemeClr val="accent1"/>
+          </a:effectRef>
+          <a:fontRef idx="minor">
+            <a:schemeClr val="lt1"/>
+          </a:fontRef>
+        </p:style>
+        <p:txBody>
+          <a:bodyPr rtlCol="0" anchor="ctr"/>
+          <a:lstStyle/>
+          <a:p>
+            <a:pPr algn="ctr"/>
+            <a:r>
+              <a:rPr lang="es-ES" dirty="0" smtClean="0"/>
+              <a:t>PC3</a:t>
+            </a:r>
+            <a:endParaRPr lang="es-CO" dirty="0"/>
+          </a:p>
+        </p:txBody>
+      </p:sp>
+      <p:sp>
+        <p:nvSpPr>
+          <p:cNvPr id="6" name="Rectángulo 5"/>
+          <p:cNvSpPr/>
+          <p:nvPr/>
+        </p:nvSpPr>
+        <p:spPr>
+          <a:xfrm>
+            <a:off x="5313145" y="4533495"/>
+            <a:ext cx="760396" cy="760396"/>
+          </a:xfrm>
+          <a:prstGeom prst="rect">
+            <a:avLst/>
+          </a:prstGeom>
+        </p:spPr>
+        <p:style>
+          <a:lnRef idx="2">
+            <a:schemeClr val="accent1">
+              <a:shade val="50000"/>
+            </a:schemeClr>
+          </a:lnRef>
+          <a:fillRef idx="1">
+            <a:schemeClr val="accent1"/>
+          </a:fillRef>
+          <a:effectRef idx="0">
+            <a:schemeClr val="accent1"/>
+          </a:effectRef>
+          <a:fontRef idx="minor">
+            <a:schemeClr val="lt1"/>
+          </a:fontRef>
+        </p:style>
+        <p:txBody>
+          <a:bodyPr rtlCol="0" anchor="ctr"/>
+          <a:lstStyle/>
+          <a:p>
+            <a:pPr algn="ctr"/>
+            <a:r>
+              <a:rPr lang="es-ES" dirty="0" smtClean="0"/>
+              <a:t>PC5</a:t>
+            </a:r>
+            <a:endParaRPr lang="es-CO" dirty="0"/>
+          </a:p>
+        </p:txBody>
+      </p:sp>
+      <p:sp>
+        <p:nvSpPr>
+          <p:cNvPr id="7" name="Rectángulo 6"/>
+          <p:cNvSpPr/>
+          <p:nvPr/>
+        </p:nvSpPr>
+        <p:spPr>
+          <a:xfrm>
+            <a:off x="6293318" y="2685448"/>
+            <a:ext cx="760396" cy="760396"/>
+          </a:xfrm>
+          <a:prstGeom prst="rect">
+            <a:avLst/>
+          </a:prstGeom>
+        </p:spPr>
+        <p:style>
+          <a:lnRef idx="2">
+            <a:schemeClr val="accent1">
+              <a:shade val="50000"/>
+            </a:schemeClr>
+          </a:lnRef>
+          <a:fillRef idx="1">
+            <a:schemeClr val="accent1"/>
+          </a:fillRef>
+          <a:effectRef idx="0">
+            <a:schemeClr val="accent1"/>
+          </a:effectRef>
+          <a:fontRef idx="minor">
+            <a:schemeClr val="lt1"/>
+          </a:fontRef>
+        </p:style>
+        <p:txBody>
+          <a:bodyPr rtlCol="0" anchor="ctr"/>
+          <a:lstStyle/>
+          <a:p>
+            <a:pPr algn="ctr"/>
+            <a:r>
+              <a:rPr lang="es-ES" dirty="0" smtClean="0"/>
+              <a:t>PC2</a:t>
+            </a:r>
+            <a:endParaRPr lang="es-CO" dirty="0"/>
+          </a:p>
+        </p:txBody>
+      </p:sp>
+      <p:sp>
+        <p:nvSpPr>
+          <p:cNvPr id="8" name="Rectángulo 7"/>
+          <p:cNvSpPr/>
+          <p:nvPr/>
+        </p:nvSpPr>
+        <p:spPr>
+          <a:xfrm>
+            <a:off x="6293318" y="3595034"/>
+            <a:ext cx="760396" cy="760396"/>
+          </a:xfrm>
+          <a:prstGeom prst="rect">
+            <a:avLst/>
+          </a:prstGeom>
+        </p:spPr>
+        <p:style>
+          <a:lnRef idx="2">
+            <a:schemeClr val="accent1">
+              <a:shade val="50000"/>
+            </a:schemeClr>
+          </a:lnRef>
+          <a:fillRef idx="1">
+            <a:schemeClr val="accent1"/>
+          </a:fillRef>
+          <a:effectRef idx="0">
+            <a:schemeClr val="accent1"/>
+          </a:effectRef>
+          <a:fontRef idx="minor">
+            <a:schemeClr val="lt1"/>
+          </a:fontRef>
+        </p:style>
+        <p:txBody>
+          <a:bodyPr rtlCol="0" anchor="ctr"/>
+          <a:lstStyle/>
+          <a:p>
+            <a:pPr algn="ctr"/>
+            <a:r>
+              <a:rPr lang="es-ES" dirty="0" smtClean="0"/>
+              <a:t>PC4</a:t>
+            </a:r>
+            <a:endParaRPr lang="es-CO" dirty="0"/>
+          </a:p>
+        </p:txBody>
+      </p:sp>
+      <p:sp>
+        <p:nvSpPr>
+          <p:cNvPr id="9" name="Rectángulo 8"/>
+          <p:cNvSpPr/>
+          <p:nvPr/>
+        </p:nvSpPr>
+        <p:spPr>
+          <a:xfrm>
+            <a:off x="6293318" y="4533495"/>
+            <a:ext cx="760396" cy="760396"/>
+          </a:xfrm>
+          <a:prstGeom prst="rect">
+            <a:avLst/>
+          </a:prstGeom>
+        </p:spPr>
+        <p:style>
+          <a:lnRef idx="2">
+            <a:schemeClr val="accent1">
+              <a:shade val="50000"/>
+            </a:schemeClr>
+          </a:lnRef>
+          <a:fillRef idx="1">
+            <a:schemeClr val="accent1"/>
+          </a:fillRef>
+          <a:effectRef idx="0">
+            <a:schemeClr val="accent1"/>
+          </a:effectRef>
+          <a:fontRef idx="minor">
+            <a:schemeClr val="lt1"/>
+          </a:fontRef>
+        </p:style>
+        <p:txBody>
+          <a:bodyPr rtlCol="0" anchor="ctr"/>
+          <a:lstStyle/>
+          <a:p>
+            <a:pPr algn="ctr"/>
+            <a:r>
+              <a:rPr lang="es-ES" dirty="0" smtClean="0"/>
+              <a:t>PC6</a:t>
+            </a:r>
+            <a:endParaRPr lang="es-CO" dirty="0"/>
+          </a:p>
+        </p:txBody>
+      </p:sp>
+      <p:sp>
+        <p:nvSpPr>
+          <p:cNvPr id="10" name="CuadroTexto 9"/>
+          <p:cNvSpPr txBox="1"/>
+          <p:nvPr/>
+        </p:nvSpPr>
+        <p:spPr>
+          <a:xfrm>
+            <a:off x="7295949" y="2800952"/>
+            <a:ext cx="2213811" cy="375385"/>
+          </a:xfrm>
+          <a:prstGeom prst="rect">
+            <a:avLst/>
+          </a:prstGeom>
+          <a:noFill/>
+        </p:spPr>
+        <p:txBody>
+          <a:bodyPr wrap="square" rtlCol="0">
+            <a:spAutoFit/>
+          </a:bodyPr>
+          <a:lstStyle/>
+          <a:p>
+            <a:r>
+              <a:rPr lang="es-ES" dirty="0" smtClean="0"/>
+              <a:t>192.168.204.56</a:t>
+            </a:r>
+            <a:endParaRPr lang="es-CO" dirty="0"/>
+          </a:p>
+        </p:txBody>
+      </p:sp>
+      <p:sp>
+        <p:nvSpPr>
+          <p:cNvPr id="11" name="CuadroTexto 10"/>
+          <p:cNvSpPr txBox="1"/>
+          <p:nvPr/>
+        </p:nvSpPr>
+        <p:spPr>
+          <a:xfrm>
+            <a:off x="7295949" y="3787539"/>
+            <a:ext cx="2213811" cy="375385"/>
+          </a:xfrm>
+          <a:prstGeom prst="rect">
+            <a:avLst/>
+          </a:prstGeom>
+          <a:noFill/>
+        </p:spPr>
+        <p:txBody>
+          <a:bodyPr wrap="square" rtlCol="0">
+            <a:spAutoFit/>
+          </a:bodyPr>
+          <a:lstStyle/>
+          <a:p>
+            <a:r>
+              <a:rPr lang="es-ES" dirty="0" smtClean="0"/>
+              <a:t>192.168.207.18</a:t>
+            </a:r>
+            <a:endParaRPr lang="es-CO" dirty="0"/>
+          </a:p>
+        </p:txBody>
+      </p:sp>
+      <p:sp>
+        <p:nvSpPr>
+          <p:cNvPr id="12" name="CuadroTexto 11"/>
+          <p:cNvSpPr txBox="1"/>
+          <p:nvPr/>
+        </p:nvSpPr>
+        <p:spPr>
+          <a:xfrm>
+            <a:off x="7295949" y="4726000"/>
+            <a:ext cx="2213811" cy="375385"/>
+          </a:xfrm>
+          <a:prstGeom prst="rect">
+            <a:avLst/>
+          </a:prstGeom>
+          <a:noFill/>
+        </p:spPr>
+        <p:txBody>
+          <a:bodyPr wrap="square" rtlCol="0">
+            <a:spAutoFit/>
+          </a:bodyPr>
+          <a:lstStyle/>
+          <a:p>
+            <a:r>
+              <a:rPr lang="es-ES" dirty="0" smtClean="0"/>
+              <a:t>192.168.205.15</a:t>
+            </a:r>
+            <a:endParaRPr lang="es-CO" dirty="0"/>
+          </a:p>
+        </p:txBody>
+      </p:sp>
+      <p:sp>
+        <p:nvSpPr>
+          <p:cNvPr id="13" name="CuadroTexto 12"/>
+          <p:cNvSpPr txBox="1"/>
+          <p:nvPr/>
+        </p:nvSpPr>
+        <p:spPr>
+          <a:xfrm>
+            <a:off x="2876349" y="2800952"/>
+            <a:ext cx="2213811" cy="375385"/>
+          </a:xfrm>
+          <a:prstGeom prst="rect">
+            <a:avLst/>
+          </a:prstGeom>
+          <a:noFill/>
+        </p:spPr>
+        <p:txBody>
+          <a:bodyPr wrap="square" rtlCol="0">
+            <a:spAutoFit/>
+          </a:bodyPr>
+          <a:lstStyle/>
+          <a:p>
+            <a:pPr algn="r"/>
+            <a:r>
+              <a:rPr lang="es-ES" dirty="0" smtClean="0"/>
+              <a:t>192.168.223.53</a:t>
+            </a:r>
+            <a:endParaRPr lang="es-CO" dirty="0"/>
+          </a:p>
+        </p:txBody>
+      </p:sp>
+      <p:sp>
+        <p:nvSpPr>
+          <p:cNvPr id="14" name="CuadroTexto 13"/>
+          <p:cNvSpPr txBox="1"/>
+          <p:nvPr/>
+        </p:nvSpPr>
+        <p:spPr>
+          <a:xfrm>
+            <a:off x="2876349" y="3787539"/>
+            <a:ext cx="2213811" cy="375385"/>
+          </a:xfrm>
+          <a:prstGeom prst="rect">
+            <a:avLst/>
+          </a:prstGeom>
+          <a:noFill/>
+        </p:spPr>
+        <p:txBody>
+          <a:bodyPr wrap="square" rtlCol="0">
+            <a:spAutoFit/>
+          </a:bodyPr>
+          <a:lstStyle/>
+          <a:p>
+            <a:pPr algn="r"/>
+            <a:r>
+              <a:rPr lang="es-ES" dirty="0" smtClean="0"/>
+              <a:t>192.168.213.25</a:t>
+            </a:r>
+            <a:endParaRPr lang="es-CO" dirty="0"/>
+          </a:p>
+        </p:txBody>
+      </p:sp>
+      <p:sp>
+        <p:nvSpPr>
+          <p:cNvPr id="15" name="CuadroTexto 14"/>
+          <p:cNvSpPr txBox="1"/>
+          <p:nvPr/>
+        </p:nvSpPr>
+        <p:spPr>
+          <a:xfrm>
+            <a:off x="2876349" y="4726000"/>
+            <a:ext cx="2213811" cy="375385"/>
+          </a:xfrm>
+          <a:prstGeom prst="rect">
+            <a:avLst/>
+          </a:prstGeom>
+          <a:noFill/>
+        </p:spPr>
+        <p:txBody>
+          <a:bodyPr wrap="square" rtlCol="0">
+            <a:spAutoFit/>
+          </a:bodyPr>
+          <a:lstStyle/>
+          <a:p>
+            <a:pPr algn="r"/>
+            <a:r>
+              <a:rPr lang="es-ES" dirty="0" smtClean="0"/>
+              <a:t>192.168.220.115</a:t>
+            </a:r>
+            <a:endParaRPr lang="es-CO" dirty="0"/>
+          </a:p>
+        </p:txBody>
+      </p:sp>
+      <p:sp>
+        <p:nvSpPr>
+          <p:cNvPr id="16" name="CuadroTexto 15"/>
+          <p:cNvSpPr txBox="1"/>
+          <p:nvPr/>
+        </p:nvSpPr>
+        <p:spPr>
+          <a:xfrm>
+            <a:off x="5282665" y="1830487"/>
+            <a:ext cx="2213811" cy="646331"/>
+          </a:xfrm>
+          <a:prstGeom prst="rect">
+            <a:avLst/>
+          </a:prstGeom>
+          <a:noFill/>
+        </p:spPr>
+        <p:txBody>
+          <a:bodyPr wrap="square" rtlCol="0">
+            <a:spAutoFit/>
+          </a:bodyPr>
+          <a:lstStyle/>
+          <a:p>
+            <a:r>
+              <a:rPr lang="es-ES" dirty="0" smtClean="0"/>
+              <a:t>Máscara: </a:t>
+            </a:r>
+            <a:r>
+              <a:rPr lang="es-ES" dirty="0" smtClean="0"/>
+              <a:t>255.255.224.0</a:t>
+            </a:r>
+            <a:endParaRPr lang="es-CO" dirty="0"/>
+          </a:p>
+        </p:txBody>
+      </p:sp>
+      <p:sp>
+        <p:nvSpPr>
+          <p:cNvPr id="17" name="CuadroTexto 16"/>
+          <p:cNvSpPr txBox="1"/>
+          <p:nvPr/>
+        </p:nvSpPr>
+        <p:spPr>
+          <a:xfrm>
+            <a:off x="4940968" y="5533801"/>
+            <a:ext cx="2704700" cy="646331"/>
+          </a:xfrm>
+          <a:prstGeom prst="rect">
+            <a:avLst/>
+          </a:prstGeom>
+          <a:noFill/>
+        </p:spPr>
+        <p:txBody>
+          <a:bodyPr wrap="square" rtlCol="0">
+            <a:spAutoFit/>
+          </a:bodyPr>
+          <a:lstStyle/>
+          <a:p>
+            <a:r>
+              <a:rPr lang="es-ES" dirty="0" smtClean="0"/>
+              <a:t>La dirección de subred es</a:t>
+            </a:r>
+          </a:p>
+          <a:p>
+            <a:r>
+              <a:rPr lang="es-ES" dirty="0" smtClean="0"/>
+              <a:t>192.168.192.0 </a:t>
+            </a:r>
+            <a:r>
+              <a:rPr lang="es-ES" dirty="0" smtClean="0"/>
+              <a:t>/ </a:t>
+            </a:r>
+            <a:r>
+              <a:rPr lang="es-ES" dirty="0" smtClean="0"/>
+              <a:t>19</a:t>
+            </a:r>
+            <a:endParaRPr lang="es-CO" dirty="0"/>
+          </a:p>
+        </p:txBody>
+      </p:sp>
+      <p:sp>
+        <p:nvSpPr>
+          <p:cNvPr id="18" name="CuadroTexto 17"/>
+          <p:cNvSpPr txBox="1"/>
+          <p:nvPr/>
+        </p:nvSpPr>
+        <p:spPr>
+          <a:xfrm>
+            <a:off x="2876349" y="3082489"/>
+            <a:ext cx="2213811" cy="375385"/>
+          </a:xfrm>
+          <a:prstGeom prst="rect">
+            <a:avLst/>
+          </a:prstGeom>
+          <a:noFill/>
+        </p:spPr>
+        <p:txBody>
+          <a:bodyPr wrap="square" rtlCol="0">
+            <a:spAutoFit/>
+          </a:bodyPr>
+          <a:lstStyle/>
+          <a:p>
+            <a:pPr algn="r"/>
+            <a:r>
+              <a:rPr lang="es-ES" dirty="0" smtClean="0">
+                <a:solidFill>
+                  <a:srgbClr val="00B050"/>
+                </a:solidFill>
+              </a:rPr>
+              <a:t>223 </a:t>
+            </a:r>
+            <a:r>
+              <a:rPr lang="es-ES" dirty="0">
+                <a:solidFill>
+                  <a:srgbClr val="00B050"/>
+                </a:solidFill>
+                <a:sym typeface="Wingdings" panose="05000000000000000000" pitchFamily="2" charset="2"/>
+              </a:rPr>
+              <a:t>11011111 </a:t>
+            </a:r>
+            <a:endParaRPr lang="es-CO" dirty="0">
+              <a:solidFill>
+                <a:srgbClr val="00B050"/>
+              </a:solidFill>
+            </a:endParaRPr>
+          </a:p>
+        </p:txBody>
+      </p:sp>
+      <p:sp>
+        <p:nvSpPr>
+          <p:cNvPr id="19" name="CuadroTexto 18"/>
+          <p:cNvSpPr txBox="1"/>
+          <p:nvPr/>
+        </p:nvSpPr>
+        <p:spPr>
+          <a:xfrm>
+            <a:off x="268615" y="2081463"/>
+            <a:ext cx="2694718" cy="1477328"/>
+          </a:xfrm>
+          <a:prstGeom prst="rect">
+            <a:avLst/>
+          </a:prstGeom>
+          <a:noFill/>
+        </p:spPr>
+        <p:txBody>
+          <a:bodyPr wrap="square" rtlCol="0">
+            <a:spAutoFit/>
+          </a:bodyPr>
+          <a:lstStyle/>
+          <a:p>
+            <a:r>
+              <a:rPr lang="es-ES" dirty="0" smtClean="0">
+                <a:solidFill>
+                  <a:srgbClr val="00B050"/>
+                </a:solidFill>
+              </a:rPr>
+              <a:t>192 y 168 son números comunes, pero a nivel de bits, ¿Qué números en común tienen 223, 213, 220, 204, 207 y 205?</a:t>
+            </a:r>
+            <a:endParaRPr lang="es-CO" dirty="0">
+              <a:solidFill>
+                <a:srgbClr val="00B050"/>
+              </a:solidFill>
+            </a:endParaRPr>
+          </a:p>
+        </p:txBody>
+      </p:sp>
+      <p:sp>
+        <p:nvSpPr>
+          <p:cNvPr id="20" name="CuadroTexto 19"/>
+          <p:cNvSpPr txBox="1"/>
+          <p:nvPr/>
+        </p:nvSpPr>
+        <p:spPr>
+          <a:xfrm>
+            <a:off x="2876349" y="4134407"/>
+            <a:ext cx="2213811" cy="375385"/>
+          </a:xfrm>
+          <a:prstGeom prst="rect">
+            <a:avLst/>
+          </a:prstGeom>
+          <a:noFill/>
+        </p:spPr>
+        <p:txBody>
+          <a:bodyPr wrap="square" rtlCol="0">
+            <a:spAutoFit/>
+          </a:bodyPr>
+          <a:lstStyle/>
+          <a:p>
+            <a:pPr algn="r"/>
+            <a:r>
+              <a:rPr lang="es-ES" dirty="0" smtClean="0">
+                <a:solidFill>
+                  <a:srgbClr val="00B050"/>
+                </a:solidFill>
+              </a:rPr>
+              <a:t>213 </a:t>
+            </a:r>
+            <a:r>
+              <a:rPr lang="es-ES" dirty="0">
+                <a:solidFill>
+                  <a:srgbClr val="00B050"/>
+                </a:solidFill>
+                <a:sym typeface="Wingdings" panose="05000000000000000000" pitchFamily="2" charset="2"/>
+              </a:rPr>
+              <a:t>11010101</a:t>
+            </a:r>
+            <a:endParaRPr lang="es-CO" dirty="0">
+              <a:solidFill>
+                <a:srgbClr val="00B050"/>
+              </a:solidFill>
+            </a:endParaRPr>
+          </a:p>
+        </p:txBody>
+      </p:sp>
+      <p:sp>
+        <p:nvSpPr>
+          <p:cNvPr id="21" name="CuadroTexto 20"/>
+          <p:cNvSpPr txBox="1"/>
+          <p:nvPr/>
+        </p:nvSpPr>
+        <p:spPr>
+          <a:xfrm>
+            <a:off x="2876349" y="5106198"/>
+            <a:ext cx="2213811" cy="375385"/>
+          </a:xfrm>
+          <a:prstGeom prst="rect">
+            <a:avLst/>
+          </a:prstGeom>
+          <a:noFill/>
+        </p:spPr>
+        <p:txBody>
+          <a:bodyPr wrap="square" rtlCol="0">
+            <a:spAutoFit/>
+          </a:bodyPr>
+          <a:lstStyle/>
+          <a:p>
+            <a:pPr algn="r"/>
+            <a:r>
+              <a:rPr lang="es-ES" dirty="0" smtClean="0">
+                <a:solidFill>
+                  <a:srgbClr val="00B050"/>
+                </a:solidFill>
+              </a:rPr>
+              <a:t>220 </a:t>
+            </a:r>
+            <a:r>
+              <a:rPr lang="es-ES" dirty="0">
+                <a:solidFill>
+                  <a:srgbClr val="00B050"/>
+                </a:solidFill>
+                <a:sym typeface="Wingdings" panose="05000000000000000000" pitchFamily="2" charset="2"/>
+              </a:rPr>
+              <a:t>11011100</a:t>
+            </a:r>
+            <a:endParaRPr lang="es-CO" dirty="0">
+              <a:solidFill>
+                <a:srgbClr val="00B050"/>
+              </a:solidFill>
+            </a:endParaRPr>
+          </a:p>
+        </p:txBody>
+      </p:sp>
+      <p:sp>
+        <p:nvSpPr>
+          <p:cNvPr id="22" name="CuadroTexto 21"/>
+          <p:cNvSpPr txBox="1"/>
+          <p:nvPr/>
+        </p:nvSpPr>
+        <p:spPr>
+          <a:xfrm>
+            <a:off x="7295948" y="3087842"/>
+            <a:ext cx="2213811" cy="375385"/>
+          </a:xfrm>
+          <a:prstGeom prst="rect">
+            <a:avLst/>
+          </a:prstGeom>
+          <a:noFill/>
+        </p:spPr>
+        <p:txBody>
+          <a:bodyPr wrap="square" rtlCol="0">
+            <a:spAutoFit/>
+          </a:bodyPr>
+          <a:lstStyle/>
+          <a:p>
+            <a:r>
+              <a:rPr lang="es-ES" dirty="0" smtClean="0">
+                <a:solidFill>
+                  <a:srgbClr val="00B050"/>
+                </a:solidFill>
+              </a:rPr>
+              <a:t>204 </a:t>
+            </a:r>
+            <a:r>
+              <a:rPr lang="es-ES" dirty="0">
+                <a:solidFill>
+                  <a:srgbClr val="00B050"/>
+                </a:solidFill>
+                <a:sym typeface="Wingdings" panose="05000000000000000000" pitchFamily="2" charset="2"/>
+              </a:rPr>
+              <a:t>11001100</a:t>
+            </a:r>
+            <a:endParaRPr lang="es-CO" dirty="0">
+              <a:solidFill>
+                <a:srgbClr val="00B050"/>
+              </a:solidFill>
+            </a:endParaRPr>
+          </a:p>
+        </p:txBody>
+      </p:sp>
+      <p:sp>
+        <p:nvSpPr>
+          <p:cNvPr id="23" name="CuadroTexto 22"/>
+          <p:cNvSpPr txBox="1"/>
+          <p:nvPr/>
+        </p:nvSpPr>
+        <p:spPr>
+          <a:xfrm>
+            <a:off x="7295948" y="4111851"/>
+            <a:ext cx="2213811" cy="375385"/>
+          </a:xfrm>
+          <a:prstGeom prst="rect">
+            <a:avLst/>
+          </a:prstGeom>
+          <a:noFill/>
+        </p:spPr>
+        <p:txBody>
+          <a:bodyPr wrap="square" rtlCol="0">
+            <a:spAutoFit/>
+          </a:bodyPr>
+          <a:lstStyle/>
+          <a:p>
+            <a:r>
+              <a:rPr lang="es-ES" dirty="0" smtClean="0">
+                <a:solidFill>
+                  <a:srgbClr val="00B050"/>
+                </a:solidFill>
+              </a:rPr>
+              <a:t>204 </a:t>
+            </a:r>
+            <a:r>
+              <a:rPr lang="es-ES" dirty="0">
+                <a:solidFill>
+                  <a:srgbClr val="00B050"/>
+                </a:solidFill>
+                <a:sym typeface="Wingdings" panose="05000000000000000000" pitchFamily="2" charset="2"/>
+              </a:rPr>
+              <a:t>11001111</a:t>
+            </a:r>
+            <a:endParaRPr lang="es-CO" dirty="0">
+              <a:solidFill>
+                <a:srgbClr val="00B050"/>
+              </a:solidFill>
+            </a:endParaRPr>
+          </a:p>
+        </p:txBody>
+      </p:sp>
+      <p:sp>
+        <p:nvSpPr>
+          <p:cNvPr id="24" name="CuadroTexto 23"/>
+          <p:cNvSpPr txBox="1"/>
+          <p:nvPr/>
+        </p:nvSpPr>
+        <p:spPr>
+          <a:xfrm>
+            <a:off x="7295948" y="5106198"/>
+            <a:ext cx="2213811" cy="375385"/>
+          </a:xfrm>
+          <a:prstGeom prst="rect">
+            <a:avLst/>
+          </a:prstGeom>
+          <a:noFill/>
+        </p:spPr>
+        <p:txBody>
+          <a:bodyPr wrap="square" rtlCol="0">
+            <a:spAutoFit/>
+          </a:bodyPr>
+          <a:lstStyle/>
+          <a:p>
+            <a:r>
+              <a:rPr lang="es-ES" dirty="0" smtClean="0">
+                <a:solidFill>
+                  <a:srgbClr val="00B050"/>
+                </a:solidFill>
+              </a:rPr>
+              <a:t>205 </a:t>
+            </a:r>
+            <a:r>
+              <a:rPr lang="es-ES" dirty="0">
+                <a:solidFill>
+                  <a:srgbClr val="00B050"/>
+                </a:solidFill>
+                <a:sym typeface="Wingdings" panose="05000000000000000000" pitchFamily="2" charset="2"/>
+              </a:rPr>
+              <a:t>11001101</a:t>
+            </a:r>
+            <a:endParaRPr lang="es-CO" dirty="0">
+              <a:solidFill>
+                <a:srgbClr val="00B050"/>
+              </a:solidFill>
+            </a:endParaRPr>
+          </a:p>
+        </p:txBody>
+      </p:sp>
     </p:spTree>
     <p:extLst>
       <p:ext uri="{BB962C8B-B14F-4D97-AF65-F5344CB8AC3E}">
-        <p14:creationId xmlns:p14="http://schemas.microsoft.com/office/powerpoint/2010/main" val="1952401645"/>
+        <p14:creationId xmlns:p14="http://schemas.microsoft.com/office/powerpoint/2010/main" val="1599246478"/>
       </p:ext>
     </p:extLst>
   </p:cSld>
@@ -8040,7 +9531,7 @@
             <a:spLocks noGrp="1"/>
           </p:cNvSpPr>
           <p:nvPr>
-            <p:ph type="ctrTitle"/>
+            <p:ph type="title"/>
           </p:nvPr>
         </p:nvSpPr>
         <p:spPr/>
@@ -8050,41 +9541,1016 @@
           <a:p>
             <a:r>
               <a:rPr lang="es-ES" dirty="0" smtClean="0"/>
-              <a:t>Patrón </a:t>
-            </a:r>
-            <a:r>
-              <a:rPr lang="es-ES" dirty="0" err="1" smtClean="0"/>
-              <a:t>Observer</a:t>
-            </a:r>
-            <a:endParaRPr lang="es-CO" dirty="0"/>
-          </a:p>
-        </p:txBody>
-      </p:sp>
-      <p:sp>
-        <p:nvSpPr>
-          <p:cNvPr id="3" name="Subtítulo 2"/>
-          <p:cNvSpPr>
-            <a:spLocks noGrp="1"/>
-          </p:cNvSpPr>
-          <p:nvPr>
-            <p:ph type="subTitle" idx="1"/>
-          </p:nvPr>
-        </p:nvSpPr>
-        <p:spPr/>
-        <p:txBody>
-          <a:bodyPr>
-            <a:normAutofit/>
+              <a:t>¿Cuál es la dirección de subred</a:t>
+            </a:r>
+            <a:r>
+              <a:rPr lang="es-ES" dirty="0" smtClean="0"/>
+              <a:t>?</a:t>
+            </a:r>
+            <a:endParaRPr lang="es-CO" dirty="0"/>
+          </a:p>
+        </p:txBody>
+      </p:sp>
+      <p:sp>
+        <p:nvSpPr>
+          <p:cNvPr id="4" name="Rectángulo 3"/>
+          <p:cNvSpPr/>
+          <p:nvPr/>
+        </p:nvSpPr>
+        <p:spPr>
+          <a:xfrm>
+            <a:off x="5313145" y="2685448"/>
+            <a:ext cx="760396" cy="760396"/>
+          </a:xfrm>
+          <a:prstGeom prst="rect">
+            <a:avLst/>
+          </a:prstGeom>
+        </p:spPr>
+        <p:style>
+          <a:lnRef idx="2">
+            <a:schemeClr val="accent1">
+              <a:shade val="50000"/>
+            </a:schemeClr>
+          </a:lnRef>
+          <a:fillRef idx="1">
+            <a:schemeClr val="accent1"/>
+          </a:fillRef>
+          <a:effectRef idx="0">
+            <a:schemeClr val="accent1"/>
+          </a:effectRef>
+          <a:fontRef idx="minor">
+            <a:schemeClr val="lt1"/>
+          </a:fontRef>
+        </p:style>
+        <p:txBody>
+          <a:bodyPr rtlCol="0" anchor="ctr"/>
+          <a:lstStyle/>
+          <a:p>
+            <a:pPr algn="ctr"/>
+            <a:r>
+              <a:rPr lang="es-ES" dirty="0" smtClean="0"/>
+              <a:t>PC1</a:t>
+            </a:r>
+            <a:endParaRPr lang="es-CO" dirty="0"/>
+          </a:p>
+        </p:txBody>
+      </p:sp>
+      <p:sp>
+        <p:nvSpPr>
+          <p:cNvPr id="5" name="Rectángulo 4"/>
+          <p:cNvSpPr/>
+          <p:nvPr/>
+        </p:nvSpPr>
+        <p:spPr>
+          <a:xfrm>
+            <a:off x="5313145" y="3595034"/>
+            <a:ext cx="760396" cy="760396"/>
+          </a:xfrm>
+          <a:prstGeom prst="rect">
+            <a:avLst/>
+          </a:prstGeom>
+        </p:spPr>
+        <p:style>
+          <a:lnRef idx="2">
+            <a:schemeClr val="accent1">
+              <a:shade val="50000"/>
+            </a:schemeClr>
+          </a:lnRef>
+          <a:fillRef idx="1">
+            <a:schemeClr val="accent1"/>
+          </a:fillRef>
+          <a:effectRef idx="0">
+            <a:schemeClr val="accent1"/>
+          </a:effectRef>
+          <a:fontRef idx="minor">
+            <a:schemeClr val="lt1"/>
+          </a:fontRef>
+        </p:style>
+        <p:txBody>
+          <a:bodyPr rtlCol="0" anchor="ctr"/>
+          <a:lstStyle/>
+          <a:p>
+            <a:pPr algn="ctr"/>
+            <a:r>
+              <a:rPr lang="es-ES" dirty="0" smtClean="0"/>
+              <a:t>PC3</a:t>
+            </a:r>
+            <a:endParaRPr lang="es-CO" dirty="0"/>
+          </a:p>
+        </p:txBody>
+      </p:sp>
+      <p:sp>
+        <p:nvSpPr>
+          <p:cNvPr id="6" name="Rectángulo 5"/>
+          <p:cNvSpPr/>
+          <p:nvPr/>
+        </p:nvSpPr>
+        <p:spPr>
+          <a:xfrm>
+            <a:off x="5313145" y="4533495"/>
+            <a:ext cx="760396" cy="760396"/>
+          </a:xfrm>
+          <a:prstGeom prst="rect">
+            <a:avLst/>
+          </a:prstGeom>
+        </p:spPr>
+        <p:style>
+          <a:lnRef idx="2">
+            <a:schemeClr val="accent1">
+              <a:shade val="50000"/>
+            </a:schemeClr>
+          </a:lnRef>
+          <a:fillRef idx="1">
+            <a:schemeClr val="accent1"/>
+          </a:fillRef>
+          <a:effectRef idx="0">
+            <a:schemeClr val="accent1"/>
+          </a:effectRef>
+          <a:fontRef idx="minor">
+            <a:schemeClr val="lt1"/>
+          </a:fontRef>
+        </p:style>
+        <p:txBody>
+          <a:bodyPr rtlCol="0" anchor="ctr"/>
+          <a:lstStyle/>
+          <a:p>
+            <a:pPr algn="ctr"/>
+            <a:r>
+              <a:rPr lang="es-ES" dirty="0" smtClean="0"/>
+              <a:t>PC5</a:t>
+            </a:r>
+            <a:endParaRPr lang="es-CO" dirty="0"/>
+          </a:p>
+        </p:txBody>
+      </p:sp>
+      <p:sp>
+        <p:nvSpPr>
+          <p:cNvPr id="7" name="Rectángulo 6"/>
+          <p:cNvSpPr/>
+          <p:nvPr/>
+        </p:nvSpPr>
+        <p:spPr>
+          <a:xfrm>
+            <a:off x="6293318" y="2685448"/>
+            <a:ext cx="760396" cy="760396"/>
+          </a:xfrm>
+          <a:prstGeom prst="rect">
+            <a:avLst/>
+          </a:prstGeom>
+        </p:spPr>
+        <p:style>
+          <a:lnRef idx="2">
+            <a:schemeClr val="accent1">
+              <a:shade val="50000"/>
+            </a:schemeClr>
+          </a:lnRef>
+          <a:fillRef idx="1">
+            <a:schemeClr val="accent1"/>
+          </a:fillRef>
+          <a:effectRef idx="0">
+            <a:schemeClr val="accent1"/>
+          </a:effectRef>
+          <a:fontRef idx="minor">
+            <a:schemeClr val="lt1"/>
+          </a:fontRef>
+        </p:style>
+        <p:txBody>
+          <a:bodyPr rtlCol="0" anchor="ctr"/>
+          <a:lstStyle/>
+          <a:p>
+            <a:pPr algn="ctr"/>
+            <a:r>
+              <a:rPr lang="es-ES" dirty="0" smtClean="0"/>
+              <a:t>PC2</a:t>
+            </a:r>
+            <a:endParaRPr lang="es-CO" dirty="0"/>
+          </a:p>
+        </p:txBody>
+      </p:sp>
+      <p:sp>
+        <p:nvSpPr>
+          <p:cNvPr id="8" name="Rectángulo 7"/>
+          <p:cNvSpPr/>
+          <p:nvPr/>
+        </p:nvSpPr>
+        <p:spPr>
+          <a:xfrm>
+            <a:off x="6293318" y="3595034"/>
+            <a:ext cx="760396" cy="760396"/>
+          </a:xfrm>
+          <a:prstGeom prst="rect">
+            <a:avLst/>
+          </a:prstGeom>
+        </p:spPr>
+        <p:style>
+          <a:lnRef idx="2">
+            <a:schemeClr val="accent1">
+              <a:shade val="50000"/>
+            </a:schemeClr>
+          </a:lnRef>
+          <a:fillRef idx="1">
+            <a:schemeClr val="accent1"/>
+          </a:fillRef>
+          <a:effectRef idx="0">
+            <a:schemeClr val="accent1"/>
+          </a:effectRef>
+          <a:fontRef idx="minor">
+            <a:schemeClr val="lt1"/>
+          </a:fontRef>
+        </p:style>
+        <p:txBody>
+          <a:bodyPr rtlCol="0" anchor="ctr"/>
+          <a:lstStyle/>
+          <a:p>
+            <a:pPr algn="ctr"/>
+            <a:r>
+              <a:rPr lang="es-ES" dirty="0" smtClean="0"/>
+              <a:t>PC4</a:t>
+            </a:r>
+            <a:endParaRPr lang="es-CO" dirty="0"/>
+          </a:p>
+        </p:txBody>
+      </p:sp>
+      <p:sp>
+        <p:nvSpPr>
+          <p:cNvPr id="9" name="Rectángulo 8"/>
+          <p:cNvSpPr/>
+          <p:nvPr/>
+        </p:nvSpPr>
+        <p:spPr>
+          <a:xfrm>
+            <a:off x="6293318" y="4533495"/>
+            <a:ext cx="760396" cy="760396"/>
+          </a:xfrm>
+          <a:prstGeom prst="rect">
+            <a:avLst/>
+          </a:prstGeom>
+        </p:spPr>
+        <p:style>
+          <a:lnRef idx="2">
+            <a:schemeClr val="accent1">
+              <a:shade val="50000"/>
+            </a:schemeClr>
+          </a:lnRef>
+          <a:fillRef idx="1">
+            <a:schemeClr val="accent1"/>
+          </a:fillRef>
+          <a:effectRef idx="0">
+            <a:schemeClr val="accent1"/>
+          </a:effectRef>
+          <a:fontRef idx="minor">
+            <a:schemeClr val="lt1"/>
+          </a:fontRef>
+        </p:style>
+        <p:txBody>
+          <a:bodyPr rtlCol="0" anchor="ctr"/>
+          <a:lstStyle/>
+          <a:p>
+            <a:pPr algn="ctr"/>
+            <a:r>
+              <a:rPr lang="es-ES" dirty="0" smtClean="0"/>
+              <a:t>PC6</a:t>
+            </a:r>
+            <a:endParaRPr lang="es-CO" dirty="0"/>
+          </a:p>
+        </p:txBody>
+      </p:sp>
+      <p:sp>
+        <p:nvSpPr>
+          <p:cNvPr id="10" name="CuadroTexto 9"/>
+          <p:cNvSpPr txBox="1"/>
+          <p:nvPr/>
+        </p:nvSpPr>
+        <p:spPr>
+          <a:xfrm>
+            <a:off x="7295949" y="2800952"/>
+            <a:ext cx="2213811" cy="375385"/>
+          </a:xfrm>
+          <a:prstGeom prst="rect">
+            <a:avLst/>
+          </a:prstGeom>
+          <a:noFill/>
+        </p:spPr>
+        <p:txBody>
+          <a:bodyPr wrap="square" rtlCol="0">
+            <a:spAutoFit/>
           </a:bodyPr>
           <a:lstStyle/>
           <a:p>
-            <a:endParaRPr lang="es-CO" dirty="0"/>
+            <a:r>
+              <a:rPr lang="es-ES" dirty="0" smtClean="0"/>
+              <a:t>192.168.204.56</a:t>
+            </a:r>
+            <a:endParaRPr lang="es-CO" dirty="0"/>
+          </a:p>
+        </p:txBody>
+      </p:sp>
+      <p:sp>
+        <p:nvSpPr>
+          <p:cNvPr id="11" name="CuadroTexto 10"/>
+          <p:cNvSpPr txBox="1"/>
+          <p:nvPr/>
+        </p:nvSpPr>
+        <p:spPr>
+          <a:xfrm>
+            <a:off x="7295949" y="3787539"/>
+            <a:ext cx="2213811" cy="375385"/>
+          </a:xfrm>
+          <a:prstGeom prst="rect">
+            <a:avLst/>
+          </a:prstGeom>
+          <a:noFill/>
+        </p:spPr>
+        <p:txBody>
+          <a:bodyPr wrap="square" rtlCol="0">
+            <a:spAutoFit/>
+          </a:bodyPr>
+          <a:lstStyle/>
+          <a:p>
+            <a:r>
+              <a:rPr lang="es-ES" dirty="0" smtClean="0"/>
+              <a:t>192.168.207.18</a:t>
+            </a:r>
+            <a:endParaRPr lang="es-CO" dirty="0"/>
+          </a:p>
+        </p:txBody>
+      </p:sp>
+      <p:sp>
+        <p:nvSpPr>
+          <p:cNvPr id="12" name="CuadroTexto 11"/>
+          <p:cNvSpPr txBox="1"/>
+          <p:nvPr/>
+        </p:nvSpPr>
+        <p:spPr>
+          <a:xfrm>
+            <a:off x="7295949" y="4726000"/>
+            <a:ext cx="2213811" cy="375385"/>
+          </a:xfrm>
+          <a:prstGeom prst="rect">
+            <a:avLst/>
+          </a:prstGeom>
+          <a:noFill/>
+        </p:spPr>
+        <p:txBody>
+          <a:bodyPr wrap="square" rtlCol="0">
+            <a:spAutoFit/>
+          </a:bodyPr>
+          <a:lstStyle/>
+          <a:p>
+            <a:r>
+              <a:rPr lang="es-ES" dirty="0" smtClean="0"/>
+              <a:t>192.168.205.15</a:t>
+            </a:r>
+            <a:endParaRPr lang="es-CO" dirty="0"/>
+          </a:p>
+        </p:txBody>
+      </p:sp>
+      <p:sp>
+        <p:nvSpPr>
+          <p:cNvPr id="13" name="CuadroTexto 12"/>
+          <p:cNvSpPr txBox="1"/>
+          <p:nvPr/>
+        </p:nvSpPr>
+        <p:spPr>
+          <a:xfrm>
+            <a:off x="2876349" y="2800952"/>
+            <a:ext cx="2213811" cy="375385"/>
+          </a:xfrm>
+          <a:prstGeom prst="rect">
+            <a:avLst/>
+          </a:prstGeom>
+          <a:noFill/>
+        </p:spPr>
+        <p:txBody>
+          <a:bodyPr wrap="square" rtlCol="0">
+            <a:spAutoFit/>
+          </a:bodyPr>
+          <a:lstStyle/>
+          <a:p>
+            <a:pPr algn="r"/>
+            <a:r>
+              <a:rPr lang="es-ES" dirty="0" smtClean="0"/>
+              <a:t>192.168.223.53</a:t>
+            </a:r>
+            <a:endParaRPr lang="es-CO" dirty="0"/>
+          </a:p>
+        </p:txBody>
+      </p:sp>
+      <p:sp>
+        <p:nvSpPr>
+          <p:cNvPr id="14" name="CuadroTexto 13"/>
+          <p:cNvSpPr txBox="1"/>
+          <p:nvPr/>
+        </p:nvSpPr>
+        <p:spPr>
+          <a:xfrm>
+            <a:off x="2876349" y="3787539"/>
+            <a:ext cx="2213811" cy="375385"/>
+          </a:xfrm>
+          <a:prstGeom prst="rect">
+            <a:avLst/>
+          </a:prstGeom>
+          <a:noFill/>
+        </p:spPr>
+        <p:txBody>
+          <a:bodyPr wrap="square" rtlCol="0">
+            <a:spAutoFit/>
+          </a:bodyPr>
+          <a:lstStyle/>
+          <a:p>
+            <a:pPr algn="r"/>
+            <a:r>
+              <a:rPr lang="es-ES" dirty="0" smtClean="0"/>
+              <a:t>192.168.213.25</a:t>
+            </a:r>
+            <a:endParaRPr lang="es-CO" dirty="0"/>
+          </a:p>
+        </p:txBody>
+      </p:sp>
+      <p:sp>
+        <p:nvSpPr>
+          <p:cNvPr id="15" name="CuadroTexto 14"/>
+          <p:cNvSpPr txBox="1"/>
+          <p:nvPr/>
+        </p:nvSpPr>
+        <p:spPr>
+          <a:xfrm>
+            <a:off x="2876349" y="4726000"/>
+            <a:ext cx="2213811" cy="375385"/>
+          </a:xfrm>
+          <a:prstGeom prst="rect">
+            <a:avLst/>
+          </a:prstGeom>
+          <a:noFill/>
+        </p:spPr>
+        <p:txBody>
+          <a:bodyPr wrap="square" rtlCol="0">
+            <a:spAutoFit/>
+          </a:bodyPr>
+          <a:lstStyle/>
+          <a:p>
+            <a:pPr algn="r"/>
+            <a:r>
+              <a:rPr lang="es-ES" dirty="0" smtClean="0"/>
+              <a:t>192.168.220.115</a:t>
+            </a:r>
+            <a:endParaRPr lang="es-CO" dirty="0"/>
+          </a:p>
+        </p:txBody>
+      </p:sp>
+      <p:sp>
+        <p:nvSpPr>
+          <p:cNvPr id="16" name="CuadroTexto 15"/>
+          <p:cNvSpPr txBox="1"/>
+          <p:nvPr/>
+        </p:nvSpPr>
+        <p:spPr>
+          <a:xfrm>
+            <a:off x="5282665" y="1830487"/>
+            <a:ext cx="2213811" cy="646331"/>
+          </a:xfrm>
+          <a:prstGeom prst="rect">
+            <a:avLst/>
+          </a:prstGeom>
+          <a:noFill/>
+        </p:spPr>
+        <p:txBody>
+          <a:bodyPr wrap="square" rtlCol="0">
+            <a:spAutoFit/>
+          </a:bodyPr>
+          <a:lstStyle/>
+          <a:p>
+            <a:r>
+              <a:rPr lang="es-ES" dirty="0" smtClean="0"/>
+              <a:t>Máscara: </a:t>
+            </a:r>
+            <a:r>
+              <a:rPr lang="es-ES" dirty="0" smtClean="0"/>
+              <a:t>255.255.224.0</a:t>
+            </a:r>
+            <a:endParaRPr lang="es-CO" dirty="0"/>
+          </a:p>
+        </p:txBody>
+      </p:sp>
+      <p:sp>
+        <p:nvSpPr>
+          <p:cNvPr id="17" name="CuadroTexto 16"/>
+          <p:cNvSpPr txBox="1"/>
+          <p:nvPr/>
+        </p:nvSpPr>
+        <p:spPr>
+          <a:xfrm>
+            <a:off x="4940968" y="5533801"/>
+            <a:ext cx="2704700" cy="646331"/>
+          </a:xfrm>
+          <a:prstGeom prst="rect">
+            <a:avLst/>
+          </a:prstGeom>
+          <a:noFill/>
+        </p:spPr>
+        <p:txBody>
+          <a:bodyPr wrap="square" rtlCol="0">
+            <a:spAutoFit/>
+          </a:bodyPr>
+          <a:lstStyle/>
+          <a:p>
+            <a:r>
+              <a:rPr lang="es-ES" dirty="0" smtClean="0"/>
+              <a:t>La dirección de subred es</a:t>
+            </a:r>
+          </a:p>
+          <a:p>
+            <a:r>
+              <a:rPr lang="es-ES" dirty="0" smtClean="0"/>
+              <a:t>192.168.192.0 </a:t>
+            </a:r>
+            <a:r>
+              <a:rPr lang="es-ES" dirty="0" smtClean="0"/>
+              <a:t>/ </a:t>
+            </a:r>
+            <a:r>
+              <a:rPr lang="es-ES" dirty="0" smtClean="0"/>
+              <a:t>19</a:t>
+            </a:r>
+            <a:endParaRPr lang="es-CO" dirty="0"/>
+          </a:p>
+        </p:txBody>
+      </p:sp>
+      <p:sp>
+        <p:nvSpPr>
+          <p:cNvPr id="18" name="CuadroTexto 17"/>
+          <p:cNvSpPr txBox="1"/>
+          <p:nvPr/>
+        </p:nvSpPr>
+        <p:spPr>
+          <a:xfrm>
+            <a:off x="2876349" y="3082489"/>
+            <a:ext cx="2213811" cy="375385"/>
+          </a:xfrm>
+          <a:prstGeom prst="rect">
+            <a:avLst/>
+          </a:prstGeom>
+          <a:noFill/>
+        </p:spPr>
+        <p:txBody>
+          <a:bodyPr wrap="square" rtlCol="0">
+            <a:spAutoFit/>
+          </a:bodyPr>
+          <a:lstStyle/>
+          <a:p>
+            <a:pPr algn="r"/>
+            <a:r>
+              <a:rPr lang="es-ES" dirty="0" smtClean="0">
+                <a:solidFill>
+                  <a:srgbClr val="00B050"/>
+                </a:solidFill>
+              </a:rPr>
+              <a:t>223 </a:t>
+            </a:r>
+            <a:r>
+              <a:rPr lang="es-ES" dirty="0">
+                <a:solidFill>
+                  <a:srgbClr val="00B050"/>
+                </a:solidFill>
+                <a:sym typeface="Wingdings" panose="05000000000000000000" pitchFamily="2" charset="2"/>
+              </a:rPr>
+              <a:t></a:t>
+            </a:r>
+            <a:r>
+              <a:rPr lang="es-ES" dirty="0">
+                <a:solidFill>
+                  <a:srgbClr val="7030A0"/>
+                </a:solidFill>
+                <a:sym typeface="Wingdings" panose="05000000000000000000" pitchFamily="2" charset="2"/>
+              </a:rPr>
+              <a:t>110</a:t>
+            </a:r>
+            <a:r>
+              <a:rPr lang="es-ES" dirty="0">
+                <a:solidFill>
+                  <a:srgbClr val="00B050"/>
+                </a:solidFill>
+                <a:sym typeface="Wingdings" panose="05000000000000000000" pitchFamily="2" charset="2"/>
+              </a:rPr>
+              <a:t>11111 </a:t>
+            </a:r>
+            <a:endParaRPr lang="es-CO" dirty="0">
+              <a:solidFill>
+                <a:srgbClr val="00B050"/>
+              </a:solidFill>
+            </a:endParaRPr>
+          </a:p>
+        </p:txBody>
+      </p:sp>
+      <p:sp>
+        <p:nvSpPr>
+          <p:cNvPr id="19" name="CuadroTexto 18"/>
+          <p:cNvSpPr txBox="1"/>
+          <p:nvPr/>
+        </p:nvSpPr>
+        <p:spPr>
+          <a:xfrm>
+            <a:off x="268615" y="2081463"/>
+            <a:ext cx="2694718" cy="1477328"/>
+          </a:xfrm>
+          <a:prstGeom prst="rect">
+            <a:avLst/>
+          </a:prstGeom>
+          <a:noFill/>
+        </p:spPr>
+        <p:txBody>
+          <a:bodyPr wrap="square" rtlCol="0">
+            <a:spAutoFit/>
+          </a:bodyPr>
+          <a:lstStyle/>
+          <a:p>
+            <a:r>
+              <a:rPr lang="es-ES" dirty="0" smtClean="0">
+                <a:solidFill>
+                  <a:srgbClr val="00B050"/>
+                </a:solidFill>
+              </a:rPr>
+              <a:t>192 y 168 son números comunes, pero a nivel de bits, ¿Qué números en común tienen 223, 213, 220, 204, 207 y 205?</a:t>
+            </a:r>
+            <a:endParaRPr lang="es-CO" dirty="0">
+              <a:solidFill>
+                <a:srgbClr val="00B050"/>
+              </a:solidFill>
+            </a:endParaRPr>
+          </a:p>
+        </p:txBody>
+      </p:sp>
+      <p:sp>
+        <p:nvSpPr>
+          <p:cNvPr id="20" name="CuadroTexto 19"/>
+          <p:cNvSpPr txBox="1"/>
+          <p:nvPr/>
+        </p:nvSpPr>
+        <p:spPr>
+          <a:xfrm>
+            <a:off x="2876349" y="4134407"/>
+            <a:ext cx="2213811" cy="375385"/>
+          </a:xfrm>
+          <a:prstGeom prst="rect">
+            <a:avLst/>
+          </a:prstGeom>
+          <a:noFill/>
+        </p:spPr>
+        <p:txBody>
+          <a:bodyPr wrap="square" rtlCol="0">
+            <a:spAutoFit/>
+          </a:bodyPr>
+          <a:lstStyle/>
+          <a:p>
+            <a:pPr algn="r"/>
+            <a:r>
+              <a:rPr lang="es-ES" dirty="0" smtClean="0">
+                <a:solidFill>
+                  <a:srgbClr val="00B050"/>
+                </a:solidFill>
+              </a:rPr>
+              <a:t>213 </a:t>
+            </a:r>
+            <a:r>
+              <a:rPr lang="es-ES" dirty="0">
+                <a:solidFill>
+                  <a:srgbClr val="00B050"/>
+                </a:solidFill>
+                <a:sym typeface="Wingdings" panose="05000000000000000000" pitchFamily="2" charset="2"/>
+              </a:rPr>
+              <a:t></a:t>
+            </a:r>
+            <a:r>
+              <a:rPr lang="es-ES" dirty="0">
+                <a:solidFill>
+                  <a:srgbClr val="7030A0"/>
+                </a:solidFill>
+                <a:sym typeface="Wingdings" panose="05000000000000000000" pitchFamily="2" charset="2"/>
+              </a:rPr>
+              <a:t>110</a:t>
+            </a:r>
+            <a:r>
+              <a:rPr lang="es-ES" dirty="0">
+                <a:solidFill>
+                  <a:srgbClr val="00B050"/>
+                </a:solidFill>
+                <a:sym typeface="Wingdings" panose="05000000000000000000" pitchFamily="2" charset="2"/>
+              </a:rPr>
+              <a:t>10101</a:t>
+            </a:r>
+            <a:endParaRPr lang="es-CO" dirty="0">
+              <a:solidFill>
+                <a:srgbClr val="00B050"/>
+              </a:solidFill>
+            </a:endParaRPr>
+          </a:p>
+        </p:txBody>
+      </p:sp>
+      <p:sp>
+        <p:nvSpPr>
+          <p:cNvPr id="21" name="CuadroTexto 20"/>
+          <p:cNvSpPr txBox="1"/>
+          <p:nvPr/>
+        </p:nvSpPr>
+        <p:spPr>
+          <a:xfrm>
+            <a:off x="2876349" y="5106198"/>
+            <a:ext cx="2213811" cy="375385"/>
+          </a:xfrm>
+          <a:prstGeom prst="rect">
+            <a:avLst/>
+          </a:prstGeom>
+          <a:noFill/>
+        </p:spPr>
+        <p:txBody>
+          <a:bodyPr wrap="square" rtlCol="0">
+            <a:spAutoFit/>
+          </a:bodyPr>
+          <a:lstStyle/>
+          <a:p>
+            <a:pPr algn="r"/>
+            <a:r>
+              <a:rPr lang="es-ES" dirty="0" smtClean="0">
+                <a:solidFill>
+                  <a:srgbClr val="00B050"/>
+                </a:solidFill>
+              </a:rPr>
+              <a:t>220 </a:t>
+            </a:r>
+            <a:r>
+              <a:rPr lang="es-ES" dirty="0">
+                <a:solidFill>
+                  <a:srgbClr val="00B050"/>
+                </a:solidFill>
+                <a:sym typeface="Wingdings" panose="05000000000000000000" pitchFamily="2" charset="2"/>
+              </a:rPr>
+              <a:t></a:t>
+            </a:r>
+            <a:r>
+              <a:rPr lang="es-ES" dirty="0">
+                <a:solidFill>
+                  <a:srgbClr val="7030A0"/>
+                </a:solidFill>
+                <a:sym typeface="Wingdings" panose="05000000000000000000" pitchFamily="2" charset="2"/>
+              </a:rPr>
+              <a:t>110</a:t>
+            </a:r>
+            <a:r>
+              <a:rPr lang="es-ES" dirty="0">
+                <a:solidFill>
+                  <a:srgbClr val="00B050"/>
+                </a:solidFill>
+                <a:sym typeface="Wingdings" panose="05000000000000000000" pitchFamily="2" charset="2"/>
+              </a:rPr>
+              <a:t>11100</a:t>
+            </a:r>
+            <a:endParaRPr lang="es-CO" dirty="0">
+              <a:solidFill>
+                <a:srgbClr val="00B050"/>
+              </a:solidFill>
+            </a:endParaRPr>
+          </a:p>
+        </p:txBody>
+      </p:sp>
+      <p:sp>
+        <p:nvSpPr>
+          <p:cNvPr id="22" name="CuadroTexto 21"/>
+          <p:cNvSpPr txBox="1"/>
+          <p:nvPr/>
+        </p:nvSpPr>
+        <p:spPr>
+          <a:xfrm>
+            <a:off x="7295948" y="3087842"/>
+            <a:ext cx="2213811" cy="375385"/>
+          </a:xfrm>
+          <a:prstGeom prst="rect">
+            <a:avLst/>
+          </a:prstGeom>
+          <a:noFill/>
+        </p:spPr>
+        <p:txBody>
+          <a:bodyPr wrap="square" rtlCol="0">
+            <a:spAutoFit/>
+          </a:bodyPr>
+          <a:lstStyle/>
+          <a:p>
+            <a:r>
+              <a:rPr lang="es-ES" dirty="0" smtClean="0">
+                <a:solidFill>
+                  <a:srgbClr val="00B050"/>
+                </a:solidFill>
+              </a:rPr>
+              <a:t>204 </a:t>
+            </a:r>
+            <a:r>
+              <a:rPr lang="es-ES" dirty="0">
+                <a:solidFill>
+                  <a:srgbClr val="00B050"/>
+                </a:solidFill>
+                <a:sym typeface="Wingdings" panose="05000000000000000000" pitchFamily="2" charset="2"/>
+              </a:rPr>
+              <a:t></a:t>
+            </a:r>
+            <a:r>
+              <a:rPr lang="es-ES" dirty="0">
+                <a:solidFill>
+                  <a:srgbClr val="7030A0"/>
+                </a:solidFill>
+                <a:sym typeface="Wingdings" panose="05000000000000000000" pitchFamily="2" charset="2"/>
+              </a:rPr>
+              <a:t>110</a:t>
+            </a:r>
+            <a:r>
+              <a:rPr lang="es-ES" dirty="0">
+                <a:solidFill>
+                  <a:srgbClr val="00B050"/>
+                </a:solidFill>
+                <a:sym typeface="Wingdings" panose="05000000000000000000" pitchFamily="2" charset="2"/>
+              </a:rPr>
+              <a:t>01100</a:t>
+            </a:r>
+            <a:endParaRPr lang="es-CO" dirty="0">
+              <a:solidFill>
+                <a:srgbClr val="00B050"/>
+              </a:solidFill>
+            </a:endParaRPr>
+          </a:p>
+        </p:txBody>
+      </p:sp>
+      <p:sp>
+        <p:nvSpPr>
+          <p:cNvPr id="23" name="CuadroTexto 22"/>
+          <p:cNvSpPr txBox="1"/>
+          <p:nvPr/>
+        </p:nvSpPr>
+        <p:spPr>
+          <a:xfrm>
+            <a:off x="7295948" y="4111851"/>
+            <a:ext cx="2213811" cy="375385"/>
+          </a:xfrm>
+          <a:prstGeom prst="rect">
+            <a:avLst/>
+          </a:prstGeom>
+          <a:noFill/>
+        </p:spPr>
+        <p:txBody>
+          <a:bodyPr wrap="square" rtlCol="0">
+            <a:spAutoFit/>
+          </a:bodyPr>
+          <a:lstStyle/>
+          <a:p>
+            <a:r>
+              <a:rPr lang="es-ES" dirty="0" smtClean="0">
+                <a:solidFill>
+                  <a:srgbClr val="00B050"/>
+                </a:solidFill>
+              </a:rPr>
+              <a:t>204 </a:t>
+            </a:r>
+            <a:r>
+              <a:rPr lang="es-ES" dirty="0">
+                <a:solidFill>
+                  <a:srgbClr val="00B050"/>
+                </a:solidFill>
+                <a:sym typeface="Wingdings" panose="05000000000000000000" pitchFamily="2" charset="2"/>
+              </a:rPr>
+              <a:t></a:t>
+            </a:r>
+            <a:r>
+              <a:rPr lang="es-ES" dirty="0">
+                <a:solidFill>
+                  <a:srgbClr val="7030A0"/>
+                </a:solidFill>
+                <a:sym typeface="Wingdings" panose="05000000000000000000" pitchFamily="2" charset="2"/>
+              </a:rPr>
+              <a:t>110</a:t>
+            </a:r>
+            <a:r>
+              <a:rPr lang="es-ES" dirty="0">
+                <a:solidFill>
+                  <a:srgbClr val="00B050"/>
+                </a:solidFill>
+                <a:sym typeface="Wingdings" panose="05000000000000000000" pitchFamily="2" charset="2"/>
+              </a:rPr>
+              <a:t>01111</a:t>
+            </a:r>
+            <a:endParaRPr lang="es-CO" dirty="0">
+              <a:solidFill>
+                <a:srgbClr val="00B050"/>
+              </a:solidFill>
+            </a:endParaRPr>
+          </a:p>
+        </p:txBody>
+      </p:sp>
+      <p:sp>
+        <p:nvSpPr>
+          <p:cNvPr id="24" name="CuadroTexto 23"/>
+          <p:cNvSpPr txBox="1"/>
+          <p:nvPr/>
+        </p:nvSpPr>
+        <p:spPr>
+          <a:xfrm>
+            <a:off x="7295948" y="5106198"/>
+            <a:ext cx="2213811" cy="375385"/>
+          </a:xfrm>
+          <a:prstGeom prst="rect">
+            <a:avLst/>
+          </a:prstGeom>
+          <a:noFill/>
+        </p:spPr>
+        <p:txBody>
+          <a:bodyPr wrap="square" rtlCol="0">
+            <a:spAutoFit/>
+          </a:bodyPr>
+          <a:lstStyle/>
+          <a:p>
+            <a:r>
+              <a:rPr lang="es-ES" dirty="0" smtClean="0">
+                <a:solidFill>
+                  <a:srgbClr val="00B050"/>
+                </a:solidFill>
+              </a:rPr>
+              <a:t>205 </a:t>
+            </a:r>
+            <a:r>
+              <a:rPr lang="es-ES" dirty="0">
+                <a:solidFill>
+                  <a:srgbClr val="00B050"/>
+                </a:solidFill>
+                <a:sym typeface="Wingdings" panose="05000000000000000000" pitchFamily="2" charset="2"/>
+              </a:rPr>
+              <a:t></a:t>
+            </a:r>
+            <a:r>
+              <a:rPr lang="es-ES" dirty="0">
+                <a:solidFill>
+                  <a:srgbClr val="7030A0"/>
+                </a:solidFill>
+                <a:sym typeface="Wingdings" panose="05000000000000000000" pitchFamily="2" charset="2"/>
+              </a:rPr>
+              <a:t>110</a:t>
+            </a:r>
+            <a:r>
+              <a:rPr lang="es-ES" dirty="0">
+                <a:solidFill>
+                  <a:srgbClr val="00B050"/>
+                </a:solidFill>
+                <a:sym typeface="Wingdings" panose="05000000000000000000" pitchFamily="2" charset="2"/>
+              </a:rPr>
+              <a:t>01101</a:t>
+            </a:r>
+            <a:endParaRPr lang="es-CO" dirty="0">
+              <a:solidFill>
+                <a:srgbClr val="00B050"/>
+              </a:solidFill>
+            </a:endParaRPr>
+          </a:p>
+        </p:txBody>
+      </p:sp>
+      <p:sp>
+        <p:nvSpPr>
+          <p:cNvPr id="27" name="CuadroTexto 26"/>
+          <p:cNvSpPr txBox="1"/>
+          <p:nvPr/>
+        </p:nvSpPr>
+        <p:spPr>
+          <a:xfrm>
+            <a:off x="268615" y="3825641"/>
+            <a:ext cx="2978664" cy="1200329"/>
+          </a:xfrm>
+          <a:prstGeom prst="rect">
+            <a:avLst/>
+          </a:prstGeom>
+          <a:noFill/>
+        </p:spPr>
+        <p:txBody>
+          <a:bodyPr wrap="square" rtlCol="0">
+            <a:spAutoFit/>
+          </a:bodyPr>
+          <a:lstStyle/>
+          <a:p>
+            <a:r>
+              <a:rPr lang="es-ES" dirty="0" smtClean="0">
+                <a:solidFill>
+                  <a:srgbClr val="7030A0"/>
+                </a:solidFill>
+              </a:rPr>
+              <a:t>Nótese que los tres primeros bytes son comunes en todas las direcciones.</a:t>
+            </a:r>
+          </a:p>
+          <a:p>
+            <a:endParaRPr lang="es-ES" dirty="0">
+              <a:solidFill>
+                <a:srgbClr val="7030A0"/>
+              </a:solidFill>
+            </a:endParaRPr>
           </a:p>
         </p:txBody>
       </p:sp>
     </p:spTree>
     <p:extLst>
       <p:ext uri="{BB962C8B-B14F-4D97-AF65-F5344CB8AC3E}">
-        <p14:creationId xmlns:p14="http://schemas.microsoft.com/office/powerpoint/2010/main" val="252745569"/>
+        <p14:creationId xmlns:p14="http://schemas.microsoft.com/office/powerpoint/2010/main" val="2220455875"/>
       </p:ext>
     </p:extLst>
   </p:cSld>
@@ -8128,11 +10594,11 @@
           <a:p>
             <a:r>
               <a:rPr lang="es-ES" dirty="0" smtClean="0"/>
-              <a:t>Patrón </a:t>
-            </a:r>
-            <a:r>
-              <a:rPr lang="es-ES" dirty="0" err="1" smtClean="0"/>
-              <a:t>Observer</a:t>
+              <a:t>¿Cuál es la dirección de subred</a:t>
+            </a:r>
+            <a:r>
+              <a:rPr lang="es-ES" dirty="0" smtClean="0"/>
+              <a:t>?</a:t>
             </a:r>
             <a:endParaRPr lang="es-CO" dirty="0"/>
           </a:p>
@@ -8146,20 +10612,12 @@
         </p:nvSpPr>
         <p:spPr>
           <a:xfrm>
-            <a:off x="1905802" y="2406316"/>
-            <a:ext cx="2261937" cy="3157087"/>
-          </a:xfrm>
-          <a:prstGeom prst="rect">
-            <a:avLst/>
-          </a:prstGeom>
-          <a:solidFill>
-            <a:schemeClr val="bg1"/>
-          </a:solidFill>
-          <a:ln>
-            <a:solidFill>
-              <a:schemeClr val="tx1"/>
-            </a:solidFill>
-          </a:ln>
+            <a:off x="5313145" y="2685448"/>
+            <a:ext cx="760396" cy="760396"/>
+          </a:xfrm>
+          <a:prstGeom prst="rect">
+            <a:avLst/>
+          </a:prstGeom>
         </p:spPr>
         <p:style>
           <a:lnRef idx="2">
@@ -8182,143 +10640,28 @@
           <a:lstStyle/>
           <a:p>
             <a:pPr algn="ctr"/>
-            <a:endParaRPr lang="es-CO" dirty="0"/>
-          </a:p>
-        </p:txBody>
-      </p:sp>
-      <p:cxnSp>
-        <p:nvCxnSpPr>
-          <p:cNvPr id="6" name="Conector recto 5"/>
-          <p:cNvCxnSpPr>
-            <a:stCxn id="4" idx="1"/>
-            <a:endCxn id="4" idx="3"/>
-          </p:cNvCxnSpPr>
-          <p:nvPr/>
-        </p:nvCxnSpPr>
-        <p:spPr>
-          <a:xfrm>
-            <a:off x="1905802" y="3984860"/>
-            <a:ext cx="2261937" cy="0"/>
-          </a:xfrm>
-          <a:prstGeom prst="line">
-            <a:avLst/>
-          </a:prstGeom>
-          <a:ln>
-            <a:solidFill>
-              <a:schemeClr val="tx1"/>
-            </a:solidFill>
-          </a:ln>
-        </p:spPr>
-        <p:style>
-          <a:lnRef idx="1">
-            <a:schemeClr val="accent1"/>
-          </a:lnRef>
-          <a:fillRef idx="0">
-            <a:schemeClr val="accent1"/>
-          </a:fillRef>
-          <a:effectRef idx="0">
-            <a:schemeClr val="accent1"/>
-          </a:effectRef>
-          <a:fontRef idx="minor">
-            <a:schemeClr val="tx1"/>
-          </a:fontRef>
-        </p:style>
-      </p:cxnSp>
-      <p:cxnSp>
-        <p:nvCxnSpPr>
-          <p:cNvPr id="7" name="Conector recto 6"/>
-          <p:cNvCxnSpPr/>
-          <p:nvPr/>
-        </p:nvCxnSpPr>
-        <p:spPr>
-          <a:xfrm>
-            <a:off x="1905802" y="2934100"/>
-            <a:ext cx="2261937" cy="1"/>
-          </a:xfrm>
-          <a:prstGeom prst="line">
-            <a:avLst/>
-          </a:prstGeom>
-          <a:ln>
-            <a:solidFill>
-              <a:schemeClr val="tx1"/>
-            </a:solidFill>
-          </a:ln>
-        </p:spPr>
-        <p:style>
-          <a:lnRef idx="1">
-            <a:schemeClr val="accent1"/>
-          </a:lnRef>
-          <a:fillRef idx="0">
-            <a:schemeClr val="accent1"/>
-          </a:fillRef>
-          <a:effectRef idx="0">
-            <a:schemeClr val="accent1"/>
-          </a:effectRef>
-          <a:fontRef idx="minor">
-            <a:schemeClr val="tx1"/>
-          </a:fontRef>
-        </p:style>
-      </p:cxnSp>
-      <p:sp>
-        <p:nvSpPr>
-          <p:cNvPr id="10" name="CuadroTexto 9"/>
-          <p:cNvSpPr txBox="1"/>
-          <p:nvPr/>
-        </p:nvSpPr>
-        <p:spPr>
-          <a:xfrm>
-            <a:off x="2021305" y="2512194"/>
-            <a:ext cx="2358190" cy="369332"/>
-          </a:xfrm>
-          <a:prstGeom prst="rect">
-            <a:avLst/>
-          </a:prstGeom>
-          <a:noFill/>
-        </p:spPr>
-        <p:txBody>
-          <a:bodyPr wrap="square" rtlCol="0">
-            <a:spAutoFit/>
-          </a:bodyPr>
-          <a:lstStyle/>
-          <a:p>
-            <a:r>
-              <a:rPr lang="es-ES" dirty="0" err="1" smtClean="0"/>
-              <a:t>Main</a:t>
-            </a:r>
-            <a:r>
-              <a:rPr lang="es-ES" dirty="0" smtClean="0"/>
-              <a:t> </a:t>
-            </a:r>
-            <a:r>
-              <a:rPr lang="es-ES" dirty="0" err="1" smtClean="0"/>
-              <a:t>Process</a:t>
-            </a:r>
-            <a:endParaRPr lang="es-CO" dirty="0"/>
-          </a:p>
-        </p:txBody>
-      </p:sp>
-      <p:sp>
-        <p:nvSpPr>
-          <p:cNvPr id="11" name="Rectángulo 10"/>
+            <a:r>
+              <a:rPr lang="es-ES" dirty="0" smtClean="0"/>
+              <a:t>PC1</a:t>
+            </a:r>
+            <a:endParaRPr lang="es-CO" dirty="0"/>
+          </a:p>
+        </p:txBody>
+      </p:sp>
+      <p:sp>
+        <p:nvSpPr>
+          <p:cNvPr id="5" name="Rectángulo 4"/>
           <p:cNvSpPr/>
           <p:nvPr/>
         </p:nvSpPr>
         <p:spPr>
           <a:xfrm>
-            <a:off x="7005587" y="2406316"/>
-            <a:ext cx="2261937" cy="3157087"/>
-          </a:xfrm>
-          <a:prstGeom prst="rect">
-            <a:avLst/>
-          </a:prstGeom>
-          <a:solidFill>
-            <a:schemeClr val="bg1"/>
-          </a:solidFill>
-          <a:ln>
-            <a:solidFill>
-              <a:schemeClr val="tx1"/>
-            </a:solidFill>
-          </a:ln>
+            <a:off x="5313145" y="3595034"/>
+            <a:ext cx="760396" cy="760396"/>
+          </a:xfrm>
+          <a:prstGeom prst="rect">
+            <a:avLst/>
+          </a:prstGeom>
         </p:spPr>
         <p:style>
           <a:lnRef idx="2">
@@ -8341,93 +10684,200 @@
           <a:lstStyle/>
           <a:p>
             <a:pPr algn="ctr"/>
-            <a:endParaRPr lang="es-CO" dirty="0"/>
-          </a:p>
-        </p:txBody>
-      </p:sp>
-      <p:cxnSp>
-        <p:nvCxnSpPr>
-          <p:cNvPr id="12" name="Conector recto 11"/>
-          <p:cNvCxnSpPr>
-            <a:stCxn id="11" idx="1"/>
-            <a:endCxn id="11" idx="3"/>
-          </p:cNvCxnSpPr>
-          <p:nvPr/>
-        </p:nvCxnSpPr>
-        <p:spPr>
-          <a:xfrm>
-            <a:off x="7005587" y="3984860"/>
-            <a:ext cx="2261937" cy="0"/>
-          </a:xfrm>
-          <a:prstGeom prst="line">
-            <a:avLst/>
-          </a:prstGeom>
-          <a:ln>
-            <a:solidFill>
-              <a:schemeClr val="tx1"/>
-            </a:solidFill>
-          </a:ln>
+            <a:r>
+              <a:rPr lang="es-ES" dirty="0" smtClean="0"/>
+              <a:t>PC3</a:t>
+            </a:r>
+            <a:endParaRPr lang="es-CO" dirty="0"/>
+          </a:p>
+        </p:txBody>
+      </p:sp>
+      <p:sp>
+        <p:nvSpPr>
+          <p:cNvPr id="6" name="Rectángulo 5"/>
+          <p:cNvSpPr/>
+          <p:nvPr/>
+        </p:nvSpPr>
+        <p:spPr>
+          <a:xfrm>
+            <a:off x="5313145" y="4533495"/>
+            <a:ext cx="760396" cy="760396"/>
+          </a:xfrm>
+          <a:prstGeom prst="rect">
+            <a:avLst/>
+          </a:prstGeom>
         </p:spPr>
         <p:style>
-          <a:lnRef idx="1">
-            <a:schemeClr val="accent1"/>
+          <a:lnRef idx="2">
+            <a:schemeClr val="accent1">
+              <a:shade val="50000"/>
+            </a:schemeClr>
           </a:lnRef>
-          <a:fillRef idx="0">
+          <a:fillRef idx="1">
             <a:schemeClr val="accent1"/>
           </a:fillRef>
           <a:effectRef idx="0">
             <a:schemeClr val="accent1"/>
           </a:effectRef>
           <a:fontRef idx="minor">
-            <a:schemeClr val="tx1"/>
+            <a:schemeClr val="lt1"/>
           </a:fontRef>
         </p:style>
-      </p:cxnSp>
-      <p:cxnSp>
-        <p:nvCxnSpPr>
-          <p:cNvPr id="13" name="Conector recto 12"/>
-          <p:cNvCxnSpPr/>
-          <p:nvPr/>
-        </p:nvCxnSpPr>
-        <p:spPr>
-          <a:xfrm>
-            <a:off x="7005587" y="2934100"/>
-            <a:ext cx="2261937" cy="1"/>
-          </a:xfrm>
-          <a:prstGeom prst="line">
-            <a:avLst/>
-          </a:prstGeom>
-          <a:ln>
-            <a:solidFill>
-              <a:schemeClr val="tx1"/>
-            </a:solidFill>
-          </a:ln>
+        <p:txBody>
+          <a:bodyPr rtlCol="0" anchor="ctr"/>
+          <a:lstStyle/>
+          <a:p>
+            <a:pPr algn="ctr"/>
+            <a:r>
+              <a:rPr lang="es-ES" dirty="0" smtClean="0"/>
+              <a:t>PC5</a:t>
+            </a:r>
+            <a:endParaRPr lang="es-CO" dirty="0"/>
+          </a:p>
+        </p:txBody>
+      </p:sp>
+      <p:sp>
+        <p:nvSpPr>
+          <p:cNvPr id="7" name="Rectángulo 6"/>
+          <p:cNvSpPr/>
+          <p:nvPr/>
+        </p:nvSpPr>
+        <p:spPr>
+          <a:xfrm>
+            <a:off x="6293318" y="2685448"/>
+            <a:ext cx="760396" cy="760396"/>
+          </a:xfrm>
+          <a:prstGeom prst="rect">
+            <a:avLst/>
+          </a:prstGeom>
         </p:spPr>
         <p:style>
-          <a:lnRef idx="1">
-            <a:schemeClr val="accent1"/>
+          <a:lnRef idx="2">
+            <a:schemeClr val="accent1">
+              <a:shade val="50000"/>
+            </a:schemeClr>
           </a:lnRef>
-          <a:fillRef idx="0">
+          <a:fillRef idx="1">
             <a:schemeClr val="accent1"/>
           </a:fillRef>
           <a:effectRef idx="0">
             <a:schemeClr val="accent1"/>
           </a:effectRef>
           <a:fontRef idx="minor">
-            <a:schemeClr val="tx1"/>
+            <a:schemeClr val="lt1"/>
           </a:fontRef>
         </p:style>
-      </p:cxnSp>
-      <p:sp>
-        <p:nvSpPr>
-          <p:cNvPr id="14" name="CuadroTexto 13"/>
+        <p:txBody>
+          <a:bodyPr rtlCol="0" anchor="ctr"/>
+          <a:lstStyle/>
+          <a:p>
+            <a:pPr algn="ctr"/>
+            <a:r>
+              <a:rPr lang="es-ES" dirty="0" smtClean="0"/>
+              <a:t>PC2</a:t>
+            </a:r>
+            <a:endParaRPr lang="es-CO" dirty="0"/>
+          </a:p>
+        </p:txBody>
+      </p:sp>
+      <p:sp>
+        <p:nvSpPr>
+          <p:cNvPr id="8" name="Rectángulo 7"/>
+          <p:cNvSpPr/>
+          <p:nvPr/>
+        </p:nvSpPr>
+        <p:spPr>
+          <a:xfrm>
+            <a:off x="6293318" y="3595034"/>
+            <a:ext cx="760396" cy="760396"/>
+          </a:xfrm>
+          <a:prstGeom prst="rect">
+            <a:avLst/>
+          </a:prstGeom>
+        </p:spPr>
+        <p:style>
+          <a:lnRef idx="2">
+            <a:schemeClr val="accent1">
+              <a:shade val="50000"/>
+            </a:schemeClr>
+          </a:lnRef>
+          <a:fillRef idx="1">
+            <a:schemeClr val="accent1"/>
+          </a:fillRef>
+          <a:effectRef idx="0">
+            <a:schemeClr val="accent1"/>
+          </a:effectRef>
+          <a:fontRef idx="minor">
+            <a:schemeClr val="lt1"/>
+          </a:fontRef>
+        </p:style>
+        <p:txBody>
+          <a:bodyPr rtlCol="0" anchor="ctr"/>
+          <a:lstStyle/>
+          <a:p>
+            <a:pPr algn="ctr"/>
+            <a:r>
+              <a:rPr lang="es-ES" dirty="0" smtClean="0"/>
+              <a:t>PC4</a:t>
+            </a:r>
+            <a:endParaRPr lang="es-CO" dirty="0"/>
+          </a:p>
+        </p:txBody>
+      </p:sp>
+      <p:sp>
+        <p:nvSpPr>
+          <p:cNvPr id="9" name="Rectángulo 8"/>
+          <p:cNvSpPr/>
+          <p:nvPr/>
+        </p:nvSpPr>
+        <p:spPr>
+          <a:xfrm>
+            <a:off x="6293318" y="4533495"/>
+            <a:ext cx="760396" cy="760396"/>
+          </a:xfrm>
+          <a:prstGeom prst="rect">
+            <a:avLst/>
+          </a:prstGeom>
+        </p:spPr>
+        <p:style>
+          <a:lnRef idx="2">
+            <a:schemeClr val="accent1">
+              <a:shade val="50000"/>
+            </a:schemeClr>
+          </a:lnRef>
+          <a:fillRef idx="1">
+            <a:schemeClr val="accent1"/>
+          </a:fillRef>
+          <a:effectRef idx="0">
+            <a:schemeClr val="accent1"/>
+          </a:effectRef>
+          <a:fontRef idx="minor">
+            <a:schemeClr val="lt1"/>
+          </a:fontRef>
+        </p:style>
+        <p:txBody>
+          <a:bodyPr rtlCol="0" anchor="ctr"/>
+          <a:lstStyle/>
+          <a:p>
+            <a:pPr algn="ctr"/>
+            <a:r>
+              <a:rPr lang="es-ES" dirty="0" smtClean="0"/>
+              <a:t>PC6</a:t>
+            </a:r>
+            <a:endParaRPr lang="es-CO" dirty="0"/>
+          </a:p>
+        </p:txBody>
+      </p:sp>
+      <p:sp>
+        <p:nvSpPr>
+          <p:cNvPr id="10" name="CuadroTexto 9"/>
           <p:cNvSpPr txBox="1"/>
           <p:nvPr/>
         </p:nvSpPr>
         <p:spPr>
           <a:xfrm>
-            <a:off x="7121090" y="2512194"/>
-            <a:ext cx="2358190" cy="369332"/>
+            <a:off x="7295949" y="2800952"/>
+            <a:ext cx="2213811" cy="375385"/>
           </a:xfrm>
           <a:prstGeom prst="rect">
             <a:avLst/>
@@ -8441,67 +10891,23 @@
           <a:lstStyle/>
           <a:p>
             <a:r>
-              <a:rPr lang="es-ES" dirty="0" err="1" smtClean="0"/>
-              <a:t>Worker</a:t>
-            </a:r>
-            <a:r>
-              <a:rPr lang="es-ES" dirty="0" smtClean="0"/>
-              <a:t> </a:t>
-            </a:r>
-            <a:r>
-              <a:rPr lang="es-ES" dirty="0" err="1" smtClean="0"/>
-              <a:t>Process</a:t>
-            </a:r>
-            <a:endParaRPr lang="es-CO" dirty="0"/>
-          </a:p>
-        </p:txBody>
-      </p:sp>
-      <p:cxnSp>
-        <p:nvCxnSpPr>
-          <p:cNvPr id="16" name="Conector recto de flecha 15"/>
-          <p:cNvCxnSpPr/>
-          <p:nvPr/>
-        </p:nvCxnSpPr>
-        <p:spPr>
-          <a:xfrm>
-            <a:off x="4167739" y="3060834"/>
-            <a:ext cx="2837848" cy="0"/>
-          </a:xfrm>
-          <a:prstGeom prst="straightConnector1">
-            <a:avLst/>
-          </a:prstGeom>
-          <a:ln>
-            <a:solidFill>
-              <a:schemeClr val="tx1"/>
-            </a:solidFill>
-            <a:tailEnd type="triangle"/>
-          </a:ln>
-        </p:spPr>
-        <p:style>
-          <a:lnRef idx="1">
-            <a:schemeClr val="accent1"/>
-          </a:lnRef>
-          <a:fillRef idx="0">
-            <a:schemeClr val="accent1"/>
-          </a:fillRef>
-          <a:effectRef idx="0">
-            <a:schemeClr val="accent1"/>
-          </a:effectRef>
-          <a:fontRef idx="minor">
-            <a:schemeClr val="tx1"/>
-          </a:fontRef>
-        </p:style>
-      </p:cxnSp>
-      <p:sp>
-        <p:nvSpPr>
-          <p:cNvPr id="17" name="CuadroTexto 16"/>
+              <a:rPr lang="es-ES" dirty="0" smtClean="0"/>
+              <a:t>192.168.204.56</a:t>
+            </a:r>
+            <a:endParaRPr lang="es-CO" dirty="0"/>
+          </a:p>
+        </p:txBody>
+      </p:sp>
+      <p:sp>
+        <p:nvSpPr>
+          <p:cNvPr id="11" name="CuadroTexto 10"/>
           <p:cNvSpPr txBox="1"/>
           <p:nvPr/>
         </p:nvSpPr>
         <p:spPr>
           <a:xfrm>
-            <a:off x="5240153" y="3153515"/>
-            <a:ext cx="693019" cy="369332"/>
+            <a:off x="7295949" y="3787539"/>
+            <a:ext cx="2213811" cy="375385"/>
           </a:xfrm>
           <a:prstGeom prst="rect">
             <a:avLst/>
@@ -8514,19 +10920,715 @@
           </a:bodyPr>
           <a:lstStyle/>
           <a:p>
-            <a:pPr algn="ctr"/>
-            <a:r>
-              <a:rPr lang="es-ES" dirty="0" smtClean="0"/>
-              <a:t>Use</a:t>
-            </a:r>
-            <a:endParaRPr lang="es-CO" dirty="0"/>
+            <a:r>
+              <a:rPr lang="es-ES" dirty="0" smtClean="0"/>
+              <a:t>192.168.207.18</a:t>
+            </a:r>
+            <a:endParaRPr lang="es-CO" dirty="0"/>
+          </a:p>
+        </p:txBody>
+      </p:sp>
+      <p:sp>
+        <p:nvSpPr>
+          <p:cNvPr id="12" name="CuadroTexto 11"/>
+          <p:cNvSpPr txBox="1"/>
+          <p:nvPr/>
+        </p:nvSpPr>
+        <p:spPr>
+          <a:xfrm>
+            <a:off x="7295949" y="4726000"/>
+            <a:ext cx="2213811" cy="375385"/>
+          </a:xfrm>
+          <a:prstGeom prst="rect">
+            <a:avLst/>
+          </a:prstGeom>
+          <a:noFill/>
+        </p:spPr>
+        <p:txBody>
+          <a:bodyPr wrap="square" rtlCol="0">
+            <a:spAutoFit/>
+          </a:bodyPr>
+          <a:lstStyle/>
+          <a:p>
+            <a:r>
+              <a:rPr lang="es-ES" dirty="0" smtClean="0"/>
+              <a:t>192.168.205.15</a:t>
+            </a:r>
+            <a:endParaRPr lang="es-CO" dirty="0"/>
+          </a:p>
+        </p:txBody>
+      </p:sp>
+      <p:sp>
+        <p:nvSpPr>
+          <p:cNvPr id="13" name="CuadroTexto 12"/>
+          <p:cNvSpPr txBox="1"/>
+          <p:nvPr/>
+        </p:nvSpPr>
+        <p:spPr>
+          <a:xfrm>
+            <a:off x="2876349" y="2800952"/>
+            <a:ext cx="2213811" cy="375385"/>
+          </a:xfrm>
+          <a:prstGeom prst="rect">
+            <a:avLst/>
+          </a:prstGeom>
+          <a:noFill/>
+        </p:spPr>
+        <p:txBody>
+          <a:bodyPr wrap="square" rtlCol="0">
+            <a:spAutoFit/>
+          </a:bodyPr>
+          <a:lstStyle/>
+          <a:p>
+            <a:pPr algn="r"/>
+            <a:r>
+              <a:rPr lang="es-ES" dirty="0" smtClean="0"/>
+              <a:t>192.168.223.53</a:t>
+            </a:r>
+            <a:endParaRPr lang="es-CO" dirty="0"/>
+          </a:p>
+        </p:txBody>
+      </p:sp>
+      <p:sp>
+        <p:nvSpPr>
+          <p:cNvPr id="14" name="CuadroTexto 13"/>
+          <p:cNvSpPr txBox="1"/>
+          <p:nvPr/>
+        </p:nvSpPr>
+        <p:spPr>
+          <a:xfrm>
+            <a:off x="2876349" y="3787539"/>
+            <a:ext cx="2213811" cy="375385"/>
+          </a:xfrm>
+          <a:prstGeom prst="rect">
+            <a:avLst/>
+          </a:prstGeom>
+          <a:noFill/>
+        </p:spPr>
+        <p:txBody>
+          <a:bodyPr wrap="square" rtlCol="0">
+            <a:spAutoFit/>
+          </a:bodyPr>
+          <a:lstStyle/>
+          <a:p>
+            <a:pPr algn="r"/>
+            <a:r>
+              <a:rPr lang="es-ES" dirty="0" smtClean="0"/>
+              <a:t>192.168.213.25</a:t>
+            </a:r>
+            <a:endParaRPr lang="es-CO" dirty="0"/>
+          </a:p>
+        </p:txBody>
+      </p:sp>
+      <p:sp>
+        <p:nvSpPr>
+          <p:cNvPr id="15" name="CuadroTexto 14"/>
+          <p:cNvSpPr txBox="1"/>
+          <p:nvPr/>
+        </p:nvSpPr>
+        <p:spPr>
+          <a:xfrm>
+            <a:off x="2876349" y="4726000"/>
+            <a:ext cx="2213811" cy="375385"/>
+          </a:xfrm>
+          <a:prstGeom prst="rect">
+            <a:avLst/>
+          </a:prstGeom>
+          <a:noFill/>
+        </p:spPr>
+        <p:txBody>
+          <a:bodyPr wrap="square" rtlCol="0">
+            <a:spAutoFit/>
+          </a:bodyPr>
+          <a:lstStyle/>
+          <a:p>
+            <a:pPr algn="r"/>
+            <a:r>
+              <a:rPr lang="es-ES" dirty="0" smtClean="0"/>
+              <a:t>192.168.220.115</a:t>
+            </a:r>
+            <a:endParaRPr lang="es-CO" dirty="0"/>
+          </a:p>
+        </p:txBody>
+      </p:sp>
+      <p:sp>
+        <p:nvSpPr>
+          <p:cNvPr id="16" name="CuadroTexto 15"/>
+          <p:cNvSpPr txBox="1"/>
+          <p:nvPr/>
+        </p:nvSpPr>
+        <p:spPr>
+          <a:xfrm>
+            <a:off x="5282665" y="1830487"/>
+            <a:ext cx="2213811" cy="646331"/>
+          </a:xfrm>
+          <a:prstGeom prst="rect">
+            <a:avLst/>
+          </a:prstGeom>
+          <a:noFill/>
+        </p:spPr>
+        <p:txBody>
+          <a:bodyPr wrap="square" rtlCol="0">
+            <a:spAutoFit/>
+          </a:bodyPr>
+          <a:lstStyle/>
+          <a:p>
+            <a:r>
+              <a:rPr lang="es-ES" dirty="0" smtClean="0"/>
+              <a:t>Máscara: </a:t>
+            </a:r>
+            <a:r>
+              <a:rPr lang="es-ES" dirty="0" smtClean="0"/>
+              <a:t>255.255.224.0</a:t>
+            </a:r>
+            <a:endParaRPr lang="es-CO" dirty="0"/>
+          </a:p>
+        </p:txBody>
+      </p:sp>
+      <p:sp>
+        <p:nvSpPr>
+          <p:cNvPr id="17" name="CuadroTexto 16"/>
+          <p:cNvSpPr txBox="1"/>
+          <p:nvPr/>
+        </p:nvSpPr>
+        <p:spPr>
+          <a:xfrm>
+            <a:off x="4940968" y="5533801"/>
+            <a:ext cx="2704700" cy="646331"/>
+          </a:xfrm>
+          <a:prstGeom prst="rect">
+            <a:avLst/>
+          </a:prstGeom>
+          <a:noFill/>
+        </p:spPr>
+        <p:txBody>
+          <a:bodyPr wrap="square" rtlCol="0">
+            <a:spAutoFit/>
+          </a:bodyPr>
+          <a:lstStyle/>
+          <a:p>
+            <a:r>
+              <a:rPr lang="es-ES" dirty="0" smtClean="0"/>
+              <a:t>La dirección de subred es</a:t>
+            </a:r>
+          </a:p>
+          <a:p>
+            <a:r>
+              <a:rPr lang="es-ES" dirty="0" smtClean="0"/>
+              <a:t>192.168.192.0 </a:t>
+            </a:r>
+            <a:r>
+              <a:rPr lang="es-ES" dirty="0" smtClean="0"/>
+              <a:t>/ </a:t>
+            </a:r>
+            <a:r>
+              <a:rPr lang="es-ES" dirty="0" smtClean="0"/>
+              <a:t>19</a:t>
+            </a:r>
+            <a:endParaRPr lang="es-CO" dirty="0"/>
+          </a:p>
+        </p:txBody>
+      </p:sp>
+      <p:sp>
+        <p:nvSpPr>
+          <p:cNvPr id="18" name="CuadroTexto 17"/>
+          <p:cNvSpPr txBox="1"/>
+          <p:nvPr/>
+        </p:nvSpPr>
+        <p:spPr>
+          <a:xfrm>
+            <a:off x="2876349" y="3082489"/>
+            <a:ext cx="2213811" cy="375385"/>
+          </a:xfrm>
+          <a:prstGeom prst="rect">
+            <a:avLst/>
+          </a:prstGeom>
+          <a:noFill/>
+        </p:spPr>
+        <p:txBody>
+          <a:bodyPr wrap="square" rtlCol="0">
+            <a:spAutoFit/>
+          </a:bodyPr>
+          <a:lstStyle/>
+          <a:p>
+            <a:pPr algn="r"/>
+            <a:r>
+              <a:rPr lang="es-ES" dirty="0" smtClean="0">
+                <a:solidFill>
+                  <a:srgbClr val="00B050"/>
+                </a:solidFill>
+              </a:rPr>
+              <a:t>223 </a:t>
+            </a:r>
+            <a:r>
+              <a:rPr lang="es-ES" dirty="0">
+                <a:solidFill>
+                  <a:srgbClr val="00B050"/>
+                </a:solidFill>
+                <a:sym typeface="Wingdings" panose="05000000000000000000" pitchFamily="2" charset="2"/>
+              </a:rPr>
+              <a:t></a:t>
+            </a:r>
+            <a:r>
+              <a:rPr lang="es-ES" dirty="0">
+                <a:solidFill>
+                  <a:srgbClr val="7030A0"/>
+                </a:solidFill>
+                <a:sym typeface="Wingdings" panose="05000000000000000000" pitchFamily="2" charset="2"/>
+              </a:rPr>
+              <a:t>110</a:t>
+            </a:r>
+            <a:r>
+              <a:rPr lang="es-ES" dirty="0">
+                <a:solidFill>
+                  <a:srgbClr val="00B050"/>
+                </a:solidFill>
+                <a:sym typeface="Wingdings" panose="05000000000000000000" pitchFamily="2" charset="2"/>
+              </a:rPr>
+              <a:t>11111 </a:t>
+            </a:r>
+            <a:endParaRPr lang="es-CO" dirty="0">
+              <a:solidFill>
+                <a:srgbClr val="00B050"/>
+              </a:solidFill>
+            </a:endParaRPr>
+          </a:p>
+        </p:txBody>
+      </p:sp>
+      <p:sp>
+        <p:nvSpPr>
+          <p:cNvPr id="19" name="CuadroTexto 18"/>
+          <p:cNvSpPr txBox="1"/>
+          <p:nvPr/>
+        </p:nvSpPr>
+        <p:spPr>
+          <a:xfrm>
+            <a:off x="268615" y="2081463"/>
+            <a:ext cx="2694718" cy="1477328"/>
+          </a:xfrm>
+          <a:prstGeom prst="rect">
+            <a:avLst/>
+          </a:prstGeom>
+          <a:noFill/>
+        </p:spPr>
+        <p:txBody>
+          <a:bodyPr wrap="square" rtlCol="0">
+            <a:spAutoFit/>
+          </a:bodyPr>
+          <a:lstStyle/>
+          <a:p>
+            <a:r>
+              <a:rPr lang="es-ES" dirty="0" smtClean="0">
+                <a:solidFill>
+                  <a:srgbClr val="00B050"/>
+                </a:solidFill>
+              </a:rPr>
+              <a:t>192 y 168 son números comunes, pero a nivel de bits, ¿Qué números en común tienen 223, 213, 220, 204, 207 y 205?</a:t>
+            </a:r>
+            <a:endParaRPr lang="es-CO" dirty="0">
+              <a:solidFill>
+                <a:srgbClr val="00B050"/>
+              </a:solidFill>
+            </a:endParaRPr>
+          </a:p>
+        </p:txBody>
+      </p:sp>
+      <p:sp>
+        <p:nvSpPr>
+          <p:cNvPr id="20" name="CuadroTexto 19"/>
+          <p:cNvSpPr txBox="1"/>
+          <p:nvPr/>
+        </p:nvSpPr>
+        <p:spPr>
+          <a:xfrm>
+            <a:off x="2876349" y="4134407"/>
+            <a:ext cx="2213811" cy="375385"/>
+          </a:xfrm>
+          <a:prstGeom prst="rect">
+            <a:avLst/>
+          </a:prstGeom>
+          <a:noFill/>
+        </p:spPr>
+        <p:txBody>
+          <a:bodyPr wrap="square" rtlCol="0">
+            <a:spAutoFit/>
+          </a:bodyPr>
+          <a:lstStyle/>
+          <a:p>
+            <a:pPr algn="r"/>
+            <a:r>
+              <a:rPr lang="es-ES" dirty="0" smtClean="0">
+                <a:solidFill>
+                  <a:srgbClr val="00B050"/>
+                </a:solidFill>
+              </a:rPr>
+              <a:t>213 </a:t>
+            </a:r>
+            <a:r>
+              <a:rPr lang="es-ES" dirty="0">
+                <a:solidFill>
+                  <a:srgbClr val="00B050"/>
+                </a:solidFill>
+                <a:sym typeface="Wingdings" panose="05000000000000000000" pitchFamily="2" charset="2"/>
+              </a:rPr>
+              <a:t></a:t>
+            </a:r>
+            <a:r>
+              <a:rPr lang="es-ES" dirty="0">
+                <a:solidFill>
+                  <a:srgbClr val="7030A0"/>
+                </a:solidFill>
+                <a:sym typeface="Wingdings" panose="05000000000000000000" pitchFamily="2" charset="2"/>
+              </a:rPr>
+              <a:t>110</a:t>
+            </a:r>
+            <a:r>
+              <a:rPr lang="es-ES" dirty="0">
+                <a:solidFill>
+                  <a:srgbClr val="00B050"/>
+                </a:solidFill>
+                <a:sym typeface="Wingdings" panose="05000000000000000000" pitchFamily="2" charset="2"/>
+              </a:rPr>
+              <a:t>10101</a:t>
+            </a:r>
+            <a:endParaRPr lang="es-CO" dirty="0">
+              <a:solidFill>
+                <a:srgbClr val="00B050"/>
+              </a:solidFill>
+            </a:endParaRPr>
+          </a:p>
+        </p:txBody>
+      </p:sp>
+      <p:sp>
+        <p:nvSpPr>
+          <p:cNvPr id="21" name="CuadroTexto 20"/>
+          <p:cNvSpPr txBox="1"/>
+          <p:nvPr/>
+        </p:nvSpPr>
+        <p:spPr>
+          <a:xfrm>
+            <a:off x="2876349" y="5106198"/>
+            <a:ext cx="2213811" cy="375385"/>
+          </a:xfrm>
+          <a:prstGeom prst="rect">
+            <a:avLst/>
+          </a:prstGeom>
+          <a:noFill/>
+        </p:spPr>
+        <p:txBody>
+          <a:bodyPr wrap="square" rtlCol="0">
+            <a:spAutoFit/>
+          </a:bodyPr>
+          <a:lstStyle/>
+          <a:p>
+            <a:pPr algn="r"/>
+            <a:r>
+              <a:rPr lang="es-ES" dirty="0" smtClean="0">
+                <a:solidFill>
+                  <a:srgbClr val="00B050"/>
+                </a:solidFill>
+              </a:rPr>
+              <a:t>220 </a:t>
+            </a:r>
+            <a:r>
+              <a:rPr lang="es-ES" dirty="0">
+                <a:solidFill>
+                  <a:srgbClr val="00B050"/>
+                </a:solidFill>
+                <a:sym typeface="Wingdings" panose="05000000000000000000" pitchFamily="2" charset="2"/>
+              </a:rPr>
+              <a:t></a:t>
+            </a:r>
+            <a:r>
+              <a:rPr lang="es-ES" dirty="0">
+                <a:solidFill>
+                  <a:srgbClr val="7030A0"/>
+                </a:solidFill>
+                <a:sym typeface="Wingdings" panose="05000000000000000000" pitchFamily="2" charset="2"/>
+              </a:rPr>
+              <a:t>110</a:t>
+            </a:r>
+            <a:r>
+              <a:rPr lang="es-ES" dirty="0">
+                <a:solidFill>
+                  <a:srgbClr val="00B050"/>
+                </a:solidFill>
+                <a:sym typeface="Wingdings" panose="05000000000000000000" pitchFamily="2" charset="2"/>
+              </a:rPr>
+              <a:t>11100</a:t>
+            </a:r>
+            <a:endParaRPr lang="es-CO" dirty="0">
+              <a:solidFill>
+                <a:srgbClr val="00B050"/>
+              </a:solidFill>
+            </a:endParaRPr>
+          </a:p>
+        </p:txBody>
+      </p:sp>
+      <p:sp>
+        <p:nvSpPr>
+          <p:cNvPr id="22" name="CuadroTexto 21"/>
+          <p:cNvSpPr txBox="1"/>
+          <p:nvPr/>
+        </p:nvSpPr>
+        <p:spPr>
+          <a:xfrm>
+            <a:off x="7295948" y="3087842"/>
+            <a:ext cx="2213811" cy="375385"/>
+          </a:xfrm>
+          <a:prstGeom prst="rect">
+            <a:avLst/>
+          </a:prstGeom>
+          <a:noFill/>
+        </p:spPr>
+        <p:txBody>
+          <a:bodyPr wrap="square" rtlCol="0">
+            <a:spAutoFit/>
+          </a:bodyPr>
+          <a:lstStyle/>
+          <a:p>
+            <a:r>
+              <a:rPr lang="es-ES" dirty="0" smtClean="0">
+                <a:solidFill>
+                  <a:srgbClr val="00B050"/>
+                </a:solidFill>
+              </a:rPr>
+              <a:t>204 </a:t>
+            </a:r>
+            <a:r>
+              <a:rPr lang="es-ES" dirty="0">
+                <a:solidFill>
+                  <a:srgbClr val="00B050"/>
+                </a:solidFill>
+                <a:sym typeface="Wingdings" panose="05000000000000000000" pitchFamily="2" charset="2"/>
+              </a:rPr>
+              <a:t></a:t>
+            </a:r>
+            <a:r>
+              <a:rPr lang="es-ES" dirty="0">
+                <a:solidFill>
+                  <a:srgbClr val="7030A0"/>
+                </a:solidFill>
+                <a:sym typeface="Wingdings" panose="05000000000000000000" pitchFamily="2" charset="2"/>
+              </a:rPr>
+              <a:t>110</a:t>
+            </a:r>
+            <a:r>
+              <a:rPr lang="es-ES" dirty="0">
+                <a:solidFill>
+                  <a:srgbClr val="00B050"/>
+                </a:solidFill>
+                <a:sym typeface="Wingdings" panose="05000000000000000000" pitchFamily="2" charset="2"/>
+              </a:rPr>
+              <a:t>01100</a:t>
+            </a:r>
+            <a:endParaRPr lang="es-CO" dirty="0">
+              <a:solidFill>
+                <a:srgbClr val="00B050"/>
+              </a:solidFill>
+            </a:endParaRPr>
+          </a:p>
+        </p:txBody>
+      </p:sp>
+      <p:sp>
+        <p:nvSpPr>
+          <p:cNvPr id="23" name="CuadroTexto 22"/>
+          <p:cNvSpPr txBox="1"/>
+          <p:nvPr/>
+        </p:nvSpPr>
+        <p:spPr>
+          <a:xfrm>
+            <a:off x="7295948" y="4111851"/>
+            <a:ext cx="2213811" cy="375385"/>
+          </a:xfrm>
+          <a:prstGeom prst="rect">
+            <a:avLst/>
+          </a:prstGeom>
+          <a:noFill/>
+        </p:spPr>
+        <p:txBody>
+          <a:bodyPr wrap="square" rtlCol="0">
+            <a:spAutoFit/>
+          </a:bodyPr>
+          <a:lstStyle/>
+          <a:p>
+            <a:r>
+              <a:rPr lang="es-ES" dirty="0" smtClean="0">
+                <a:solidFill>
+                  <a:srgbClr val="00B050"/>
+                </a:solidFill>
+              </a:rPr>
+              <a:t>204 </a:t>
+            </a:r>
+            <a:r>
+              <a:rPr lang="es-ES" dirty="0">
+                <a:solidFill>
+                  <a:srgbClr val="00B050"/>
+                </a:solidFill>
+                <a:sym typeface="Wingdings" panose="05000000000000000000" pitchFamily="2" charset="2"/>
+              </a:rPr>
+              <a:t></a:t>
+            </a:r>
+            <a:r>
+              <a:rPr lang="es-ES" dirty="0">
+                <a:solidFill>
+                  <a:srgbClr val="7030A0"/>
+                </a:solidFill>
+                <a:sym typeface="Wingdings" panose="05000000000000000000" pitchFamily="2" charset="2"/>
+              </a:rPr>
+              <a:t>110</a:t>
+            </a:r>
+            <a:r>
+              <a:rPr lang="es-ES" dirty="0">
+                <a:solidFill>
+                  <a:srgbClr val="00B050"/>
+                </a:solidFill>
+                <a:sym typeface="Wingdings" panose="05000000000000000000" pitchFamily="2" charset="2"/>
+              </a:rPr>
+              <a:t>01111</a:t>
+            </a:r>
+            <a:endParaRPr lang="es-CO" dirty="0">
+              <a:solidFill>
+                <a:srgbClr val="00B050"/>
+              </a:solidFill>
+            </a:endParaRPr>
+          </a:p>
+        </p:txBody>
+      </p:sp>
+      <p:sp>
+        <p:nvSpPr>
+          <p:cNvPr id="24" name="CuadroTexto 23"/>
+          <p:cNvSpPr txBox="1"/>
+          <p:nvPr/>
+        </p:nvSpPr>
+        <p:spPr>
+          <a:xfrm>
+            <a:off x="7295948" y="5106198"/>
+            <a:ext cx="2213811" cy="375385"/>
+          </a:xfrm>
+          <a:prstGeom prst="rect">
+            <a:avLst/>
+          </a:prstGeom>
+          <a:noFill/>
+        </p:spPr>
+        <p:txBody>
+          <a:bodyPr wrap="square" rtlCol="0">
+            <a:spAutoFit/>
+          </a:bodyPr>
+          <a:lstStyle/>
+          <a:p>
+            <a:r>
+              <a:rPr lang="es-ES" dirty="0" smtClean="0">
+                <a:solidFill>
+                  <a:srgbClr val="00B050"/>
+                </a:solidFill>
+              </a:rPr>
+              <a:t>205 </a:t>
+            </a:r>
+            <a:r>
+              <a:rPr lang="es-ES" dirty="0">
+                <a:solidFill>
+                  <a:srgbClr val="00B050"/>
+                </a:solidFill>
+                <a:sym typeface="Wingdings" panose="05000000000000000000" pitchFamily="2" charset="2"/>
+              </a:rPr>
+              <a:t></a:t>
+            </a:r>
+            <a:r>
+              <a:rPr lang="es-ES" dirty="0">
+                <a:solidFill>
+                  <a:srgbClr val="7030A0"/>
+                </a:solidFill>
+                <a:sym typeface="Wingdings" panose="05000000000000000000" pitchFamily="2" charset="2"/>
+              </a:rPr>
+              <a:t>110</a:t>
+            </a:r>
+            <a:r>
+              <a:rPr lang="es-ES" dirty="0">
+                <a:solidFill>
+                  <a:srgbClr val="00B050"/>
+                </a:solidFill>
+                <a:sym typeface="Wingdings" panose="05000000000000000000" pitchFamily="2" charset="2"/>
+              </a:rPr>
+              <a:t>01101</a:t>
+            </a:r>
+            <a:endParaRPr lang="es-CO" dirty="0">
+              <a:solidFill>
+                <a:srgbClr val="00B050"/>
+              </a:solidFill>
+            </a:endParaRPr>
+          </a:p>
+        </p:txBody>
+      </p:sp>
+      <p:sp>
+        <p:nvSpPr>
+          <p:cNvPr id="26" name="CuadroTexto 25"/>
+          <p:cNvSpPr txBox="1"/>
+          <p:nvPr/>
+        </p:nvSpPr>
+        <p:spPr>
+          <a:xfrm>
+            <a:off x="268615" y="3825641"/>
+            <a:ext cx="2978664" cy="2585323"/>
+          </a:xfrm>
+          <a:prstGeom prst="rect">
+            <a:avLst/>
+          </a:prstGeom>
+          <a:noFill/>
+        </p:spPr>
+        <p:txBody>
+          <a:bodyPr wrap="square" rtlCol="0">
+            <a:spAutoFit/>
+          </a:bodyPr>
+          <a:lstStyle/>
+          <a:p>
+            <a:r>
+              <a:rPr lang="es-ES" dirty="0" smtClean="0">
+                <a:solidFill>
+                  <a:srgbClr val="7030A0"/>
+                </a:solidFill>
+              </a:rPr>
+              <a:t>Nótese que los tres primeros bytes son comunes en todas las direcciones.</a:t>
+            </a:r>
+          </a:p>
+          <a:p>
+            <a:endParaRPr lang="es-ES" dirty="0">
+              <a:solidFill>
+                <a:srgbClr val="7030A0"/>
+              </a:solidFill>
+            </a:endParaRPr>
+          </a:p>
+          <a:p>
+            <a:r>
+              <a:rPr lang="es-ES" dirty="0" smtClean="0">
+                <a:solidFill>
+                  <a:srgbClr val="7030A0"/>
+                </a:solidFill>
+              </a:rPr>
+              <a:t>Por lo tanto hay 19 bytes en común para estos números de red. Por lo tanto la máscara es </a:t>
+            </a:r>
+          </a:p>
+          <a:p>
+            <a:r>
+              <a:rPr lang="es-ES" dirty="0" smtClean="0">
+                <a:solidFill>
+                  <a:srgbClr val="7030A0"/>
+                </a:solidFill>
+              </a:rPr>
+              <a:t>255.255.224.0</a:t>
+            </a:r>
+            <a:endParaRPr lang="es-CO" dirty="0">
+              <a:solidFill>
+                <a:srgbClr val="7030A0"/>
+              </a:solidFill>
+            </a:endParaRPr>
           </a:p>
         </p:txBody>
       </p:sp>
     </p:spTree>
     <p:extLst>
       <p:ext uri="{BB962C8B-B14F-4D97-AF65-F5344CB8AC3E}">
-        <p14:creationId xmlns:p14="http://schemas.microsoft.com/office/powerpoint/2010/main" val="2158081201"/>
+        <p14:creationId xmlns:p14="http://schemas.microsoft.com/office/powerpoint/2010/main" val="2257565468"/>
       </p:ext>
     </p:extLst>
   </p:cSld>
@@ -8570,6 +11672,1838 @@
           <a:p>
             <a:r>
               <a:rPr lang="es-ES" dirty="0" smtClean="0"/>
+              <a:t>¿Cuál es la dirección de subred</a:t>
+            </a:r>
+            <a:r>
+              <a:rPr lang="es-ES" dirty="0" smtClean="0"/>
+              <a:t>?</a:t>
+            </a:r>
+            <a:endParaRPr lang="es-CO" dirty="0"/>
+          </a:p>
+        </p:txBody>
+      </p:sp>
+      <p:sp>
+        <p:nvSpPr>
+          <p:cNvPr id="4" name="Rectángulo 3"/>
+          <p:cNvSpPr/>
+          <p:nvPr/>
+        </p:nvSpPr>
+        <p:spPr>
+          <a:xfrm>
+            <a:off x="5313145" y="2685448"/>
+            <a:ext cx="760396" cy="760396"/>
+          </a:xfrm>
+          <a:prstGeom prst="rect">
+            <a:avLst/>
+          </a:prstGeom>
+        </p:spPr>
+        <p:style>
+          <a:lnRef idx="2">
+            <a:schemeClr val="accent1">
+              <a:shade val="50000"/>
+            </a:schemeClr>
+          </a:lnRef>
+          <a:fillRef idx="1">
+            <a:schemeClr val="accent1"/>
+          </a:fillRef>
+          <a:effectRef idx="0">
+            <a:schemeClr val="accent1"/>
+          </a:effectRef>
+          <a:fontRef idx="minor">
+            <a:schemeClr val="lt1"/>
+          </a:fontRef>
+        </p:style>
+        <p:txBody>
+          <a:bodyPr rtlCol="0" anchor="ctr"/>
+          <a:lstStyle/>
+          <a:p>
+            <a:pPr algn="ctr"/>
+            <a:r>
+              <a:rPr lang="es-ES" dirty="0" smtClean="0"/>
+              <a:t>PC1</a:t>
+            </a:r>
+            <a:endParaRPr lang="es-CO" dirty="0"/>
+          </a:p>
+        </p:txBody>
+      </p:sp>
+      <p:sp>
+        <p:nvSpPr>
+          <p:cNvPr id="5" name="Rectángulo 4"/>
+          <p:cNvSpPr/>
+          <p:nvPr/>
+        </p:nvSpPr>
+        <p:spPr>
+          <a:xfrm>
+            <a:off x="5313145" y="3595034"/>
+            <a:ext cx="760396" cy="760396"/>
+          </a:xfrm>
+          <a:prstGeom prst="rect">
+            <a:avLst/>
+          </a:prstGeom>
+        </p:spPr>
+        <p:style>
+          <a:lnRef idx="2">
+            <a:schemeClr val="accent1">
+              <a:shade val="50000"/>
+            </a:schemeClr>
+          </a:lnRef>
+          <a:fillRef idx="1">
+            <a:schemeClr val="accent1"/>
+          </a:fillRef>
+          <a:effectRef idx="0">
+            <a:schemeClr val="accent1"/>
+          </a:effectRef>
+          <a:fontRef idx="minor">
+            <a:schemeClr val="lt1"/>
+          </a:fontRef>
+        </p:style>
+        <p:txBody>
+          <a:bodyPr rtlCol="0" anchor="ctr"/>
+          <a:lstStyle/>
+          <a:p>
+            <a:pPr algn="ctr"/>
+            <a:r>
+              <a:rPr lang="es-ES" dirty="0" smtClean="0"/>
+              <a:t>PC3</a:t>
+            </a:r>
+            <a:endParaRPr lang="es-CO" dirty="0"/>
+          </a:p>
+        </p:txBody>
+      </p:sp>
+      <p:sp>
+        <p:nvSpPr>
+          <p:cNvPr id="6" name="Rectángulo 5"/>
+          <p:cNvSpPr/>
+          <p:nvPr/>
+        </p:nvSpPr>
+        <p:spPr>
+          <a:xfrm>
+            <a:off x="5313145" y="4533495"/>
+            <a:ext cx="760396" cy="760396"/>
+          </a:xfrm>
+          <a:prstGeom prst="rect">
+            <a:avLst/>
+          </a:prstGeom>
+        </p:spPr>
+        <p:style>
+          <a:lnRef idx="2">
+            <a:schemeClr val="accent1">
+              <a:shade val="50000"/>
+            </a:schemeClr>
+          </a:lnRef>
+          <a:fillRef idx="1">
+            <a:schemeClr val="accent1"/>
+          </a:fillRef>
+          <a:effectRef idx="0">
+            <a:schemeClr val="accent1"/>
+          </a:effectRef>
+          <a:fontRef idx="minor">
+            <a:schemeClr val="lt1"/>
+          </a:fontRef>
+        </p:style>
+        <p:txBody>
+          <a:bodyPr rtlCol="0" anchor="ctr"/>
+          <a:lstStyle/>
+          <a:p>
+            <a:pPr algn="ctr"/>
+            <a:r>
+              <a:rPr lang="es-ES" dirty="0" smtClean="0"/>
+              <a:t>PC5</a:t>
+            </a:r>
+            <a:endParaRPr lang="es-CO" dirty="0"/>
+          </a:p>
+        </p:txBody>
+      </p:sp>
+      <p:sp>
+        <p:nvSpPr>
+          <p:cNvPr id="7" name="Rectángulo 6"/>
+          <p:cNvSpPr/>
+          <p:nvPr/>
+        </p:nvSpPr>
+        <p:spPr>
+          <a:xfrm>
+            <a:off x="6293318" y="2685448"/>
+            <a:ext cx="760396" cy="760396"/>
+          </a:xfrm>
+          <a:prstGeom prst="rect">
+            <a:avLst/>
+          </a:prstGeom>
+        </p:spPr>
+        <p:style>
+          <a:lnRef idx="2">
+            <a:schemeClr val="accent1">
+              <a:shade val="50000"/>
+            </a:schemeClr>
+          </a:lnRef>
+          <a:fillRef idx="1">
+            <a:schemeClr val="accent1"/>
+          </a:fillRef>
+          <a:effectRef idx="0">
+            <a:schemeClr val="accent1"/>
+          </a:effectRef>
+          <a:fontRef idx="minor">
+            <a:schemeClr val="lt1"/>
+          </a:fontRef>
+        </p:style>
+        <p:txBody>
+          <a:bodyPr rtlCol="0" anchor="ctr"/>
+          <a:lstStyle/>
+          <a:p>
+            <a:pPr algn="ctr"/>
+            <a:r>
+              <a:rPr lang="es-ES" dirty="0" smtClean="0"/>
+              <a:t>PC2</a:t>
+            </a:r>
+            <a:endParaRPr lang="es-CO" dirty="0"/>
+          </a:p>
+        </p:txBody>
+      </p:sp>
+      <p:sp>
+        <p:nvSpPr>
+          <p:cNvPr id="8" name="Rectángulo 7"/>
+          <p:cNvSpPr/>
+          <p:nvPr/>
+        </p:nvSpPr>
+        <p:spPr>
+          <a:xfrm>
+            <a:off x="6293318" y="3595034"/>
+            <a:ext cx="760396" cy="760396"/>
+          </a:xfrm>
+          <a:prstGeom prst="rect">
+            <a:avLst/>
+          </a:prstGeom>
+        </p:spPr>
+        <p:style>
+          <a:lnRef idx="2">
+            <a:schemeClr val="accent1">
+              <a:shade val="50000"/>
+            </a:schemeClr>
+          </a:lnRef>
+          <a:fillRef idx="1">
+            <a:schemeClr val="accent1"/>
+          </a:fillRef>
+          <a:effectRef idx="0">
+            <a:schemeClr val="accent1"/>
+          </a:effectRef>
+          <a:fontRef idx="minor">
+            <a:schemeClr val="lt1"/>
+          </a:fontRef>
+        </p:style>
+        <p:txBody>
+          <a:bodyPr rtlCol="0" anchor="ctr"/>
+          <a:lstStyle/>
+          <a:p>
+            <a:pPr algn="ctr"/>
+            <a:r>
+              <a:rPr lang="es-ES" dirty="0" smtClean="0"/>
+              <a:t>PC4</a:t>
+            </a:r>
+            <a:endParaRPr lang="es-CO" dirty="0"/>
+          </a:p>
+        </p:txBody>
+      </p:sp>
+      <p:sp>
+        <p:nvSpPr>
+          <p:cNvPr id="9" name="Rectángulo 8"/>
+          <p:cNvSpPr/>
+          <p:nvPr/>
+        </p:nvSpPr>
+        <p:spPr>
+          <a:xfrm>
+            <a:off x="6293318" y="4533495"/>
+            <a:ext cx="760396" cy="760396"/>
+          </a:xfrm>
+          <a:prstGeom prst="rect">
+            <a:avLst/>
+          </a:prstGeom>
+        </p:spPr>
+        <p:style>
+          <a:lnRef idx="2">
+            <a:schemeClr val="accent1">
+              <a:shade val="50000"/>
+            </a:schemeClr>
+          </a:lnRef>
+          <a:fillRef idx="1">
+            <a:schemeClr val="accent1"/>
+          </a:fillRef>
+          <a:effectRef idx="0">
+            <a:schemeClr val="accent1"/>
+          </a:effectRef>
+          <a:fontRef idx="minor">
+            <a:schemeClr val="lt1"/>
+          </a:fontRef>
+        </p:style>
+        <p:txBody>
+          <a:bodyPr rtlCol="0" anchor="ctr"/>
+          <a:lstStyle/>
+          <a:p>
+            <a:pPr algn="ctr"/>
+            <a:r>
+              <a:rPr lang="es-ES" dirty="0" smtClean="0"/>
+              <a:t>PC6</a:t>
+            </a:r>
+            <a:endParaRPr lang="es-CO" dirty="0"/>
+          </a:p>
+        </p:txBody>
+      </p:sp>
+      <p:sp>
+        <p:nvSpPr>
+          <p:cNvPr id="10" name="CuadroTexto 9"/>
+          <p:cNvSpPr txBox="1"/>
+          <p:nvPr/>
+        </p:nvSpPr>
+        <p:spPr>
+          <a:xfrm>
+            <a:off x="7295949" y="2800952"/>
+            <a:ext cx="2213811" cy="375385"/>
+          </a:xfrm>
+          <a:prstGeom prst="rect">
+            <a:avLst/>
+          </a:prstGeom>
+          <a:noFill/>
+        </p:spPr>
+        <p:txBody>
+          <a:bodyPr wrap="square" rtlCol="0">
+            <a:spAutoFit/>
+          </a:bodyPr>
+          <a:lstStyle/>
+          <a:p>
+            <a:r>
+              <a:rPr lang="es-ES" dirty="0" smtClean="0"/>
+              <a:t>192.168.204.56</a:t>
+            </a:r>
+            <a:endParaRPr lang="es-CO" dirty="0"/>
+          </a:p>
+        </p:txBody>
+      </p:sp>
+      <p:sp>
+        <p:nvSpPr>
+          <p:cNvPr id="11" name="CuadroTexto 10"/>
+          <p:cNvSpPr txBox="1"/>
+          <p:nvPr/>
+        </p:nvSpPr>
+        <p:spPr>
+          <a:xfrm>
+            <a:off x="7295949" y="3787539"/>
+            <a:ext cx="2213811" cy="375385"/>
+          </a:xfrm>
+          <a:prstGeom prst="rect">
+            <a:avLst/>
+          </a:prstGeom>
+          <a:noFill/>
+        </p:spPr>
+        <p:txBody>
+          <a:bodyPr wrap="square" rtlCol="0">
+            <a:spAutoFit/>
+          </a:bodyPr>
+          <a:lstStyle/>
+          <a:p>
+            <a:r>
+              <a:rPr lang="es-ES" dirty="0" smtClean="0"/>
+              <a:t>192.168.207.18</a:t>
+            </a:r>
+            <a:endParaRPr lang="es-CO" dirty="0"/>
+          </a:p>
+        </p:txBody>
+      </p:sp>
+      <p:sp>
+        <p:nvSpPr>
+          <p:cNvPr id="12" name="CuadroTexto 11"/>
+          <p:cNvSpPr txBox="1"/>
+          <p:nvPr/>
+        </p:nvSpPr>
+        <p:spPr>
+          <a:xfrm>
+            <a:off x="7295949" y="4726000"/>
+            <a:ext cx="2213811" cy="375385"/>
+          </a:xfrm>
+          <a:prstGeom prst="rect">
+            <a:avLst/>
+          </a:prstGeom>
+          <a:noFill/>
+        </p:spPr>
+        <p:txBody>
+          <a:bodyPr wrap="square" rtlCol="0">
+            <a:spAutoFit/>
+          </a:bodyPr>
+          <a:lstStyle/>
+          <a:p>
+            <a:r>
+              <a:rPr lang="es-ES" dirty="0" smtClean="0"/>
+              <a:t>192.168.205.15</a:t>
+            </a:r>
+            <a:endParaRPr lang="es-CO" dirty="0"/>
+          </a:p>
+        </p:txBody>
+      </p:sp>
+      <p:sp>
+        <p:nvSpPr>
+          <p:cNvPr id="13" name="CuadroTexto 12"/>
+          <p:cNvSpPr txBox="1"/>
+          <p:nvPr/>
+        </p:nvSpPr>
+        <p:spPr>
+          <a:xfrm>
+            <a:off x="2876349" y="2800952"/>
+            <a:ext cx="2213811" cy="375385"/>
+          </a:xfrm>
+          <a:prstGeom prst="rect">
+            <a:avLst/>
+          </a:prstGeom>
+          <a:noFill/>
+        </p:spPr>
+        <p:txBody>
+          <a:bodyPr wrap="square" rtlCol="0">
+            <a:spAutoFit/>
+          </a:bodyPr>
+          <a:lstStyle/>
+          <a:p>
+            <a:pPr algn="r"/>
+            <a:r>
+              <a:rPr lang="es-ES" dirty="0" smtClean="0"/>
+              <a:t>192.168.223.53</a:t>
+            </a:r>
+            <a:endParaRPr lang="es-CO" dirty="0"/>
+          </a:p>
+        </p:txBody>
+      </p:sp>
+      <p:sp>
+        <p:nvSpPr>
+          <p:cNvPr id="14" name="CuadroTexto 13"/>
+          <p:cNvSpPr txBox="1"/>
+          <p:nvPr/>
+        </p:nvSpPr>
+        <p:spPr>
+          <a:xfrm>
+            <a:off x="2876349" y="3787539"/>
+            <a:ext cx="2213811" cy="375385"/>
+          </a:xfrm>
+          <a:prstGeom prst="rect">
+            <a:avLst/>
+          </a:prstGeom>
+          <a:noFill/>
+        </p:spPr>
+        <p:txBody>
+          <a:bodyPr wrap="square" rtlCol="0">
+            <a:spAutoFit/>
+          </a:bodyPr>
+          <a:lstStyle/>
+          <a:p>
+            <a:pPr algn="r"/>
+            <a:r>
+              <a:rPr lang="es-ES" dirty="0" smtClean="0"/>
+              <a:t>192.168.213.25</a:t>
+            </a:r>
+            <a:endParaRPr lang="es-CO" dirty="0"/>
+          </a:p>
+        </p:txBody>
+      </p:sp>
+      <p:sp>
+        <p:nvSpPr>
+          <p:cNvPr id="15" name="CuadroTexto 14"/>
+          <p:cNvSpPr txBox="1"/>
+          <p:nvPr/>
+        </p:nvSpPr>
+        <p:spPr>
+          <a:xfrm>
+            <a:off x="2876349" y="4726000"/>
+            <a:ext cx="2213811" cy="375385"/>
+          </a:xfrm>
+          <a:prstGeom prst="rect">
+            <a:avLst/>
+          </a:prstGeom>
+          <a:noFill/>
+        </p:spPr>
+        <p:txBody>
+          <a:bodyPr wrap="square" rtlCol="0">
+            <a:spAutoFit/>
+          </a:bodyPr>
+          <a:lstStyle/>
+          <a:p>
+            <a:pPr algn="r"/>
+            <a:r>
+              <a:rPr lang="es-ES" dirty="0" smtClean="0"/>
+              <a:t>192.168.220.115</a:t>
+            </a:r>
+            <a:endParaRPr lang="es-CO" dirty="0"/>
+          </a:p>
+        </p:txBody>
+      </p:sp>
+      <p:sp>
+        <p:nvSpPr>
+          <p:cNvPr id="16" name="CuadroTexto 15"/>
+          <p:cNvSpPr txBox="1"/>
+          <p:nvPr/>
+        </p:nvSpPr>
+        <p:spPr>
+          <a:xfrm>
+            <a:off x="5282665" y="1830487"/>
+            <a:ext cx="2213811" cy="646331"/>
+          </a:xfrm>
+          <a:prstGeom prst="rect">
+            <a:avLst/>
+          </a:prstGeom>
+          <a:noFill/>
+        </p:spPr>
+        <p:txBody>
+          <a:bodyPr wrap="square" rtlCol="0">
+            <a:spAutoFit/>
+          </a:bodyPr>
+          <a:lstStyle/>
+          <a:p>
+            <a:r>
+              <a:rPr lang="es-ES" dirty="0" smtClean="0"/>
+              <a:t>Máscara: </a:t>
+            </a:r>
+            <a:r>
+              <a:rPr lang="es-ES" dirty="0" smtClean="0"/>
+              <a:t>255.255.224.0</a:t>
+            </a:r>
+            <a:endParaRPr lang="es-CO" dirty="0"/>
+          </a:p>
+        </p:txBody>
+      </p:sp>
+      <p:sp>
+        <p:nvSpPr>
+          <p:cNvPr id="17" name="CuadroTexto 16"/>
+          <p:cNvSpPr txBox="1"/>
+          <p:nvPr/>
+        </p:nvSpPr>
+        <p:spPr>
+          <a:xfrm>
+            <a:off x="4940968" y="5533801"/>
+            <a:ext cx="2704700" cy="646331"/>
+          </a:xfrm>
+          <a:prstGeom prst="rect">
+            <a:avLst/>
+          </a:prstGeom>
+          <a:noFill/>
+        </p:spPr>
+        <p:txBody>
+          <a:bodyPr wrap="square" rtlCol="0">
+            <a:spAutoFit/>
+          </a:bodyPr>
+          <a:lstStyle/>
+          <a:p>
+            <a:r>
+              <a:rPr lang="es-ES" dirty="0" smtClean="0"/>
+              <a:t>La dirección de subred es</a:t>
+            </a:r>
+          </a:p>
+          <a:p>
+            <a:r>
+              <a:rPr lang="es-ES" dirty="0" smtClean="0"/>
+              <a:t>192.168.192.0 </a:t>
+            </a:r>
+            <a:r>
+              <a:rPr lang="es-ES" dirty="0" smtClean="0"/>
+              <a:t>/ </a:t>
+            </a:r>
+            <a:r>
+              <a:rPr lang="es-ES" dirty="0" smtClean="0"/>
+              <a:t>19</a:t>
+            </a:r>
+            <a:endParaRPr lang="es-CO" dirty="0"/>
+          </a:p>
+        </p:txBody>
+      </p:sp>
+      <p:sp>
+        <p:nvSpPr>
+          <p:cNvPr id="18" name="CuadroTexto 17"/>
+          <p:cNvSpPr txBox="1"/>
+          <p:nvPr/>
+        </p:nvSpPr>
+        <p:spPr>
+          <a:xfrm>
+            <a:off x="2876349" y="3082489"/>
+            <a:ext cx="2213811" cy="375385"/>
+          </a:xfrm>
+          <a:prstGeom prst="rect">
+            <a:avLst/>
+          </a:prstGeom>
+          <a:noFill/>
+        </p:spPr>
+        <p:txBody>
+          <a:bodyPr wrap="square" rtlCol="0">
+            <a:spAutoFit/>
+          </a:bodyPr>
+          <a:lstStyle/>
+          <a:p>
+            <a:pPr algn="r"/>
+            <a:r>
+              <a:rPr lang="es-ES" dirty="0" smtClean="0">
+                <a:solidFill>
+                  <a:srgbClr val="00B050"/>
+                </a:solidFill>
+              </a:rPr>
+              <a:t>223 </a:t>
+            </a:r>
+            <a:r>
+              <a:rPr lang="es-ES" dirty="0">
+                <a:solidFill>
+                  <a:srgbClr val="00B050"/>
+                </a:solidFill>
+                <a:sym typeface="Wingdings" panose="05000000000000000000" pitchFamily="2" charset="2"/>
+              </a:rPr>
+              <a:t></a:t>
+            </a:r>
+            <a:r>
+              <a:rPr lang="es-ES" dirty="0">
+                <a:solidFill>
+                  <a:srgbClr val="7030A0"/>
+                </a:solidFill>
+                <a:sym typeface="Wingdings" panose="05000000000000000000" pitchFamily="2" charset="2"/>
+              </a:rPr>
+              <a:t>110</a:t>
+            </a:r>
+            <a:r>
+              <a:rPr lang="es-ES" dirty="0">
+                <a:solidFill>
+                  <a:srgbClr val="00B050"/>
+                </a:solidFill>
+                <a:sym typeface="Wingdings" panose="05000000000000000000" pitchFamily="2" charset="2"/>
+              </a:rPr>
+              <a:t>11111 </a:t>
+            </a:r>
+            <a:endParaRPr lang="es-CO" dirty="0">
+              <a:solidFill>
+                <a:srgbClr val="00B050"/>
+              </a:solidFill>
+            </a:endParaRPr>
+          </a:p>
+        </p:txBody>
+      </p:sp>
+      <p:sp>
+        <p:nvSpPr>
+          <p:cNvPr id="19" name="CuadroTexto 18"/>
+          <p:cNvSpPr txBox="1"/>
+          <p:nvPr/>
+        </p:nvSpPr>
+        <p:spPr>
+          <a:xfrm>
+            <a:off x="268615" y="2081463"/>
+            <a:ext cx="2694718" cy="1477328"/>
+          </a:xfrm>
+          <a:prstGeom prst="rect">
+            <a:avLst/>
+          </a:prstGeom>
+          <a:noFill/>
+        </p:spPr>
+        <p:txBody>
+          <a:bodyPr wrap="square" rtlCol="0">
+            <a:spAutoFit/>
+          </a:bodyPr>
+          <a:lstStyle/>
+          <a:p>
+            <a:r>
+              <a:rPr lang="es-ES" dirty="0" smtClean="0">
+                <a:solidFill>
+                  <a:srgbClr val="00B050"/>
+                </a:solidFill>
+              </a:rPr>
+              <a:t>192 y 168 son números comunes, pero a nivel de bits, ¿Qué números en común tienen 223, 213, 220, 204, 207 y 205?</a:t>
+            </a:r>
+            <a:endParaRPr lang="es-CO" dirty="0">
+              <a:solidFill>
+                <a:srgbClr val="00B050"/>
+              </a:solidFill>
+            </a:endParaRPr>
+          </a:p>
+        </p:txBody>
+      </p:sp>
+      <p:sp>
+        <p:nvSpPr>
+          <p:cNvPr id="20" name="CuadroTexto 19"/>
+          <p:cNvSpPr txBox="1"/>
+          <p:nvPr/>
+        </p:nvSpPr>
+        <p:spPr>
+          <a:xfrm>
+            <a:off x="2876349" y="4134407"/>
+            <a:ext cx="2213811" cy="375385"/>
+          </a:xfrm>
+          <a:prstGeom prst="rect">
+            <a:avLst/>
+          </a:prstGeom>
+          <a:noFill/>
+        </p:spPr>
+        <p:txBody>
+          <a:bodyPr wrap="square" rtlCol="0">
+            <a:spAutoFit/>
+          </a:bodyPr>
+          <a:lstStyle/>
+          <a:p>
+            <a:pPr algn="r"/>
+            <a:r>
+              <a:rPr lang="es-ES" dirty="0" smtClean="0">
+                <a:solidFill>
+                  <a:srgbClr val="00B050"/>
+                </a:solidFill>
+              </a:rPr>
+              <a:t>213 </a:t>
+            </a:r>
+            <a:r>
+              <a:rPr lang="es-ES" dirty="0">
+                <a:solidFill>
+                  <a:srgbClr val="00B050"/>
+                </a:solidFill>
+                <a:sym typeface="Wingdings" panose="05000000000000000000" pitchFamily="2" charset="2"/>
+              </a:rPr>
+              <a:t></a:t>
+            </a:r>
+            <a:r>
+              <a:rPr lang="es-ES" dirty="0">
+                <a:solidFill>
+                  <a:srgbClr val="7030A0"/>
+                </a:solidFill>
+                <a:sym typeface="Wingdings" panose="05000000000000000000" pitchFamily="2" charset="2"/>
+              </a:rPr>
+              <a:t>110</a:t>
+            </a:r>
+            <a:r>
+              <a:rPr lang="es-ES" dirty="0">
+                <a:solidFill>
+                  <a:srgbClr val="00B050"/>
+                </a:solidFill>
+                <a:sym typeface="Wingdings" panose="05000000000000000000" pitchFamily="2" charset="2"/>
+              </a:rPr>
+              <a:t>10101</a:t>
+            </a:r>
+            <a:endParaRPr lang="es-CO" dirty="0">
+              <a:solidFill>
+                <a:srgbClr val="00B050"/>
+              </a:solidFill>
+            </a:endParaRPr>
+          </a:p>
+        </p:txBody>
+      </p:sp>
+      <p:sp>
+        <p:nvSpPr>
+          <p:cNvPr id="21" name="CuadroTexto 20"/>
+          <p:cNvSpPr txBox="1"/>
+          <p:nvPr/>
+        </p:nvSpPr>
+        <p:spPr>
+          <a:xfrm>
+            <a:off x="2876349" y="5106198"/>
+            <a:ext cx="2213811" cy="375385"/>
+          </a:xfrm>
+          <a:prstGeom prst="rect">
+            <a:avLst/>
+          </a:prstGeom>
+          <a:noFill/>
+        </p:spPr>
+        <p:txBody>
+          <a:bodyPr wrap="square" rtlCol="0">
+            <a:spAutoFit/>
+          </a:bodyPr>
+          <a:lstStyle/>
+          <a:p>
+            <a:pPr algn="r"/>
+            <a:r>
+              <a:rPr lang="es-ES" dirty="0" smtClean="0">
+                <a:solidFill>
+                  <a:srgbClr val="00B050"/>
+                </a:solidFill>
+              </a:rPr>
+              <a:t>220 </a:t>
+            </a:r>
+            <a:r>
+              <a:rPr lang="es-ES" dirty="0">
+                <a:solidFill>
+                  <a:srgbClr val="00B050"/>
+                </a:solidFill>
+                <a:sym typeface="Wingdings" panose="05000000000000000000" pitchFamily="2" charset="2"/>
+              </a:rPr>
+              <a:t></a:t>
+            </a:r>
+            <a:r>
+              <a:rPr lang="es-ES" dirty="0">
+                <a:solidFill>
+                  <a:srgbClr val="7030A0"/>
+                </a:solidFill>
+                <a:sym typeface="Wingdings" panose="05000000000000000000" pitchFamily="2" charset="2"/>
+              </a:rPr>
+              <a:t>110</a:t>
+            </a:r>
+            <a:r>
+              <a:rPr lang="es-ES" dirty="0">
+                <a:solidFill>
+                  <a:srgbClr val="00B050"/>
+                </a:solidFill>
+                <a:sym typeface="Wingdings" panose="05000000000000000000" pitchFamily="2" charset="2"/>
+              </a:rPr>
+              <a:t>11100</a:t>
+            </a:r>
+            <a:endParaRPr lang="es-CO" dirty="0">
+              <a:solidFill>
+                <a:srgbClr val="00B050"/>
+              </a:solidFill>
+            </a:endParaRPr>
+          </a:p>
+        </p:txBody>
+      </p:sp>
+      <p:sp>
+        <p:nvSpPr>
+          <p:cNvPr id="22" name="CuadroTexto 21"/>
+          <p:cNvSpPr txBox="1"/>
+          <p:nvPr/>
+        </p:nvSpPr>
+        <p:spPr>
+          <a:xfrm>
+            <a:off x="7295948" y="3087842"/>
+            <a:ext cx="2213811" cy="375385"/>
+          </a:xfrm>
+          <a:prstGeom prst="rect">
+            <a:avLst/>
+          </a:prstGeom>
+          <a:noFill/>
+        </p:spPr>
+        <p:txBody>
+          <a:bodyPr wrap="square" rtlCol="0">
+            <a:spAutoFit/>
+          </a:bodyPr>
+          <a:lstStyle/>
+          <a:p>
+            <a:r>
+              <a:rPr lang="es-ES" dirty="0" smtClean="0">
+                <a:solidFill>
+                  <a:srgbClr val="00B050"/>
+                </a:solidFill>
+              </a:rPr>
+              <a:t>204 </a:t>
+            </a:r>
+            <a:r>
+              <a:rPr lang="es-ES" dirty="0">
+                <a:solidFill>
+                  <a:srgbClr val="00B050"/>
+                </a:solidFill>
+                <a:sym typeface="Wingdings" panose="05000000000000000000" pitchFamily="2" charset="2"/>
+              </a:rPr>
+              <a:t></a:t>
+            </a:r>
+            <a:r>
+              <a:rPr lang="es-ES" dirty="0">
+                <a:solidFill>
+                  <a:srgbClr val="7030A0"/>
+                </a:solidFill>
+                <a:sym typeface="Wingdings" panose="05000000000000000000" pitchFamily="2" charset="2"/>
+              </a:rPr>
+              <a:t>110</a:t>
+            </a:r>
+            <a:r>
+              <a:rPr lang="es-ES" dirty="0">
+                <a:solidFill>
+                  <a:srgbClr val="00B050"/>
+                </a:solidFill>
+                <a:sym typeface="Wingdings" panose="05000000000000000000" pitchFamily="2" charset="2"/>
+              </a:rPr>
+              <a:t>01100</a:t>
+            </a:r>
+            <a:endParaRPr lang="es-CO" dirty="0">
+              <a:solidFill>
+                <a:srgbClr val="00B050"/>
+              </a:solidFill>
+            </a:endParaRPr>
+          </a:p>
+        </p:txBody>
+      </p:sp>
+      <p:sp>
+        <p:nvSpPr>
+          <p:cNvPr id="23" name="CuadroTexto 22"/>
+          <p:cNvSpPr txBox="1"/>
+          <p:nvPr/>
+        </p:nvSpPr>
+        <p:spPr>
+          <a:xfrm>
+            <a:off x="7295948" y="4111851"/>
+            <a:ext cx="2213811" cy="375385"/>
+          </a:xfrm>
+          <a:prstGeom prst="rect">
+            <a:avLst/>
+          </a:prstGeom>
+          <a:noFill/>
+        </p:spPr>
+        <p:txBody>
+          <a:bodyPr wrap="square" rtlCol="0">
+            <a:spAutoFit/>
+          </a:bodyPr>
+          <a:lstStyle/>
+          <a:p>
+            <a:r>
+              <a:rPr lang="es-ES" dirty="0" smtClean="0">
+                <a:solidFill>
+                  <a:srgbClr val="00B050"/>
+                </a:solidFill>
+              </a:rPr>
+              <a:t>204 </a:t>
+            </a:r>
+            <a:r>
+              <a:rPr lang="es-ES" dirty="0">
+                <a:solidFill>
+                  <a:srgbClr val="00B050"/>
+                </a:solidFill>
+                <a:sym typeface="Wingdings" panose="05000000000000000000" pitchFamily="2" charset="2"/>
+              </a:rPr>
+              <a:t></a:t>
+            </a:r>
+            <a:r>
+              <a:rPr lang="es-ES" dirty="0">
+                <a:solidFill>
+                  <a:srgbClr val="7030A0"/>
+                </a:solidFill>
+                <a:sym typeface="Wingdings" panose="05000000000000000000" pitchFamily="2" charset="2"/>
+              </a:rPr>
+              <a:t>110</a:t>
+            </a:r>
+            <a:r>
+              <a:rPr lang="es-ES" dirty="0">
+                <a:solidFill>
+                  <a:srgbClr val="00B050"/>
+                </a:solidFill>
+                <a:sym typeface="Wingdings" panose="05000000000000000000" pitchFamily="2" charset="2"/>
+              </a:rPr>
+              <a:t>01111</a:t>
+            </a:r>
+            <a:endParaRPr lang="es-CO" dirty="0">
+              <a:solidFill>
+                <a:srgbClr val="00B050"/>
+              </a:solidFill>
+            </a:endParaRPr>
+          </a:p>
+        </p:txBody>
+      </p:sp>
+      <p:sp>
+        <p:nvSpPr>
+          <p:cNvPr id="24" name="CuadroTexto 23"/>
+          <p:cNvSpPr txBox="1"/>
+          <p:nvPr/>
+        </p:nvSpPr>
+        <p:spPr>
+          <a:xfrm>
+            <a:off x="7295948" y="5106198"/>
+            <a:ext cx="2213811" cy="375385"/>
+          </a:xfrm>
+          <a:prstGeom prst="rect">
+            <a:avLst/>
+          </a:prstGeom>
+          <a:noFill/>
+        </p:spPr>
+        <p:txBody>
+          <a:bodyPr wrap="square" rtlCol="0">
+            <a:spAutoFit/>
+          </a:bodyPr>
+          <a:lstStyle/>
+          <a:p>
+            <a:r>
+              <a:rPr lang="es-ES" dirty="0" smtClean="0">
+                <a:solidFill>
+                  <a:srgbClr val="00B050"/>
+                </a:solidFill>
+              </a:rPr>
+              <a:t>205 </a:t>
+            </a:r>
+            <a:r>
+              <a:rPr lang="es-ES" dirty="0">
+                <a:solidFill>
+                  <a:srgbClr val="00B050"/>
+                </a:solidFill>
+                <a:sym typeface="Wingdings" panose="05000000000000000000" pitchFamily="2" charset="2"/>
+              </a:rPr>
+              <a:t></a:t>
+            </a:r>
+            <a:r>
+              <a:rPr lang="es-ES" dirty="0">
+                <a:solidFill>
+                  <a:srgbClr val="7030A0"/>
+                </a:solidFill>
+                <a:sym typeface="Wingdings" panose="05000000000000000000" pitchFamily="2" charset="2"/>
+              </a:rPr>
+              <a:t>110</a:t>
+            </a:r>
+            <a:r>
+              <a:rPr lang="es-ES" dirty="0">
+                <a:solidFill>
+                  <a:srgbClr val="00B050"/>
+                </a:solidFill>
+                <a:sym typeface="Wingdings" panose="05000000000000000000" pitchFamily="2" charset="2"/>
+              </a:rPr>
+              <a:t>01101</a:t>
+            </a:r>
+            <a:endParaRPr lang="es-CO" dirty="0">
+              <a:solidFill>
+                <a:srgbClr val="00B050"/>
+              </a:solidFill>
+            </a:endParaRPr>
+          </a:p>
+        </p:txBody>
+      </p:sp>
+      <p:sp>
+        <p:nvSpPr>
+          <p:cNvPr id="26" name="CuadroTexto 25"/>
+          <p:cNvSpPr txBox="1"/>
+          <p:nvPr/>
+        </p:nvSpPr>
+        <p:spPr>
+          <a:xfrm>
+            <a:off x="268615" y="3825641"/>
+            <a:ext cx="2978664" cy="2585323"/>
+          </a:xfrm>
+          <a:prstGeom prst="rect">
+            <a:avLst/>
+          </a:prstGeom>
+          <a:noFill/>
+        </p:spPr>
+        <p:txBody>
+          <a:bodyPr wrap="square" rtlCol="0">
+            <a:spAutoFit/>
+          </a:bodyPr>
+          <a:lstStyle/>
+          <a:p>
+            <a:r>
+              <a:rPr lang="es-ES" dirty="0" smtClean="0">
+                <a:solidFill>
+                  <a:srgbClr val="7030A0"/>
+                </a:solidFill>
+              </a:rPr>
+              <a:t>Si multiplico bit a bit la máscara de subred con una dirección IP de host cualquiera, el resultado es la dirección de subred:</a:t>
+            </a:r>
+          </a:p>
+          <a:p>
+            <a:endParaRPr lang="es-ES" dirty="0" smtClean="0">
+              <a:solidFill>
+                <a:srgbClr val="7030A0"/>
+              </a:solidFill>
+            </a:endParaRPr>
+          </a:p>
+          <a:p>
+            <a:r>
+              <a:rPr lang="es-ES" dirty="0" smtClean="0">
+                <a:solidFill>
+                  <a:srgbClr val="7030A0"/>
+                </a:solidFill>
+              </a:rPr>
+              <a:t>      255.255.224.0</a:t>
+            </a:r>
+          </a:p>
+          <a:p>
+            <a:r>
+              <a:rPr lang="es-ES" dirty="0" smtClean="0">
+                <a:solidFill>
+                  <a:srgbClr val="7030A0"/>
+                </a:solidFill>
+              </a:rPr>
+              <a:t>   * </a:t>
+            </a:r>
+            <a:r>
+              <a:rPr lang="es-ES" u="sng" dirty="0" smtClean="0">
+                <a:solidFill>
+                  <a:srgbClr val="7030A0"/>
+                </a:solidFill>
+              </a:rPr>
+              <a:t>192.168.223.53</a:t>
+            </a:r>
+          </a:p>
+          <a:p>
+            <a:r>
+              <a:rPr lang="es-ES" dirty="0">
+                <a:solidFill>
+                  <a:srgbClr val="7030A0"/>
+                </a:solidFill>
+              </a:rPr>
+              <a:t> </a:t>
+            </a:r>
+            <a:r>
+              <a:rPr lang="es-ES" dirty="0" smtClean="0">
+                <a:solidFill>
+                  <a:srgbClr val="7030A0"/>
+                </a:solidFill>
+              </a:rPr>
+              <a:t>    192.168.192.0</a:t>
+            </a:r>
+            <a:endParaRPr lang="es-CO" dirty="0">
+              <a:solidFill>
+                <a:srgbClr val="7030A0"/>
+              </a:solidFill>
+            </a:endParaRPr>
+          </a:p>
+        </p:txBody>
+      </p:sp>
+    </p:spTree>
+    <p:extLst>
+      <p:ext uri="{BB962C8B-B14F-4D97-AF65-F5344CB8AC3E}">
+        <p14:creationId xmlns:p14="http://schemas.microsoft.com/office/powerpoint/2010/main" val="3878494172"/>
+      </p:ext>
+    </p:extLst>
+  </p:cSld>
+  <p:clrMapOvr>
+    <a:masterClrMapping/>
+  </p:clrMapOvr>
+</p:sld>
+</file>
+
+<file path=ppt/slides/slide24.xml><?xml version="1.0" encoding="utf-8"?>
+<p:sld xmlns:a="http://schemas.openxmlformats.org/drawingml/2006/main" xmlns:r="http://schemas.openxmlformats.org/officeDocument/2006/relationships" xmlns:p="http://schemas.openxmlformats.org/presentationml/2006/main">
+  <p:cSld>
+    <p:spTree>
+      <p:nvGrpSpPr>
+        <p:cNvPr id="1" name=""/>
+        <p:cNvGrpSpPr/>
+        <p:nvPr/>
+      </p:nvGrpSpPr>
+      <p:grpSpPr>
+        <a:xfrm>
+          <a:off x="0" y="0"/>
+          <a:ext cx="0" cy="0"/>
+          <a:chOff x="0" y="0"/>
+          <a:chExt cx="0" cy="0"/>
+        </a:xfrm>
+      </p:grpSpPr>
+      <p:sp>
+        <p:nvSpPr>
+          <p:cNvPr id="2" name="Título 1"/>
+          <p:cNvSpPr>
+            <a:spLocks noGrp="1"/>
+          </p:cNvSpPr>
+          <p:nvPr>
+            <p:ph type="ctrTitle"/>
+          </p:nvPr>
+        </p:nvSpPr>
+        <p:spPr/>
+        <p:txBody>
+          <a:bodyPr/>
+          <a:lstStyle/>
+          <a:p>
+            <a:r>
+              <a:rPr lang="es-ES" dirty="0" smtClean="0"/>
+              <a:t>Ejercicio de clase</a:t>
+            </a:r>
+            <a:endParaRPr lang="es-CO" dirty="0"/>
+          </a:p>
+        </p:txBody>
+      </p:sp>
+      <p:sp>
+        <p:nvSpPr>
+          <p:cNvPr id="3" name="Subtítulo 2"/>
+          <p:cNvSpPr>
+            <a:spLocks noGrp="1"/>
+          </p:cNvSpPr>
+          <p:nvPr>
+            <p:ph type="subTitle" idx="1"/>
+          </p:nvPr>
+        </p:nvSpPr>
+        <p:spPr/>
+        <p:txBody>
+          <a:bodyPr>
+            <a:normAutofit/>
+          </a:bodyPr>
+          <a:lstStyle/>
+          <a:p>
+            <a:endParaRPr lang="es-CO" dirty="0"/>
+          </a:p>
+        </p:txBody>
+      </p:sp>
+    </p:spTree>
+    <p:extLst>
+      <p:ext uri="{BB962C8B-B14F-4D97-AF65-F5344CB8AC3E}">
+        <p14:creationId xmlns:p14="http://schemas.microsoft.com/office/powerpoint/2010/main" val="1415817629"/>
+      </p:ext>
+    </p:extLst>
+  </p:cSld>
+  <p:clrMapOvr>
+    <a:masterClrMapping/>
+  </p:clrMapOvr>
+</p:sld>
+</file>
+
+<file path=ppt/slides/slide25.xml><?xml version="1.0" encoding="utf-8"?>
+<p:sld xmlns:a="http://schemas.openxmlformats.org/drawingml/2006/main" xmlns:r="http://schemas.openxmlformats.org/officeDocument/2006/relationships" xmlns:p="http://schemas.openxmlformats.org/presentationml/2006/main">
+  <p:cSld>
+    <p:spTree>
+      <p:nvGrpSpPr>
+        <p:cNvPr id="1" name=""/>
+        <p:cNvGrpSpPr/>
+        <p:nvPr/>
+      </p:nvGrpSpPr>
+      <p:grpSpPr>
+        <a:xfrm>
+          <a:off x="0" y="0"/>
+          <a:ext cx="0" cy="0"/>
+          <a:chOff x="0" y="0"/>
+          <a:chExt cx="0" cy="0"/>
+        </a:xfrm>
+      </p:grpSpPr>
+      <p:sp>
+        <p:nvSpPr>
+          <p:cNvPr id="2" name="Título 1"/>
+          <p:cNvSpPr>
+            <a:spLocks noGrp="1"/>
+          </p:cNvSpPr>
+          <p:nvPr>
+            <p:ph type="title"/>
+          </p:nvPr>
+        </p:nvSpPr>
+        <p:spPr/>
+        <p:txBody>
+          <a:bodyPr/>
+          <a:lstStyle/>
+          <a:p>
+            <a:r>
+              <a:rPr lang="es-ES" dirty="0" smtClean="0"/>
+              <a:t>Ejercicio</a:t>
+            </a:r>
+            <a:endParaRPr lang="es-CO" dirty="0"/>
+          </a:p>
+        </p:txBody>
+      </p:sp>
+      <p:sp>
+        <p:nvSpPr>
+          <p:cNvPr id="3" name="Marcador de contenido 2"/>
+          <p:cNvSpPr>
+            <a:spLocks noGrp="1"/>
+          </p:cNvSpPr>
+          <p:nvPr>
+            <p:ph idx="1"/>
+          </p:nvPr>
+        </p:nvSpPr>
+        <p:spPr>
+          <a:xfrm>
+            <a:off x="1097280" y="1845734"/>
+            <a:ext cx="5938787" cy="4023360"/>
+          </a:xfrm>
+        </p:spPr>
+        <p:txBody>
+          <a:bodyPr/>
+          <a:lstStyle/>
+          <a:p>
+            <a:r>
+              <a:rPr lang="es-CO" sz="2400" dirty="0"/>
+              <a:t>Desarrollar un programa en JAVA que permita obtener una lista de las direcciones IP que están siendo utilizadas en la subred a</a:t>
+            </a:r>
+            <a:r>
+              <a:rPr lang="es-CO" sz="2400" dirty="0" smtClean="0"/>
+              <a:t> </a:t>
+            </a:r>
+            <a:r>
+              <a:rPr lang="es-CO" sz="2400" dirty="0"/>
+              <a:t>la que estamos conectados</a:t>
+            </a:r>
+            <a:r>
+              <a:rPr lang="es-CO" sz="2400" dirty="0" smtClean="0"/>
+              <a:t>.</a:t>
+            </a:r>
+          </a:p>
+          <a:p>
+            <a:endParaRPr lang="es-ES" sz="2400" dirty="0"/>
+          </a:p>
+          <a:p>
+            <a:r>
+              <a:rPr lang="es-ES" sz="2400" dirty="0" smtClean="0"/>
+              <a:t>La estructura del programa es debe ser una interfaz de usuario y un hilo buscador. El hilo tiene que reportar a la interfaz cada vez que encuentre un host</a:t>
+            </a:r>
+            <a:endParaRPr lang="es-CO" sz="2400" dirty="0" smtClean="0"/>
+          </a:p>
+          <a:p>
+            <a:endParaRPr lang="es-CO" dirty="0"/>
+          </a:p>
+        </p:txBody>
+      </p:sp>
+      <p:pic>
+        <p:nvPicPr>
+          <p:cNvPr id="4" name="Imagen 3"/>
+          <p:cNvPicPr/>
+          <p:nvPr/>
+        </p:nvPicPr>
+        <p:blipFill rotWithShape="1">
+          <a:blip r:embed="rId2"/>
+          <a:srcRect l="18443" t="26353" r="26454" b="27781"/>
+          <a:stretch/>
+        </p:blipFill>
+        <p:spPr bwMode="auto">
+          <a:xfrm>
+            <a:off x="7036067" y="2618472"/>
+            <a:ext cx="4953918" cy="2319288"/>
+          </a:xfrm>
+          <a:prstGeom prst="rect">
+            <a:avLst/>
+          </a:prstGeom>
+          <a:ln>
+            <a:noFill/>
+          </a:ln>
+          <a:extLst>
+            <a:ext uri="{53640926-AAD7-44D8-BBD7-CCE9431645EC}">
+              <a14:shadowObscured xmlns:a14="http://schemas.microsoft.com/office/drawing/2010/main"/>
+            </a:ext>
+          </a:extLst>
+        </p:spPr>
+      </p:pic>
+    </p:spTree>
+    <p:extLst>
+      <p:ext uri="{BB962C8B-B14F-4D97-AF65-F5344CB8AC3E}">
+        <p14:creationId xmlns:p14="http://schemas.microsoft.com/office/powerpoint/2010/main" val="1952401645"/>
+      </p:ext>
+    </p:extLst>
+  </p:cSld>
+  <p:clrMapOvr>
+    <a:masterClrMapping/>
+  </p:clrMapOvr>
+</p:sld>
+</file>
+
+<file path=ppt/slides/slide26.xml><?xml version="1.0" encoding="utf-8"?>
+<p:sld xmlns:a="http://schemas.openxmlformats.org/drawingml/2006/main" xmlns:r="http://schemas.openxmlformats.org/officeDocument/2006/relationships" xmlns:p="http://schemas.openxmlformats.org/presentationml/2006/main">
+  <p:cSld>
+    <p:spTree>
+      <p:nvGrpSpPr>
+        <p:cNvPr id="1" name=""/>
+        <p:cNvGrpSpPr/>
+        <p:nvPr/>
+      </p:nvGrpSpPr>
+      <p:grpSpPr>
+        <a:xfrm>
+          <a:off x="0" y="0"/>
+          <a:ext cx="0" cy="0"/>
+          <a:chOff x="0" y="0"/>
+          <a:chExt cx="0" cy="0"/>
+        </a:xfrm>
+      </p:grpSpPr>
+      <p:sp>
+        <p:nvSpPr>
+          <p:cNvPr id="2" name="Título 1"/>
+          <p:cNvSpPr>
+            <a:spLocks noGrp="1"/>
+          </p:cNvSpPr>
+          <p:nvPr>
+            <p:ph type="ctrTitle"/>
+          </p:nvPr>
+        </p:nvSpPr>
+        <p:spPr/>
+        <p:txBody>
+          <a:bodyPr/>
+          <a:lstStyle/>
+          <a:p>
+            <a:r>
+              <a:rPr lang="es-ES" dirty="0" smtClean="0"/>
+              <a:t>Patrón </a:t>
+            </a:r>
+            <a:r>
+              <a:rPr lang="es-ES" dirty="0" err="1" smtClean="0"/>
+              <a:t>Observer</a:t>
+            </a:r>
+            <a:endParaRPr lang="es-CO" dirty="0"/>
+          </a:p>
+        </p:txBody>
+      </p:sp>
+      <p:sp>
+        <p:nvSpPr>
+          <p:cNvPr id="3" name="Subtítulo 2"/>
+          <p:cNvSpPr>
+            <a:spLocks noGrp="1"/>
+          </p:cNvSpPr>
+          <p:nvPr>
+            <p:ph type="subTitle" idx="1"/>
+          </p:nvPr>
+        </p:nvSpPr>
+        <p:spPr/>
+        <p:txBody>
+          <a:bodyPr>
+            <a:normAutofit/>
+          </a:bodyPr>
+          <a:lstStyle/>
+          <a:p>
+            <a:endParaRPr lang="es-CO" dirty="0"/>
+          </a:p>
+        </p:txBody>
+      </p:sp>
+    </p:spTree>
+    <p:extLst>
+      <p:ext uri="{BB962C8B-B14F-4D97-AF65-F5344CB8AC3E}">
+        <p14:creationId xmlns:p14="http://schemas.microsoft.com/office/powerpoint/2010/main" val="252745569"/>
+      </p:ext>
+    </p:extLst>
+  </p:cSld>
+  <p:clrMapOvr>
+    <a:masterClrMapping/>
+  </p:clrMapOvr>
+</p:sld>
+</file>
+
+<file path=ppt/slides/slide27.xml><?xml version="1.0" encoding="utf-8"?>
+<p:sld xmlns:a="http://schemas.openxmlformats.org/drawingml/2006/main" xmlns:r="http://schemas.openxmlformats.org/officeDocument/2006/relationships" xmlns:p="http://schemas.openxmlformats.org/presentationml/2006/main">
+  <p:cSld>
+    <p:spTree>
+      <p:nvGrpSpPr>
+        <p:cNvPr id="1" name=""/>
+        <p:cNvGrpSpPr/>
+        <p:nvPr/>
+      </p:nvGrpSpPr>
+      <p:grpSpPr>
+        <a:xfrm>
+          <a:off x="0" y="0"/>
+          <a:ext cx="0" cy="0"/>
+          <a:chOff x="0" y="0"/>
+          <a:chExt cx="0" cy="0"/>
+        </a:xfrm>
+      </p:grpSpPr>
+      <p:sp>
+        <p:nvSpPr>
+          <p:cNvPr id="2" name="Título 1"/>
+          <p:cNvSpPr>
+            <a:spLocks noGrp="1"/>
+          </p:cNvSpPr>
+          <p:nvPr>
+            <p:ph type="title"/>
+          </p:nvPr>
+        </p:nvSpPr>
+        <p:spPr/>
+        <p:txBody>
+          <a:bodyPr/>
+          <a:lstStyle/>
+          <a:p>
+            <a:r>
+              <a:rPr lang="es-ES" dirty="0" smtClean="0"/>
+              <a:t>Patrón </a:t>
+            </a:r>
+            <a:r>
+              <a:rPr lang="es-ES" dirty="0" err="1" smtClean="0"/>
+              <a:t>Observer</a:t>
+            </a:r>
+            <a:endParaRPr lang="es-CO" dirty="0"/>
+          </a:p>
+        </p:txBody>
+      </p:sp>
+      <p:sp>
+        <p:nvSpPr>
+          <p:cNvPr id="4" name="Rectángulo 3"/>
+          <p:cNvSpPr/>
+          <p:nvPr/>
+        </p:nvSpPr>
+        <p:spPr>
+          <a:xfrm>
+            <a:off x="1905802" y="2406316"/>
+            <a:ext cx="2261937" cy="3157087"/>
+          </a:xfrm>
+          <a:prstGeom prst="rect">
+            <a:avLst/>
+          </a:prstGeom>
+          <a:solidFill>
+            <a:schemeClr val="bg1"/>
+          </a:solidFill>
+          <a:ln>
+            <a:solidFill>
+              <a:schemeClr val="tx1"/>
+            </a:solidFill>
+          </a:ln>
+        </p:spPr>
+        <p:style>
+          <a:lnRef idx="2">
+            <a:schemeClr val="accent1">
+              <a:shade val="50000"/>
+            </a:schemeClr>
+          </a:lnRef>
+          <a:fillRef idx="1">
+            <a:schemeClr val="accent1"/>
+          </a:fillRef>
+          <a:effectRef idx="0">
+            <a:schemeClr val="accent1"/>
+          </a:effectRef>
+          <a:fontRef idx="minor">
+            <a:schemeClr val="lt1"/>
+          </a:fontRef>
+        </p:style>
+        <p:txBody>
+          <a:bodyPr rtlCol="0" anchor="ctr"/>
+          <a:lstStyle/>
+          <a:p>
+            <a:pPr algn="ctr"/>
+            <a:endParaRPr lang="es-CO" dirty="0"/>
+          </a:p>
+        </p:txBody>
+      </p:sp>
+      <p:cxnSp>
+        <p:nvCxnSpPr>
+          <p:cNvPr id="6" name="Conector recto 5"/>
+          <p:cNvCxnSpPr>
+            <a:stCxn id="4" idx="1"/>
+            <a:endCxn id="4" idx="3"/>
+          </p:cNvCxnSpPr>
+          <p:nvPr/>
+        </p:nvCxnSpPr>
+        <p:spPr>
+          <a:xfrm>
+            <a:off x="1905802" y="3984860"/>
+            <a:ext cx="2261937" cy="0"/>
+          </a:xfrm>
+          <a:prstGeom prst="line">
+            <a:avLst/>
+          </a:prstGeom>
+          <a:ln>
+            <a:solidFill>
+              <a:schemeClr val="tx1"/>
+            </a:solidFill>
+          </a:ln>
+        </p:spPr>
+        <p:style>
+          <a:lnRef idx="1">
+            <a:schemeClr val="accent1"/>
+          </a:lnRef>
+          <a:fillRef idx="0">
+            <a:schemeClr val="accent1"/>
+          </a:fillRef>
+          <a:effectRef idx="0">
+            <a:schemeClr val="accent1"/>
+          </a:effectRef>
+          <a:fontRef idx="minor">
+            <a:schemeClr val="tx1"/>
+          </a:fontRef>
+        </p:style>
+      </p:cxnSp>
+      <p:cxnSp>
+        <p:nvCxnSpPr>
+          <p:cNvPr id="7" name="Conector recto 6"/>
+          <p:cNvCxnSpPr/>
+          <p:nvPr/>
+        </p:nvCxnSpPr>
+        <p:spPr>
+          <a:xfrm>
+            <a:off x="1905802" y="2934100"/>
+            <a:ext cx="2261937" cy="1"/>
+          </a:xfrm>
+          <a:prstGeom prst="line">
+            <a:avLst/>
+          </a:prstGeom>
+          <a:ln>
+            <a:solidFill>
+              <a:schemeClr val="tx1"/>
+            </a:solidFill>
+          </a:ln>
+        </p:spPr>
+        <p:style>
+          <a:lnRef idx="1">
+            <a:schemeClr val="accent1"/>
+          </a:lnRef>
+          <a:fillRef idx="0">
+            <a:schemeClr val="accent1"/>
+          </a:fillRef>
+          <a:effectRef idx="0">
+            <a:schemeClr val="accent1"/>
+          </a:effectRef>
+          <a:fontRef idx="minor">
+            <a:schemeClr val="tx1"/>
+          </a:fontRef>
+        </p:style>
+      </p:cxnSp>
+      <p:sp>
+        <p:nvSpPr>
+          <p:cNvPr id="10" name="CuadroTexto 9"/>
+          <p:cNvSpPr txBox="1"/>
+          <p:nvPr/>
+        </p:nvSpPr>
+        <p:spPr>
+          <a:xfrm>
+            <a:off x="2021305" y="2512194"/>
+            <a:ext cx="2358190" cy="369332"/>
+          </a:xfrm>
+          <a:prstGeom prst="rect">
+            <a:avLst/>
+          </a:prstGeom>
+          <a:noFill/>
+        </p:spPr>
+        <p:txBody>
+          <a:bodyPr wrap="square" rtlCol="0">
+            <a:spAutoFit/>
+          </a:bodyPr>
+          <a:lstStyle/>
+          <a:p>
+            <a:r>
+              <a:rPr lang="es-ES" dirty="0" err="1" smtClean="0"/>
+              <a:t>Main</a:t>
+            </a:r>
+            <a:r>
+              <a:rPr lang="es-ES" dirty="0" smtClean="0"/>
+              <a:t> </a:t>
+            </a:r>
+            <a:r>
+              <a:rPr lang="es-ES" dirty="0" err="1" smtClean="0"/>
+              <a:t>Process</a:t>
+            </a:r>
+            <a:endParaRPr lang="es-CO" dirty="0"/>
+          </a:p>
+        </p:txBody>
+      </p:sp>
+      <p:sp>
+        <p:nvSpPr>
+          <p:cNvPr id="11" name="Rectángulo 10"/>
+          <p:cNvSpPr/>
+          <p:nvPr/>
+        </p:nvSpPr>
+        <p:spPr>
+          <a:xfrm>
+            <a:off x="7005587" y="2406316"/>
+            <a:ext cx="2261937" cy="3157087"/>
+          </a:xfrm>
+          <a:prstGeom prst="rect">
+            <a:avLst/>
+          </a:prstGeom>
+          <a:solidFill>
+            <a:schemeClr val="bg1"/>
+          </a:solidFill>
+          <a:ln>
+            <a:solidFill>
+              <a:schemeClr val="tx1"/>
+            </a:solidFill>
+          </a:ln>
+        </p:spPr>
+        <p:style>
+          <a:lnRef idx="2">
+            <a:schemeClr val="accent1">
+              <a:shade val="50000"/>
+            </a:schemeClr>
+          </a:lnRef>
+          <a:fillRef idx="1">
+            <a:schemeClr val="accent1"/>
+          </a:fillRef>
+          <a:effectRef idx="0">
+            <a:schemeClr val="accent1"/>
+          </a:effectRef>
+          <a:fontRef idx="minor">
+            <a:schemeClr val="lt1"/>
+          </a:fontRef>
+        </p:style>
+        <p:txBody>
+          <a:bodyPr rtlCol="0" anchor="ctr"/>
+          <a:lstStyle/>
+          <a:p>
+            <a:pPr algn="ctr"/>
+            <a:endParaRPr lang="es-CO" dirty="0"/>
+          </a:p>
+        </p:txBody>
+      </p:sp>
+      <p:cxnSp>
+        <p:nvCxnSpPr>
+          <p:cNvPr id="12" name="Conector recto 11"/>
+          <p:cNvCxnSpPr>
+            <a:stCxn id="11" idx="1"/>
+            <a:endCxn id="11" idx="3"/>
+          </p:cNvCxnSpPr>
+          <p:nvPr/>
+        </p:nvCxnSpPr>
+        <p:spPr>
+          <a:xfrm>
+            <a:off x="7005587" y="3984860"/>
+            <a:ext cx="2261937" cy="0"/>
+          </a:xfrm>
+          <a:prstGeom prst="line">
+            <a:avLst/>
+          </a:prstGeom>
+          <a:ln>
+            <a:solidFill>
+              <a:schemeClr val="tx1"/>
+            </a:solidFill>
+          </a:ln>
+        </p:spPr>
+        <p:style>
+          <a:lnRef idx="1">
+            <a:schemeClr val="accent1"/>
+          </a:lnRef>
+          <a:fillRef idx="0">
+            <a:schemeClr val="accent1"/>
+          </a:fillRef>
+          <a:effectRef idx="0">
+            <a:schemeClr val="accent1"/>
+          </a:effectRef>
+          <a:fontRef idx="minor">
+            <a:schemeClr val="tx1"/>
+          </a:fontRef>
+        </p:style>
+      </p:cxnSp>
+      <p:cxnSp>
+        <p:nvCxnSpPr>
+          <p:cNvPr id="13" name="Conector recto 12"/>
+          <p:cNvCxnSpPr/>
+          <p:nvPr/>
+        </p:nvCxnSpPr>
+        <p:spPr>
+          <a:xfrm>
+            <a:off x="7005587" y="2934100"/>
+            <a:ext cx="2261937" cy="1"/>
+          </a:xfrm>
+          <a:prstGeom prst="line">
+            <a:avLst/>
+          </a:prstGeom>
+          <a:ln>
+            <a:solidFill>
+              <a:schemeClr val="tx1"/>
+            </a:solidFill>
+          </a:ln>
+        </p:spPr>
+        <p:style>
+          <a:lnRef idx="1">
+            <a:schemeClr val="accent1"/>
+          </a:lnRef>
+          <a:fillRef idx="0">
+            <a:schemeClr val="accent1"/>
+          </a:fillRef>
+          <a:effectRef idx="0">
+            <a:schemeClr val="accent1"/>
+          </a:effectRef>
+          <a:fontRef idx="minor">
+            <a:schemeClr val="tx1"/>
+          </a:fontRef>
+        </p:style>
+      </p:cxnSp>
+      <p:sp>
+        <p:nvSpPr>
+          <p:cNvPr id="14" name="CuadroTexto 13"/>
+          <p:cNvSpPr txBox="1"/>
+          <p:nvPr/>
+        </p:nvSpPr>
+        <p:spPr>
+          <a:xfrm>
+            <a:off x="7121090" y="2512194"/>
+            <a:ext cx="2358190" cy="369332"/>
+          </a:xfrm>
+          <a:prstGeom prst="rect">
+            <a:avLst/>
+          </a:prstGeom>
+          <a:noFill/>
+        </p:spPr>
+        <p:txBody>
+          <a:bodyPr wrap="square" rtlCol="0">
+            <a:spAutoFit/>
+          </a:bodyPr>
+          <a:lstStyle/>
+          <a:p>
+            <a:r>
+              <a:rPr lang="es-ES" dirty="0" err="1" smtClean="0"/>
+              <a:t>Worker</a:t>
+            </a:r>
+            <a:r>
+              <a:rPr lang="es-ES" dirty="0" smtClean="0"/>
+              <a:t> </a:t>
+            </a:r>
+            <a:r>
+              <a:rPr lang="es-ES" dirty="0" err="1" smtClean="0"/>
+              <a:t>Process</a:t>
+            </a:r>
+            <a:endParaRPr lang="es-CO" dirty="0"/>
+          </a:p>
+        </p:txBody>
+      </p:sp>
+      <p:cxnSp>
+        <p:nvCxnSpPr>
+          <p:cNvPr id="16" name="Conector recto de flecha 15"/>
+          <p:cNvCxnSpPr/>
+          <p:nvPr/>
+        </p:nvCxnSpPr>
+        <p:spPr>
+          <a:xfrm>
+            <a:off x="4167739" y="3060834"/>
+            <a:ext cx="2837848" cy="0"/>
+          </a:xfrm>
+          <a:prstGeom prst="straightConnector1">
+            <a:avLst/>
+          </a:prstGeom>
+          <a:ln>
+            <a:solidFill>
+              <a:schemeClr val="tx1"/>
+            </a:solidFill>
+            <a:tailEnd type="triangle"/>
+          </a:ln>
+        </p:spPr>
+        <p:style>
+          <a:lnRef idx="1">
+            <a:schemeClr val="accent1"/>
+          </a:lnRef>
+          <a:fillRef idx="0">
+            <a:schemeClr val="accent1"/>
+          </a:fillRef>
+          <a:effectRef idx="0">
+            <a:schemeClr val="accent1"/>
+          </a:effectRef>
+          <a:fontRef idx="minor">
+            <a:schemeClr val="tx1"/>
+          </a:fontRef>
+        </p:style>
+      </p:cxnSp>
+      <p:sp>
+        <p:nvSpPr>
+          <p:cNvPr id="17" name="CuadroTexto 16"/>
+          <p:cNvSpPr txBox="1"/>
+          <p:nvPr/>
+        </p:nvSpPr>
+        <p:spPr>
+          <a:xfrm>
+            <a:off x="5240153" y="3153515"/>
+            <a:ext cx="693019" cy="369332"/>
+          </a:xfrm>
+          <a:prstGeom prst="rect">
+            <a:avLst/>
+          </a:prstGeom>
+          <a:noFill/>
+        </p:spPr>
+        <p:txBody>
+          <a:bodyPr wrap="square" rtlCol="0">
+            <a:spAutoFit/>
+          </a:bodyPr>
+          <a:lstStyle/>
+          <a:p>
+            <a:pPr algn="ctr"/>
+            <a:r>
+              <a:rPr lang="es-ES" dirty="0" smtClean="0"/>
+              <a:t>Use</a:t>
+            </a:r>
+            <a:endParaRPr lang="es-CO" dirty="0"/>
+          </a:p>
+        </p:txBody>
+      </p:sp>
+    </p:spTree>
+    <p:extLst>
+      <p:ext uri="{BB962C8B-B14F-4D97-AF65-F5344CB8AC3E}">
+        <p14:creationId xmlns:p14="http://schemas.microsoft.com/office/powerpoint/2010/main" val="2158081201"/>
+      </p:ext>
+    </p:extLst>
+  </p:cSld>
+  <p:clrMapOvr>
+    <a:masterClrMapping/>
+  </p:clrMapOvr>
+</p:sld>
+</file>
+
+<file path=ppt/slides/slide28.xml><?xml version="1.0" encoding="utf-8"?>
+<p:sld xmlns:a="http://schemas.openxmlformats.org/drawingml/2006/main" xmlns:r="http://schemas.openxmlformats.org/officeDocument/2006/relationships" xmlns:p="http://schemas.openxmlformats.org/presentationml/2006/main">
+  <p:cSld>
+    <p:spTree>
+      <p:nvGrpSpPr>
+        <p:cNvPr id="1" name=""/>
+        <p:cNvGrpSpPr/>
+        <p:nvPr/>
+      </p:nvGrpSpPr>
+      <p:grpSpPr>
+        <a:xfrm>
+          <a:off x="0" y="0"/>
+          <a:ext cx="0" cy="0"/>
+          <a:chOff x="0" y="0"/>
+          <a:chExt cx="0" cy="0"/>
+        </a:xfrm>
+      </p:grpSpPr>
+      <p:sp>
+        <p:nvSpPr>
+          <p:cNvPr id="2" name="Título 1"/>
+          <p:cNvSpPr>
+            <a:spLocks noGrp="1"/>
+          </p:cNvSpPr>
+          <p:nvPr>
+            <p:ph type="title"/>
+          </p:nvPr>
+        </p:nvSpPr>
+        <p:spPr/>
+        <p:txBody>
+          <a:bodyPr/>
+          <a:lstStyle/>
+          <a:p>
+            <a:r>
+              <a:rPr lang="es-ES" dirty="0" smtClean="0"/>
               <a:t>Patrón </a:t>
             </a:r>
             <a:r>
@@ -9018,7 +13952,7 @@
 </p:sld>
 </file>
 
-<file path=ppt/slides/slide24.xml><?xml version="1.0" encoding="utf-8"?>
+<file path=ppt/slides/slide29.xml><?xml version="1.0" encoding="utf-8"?>
 <p:sld xmlns:a="http://schemas.openxmlformats.org/drawingml/2006/main" xmlns:r="http://schemas.openxmlformats.org/officeDocument/2006/relationships" xmlns:p="http://schemas.openxmlformats.org/presentationml/2006/main">
   <p:cSld>
     <p:spTree>

--- a/Semana 2/Presentación.pptx
+++ b/Semana 2/Presentación.pptx
@@ -7785,11 +7785,7 @@
           <a:p>
             <a:r>
               <a:rPr lang="es-ES" dirty="0" smtClean="0"/>
-              <a:t>Máscara: </a:t>
-            </a:r>
-            <a:r>
-              <a:rPr lang="es-ES" dirty="0" smtClean="0"/>
-              <a:t>255.255.224.0</a:t>
+              <a:t>Máscara: 255.255.224.0</a:t>
             </a:r>
             <a:endParaRPr lang="es-CO" dirty="0"/>
           </a:p>
@@ -7825,15 +7821,7 @@
           <a:p>
             <a:r>
               <a:rPr lang="es-ES" dirty="0" smtClean="0"/>
-              <a:t>192.168.192.0 </a:t>
-            </a:r>
-            <a:r>
-              <a:rPr lang="es-ES" dirty="0" smtClean="0"/>
-              <a:t>/ </a:t>
-            </a:r>
-            <a:r>
-              <a:rPr lang="es-ES" dirty="0" smtClean="0"/>
-              <a:t>19</a:t>
+              <a:t>192.168.192.0 / 19</a:t>
             </a:r>
             <a:endParaRPr lang="es-CO" dirty="0"/>
           </a:p>
@@ -8636,11 +8624,7 @@
           <a:p>
             <a:r>
               <a:rPr lang="es-ES" dirty="0" smtClean="0"/>
-              <a:t>¿Cuál es la dirección de subred</a:t>
-            </a:r>
-            <a:r>
-              <a:rPr lang="es-ES" dirty="0" smtClean="0"/>
-              <a:t>?</a:t>
+              <a:t>¿Cuál es la dirección de subred?</a:t>
             </a:r>
             <a:endParaRPr lang="es-CO" dirty="0"/>
           </a:p>
@@ -9117,11 +9101,7 @@
           <a:p>
             <a:r>
               <a:rPr lang="es-ES" dirty="0" smtClean="0"/>
-              <a:t>Máscara: </a:t>
-            </a:r>
-            <a:r>
-              <a:rPr lang="es-ES" dirty="0" smtClean="0"/>
-              <a:t>255.255.224.0</a:t>
+              <a:t>Máscara: 255.255.224.0</a:t>
             </a:r>
             <a:endParaRPr lang="es-CO" dirty="0"/>
           </a:p>
@@ -9157,15 +9137,7 @@
           <a:p>
             <a:r>
               <a:rPr lang="es-ES" dirty="0" smtClean="0"/>
-              <a:t>192.168.192.0 </a:t>
-            </a:r>
-            <a:r>
-              <a:rPr lang="es-ES" dirty="0" smtClean="0"/>
-              <a:t>/ </a:t>
-            </a:r>
-            <a:r>
-              <a:rPr lang="es-ES" dirty="0" smtClean="0"/>
-              <a:t>19</a:t>
+              <a:t>192.168.192.0 / 19</a:t>
             </a:r>
             <a:endParaRPr lang="es-CO" dirty="0"/>
           </a:p>
@@ -9541,11 +9513,7 @@
           <a:p>
             <a:r>
               <a:rPr lang="es-ES" dirty="0" smtClean="0"/>
-              <a:t>¿Cuál es la dirección de subred</a:t>
-            </a:r>
-            <a:r>
-              <a:rPr lang="es-ES" dirty="0" smtClean="0"/>
-              <a:t>?</a:t>
+              <a:t>¿Cuál es la dirección de subred?</a:t>
             </a:r>
             <a:endParaRPr lang="es-CO" dirty="0"/>
           </a:p>
@@ -10022,11 +9990,7 @@
           <a:p>
             <a:r>
               <a:rPr lang="es-ES" dirty="0" smtClean="0"/>
-              <a:t>Máscara: </a:t>
-            </a:r>
-            <a:r>
-              <a:rPr lang="es-ES" dirty="0" smtClean="0"/>
-              <a:t>255.255.224.0</a:t>
+              <a:t>Máscara: 255.255.224.0</a:t>
             </a:r>
             <a:endParaRPr lang="es-CO" dirty="0"/>
           </a:p>
@@ -10062,15 +10026,7 @@
           <a:p>
             <a:r>
               <a:rPr lang="es-ES" dirty="0" smtClean="0"/>
-              <a:t>192.168.192.0 </a:t>
-            </a:r>
-            <a:r>
-              <a:rPr lang="es-ES" dirty="0" smtClean="0"/>
-              <a:t>/ </a:t>
-            </a:r>
-            <a:r>
-              <a:rPr lang="es-ES" dirty="0" smtClean="0"/>
-              <a:t>19</a:t>
+              <a:t>192.168.192.0 / 19</a:t>
             </a:r>
             <a:endParaRPr lang="es-CO" dirty="0"/>
           </a:p>
@@ -10516,7 +10472,7 @@
         <p:spPr>
           <a:xfrm>
             <a:off x="268615" y="3825641"/>
-            <a:ext cx="2978664" cy="1200329"/>
+            <a:ext cx="2978664" cy="1477328"/>
           </a:xfrm>
           <a:prstGeom prst="rect">
             <a:avLst/>
@@ -10535,7 +10491,23 @@
                   <a:srgbClr val="7030A0"/>
                 </a:solidFill>
               </a:rPr>
-              <a:t>Nótese que los tres primeros bytes son comunes en todas las direcciones.</a:t>
+              <a:t>Nótese que los tres primeros </a:t>
+            </a:r>
+            <a:r>
+              <a:rPr lang="es-ES" dirty="0" smtClean="0">
+                <a:solidFill>
+                  <a:srgbClr val="7030A0"/>
+                </a:solidFill>
+              </a:rPr>
+              <a:t>bits del tercer byte </a:t>
+            </a:r>
+            <a:r>
+              <a:rPr lang="es-ES" dirty="0" smtClean="0">
+                <a:solidFill>
+                  <a:srgbClr val="7030A0"/>
+                </a:solidFill>
+              </a:rPr>
+              <a:t>son comunes en todas las direcciones.</a:t>
             </a:r>
           </a:p>
           <a:p>
@@ -10594,11 +10566,7 @@
           <a:p>
             <a:r>
               <a:rPr lang="es-ES" dirty="0" smtClean="0"/>
-              <a:t>¿Cuál es la dirección de subred</a:t>
-            </a:r>
-            <a:r>
-              <a:rPr lang="es-ES" dirty="0" smtClean="0"/>
-              <a:t>?</a:t>
+              <a:t>¿Cuál es la dirección de subred?</a:t>
             </a:r>
             <a:endParaRPr lang="es-CO" dirty="0"/>
           </a:p>
@@ -11075,11 +11043,7 @@
           <a:p>
             <a:r>
               <a:rPr lang="es-ES" dirty="0" smtClean="0"/>
-              <a:t>Máscara: </a:t>
-            </a:r>
-            <a:r>
-              <a:rPr lang="es-ES" dirty="0" smtClean="0"/>
-              <a:t>255.255.224.0</a:t>
+              <a:t>Máscara: 255.255.224.0</a:t>
             </a:r>
             <a:endParaRPr lang="es-CO" dirty="0"/>
           </a:p>
@@ -11115,15 +11079,7 @@
           <a:p>
             <a:r>
               <a:rPr lang="es-ES" dirty="0" smtClean="0"/>
-              <a:t>192.168.192.0 </a:t>
-            </a:r>
-            <a:r>
-              <a:rPr lang="es-ES" dirty="0" smtClean="0"/>
-              <a:t>/ </a:t>
-            </a:r>
-            <a:r>
-              <a:rPr lang="es-ES" dirty="0" smtClean="0"/>
-              <a:t>19</a:t>
+              <a:t>192.168.192.0 / 19</a:t>
             </a:r>
             <a:endParaRPr lang="es-CO" dirty="0"/>
           </a:p>
@@ -11583,15 +11539,21 @@
           <a:lstStyle/>
           <a:p>
             <a:r>
+              <a:rPr lang="es-ES" dirty="0">
+                <a:solidFill>
+                  <a:srgbClr val="7030A0"/>
+                </a:solidFill>
+              </a:rPr>
+              <a:t>Nótese que los tres primeros bits del tercer byte son comunes en todas las direcciones</a:t>
+            </a:r>
+            <a:r>
               <a:rPr lang="es-ES" dirty="0" smtClean="0">
                 <a:solidFill>
                   <a:srgbClr val="7030A0"/>
                 </a:solidFill>
               </a:rPr>
-              <a:t>Nótese que los tres primeros bytes son comunes en todas las direcciones.</a:t>
-            </a:r>
-          </a:p>
-          <a:p>
+              <a:t>.</a:t>
+            </a:r>
             <a:endParaRPr lang="es-ES" dirty="0">
               <a:solidFill>
                 <a:srgbClr val="7030A0"/>
@@ -11672,11 +11634,7 @@
           <a:p>
             <a:r>
               <a:rPr lang="es-ES" dirty="0" smtClean="0"/>
-              <a:t>¿Cuál es la dirección de subred</a:t>
-            </a:r>
-            <a:r>
-              <a:rPr lang="es-ES" dirty="0" smtClean="0"/>
-              <a:t>?</a:t>
+              <a:t>¿Cuál es la dirección de subred?</a:t>
             </a:r>
             <a:endParaRPr lang="es-CO" dirty="0"/>
           </a:p>
@@ -12153,11 +12111,7 @@
           <a:p>
             <a:r>
               <a:rPr lang="es-ES" dirty="0" smtClean="0"/>
-              <a:t>Máscara: </a:t>
-            </a:r>
-            <a:r>
-              <a:rPr lang="es-ES" dirty="0" smtClean="0"/>
-              <a:t>255.255.224.0</a:t>
+              <a:t>Máscara: 255.255.224.0</a:t>
             </a:r>
             <a:endParaRPr lang="es-CO" dirty="0"/>
           </a:p>
@@ -12193,15 +12147,7 @@
           <a:p>
             <a:r>
               <a:rPr lang="es-ES" dirty="0" smtClean="0"/>
-              <a:t>192.168.192.0 </a:t>
-            </a:r>
-            <a:r>
-              <a:rPr lang="es-ES" dirty="0" smtClean="0"/>
-              <a:t>/ </a:t>
-            </a:r>
-            <a:r>
-              <a:rPr lang="es-ES" dirty="0" smtClean="0"/>
-              <a:t>19</a:t>
+              <a:t>192.168.192.0 / 19</a:t>
             </a:r>
             <a:endParaRPr lang="es-CO" dirty="0"/>
           </a:p>

--- a/Semana 2/Presentación.pptx
+++ b/Semana 2/Presentación.pptx
@@ -366,7 +366,7 @@
           <a:p>
             <a:fld id="{AAE5428F-4F43-4132-90EE-793D4105280B}" type="datetimeFigureOut">
               <a:rPr lang="es-CO" smtClean="0"/>
-              <a:t>11/03/2019</a:t>
+              <a:t>12/03/2019</a:t>
             </a:fld>
             <a:endParaRPr lang="es-CO"/>
           </a:p>
@@ -574,7 +574,7 @@
           <a:p>
             <a:fld id="{AAE5428F-4F43-4132-90EE-793D4105280B}" type="datetimeFigureOut">
               <a:rPr lang="es-CO" smtClean="0"/>
-              <a:t>11/03/2019</a:t>
+              <a:t>12/03/2019</a:t>
             </a:fld>
             <a:endParaRPr lang="es-CO"/>
           </a:p>
@@ -830,7 +830,7 @@
           <a:p>
             <a:fld id="{AAE5428F-4F43-4132-90EE-793D4105280B}" type="datetimeFigureOut">
               <a:rPr lang="es-CO" smtClean="0"/>
-              <a:t>11/03/2019</a:t>
+              <a:t>12/03/2019</a:t>
             </a:fld>
             <a:endParaRPr lang="es-CO"/>
           </a:p>
@@ -1000,7 +1000,7 @@
           <a:p>
             <a:fld id="{AAE5428F-4F43-4132-90EE-793D4105280B}" type="datetimeFigureOut">
               <a:rPr lang="es-CO" smtClean="0"/>
-              <a:t>11/03/2019</a:t>
+              <a:t>12/03/2019</a:t>
             </a:fld>
             <a:endParaRPr lang="es-CO"/>
           </a:p>
@@ -1343,7 +1343,7 @@
           <a:p>
             <a:fld id="{AAE5428F-4F43-4132-90EE-793D4105280B}" type="datetimeFigureOut">
               <a:rPr lang="es-CO" smtClean="0"/>
-              <a:t>11/03/2019</a:t>
+              <a:t>12/03/2019</a:t>
             </a:fld>
             <a:endParaRPr lang="es-CO"/>
           </a:p>
@@ -1618,7 +1618,7 @@
           <a:p>
             <a:fld id="{AAE5428F-4F43-4132-90EE-793D4105280B}" type="datetimeFigureOut">
               <a:rPr lang="es-CO" smtClean="0"/>
-              <a:t>11/03/2019</a:t>
+              <a:t>12/03/2019</a:t>
             </a:fld>
             <a:endParaRPr lang="es-CO"/>
           </a:p>
@@ -1997,7 +1997,7 @@
           <a:p>
             <a:fld id="{AAE5428F-4F43-4132-90EE-793D4105280B}" type="datetimeFigureOut">
               <a:rPr lang="es-CO" smtClean="0"/>
-              <a:t>11/03/2019</a:t>
+              <a:t>12/03/2019</a:t>
             </a:fld>
             <a:endParaRPr lang="es-CO"/>
           </a:p>
@@ -2115,7 +2115,7 @@
           <a:p>
             <a:fld id="{AAE5428F-4F43-4132-90EE-793D4105280B}" type="datetimeFigureOut">
               <a:rPr lang="es-CO" smtClean="0"/>
-              <a:t>11/03/2019</a:t>
+              <a:t>12/03/2019</a:t>
             </a:fld>
             <a:endParaRPr lang="es-CO"/>
           </a:p>
@@ -2286,7 +2286,7 @@
           <a:p>
             <a:fld id="{AAE5428F-4F43-4132-90EE-793D4105280B}" type="datetimeFigureOut">
               <a:rPr lang="es-CO" smtClean="0"/>
-              <a:t>11/03/2019</a:t>
+              <a:t>12/03/2019</a:t>
             </a:fld>
             <a:endParaRPr lang="es-CO"/>
           </a:p>
@@ -2640,7 +2640,7 @@
           <a:p>
             <a:fld id="{AAE5428F-4F43-4132-90EE-793D4105280B}" type="datetimeFigureOut">
               <a:rPr lang="es-CO" smtClean="0"/>
-              <a:t>11/03/2019</a:t>
+              <a:t>12/03/2019</a:t>
             </a:fld>
             <a:endParaRPr lang="es-CO"/>
           </a:p>
@@ -3017,7 +3017,7 @@
           <a:p>
             <a:fld id="{AAE5428F-4F43-4132-90EE-793D4105280B}" type="datetimeFigureOut">
               <a:rPr lang="es-CO" smtClean="0"/>
-              <a:t>11/03/2019</a:t>
+              <a:t>12/03/2019</a:t>
             </a:fld>
             <a:endParaRPr lang="es-CO"/>
           </a:p>
@@ -3304,7 +3304,7 @@
           <a:p>
             <a:fld id="{AAE5428F-4F43-4132-90EE-793D4105280B}" type="datetimeFigureOut">
               <a:rPr lang="es-CO" smtClean="0"/>
-              <a:t>11/03/2019</a:t>
+              <a:t>12/03/2019</a:t>
             </a:fld>
             <a:endParaRPr lang="es-CO"/>
           </a:p>
@@ -10491,23 +10491,7 @@
                   <a:srgbClr val="7030A0"/>
                 </a:solidFill>
               </a:rPr>
-              <a:t>Nótese que los tres primeros </a:t>
-            </a:r>
-            <a:r>
-              <a:rPr lang="es-ES" dirty="0" smtClean="0">
-                <a:solidFill>
-                  <a:srgbClr val="7030A0"/>
-                </a:solidFill>
-              </a:rPr>
-              <a:t>bits del tercer byte </a:t>
-            </a:r>
-            <a:r>
-              <a:rPr lang="es-ES" dirty="0" smtClean="0">
-                <a:solidFill>
-                  <a:srgbClr val="7030A0"/>
-                </a:solidFill>
-              </a:rPr>
-              <a:t>son comunes en todas las direcciones.</a:t>
+              <a:t>Nótese que los tres primeros bits del tercer byte son comunes en todas las direcciones.</a:t>
             </a:r>
           </a:p>
           <a:p>
@@ -12146,8 +12130,8 @@
           </a:p>
           <a:p>
             <a:r>
-              <a:rPr lang="es-ES" dirty="0" smtClean="0"/>
-              <a:t>192.168.192.0 / 19</a:t>
+              <a:rPr lang="es-ES" smtClean="0"/>
+              <a:t>192.168.192.0</a:t>
             </a:r>
             <a:endParaRPr lang="es-CO" dirty="0"/>
           </a:p>

--- a/Semana 2/Presentación.pptx
+++ b/Semana 2/Presentación.pptx
@@ -366,7 +366,7 @@
           <a:p>
             <a:fld id="{AAE5428F-4F43-4132-90EE-793D4105280B}" type="datetimeFigureOut">
               <a:rPr lang="es-CO" smtClean="0"/>
-              <a:t>12/03/2019</a:t>
+              <a:t>18/03/2019</a:t>
             </a:fld>
             <a:endParaRPr lang="es-CO"/>
           </a:p>
@@ -574,7 +574,7 @@
           <a:p>
             <a:fld id="{AAE5428F-4F43-4132-90EE-793D4105280B}" type="datetimeFigureOut">
               <a:rPr lang="es-CO" smtClean="0"/>
-              <a:t>12/03/2019</a:t>
+              <a:t>18/03/2019</a:t>
             </a:fld>
             <a:endParaRPr lang="es-CO"/>
           </a:p>
@@ -830,7 +830,7 @@
           <a:p>
             <a:fld id="{AAE5428F-4F43-4132-90EE-793D4105280B}" type="datetimeFigureOut">
               <a:rPr lang="es-CO" smtClean="0"/>
-              <a:t>12/03/2019</a:t>
+              <a:t>18/03/2019</a:t>
             </a:fld>
             <a:endParaRPr lang="es-CO"/>
           </a:p>
@@ -1000,7 +1000,7 @@
           <a:p>
             <a:fld id="{AAE5428F-4F43-4132-90EE-793D4105280B}" type="datetimeFigureOut">
               <a:rPr lang="es-CO" smtClean="0"/>
-              <a:t>12/03/2019</a:t>
+              <a:t>18/03/2019</a:t>
             </a:fld>
             <a:endParaRPr lang="es-CO"/>
           </a:p>
@@ -1343,7 +1343,7 @@
           <a:p>
             <a:fld id="{AAE5428F-4F43-4132-90EE-793D4105280B}" type="datetimeFigureOut">
               <a:rPr lang="es-CO" smtClean="0"/>
-              <a:t>12/03/2019</a:t>
+              <a:t>18/03/2019</a:t>
             </a:fld>
             <a:endParaRPr lang="es-CO"/>
           </a:p>
@@ -1618,7 +1618,7 @@
           <a:p>
             <a:fld id="{AAE5428F-4F43-4132-90EE-793D4105280B}" type="datetimeFigureOut">
               <a:rPr lang="es-CO" smtClean="0"/>
-              <a:t>12/03/2019</a:t>
+              <a:t>18/03/2019</a:t>
             </a:fld>
             <a:endParaRPr lang="es-CO"/>
           </a:p>
@@ -1997,7 +1997,7 @@
           <a:p>
             <a:fld id="{AAE5428F-4F43-4132-90EE-793D4105280B}" type="datetimeFigureOut">
               <a:rPr lang="es-CO" smtClean="0"/>
-              <a:t>12/03/2019</a:t>
+              <a:t>18/03/2019</a:t>
             </a:fld>
             <a:endParaRPr lang="es-CO"/>
           </a:p>
@@ -2115,7 +2115,7 @@
           <a:p>
             <a:fld id="{AAE5428F-4F43-4132-90EE-793D4105280B}" type="datetimeFigureOut">
               <a:rPr lang="es-CO" smtClean="0"/>
-              <a:t>12/03/2019</a:t>
+              <a:t>18/03/2019</a:t>
             </a:fld>
             <a:endParaRPr lang="es-CO"/>
           </a:p>
@@ -2286,7 +2286,7 @@
           <a:p>
             <a:fld id="{AAE5428F-4F43-4132-90EE-793D4105280B}" type="datetimeFigureOut">
               <a:rPr lang="es-CO" smtClean="0"/>
-              <a:t>12/03/2019</a:t>
+              <a:t>18/03/2019</a:t>
             </a:fld>
             <a:endParaRPr lang="es-CO"/>
           </a:p>
@@ -2640,7 +2640,7 @@
           <a:p>
             <a:fld id="{AAE5428F-4F43-4132-90EE-793D4105280B}" type="datetimeFigureOut">
               <a:rPr lang="es-CO" smtClean="0"/>
-              <a:t>12/03/2019</a:t>
+              <a:t>18/03/2019</a:t>
             </a:fld>
             <a:endParaRPr lang="es-CO"/>
           </a:p>
@@ -3017,7 +3017,7 @@
           <a:p>
             <a:fld id="{AAE5428F-4F43-4132-90EE-793D4105280B}" type="datetimeFigureOut">
               <a:rPr lang="es-CO" smtClean="0"/>
-              <a:t>12/03/2019</a:t>
+              <a:t>18/03/2019</a:t>
             </a:fld>
             <a:endParaRPr lang="es-CO"/>
           </a:p>
@@ -3304,7 +3304,7 @@
           <a:p>
             <a:fld id="{AAE5428F-4F43-4132-90EE-793D4105280B}" type="datetimeFigureOut">
               <a:rPr lang="es-CO" smtClean="0"/>
-              <a:t>12/03/2019</a:t>
+              <a:t>18/03/2019</a:t>
             </a:fld>
             <a:endParaRPr lang="es-CO"/>
           </a:p>
@@ -7821,7 +7821,7 @@
           <a:p>
             <a:r>
               <a:rPr lang="es-ES" dirty="0" smtClean="0"/>
-              <a:t>192.168.192.0 / 19</a:t>
+              <a:t>192.168.192.0 </a:t>
             </a:r>
             <a:endParaRPr lang="es-CO" dirty="0"/>
           </a:p>
@@ -9137,7 +9137,7 @@
           <a:p>
             <a:r>
               <a:rPr lang="es-ES" dirty="0" smtClean="0"/>
-              <a:t>192.168.192.0 / 19</a:t>
+              <a:t>192.168.192.0 </a:t>
             </a:r>
             <a:endParaRPr lang="es-CO" dirty="0"/>
           </a:p>
@@ -10026,7 +10026,7 @@
           <a:p>
             <a:r>
               <a:rPr lang="es-ES" dirty="0" smtClean="0"/>
-              <a:t>192.168.192.0 / 19</a:t>
+              <a:t>192.168.192.0 </a:t>
             </a:r>
             <a:endParaRPr lang="es-CO" dirty="0"/>
           </a:p>
@@ -11063,7 +11063,7 @@
           <a:p>
             <a:r>
               <a:rPr lang="es-ES" dirty="0" smtClean="0"/>
-              <a:t>192.168.192.0 / 19</a:t>
+              <a:t>192.168.192.0 </a:t>
             </a:r>
             <a:endParaRPr lang="es-CO" dirty="0"/>
           </a:p>
